--- a/Azure Synapse Analytics PoC Environment.pptx
+++ b/Azure Synapse Analytics PoC Environment.pptx
@@ -109,6 +109,11 @@
       </a:defRPr>
     </a:lvl9pPr>
   </p:defaultTextStyle>
+  <p:extLst>
+    <p:ext uri="{EFAFB233-063F-42B5-8137-9DF3F51BA10A}">
+      <p15:sldGuideLst xmlns:p15="http://schemas.microsoft.com/office/powerpoint/2012/main"/>
+    </p:ext>
+  </p:extLst>
 </p:presentation>
 </file>
 
@@ -259,7 +264,7 @@
           <a:p>
             <a:fld id="{440A345A-3D28-4D0B-AD34-7B8B4219FF1D}" type="datetimeFigureOut">
               <a:rPr lang="en-US" smtClean="0"/>
-              <a:t>8/5/2021</a:t>
+              <a:t>10/4/2021</a:t>
             </a:fld>
             <a:endParaRPr lang="en-US"/>
           </a:p>
@@ -457,7 +462,7 @@
           <a:p>
             <a:fld id="{440A345A-3D28-4D0B-AD34-7B8B4219FF1D}" type="datetimeFigureOut">
               <a:rPr lang="en-US" smtClean="0"/>
-              <a:t>8/5/2021</a:t>
+              <a:t>10/4/2021</a:t>
             </a:fld>
             <a:endParaRPr lang="en-US"/>
           </a:p>
@@ -665,7 +670,7 @@
           <a:p>
             <a:fld id="{440A345A-3D28-4D0B-AD34-7B8B4219FF1D}" type="datetimeFigureOut">
               <a:rPr lang="en-US" smtClean="0"/>
-              <a:t>8/5/2021</a:t>
+              <a:t>10/4/2021</a:t>
             </a:fld>
             <a:endParaRPr lang="en-US"/>
           </a:p>
@@ -863,7 +868,7 @@
           <a:p>
             <a:fld id="{440A345A-3D28-4D0B-AD34-7B8B4219FF1D}" type="datetimeFigureOut">
               <a:rPr lang="en-US" smtClean="0"/>
-              <a:t>8/5/2021</a:t>
+              <a:t>10/4/2021</a:t>
             </a:fld>
             <a:endParaRPr lang="en-US"/>
           </a:p>
@@ -1138,7 +1143,7 @@
           <a:p>
             <a:fld id="{440A345A-3D28-4D0B-AD34-7B8B4219FF1D}" type="datetimeFigureOut">
               <a:rPr lang="en-US" smtClean="0"/>
-              <a:t>8/5/2021</a:t>
+              <a:t>10/4/2021</a:t>
             </a:fld>
             <a:endParaRPr lang="en-US"/>
           </a:p>
@@ -1403,7 +1408,7 @@
           <a:p>
             <a:fld id="{440A345A-3D28-4D0B-AD34-7B8B4219FF1D}" type="datetimeFigureOut">
               <a:rPr lang="en-US" smtClean="0"/>
-              <a:t>8/5/2021</a:t>
+              <a:t>10/4/2021</a:t>
             </a:fld>
             <a:endParaRPr lang="en-US"/>
           </a:p>
@@ -1815,7 +1820,7 @@
           <a:p>
             <a:fld id="{440A345A-3D28-4D0B-AD34-7B8B4219FF1D}" type="datetimeFigureOut">
               <a:rPr lang="en-US" smtClean="0"/>
-              <a:t>8/5/2021</a:t>
+              <a:t>10/4/2021</a:t>
             </a:fld>
             <a:endParaRPr lang="en-US"/>
           </a:p>
@@ -1956,7 +1961,7 @@
           <a:p>
             <a:fld id="{440A345A-3D28-4D0B-AD34-7B8B4219FF1D}" type="datetimeFigureOut">
               <a:rPr lang="en-US" smtClean="0"/>
-              <a:t>8/5/2021</a:t>
+              <a:t>10/4/2021</a:t>
             </a:fld>
             <a:endParaRPr lang="en-US"/>
           </a:p>
@@ -2069,7 +2074,7 @@
           <a:p>
             <a:fld id="{440A345A-3D28-4D0B-AD34-7B8B4219FF1D}" type="datetimeFigureOut">
               <a:rPr lang="en-US" smtClean="0"/>
-              <a:t>8/5/2021</a:t>
+              <a:t>10/4/2021</a:t>
             </a:fld>
             <a:endParaRPr lang="en-US"/>
           </a:p>
@@ -2380,7 +2385,7 @@
           <a:p>
             <a:fld id="{440A345A-3D28-4D0B-AD34-7B8B4219FF1D}" type="datetimeFigureOut">
               <a:rPr lang="en-US" smtClean="0"/>
-              <a:t>8/5/2021</a:t>
+              <a:t>10/4/2021</a:t>
             </a:fld>
             <a:endParaRPr lang="en-US"/>
           </a:p>
@@ -2668,7 +2673,7 @@
           <a:p>
             <a:fld id="{440A345A-3D28-4D0B-AD34-7B8B4219FF1D}" type="datetimeFigureOut">
               <a:rPr lang="en-US" smtClean="0"/>
-              <a:t>8/5/2021</a:t>
+              <a:t>10/4/2021</a:t>
             </a:fld>
             <a:endParaRPr lang="en-US"/>
           </a:p>
@@ -2909,7 +2914,7 @@
           <a:p>
             <a:fld id="{440A345A-3D28-4D0B-AD34-7B8B4219FF1D}" type="datetimeFigureOut">
               <a:rPr lang="en-US" smtClean="0"/>
-              <a:t>8/5/2021</a:t>
+              <a:t>10/4/2021</a:t>
             </a:fld>
             <a:endParaRPr lang="en-US"/>
           </a:p>
@@ -7191,7 +7196,7 @@
                 <a:ea typeface="+mn-ea"/>
                 <a:cs typeface="Segoe UI" panose="020B0502040204020203" pitchFamily="34" charset="0"/>
               </a:rPr>
-              <a:t>./configure.sh		(Configurations that can’t be done in Terraform)</a:t>
+              <a:t>bash configure.sh	(Configurations that can’t be done in Terraform)</a:t>
             </a:r>
             <a:endParaRPr kumimoji="0" lang="en-US" sz="1400" b="0" i="0" u="none" strike="noStrike" kern="1200" cap="none" spc="0" normalizeH="0" baseline="0" noProof="0" dirty="0">
               <a:ln>

--- a/Azure Synapse Analytics PoC Environment.pptx
+++ b/Azure Synapse Analytics PoC Environment.pptx
@@ -264,7 +264,7 @@
           <a:p>
             <a:fld id="{440A345A-3D28-4D0B-AD34-7B8B4219FF1D}" type="datetimeFigureOut">
               <a:rPr lang="en-US" smtClean="0"/>
-              <a:t>10/4/2021</a:t>
+              <a:t>10/8/2021</a:t>
             </a:fld>
             <a:endParaRPr lang="en-US"/>
           </a:p>
@@ -462,7 +462,7 @@
           <a:p>
             <a:fld id="{440A345A-3D28-4D0B-AD34-7B8B4219FF1D}" type="datetimeFigureOut">
               <a:rPr lang="en-US" smtClean="0"/>
-              <a:t>10/4/2021</a:t>
+              <a:t>10/8/2021</a:t>
             </a:fld>
             <a:endParaRPr lang="en-US"/>
           </a:p>
@@ -670,7 +670,7 @@
           <a:p>
             <a:fld id="{440A345A-3D28-4D0B-AD34-7B8B4219FF1D}" type="datetimeFigureOut">
               <a:rPr lang="en-US" smtClean="0"/>
-              <a:t>10/4/2021</a:t>
+              <a:t>10/8/2021</a:t>
             </a:fld>
             <a:endParaRPr lang="en-US"/>
           </a:p>
@@ -868,7 +868,7 @@
           <a:p>
             <a:fld id="{440A345A-3D28-4D0B-AD34-7B8B4219FF1D}" type="datetimeFigureOut">
               <a:rPr lang="en-US" smtClean="0"/>
-              <a:t>10/4/2021</a:t>
+              <a:t>10/8/2021</a:t>
             </a:fld>
             <a:endParaRPr lang="en-US"/>
           </a:p>
@@ -1143,7 +1143,7 @@
           <a:p>
             <a:fld id="{440A345A-3D28-4D0B-AD34-7B8B4219FF1D}" type="datetimeFigureOut">
               <a:rPr lang="en-US" smtClean="0"/>
-              <a:t>10/4/2021</a:t>
+              <a:t>10/8/2021</a:t>
             </a:fld>
             <a:endParaRPr lang="en-US"/>
           </a:p>
@@ -1408,7 +1408,7 @@
           <a:p>
             <a:fld id="{440A345A-3D28-4D0B-AD34-7B8B4219FF1D}" type="datetimeFigureOut">
               <a:rPr lang="en-US" smtClean="0"/>
-              <a:t>10/4/2021</a:t>
+              <a:t>10/8/2021</a:t>
             </a:fld>
             <a:endParaRPr lang="en-US"/>
           </a:p>
@@ -1820,7 +1820,7 @@
           <a:p>
             <a:fld id="{440A345A-3D28-4D0B-AD34-7B8B4219FF1D}" type="datetimeFigureOut">
               <a:rPr lang="en-US" smtClean="0"/>
-              <a:t>10/4/2021</a:t>
+              <a:t>10/8/2021</a:t>
             </a:fld>
             <a:endParaRPr lang="en-US"/>
           </a:p>
@@ -1961,7 +1961,7 @@
           <a:p>
             <a:fld id="{440A345A-3D28-4D0B-AD34-7B8B4219FF1D}" type="datetimeFigureOut">
               <a:rPr lang="en-US" smtClean="0"/>
-              <a:t>10/4/2021</a:t>
+              <a:t>10/8/2021</a:t>
             </a:fld>
             <a:endParaRPr lang="en-US"/>
           </a:p>
@@ -2074,7 +2074,7 @@
           <a:p>
             <a:fld id="{440A345A-3D28-4D0B-AD34-7B8B4219FF1D}" type="datetimeFigureOut">
               <a:rPr lang="en-US" smtClean="0"/>
-              <a:t>10/4/2021</a:t>
+              <a:t>10/8/2021</a:t>
             </a:fld>
             <a:endParaRPr lang="en-US"/>
           </a:p>
@@ -2385,7 +2385,7 @@
           <a:p>
             <a:fld id="{440A345A-3D28-4D0B-AD34-7B8B4219FF1D}" type="datetimeFigureOut">
               <a:rPr lang="en-US" smtClean="0"/>
-              <a:t>10/4/2021</a:t>
+              <a:t>10/8/2021</a:t>
             </a:fld>
             <a:endParaRPr lang="en-US"/>
           </a:p>
@@ -2673,7 +2673,7 @@
           <a:p>
             <a:fld id="{440A345A-3D28-4D0B-AD34-7B8B4219FF1D}" type="datetimeFigureOut">
               <a:rPr lang="en-US" smtClean="0"/>
-              <a:t>10/4/2021</a:t>
+              <a:t>10/8/2021</a:t>
             </a:fld>
             <a:endParaRPr lang="en-US"/>
           </a:p>
@@ -2914,7 +2914,7 @@
           <a:p>
             <a:fld id="{440A345A-3D28-4D0B-AD34-7B8B4219FF1D}" type="datetimeFigureOut">
               <a:rPr lang="en-US" smtClean="0"/>
-              <a:t>10/4/2021</a:t>
+              <a:t>10/8/2021</a:t>
             </a:fld>
             <a:endParaRPr lang="en-US"/>
           </a:p>
@@ -4085,6 +4085,18 @@
   <p:clrMapOvr>
     <a:masterClrMapping/>
   </p:clrMapOvr>
+  <mc:AlternateContent xmlns:mc="http://schemas.openxmlformats.org/markup-compatibility/2006">
+    <mc:Choice xmlns:p159="http://schemas.microsoft.com/office/powerpoint/2015/09/main" Requires="p159">
+      <p:transition xmlns:p14="http://schemas.microsoft.com/office/powerpoint/2010/main" spd="slow" p14:dur="2000">
+        <p159:morph option="byObject"/>
+      </p:transition>
+    </mc:Choice>
+    <mc:Fallback>
+      <p:transition spd="slow">
+        <p:fade/>
+      </p:transition>
+    </mc:Fallback>
+  </mc:AlternateContent>
 </p:sld>
 </file>
 
@@ -6933,7 +6945,45 @@
                 <a:ea typeface="+mn-ea"/>
                 <a:cs typeface="Segoe UI" panose="020B0502040204020203" pitchFamily="34" charset="0"/>
               </a:rPr>
-              <a:t>nano environment.tf	(Edit the variables to your environment)</a:t>
+              <a:t>nano </a:t>
+            </a:r>
+            <a:r>
+              <a:rPr kumimoji="0" lang="en-US" sz="800" b="0" i="0" u="none" strike="noStrike" kern="1200" cap="none" spc="0" normalizeH="0" baseline="0" noProof="0" dirty="0" err="1">
+                <a:ln>
+                  <a:noFill/>
+                </a:ln>
+                <a:solidFill>
+                  <a:srgbClr val="A5A5A5">
+                    <a:lumMod val="75000"/>
+                  </a:srgbClr>
+                </a:solidFill>
+                <a:effectLst/>
+                <a:uLnTx/>
+                <a:uFillTx/>
+                <a:latin typeface="Segoe UI" panose="020B0502040204020203" pitchFamily="34" charset="0"/>
+                <a:ea typeface="+mn-ea"/>
+                <a:cs typeface="Segoe UI" panose="020B0502040204020203" pitchFamily="34" charset="0"/>
+              </a:rPr>
+              <a:t>terraform.tfvars</a:t>
+            </a:r>
+            <a:r>
+              <a:rPr kumimoji="0" lang="en-US" sz="800" b="0" i="0" u="none" strike="noStrike" kern="1200" cap="none" spc="0" normalizeH="0" baseline="0" noProof="0" dirty="0">
+                <a:ln>
+                  <a:noFill/>
+                </a:ln>
+                <a:solidFill>
+                  <a:srgbClr val="A5A5A5">
+                    <a:lumMod val="75000"/>
+                  </a:srgbClr>
+                </a:solidFill>
+                <a:effectLst/>
+                <a:uLnTx/>
+                <a:uFillTx/>
+                <a:latin typeface="Segoe UI" panose="020B0502040204020203" pitchFamily="34" charset="0"/>
+                <a:ea typeface="+mn-ea"/>
+                <a:cs typeface="Segoe UI" panose="020B0502040204020203" pitchFamily="34" charset="0"/>
+              </a:rPr>
+              <a:t>	(Edit the variables to your environment)</a:t>
             </a:r>
           </a:p>
           <a:p>
@@ -8242,6 +8292,18 @@
   <p:clrMapOvr>
     <a:masterClrMapping/>
   </p:clrMapOvr>
+  <mc:AlternateContent xmlns:mc="http://schemas.openxmlformats.org/markup-compatibility/2006">
+    <mc:Choice xmlns:p159="http://schemas.microsoft.com/office/powerpoint/2015/09/main" Requires="p159">
+      <p:transition xmlns:p14="http://schemas.microsoft.com/office/powerpoint/2010/main" spd="slow" p14:dur="2000">
+        <p159:morph option="byObject"/>
+      </p:transition>
+    </mc:Choice>
+    <mc:Fallback>
+      <p:transition spd="slow">
+        <p:fade/>
+      </p:transition>
+    </mc:Fallback>
+  </mc:AlternateContent>
 </p:sld>
 </file>
 
@@ -11044,6 +11106,18 @@
   <p:clrMapOvr>
     <a:masterClrMapping/>
   </p:clrMapOvr>
+  <mc:AlternateContent xmlns:mc="http://schemas.openxmlformats.org/markup-compatibility/2006">
+    <mc:Choice xmlns:p159="http://schemas.microsoft.com/office/powerpoint/2015/09/main" Requires="p159">
+      <p:transition xmlns:p14="http://schemas.microsoft.com/office/powerpoint/2010/main" spd="slow" p14:dur="2000">
+        <p159:morph option="byObject"/>
+      </p:transition>
+    </mc:Choice>
+    <mc:Fallback>
+      <p:transition spd="slow">
+        <p:fade/>
+      </p:transition>
+    </mc:Fallback>
+  </mc:AlternateContent>
 </p:sld>
 </file>
 
@@ -15133,6 +15207,18 @@
   <p:clrMapOvr>
     <a:masterClrMapping/>
   </p:clrMapOvr>
+  <mc:AlternateContent xmlns:mc="http://schemas.openxmlformats.org/markup-compatibility/2006">
+    <mc:Choice xmlns:p159="http://schemas.microsoft.com/office/powerpoint/2015/09/main" Requires="p159">
+      <p:transition xmlns:p14="http://schemas.microsoft.com/office/powerpoint/2010/main" spd="slow" p14:dur="2000">
+        <p159:morph option="byObject"/>
+      </p:transition>
+    </mc:Choice>
+    <mc:Fallback>
+      <p:transition spd="slow">
+        <p:fade/>
+      </p:transition>
+    </mc:Fallback>
+  </mc:AlternateContent>
 </p:sld>
 </file>
 
@@ -18896,6 +18982,18 @@
   <p:clrMapOvr>
     <a:masterClrMapping/>
   </p:clrMapOvr>
+  <mc:AlternateContent xmlns:mc="http://schemas.openxmlformats.org/markup-compatibility/2006">
+    <mc:Choice xmlns:p159="http://schemas.microsoft.com/office/powerpoint/2015/09/main" Requires="p159">
+      <p:transition xmlns:p14="http://schemas.microsoft.com/office/powerpoint/2010/main" spd="slow" p14:dur="2000">
+        <p159:morph option="byObject"/>
+      </p:transition>
+    </mc:Choice>
+    <mc:Fallback>
+      <p:transition spd="slow">
+        <p:fade/>
+      </p:transition>
+    </mc:Fallback>
+  </mc:AlternateContent>
 </p:sld>
 </file>
 
@@ -21852,6 +21950,18 @@
   <p:clrMapOvr>
     <a:masterClrMapping/>
   </p:clrMapOvr>
+  <mc:AlternateContent xmlns:mc="http://schemas.openxmlformats.org/markup-compatibility/2006">
+    <mc:Choice xmlns:p159="http://schemas.microsoft.com/office/powerpoint/2015/09/main" Requires="p159">
+      <p:transition xmlns:p14="http://schemas.microsoft.com/office/powerpoint/2010/main" spd="slow" p14:dur="2000">
+        <p159:morph option="byObject"/>
+      </p:transition>
+    </mc:Choice>
+    <mc:Fallback>
+      <p:transition spd="slow">
+        <p:fade/>
+      </p:transition>
+    </mc:Fallback>
+  </mc:AlternateContent>
 </p:sld>
 </file>
 

--- a/Azure Synapse Analytics PoC Environment.pptx
+++ b/Azure Synapse Analytics PoC Environment.pptx
@@ -264,7 +264,7 @@
           <a:p>
             <a:fld id="{440A345A-3D28-4D0B-AD34-7B8B4219FF1D}" type="datetimeFigureOut">
               <a:rPr lang="en-US" smtClean="0"/>
-              <a:t>10/8/2021</a:t>
+              <a:t>10/12/2021</a:t>
             </a:fld>
             <a:endParaRPr lang="en-US"/>
           </a:p>
@@ -462,7 +462,7 @@
           <a:p>
             <a:fld id="{440A345A-3D28-4D0B-AD34-7B8B4219FF1D}" type="datetimeFigureOut">
               <a:rPr lang="en-US" smtClean="0"/>
-              <a:t>10/8/2021</a:t>
+              <a:t>10/12/2021</a:t>
             </a:fld>
             <a:endParaRPr lang="en-US"/>
           </a:p>
@@ -670,7 +670,7 @@
           <a:p>
             <a:fld id="{440A345A-3D28-4D0B-AD34-7B8B4219FF1D}" type="datetimeFigureOut">
               <a:rPr lang="en-US" smtClean="0"/>
-              <a:t>10/8/2021</a:t>
+              <a:t>10/12/2021</a:t>
             </a:fld>
             <a:endParaRPr lang="en-US"/>
           </a:p>
@@ -868,7 +868,7 @@
           <a:p>
             <a:fld id="{440A345A-3D28-4D0B-AD34-7B8B4219FF1D}" type="datetimeFigureOut">
               <a:rPr lang="en-US" smtClean="0"/>
-              <a:t>10/8/2021</a:t>
+              <a:t>10/12/2021</a:t>
             </a:fld>
             <a:endParaRPr lang="en-US"/>
           </a:p>
@@ -1143,7 +1143,7 @@
           <a:p>
             <a:fld id="{440A345A-3D28-4D0B-AD34-7B8B4219FF1D}" type="datetimeFigureOut">
               <a:rPr lang="en-US" smtClean="0"/>
-              <a:t>10/8/2021</a:t>
+              <a:t>10/12/2021</a:t>
             </a:fld>
             <a:endParaRPr lang="en-US"/>
           </a:p>
@@ -1408,7 +1408,7 @@
           <a:p>
             <a:fld id="{440A345A-3D28-4D0B-AD34-7B8B4219FF1D}" type="datetimeFigureOut">
               <a:rPr lang="en-US" smtClean="0"/>
-              <a:t>10/8/2021</a:t>
+              <a:t>10/12/2021</a:t>
             </a:fld>
             <a:endParaRPr lang="en-US"/>
           </a:p>
@@ -1820,7 +1820,7 @@
           <a:p>
             <a:fld id="{440A345A-3D28-4D0B-AD34-7B8B4219FF1D}" type="datetimeFigureOut">
               <a:rPr lang="en-US" smtClean="0"/>
-              <a:t>10/8/2021</a:t>
+              <a:t>10/12/2021</a:t>
             </a:fld>
             <a:endParaRPr lang="en-US"/>
           </a:p>
@@ -1961,7 +1961,7 @@
           <a:p>
             <a:fld id="{440A345A-3D28-4D0B-AD34-7B8B4219FF1D}" type="datetimeFigureOut">
               <a:rPr lang="en-US" smtClean="0"/>
-              <a:t>10/8/2021</a:t>
+              <a:t>10/12/2021</a:t>
             </a:fld>
             <a:endParaRPr lang="en-US"/>
           </a:p>
@@ -2074,7 +2074,7 @@
           <a:p>
             <a:fld id="{440A345A-3D28-4D0B-AD34-7B8B4219FF1D}" type="datetimeFigureOut">
               <a:rPr lang="en-US" smtClean="0"/>
-              <a:t>10/8/2021</a:t>
+              <a:t>10/12/2021</a:t>
             </a:fld>
             <a:endParaRPr lang="en-US"/>
           </a:p>
@@ -2385,7 +2385,7 @@
           <a:p>
             <a:fld id="{440A345A-3D28-4D0B-AD34-7B8B4219FF1D}" type="datetimeFigureOut">
               <a:rPr lang="en-US" smtClean="0"/>
-              <a:t>10/8/2021</a:t>
+              <a:t>10/12/2021</a:t>
             </a:fld>
             <a:endParaRPr lang="en-US"/>
           </a:p>
@@ -2673,7 +2673,7 @@
           <a:p>
             <a:fld id="{440A345A-3D28-4D0B-AD34-7B8B4219FF1D}" type="datetimeFigureOut">
               <a:rPr lang="en-US" smtClean="0"/>
-              <a:t>10/8/2021</a:t>
+              <a:t>10/12/2021</a:t>
             </a:fld>
             <a:endParaRPr lang="en-US"/>
           </a:p>
@@ -2914,7 +2914,7 @@
           <a:p>
             <a:fld id="{440A345A-3D28-4D0B-AD34-7B8B4219FF1D}" type="datetimeFigureOut">
               <a:rPr lang="en-US" smtClean="0"/>
-              <a:t>10/8/2021</a:t>
+              <a:t>10/12/2021</a:t>
             </a:fld>
             <a:endParaRPr lang="en-US"/>
           </a:p>
@@ -4085,13 +4085,13 @@
   <p:clrMapOvr>
     <a:masterClrMapping/>
   </p:clrMapOvr>
-  <mc:AlternateContent xmlns:mc="http://schemas.openxmlformats.org/markup-compatibility/2006">
-    <mc:Choice xmlns:p159="http://schemas.microsoft.com/office/powerpoint/2015/09/main" Requires="p159">
+  <mc:AlternateContent xmlns:mc="http://schemas.openxmlformats.org/markup-compatibility/2006" xmlns:p159="http://schemas.microsoft.com/office/powerpoint/2015/09/main">
+    <mc:Choice Requires="p159">
       <p:transition xmlns:p14="http://schemas.microsoft.com/office/powerpoint/2010/main" spd="slow" p14:dur="2000">
         <p159:morph option="byObject"/>
       </p:transition>
     </mc:Choice>
-    <mc:Fallback>
+    <mc:Fallback xmlns="">
       <p:transition spd="slow">
         <p:fade/>
       </p:transition>
@@ -6579,8 +6579,8 @@
         </p:nvSpPr>
         <p:spPr>
           <a:xfrm>
-            <a:off x="126715" y="1264244"/>
-            <a:ext cx="5247883" cy="4924425"/>
+            <a:off x="126715" y="894912"/>
+            <a:ext cx="5247883" cy="5539978"/>
           </a:xfrm>
           <a:prstGeom prst="rect">
             <a:avLst/>
@@ -8209,9 +8209,18 @@
               </a:rPr>
               <a:t>)</a:t>
             </a:r>
-          </a:p>
-          <a:p>
-            <a:pPr marL="1085850" marR="0" lvl="2" indent="-171450" algn="l" defTabSz="914400" rtl="0" eaLnBrk="1" fontAlgn="auto" latinLnBrk="0" hangingPunct="1">
+            <a:endParaRPr lang="en-US" sz="800" dirty="0">
+              <a:solidFill>
+                <a:srgbClr val="A5A5A5">
+                  <a:lumMod val="75000"/>
+                </a:srgbClr>
+              </a:solidFill>
+              <a:latin typeface="Segoe UI" panose="020B0502040204020203" pitchFamily="34" charset="0"/>
+              <a:cs typeface="Segoe UI" panose="020B0502040204020203" pitchFamily="34" charset="0"/>
+            </a:endParaRPr>
+          </a:p>
+          <a:p>
+            <a:pPr marL="628650" marR="0" lvl="1" indent="-171450" algn="l" defTabSz="914400" rtl="0" eaLnBrk="1" fontAlgn="auto" latinLnBrk="0" hangingPunct="1">
               <a:lnSpc>
                 <a:spcPct val="100000"/>
               </a:lnSpc>
@@ -8228,6 +8237,185 @@
               <a:tabLst/>
               <a:defRPr/>
             </a:pPr>
+            <a:endParaRPr kumimoji="0" lang="en-US" sz="800" b="0" i="0" u="none" strike="noStrike" kern="1200" cap="none" spc="0" normalizeH="0" baseline="0" noProof="0" dirty="0">
+              <a:ln>
+                <a:noFill/>
+              </a:ln>
+              <a:solidFill>
+                <a:srgbClr val="A5A5A5">
+                  <a:lumMod val="75000"/>
+                </a:srgbClr>
+              </a:solidFill>
+              <a:effectLst/>
+              <a:uLnTx/>
+              <a:uFillTx/>
+              <a:latin typeface="Segoe UI" panose="020B0502040204020203" pitchFamily="34" charset="0"/>
+              <a:ea typeface="+mn-ea"/>
+              <a:cs typeface="Segoe UI" panose="020B0502040204020203" pitchFamily="34" charset="0"/>
+            </a:endParaRPr>
+          </a:p>
+          <a:p>
+            <a:pPr marL="628650" marR="0" lvl="1" indent="-171450" algn="l" defTabSz="914400" rtl="0" eaLnBrk="1" fontAlgn="auto" latinLnBrk="0" hangingPunct="1">
+              <a:lnSpc>
+                <a:spcPct val="100000"/>
+              </a:lnSpc>
+              <a:spcBef>
+                <a:spcPts val="0"/>
+              </a:spcBef>
+              <a:spcAft>
+                <a:spcPts val="0"/>
+              </a:spcAft>
+              <a:buClrTx/>
+              <a:buSzTx/>
+              <a:buFont typeface="Arial" panose="020B0604020202020204" pitchFamily="34" charset="0"/>
+              <a:buChar char="•"/>
+              <a:tabLst/>
+              <a:defRPr/>
+            </a:pPr>
+            <a:r>
+              <a:rPr lang="en-US" sz="800" dirty="0">
+                <a:solidFill>
+                  <a:srgbClr val="A5A5A5">
+                    <a:lumMod val="75000"/>
+                  </a:srgbClr>
+                </a:solidFill>
+                <a:latin typeface="Segoe UI" panose="020B0502040204020203" pitchFamily="34" charset="0"/>
+                <a:cs typeface="Segoe UI" panose="020B0502040204020203" pitchFamily="34" charset="0"/>
+              </a:rPr>
+              <a:t>Serverless SQL Demo Data Database</a:t>
+            </a:r>
+          </a:p>
+          <a:p>
+            <a:pPr marL="628650" marR="0" lvl="1" indent="-171450" algn="l" defTabSz="914400" rtl="0" eaLnBrk="1" fontAlgn="auto" latinLnBrk="0" hangingPunct="1">
+              <a:lnSpc>
+                <a:spcPct val="100000"/>
+              </a:lnSpc>
+              <a:spcBef>
+                <a:spcPts val="0"/>
+              </a:spcBef>
+              <a:spcAft>
+                <a:spcPts val="0"/>
+              </a:spcAft>
+              <a:buClrTx/>
+              <a:buSzTx/>
+              <a:buFont typeface="Arial" panose="020B0604020202020204" pitchFamily="34" charset="0"/>
+              <a:buChar char="•"/>
+              <a:tabLst/>
+              <a:defRPr/>
+            </a:pPr>
+            <a:endParaRPr kumimoji="0" lang="en-US" sz="800" b="0" i="0" u="none" strike="noStrike" kern="1200" cap="none" spc="0" normalizeH="0" baseline="0" noProof="0" dirty="0">
+              <a:ln>
+                <a:noFill/>
+              </a:ln>
+              <a:solidFill>
+                <a:srgbClr val="A5A5A5">
+                  <a:lumMod val="75000"/>
+                </a:srgbClr>
+              </a:solidFill>
+              <a:effectLst/>
+              <a:uLnTx/>
+              <a:uFillTx/>
+              <a:latin typeface="Segoe UI" panose="020B0502040204020203" pitchFamily="34" charset="0"/>
+              <a:ea typeface="+mn-ea"/>
+              <a:cs typeface="Segoe UI" panose="020B0502040204020203" pitchFamily="34" charset="0"/>
+            </a:endParaRPr>
+          </a:p>
+          <a:p>
+            <a:pPr marL="628650" marR="0" lvl="1" indent="-171450" algn="l" defTabSz="914400" rtl="0" eaLnBrk="1" fontAlgn="auto" latinLnBrk="0" hangingPunct="1">
+              <a:lnSpc>
+                <a:spcPct val="100000"/>
+              </a:lnSpc>
+              <a:spcBef>
+                <a:spcPts val="0"/>
+              </a:spcBef>
+              <a:spcAft>
+                <a:spcPts val="0"/>
+              </a:spcAft>
+              <a:buClrTx/>
+              <a:buSzTx/>
+              <a:buFont typeface="Arial" panose="020B0604020202020204" pitchFamily="34" charset="0"/>
+              <a:buChar char="•"/>
+              <a:tabLst/>
+              <a:defRPr/>
+            </a:pPr>
+            <a:r>
+              <a:rPr lang="en-US" sz="800" dirty="0">
+                <a:solidFill>
+                  <a:srgbClr val="A5A5A5">
+                    <a:lumMod val="75000"/>
+                  </a:srgbClr>
+                </a:solidFill>
+                <a:latin typeface="Segoe UI" panose="020B0502040204020203" pitchFamily="34" charset="0"/>
+                <a:cs typeface="Segoe UI" panose="020B0502040204020203" pitchFamily="34" charset="0"/>
+              </a:rPr>
+              <a:t>Proper service and user permissions for Azure Synapse Analytics Workspace and Azure Data Lake Storage Gen 2</a:t>
+            </a:r>
+          </a:p>
+          <a:p>
+            <a:pPr marL="628650" marR="0" lvl="1" indent="-171450" algn="l" defTabSz="914400" rtl="0" eaLnBrk="1" fontAlgn="auto" latinLnBrk="0" hangingPunct="1">
+              <a:lnSpc>
+                <a:spcPct val="100000"/>
+              </a:lnSpc>
+              <a:spcBef>
+                <a:spcPts val="0"/>
+              </a:spcBef>
+              <a:spcAft>
+                <a:spcPts val="0"/>
+              </a:spcAft>
+              <a:buClrTx/>
+              <a:buSzTx/>
+              <a:buFont typeface="Arial" panose="020B0604020202020204" pitchFamily="34" charset="0"/>
+              <a:buChar char="•"/>
+              <a:tabLst/>
+              <a:defRPr/>
+            </a:pPr>
+            <a:endParaRPr kumimoji="0" lang="en-US" sz="800" b="0" i="0" u="none" strike="noStrike" kern="1200" cap="none" spc="0" normalizeH="0" baseline="0" noProof="0" dirty="0">
+              <a:ln>
+                <a:noFill/>
+              </a:ln>
+              <a:solidFill>
+                <a:srgbClr val="A5A5A5">
+                  <a:lumMod val="75000"/>
+                </a:srgbClr>
+              </a:solidFill>
+              <a:effectLst/>
+              <a:uLnTx/>
+              <a:uFillTx/>
+              <a:latin typeface="Segoe UI" panose="020B0502040204020203" pitchFamily="34" charset="0"/>
+              <a:ea typeface="+mn-ea"/>
+              <a:cs typeface="Segoe UI" panose="020B0502040204020203" pitchFamily="34" charset="0"/>
+            </a:endParaRPr>
+          </a:p>
+          <a:p>
+            <a:pPr marL="628650" marR="0" lvl="1" indent="-171450" algn="l" defTabSz="914400" rtl="0" eaLnBrk="1" fontAlgn="auto" latinLnBrk="0" hangingPunct="1">
+              <a:lnSpc>
+                <a:spcPct val="100000"/>
+              </a:lnSpc>
+              <a:spcBef>
+                <a:spcPts val="0"/>
+              </a:spcBef>
+              <a:spcAft>
+                <a:spcPts val="0"/>
+              </a:spcAft>
+              <a:buClrTx/>
+              <a:buSzTx/>
+              <a:buFont typeface="Arial" panose="020B0604020202020204" pitchFamily="34" charset="0"/>
+              <a:buChar char="•"/>
+              <a:tabLst/>
+              <a:defRPr/>
+            </a:pPr>
+            <a:r>
+              <a:rPr lang="en-US" sz="800" dirty="0">
+                <a:solidFill>
+                  <a:srgbClr val="A5A5A5">
+                    <a:lumMod val="75000"/>
+                  </a:srgbClr>
+                </a:solidFill>
+                <a:latin typeface="Segoe UI" panose="020B0502040204020203" pitchFamily="34" charset="0"/>
+                <a:cs typeface="Segoe UI" panose="020B0502040204020203" pitchFamily="34" charset="0"/>
+              </a:rPr>
+              <a:t>Parquet Auto Ingestion pipeline to optimize data ingestion using best practices</a:t>
+            </a:r>
             <a:endParaRPr kumimoji="0" lang="en-US" sz="800" b="0" i="0" u="none" strike="noStrike" kern="1200" cap="none" spc="0" normalizeH="0" baseline="0" noProof="0" dirty="0">
               <a:ln>
                 <a:noFill/>
@@ -8292,13 +8480,13 @@
   <p:clrMapOvr>
     <a:masterClrMapping/>
   </p:clrMapOvr>
-  <mc:AlternateContent xmlns:mc="http://schemas.openxmlformats.org/markup-compatibility/2006">
-    <mc:Choice xmlns:p159="http://schemas.microsoft.com/office/powerpoint/2015/09/main" Requires="p159">
+  <mc:AlternateContent xmlns:mc="http://schemas.openxmlformats.org/markup-compatibility/2006" xmlns:p159="http://schemas.microsoft.com/office/powerpoint/2015/09/main">
+    <mc:Choice Requires="p159">
       <p:transition xmlns:p14="http://schemas.microsoft.com/office/powerpoint/2010/main" spd="slow" p14:dur="2000">
         <p159:morph option="byObject"/>
       </p:transition>
     </mc:Choice>
-    <mc:Fallback>
+    <mc:Fallback xmlns="">
       <p:transition spd="slow">
         <p:fade/>
       </p:transition>
@@ -11106,13 +11294,13 @@
   <p:clrMapOvr>
     <a:masterClrMapping/>
   </p:clrMapOvr>
-  <mc:AlternateContent xmlns:mc="http://schemas.openxmlformats.org/markup-compatibility/2006">
-    <mc:Choice xmlns:p159="http://schemas.microsoft.com/office/powerpoint/2015/09/main" Requires="p159">
+  <mc:AlternateContent xmlns:mc="http://schemas.openxmlformats.org/markup-compatibility/2006" xmlns:p159="http://schemas.microsoft.com/office/powerpoint/2015/09/main">
+    <mc:Choice Requires="p159">
       <p:transition xmlns:p14="http://schemas.microsoft.com/office/powerpoint/2010/main" spd="slow" p14:dur="2000">
         <p159:morph option="byObject"/>
       </p:transition>
     </mc:Choice>
-    <mc:Fallback>
+    <mc:Fallback xmlns="">
       <p:transition spd="slow">
         <p:fade/>
       </p:transition>
@@ -15207,13 +15395,13 @@
   <p:clrMapOvr>
     <a:masterClrMapping/>
   </p:clrMapOvr>
-  <mc:AlternateContent xmlns:mc="http://schemas.openxmlformats.org/markup-compatibility/2006">
-    <mc:Choice xmlns:p159="http://schemas.microsoft.com/office/powerpoint/2015/09/main" Requires="p159">
+  <mc:AlternateContent xmlns:mc="http://schemas.openxmlformats.org/markup-compatibility/2006" xmlns:p159="http://schemas.microsoft.com/office/powerpoint/2015/09/main">
+    <mc:Choice Requires="p159">
       <p:transition xmlns:p14="http://schemas.microsoft.com/office/powerpoint/2010/main" spd="slow" p14:dur="2000">
         <p159:morph option="byObject"/>
       </p:transition>
     </mc:Choice>
-    <mc:Fallback>
+    <mc:Fallback xmlns="">
       <p:transition spd="slow">
         <p:fade/>
       </p:transition>
@@ -18982,13 +19170,13 @@
   <p:clrMapOvr>
     <a:masterClrMapping/>
   </p:clrMapOvr>
-  <mc:AlternateContent xmlns:mc="http://schemas.openxmlformats.org/markup-compatibility/2006">
-    <mc:Choice xmlns:p159="http://schemas.microsoft.com/office/powerpoint/2015/09/main" Requires="p159">
+  <mc:AlternateContent xmlns:mc="http://schemas.openxmlformats.org/markup-compatibility/2006" xmlns:p159="http://schemas.microsoft.com/office/powerpoint/2015/09/main">
+    <mc:Choice Requires="p159">
       <p:transition xmlns:p14="http://schemas.microsoft.com/office/powerpoint/2010/main" spd="slow" p14:dur="2000">
         <p159:morph option="byObject"/>
       </p:transition>
     </mc:Choice>
-    <mc:Fallback>
+    <mc:Fallback xmlns="">
       <p:transition spd="slow">
         <p:fade/>
       </p:transition>
@@ -21950,13 +22138,13 @@
   <p:clrMapOvr>
     <a:masterClrMapping/>
   </p:clrMapOvr>
-  <mc:AlternateContent xmlns:mc="http://schemas.openxmlformats.org/markup-compatibility/2006">
-    <mc:Choice xmlns:p159="http://schemas.microsoft.com/office/powerpoint/2015/09/main" Requires="p159">
+  <mc:AlternateContent xmlns:mc="http://schemas.openxmlformats.org/markup-compatibility/2006" xmlns:p159="http://schemas.microsoft.com/office/powerpoint/2015/09/main">
+    <mc:Choice Requires="p159">
       <p:transition xmlns:p14="http://schemas.microsoft.com/office/powerpoint/2010/main" spd="slow" p14:dur="2000">
         <p159:morph option="byObject"/>
       </p:transition>
     </mc:Choice>
-    <mc:Fallback>
+    <mc:Fallback xmlns="">
       <p:transition spd="slow">
         <p:fade/>
       </p:transition>

--- a/Azure Synapse Analytics PoC Environment.pptx
+++ b/Azure Synapse Analytics PoC Environment.pptx
@@ -264,7 +264,7 @@
           <a:p>
             <a:fld id="{440A345A-3D28-4D0B-AD34-7B8B4219FF1D}" type="datetimeFigureOut">
               <a:rPr lang="en-US" smtClean="0"/>
-              <a:t>10/12/2021</a:t>
+              <a:t>11/11/2021</a:t>
             </a:fld>
             <a:endParaRPr lang="en-US"/>
           </a:p>
@@ -462,7 +462,7 @@
           <a:p>
             <a:fld id="{440A345A-3D28-4D0B-AD34-7B8B4219FF1D}" type="datetimeFigureOut">
               <a:rPr lang="en-US" smtClean="0"/>
-              <a:t>10/12/2021</a:t>
+              <a:t>11/11/2021</a:t>
             </a:fld>
             <a:endParaRPr lang="en-US"/>
           </a:p>
@@ -670,7 +670,7 @@
           <a:p>
             <a:fld id="{440A345A-3D28-4D0B-AD34-7B8B4219FF1D}" type="datetimeFigureOut">
               <a:rPr lang="en-US" smtClean="0"/>
-              <a:t>10/12/2021</a:t>
+              <a:t>11/11/2021</a:t>
             </a:fld>
             <a:endParaRPr lang="en-US"/>
           </a:p>
@@ -868,7 +868,7 @@
           <a:p>
             <a:fld id="{440A345A-3D28-4D0B-AD34-7B8B4219FF1D}" type="datetimeFigureOut">
               <a:rPr lang="en-US" smtClean="0"/>
-              <a:t>10/12/2021</a:t>
+              <a:t>11/11/2021</a:t>
             </a:fld>
             <a:endParaRPr lang="en-US"/>
           </a:p>
@@ -1143,7 +1143,7 @@
           <a:p>
             <a:fld id="{440A345A-3D28-4D0B-AD34-7B8B4219FF1D}" type="datetimeFigureOut">
               <a:rPr lang="en-US" smtClean="0"/>
-              <a:t>10/12/2021</a:t>
+              <a:t>11/11/2021</a:t>
             </a:fld>
             <a:endParaRPr lang="en-US"/>
           </a:p>
@@ -1408,7 +1408,7 @@
           <a:p>
             <a:fld id="{440A345A-3D28-4D0B-AD34-7B8B4219FF1D}" type="datetimeFigureOut">
               <a:rPr lang="en-US" smtClean="0"/>
-              <a:t>10/12/2021</a:t>
+              <a:t>11/11/2021</a:t>
             </a:fld>
             <a:endParaRPr lang="en-US"/>
           </a:p>
@@ -1820,7 +1820,7 @@
           <a:p>
             <a:fld id="{440A345A-3D28-4D0B-AD34-7B8B4219FF1D}" type="datetimeFigureOut">
               <a:rPr lang="en-US" smtClean="0"/>
-              <a:t>10/12/2021</a:t>
+              <a:t>11/11/2021</a:t>
             </a:fld>
             <a:endParaRPr lang="en-US"/>
           </a:p>
@@ -1961,7 +1961,7 @@
           <a:p>
             <a:fld id="{440A345A-3D28-4D0B-AD34-7B8B4219FF1D}" type="datetimeFigureOut">
               <a:rPr lang="en-US" smtClean="0"/>
-              <a:t>10/12/2021</a:t>
+              <a:t>11/11/2021</a:t>
             </a:fld>
             <a:endParaRPr lang="en-US"/>
           </a:p>
@@ -2074,7 +2074,7 @@
           <a:p>
             <a:fld id="{440A345A-3D28-4D0B-AD34-7B8B4219FF1D}" type="datetimeFigureOut">
               <a:rPr lang="en-US" smtClean="0"/>
-              <a:t>10/12/2021</a:t>
+              <a:t>11/11/2021</a:t>
             </a:fld>
             <a:endParaRPr lang="en-US"/>
           </a:p>
@@ -2385,7 +2385,7 @@
           <a:p>
             <a:fld id="{440A345A-3D28-4D0B-AD34-7B8B4219FF1D}" type="datetimeFigureOut">
               <a:rPr lang="en-US" smtClean="0"/>
-              <a:t>10/12/2021</a:t>
+              <a:t>11/11/2021</a:t>
             </a:fld>
             <a:endParaRPr lang="en-US"/>
           </a:p>
@@ -2673,7 +2673,7 @@
           <a:p>
             <a:fld id="{440A345A-3D28-4D0B-AD34-7B8B4219FF1D}" type="datetimeFigureOut">
               <a:rPr lang="en-US" smtClean="0"/>
-              <a:t>10/12/2021</a:t>
+              <a:t>11/11/2021</a:t>
             </a:fld>
             <a:endParaRPr lang="en-US"/>
           </a:p>
@@ -2914,7 +2914,7 @@
           <a:p>
             <a:fld id="{440A345A-3D28-4D0B-AD34-7B8B4219FF1D}" type="datetimeFigureOut">
               <a:rPr lang="en-US" smtClean="0"/>
-              <a:t>10/12/2021</a:t>
+              <a:t>11/11/2021</a:t>
             </a:fld>
             <a:endParaRPr lang="en-US"/>
           </a:p>
@@ -6945,7 +6945,7 @@
                 <a:ea typeface="+mn-ea"/>
                 <a:cs typeface="Segoe UI" panose="020B0502040204020203" pitchFamily="34" charset="0"/>
               </a:rPr>
-              <a:t>nano </a:t>
+              <a:t>code </a:t>
             </a:r>
             <a:r>
               <a:rPr kumimoji="0" lang="en-US" sz="800" b="0" i="0" u="none" strike="noStrike" kern="1200" cap="none" spc="0" normalizeH="0" baseline="0" noProof="0" dirty="0" err="1">

--- a/Azure Synapse Analytics PoC Environment.pptx
+++ b/Azure Synapse Analytics PoC Environment.pptx
@@ -264,7 +264,7 @@
           <a:p>
             <a:fld id="{440A345A-3D28-4D0B-AD34-7B8B4219FF1D}" type="datetimeFigureOut">
               <a:rPr lang="en-US" smtClean="0"/>
-              <a:t>11/11/2021</a:t>
+              <a:t>11/19/2021</a:t>
             </a:fld>
             <a:endParaRPr lang="en-US"/>
           </a:p>
@@ -462,7 +462,7 @@
           <a:p>
             <a:fld id="{440A345A-3D28-4D0B-AD34-7B8B4219FF1D}" type="datetimeFigureOut">
               <a:rPr lang="en-US" smtClean="0"/>
-              <a:t>11/11/2021</a:t>
+              <a:t>11/19/2021</a:t>
             </a:fld>
             <a:endParaRPr lang="en-US"/>
           </a:p>
@@ -670,7 +670,7 @@
           <a:p>
             <a:fld id="{440A345A-3D28-4D0B-AD34-7B8B4219FF1D}" type="datetimeFigureOut">
               <a:rPr lang="en-US" smtClean="0"/>
-              <a:t>11/11/2021</a:t>
+              <a:t>11/19/2021</a:t>
             </a:fld>
             <a:endParaRPr lang="en-US"/>
           </a:p>
@@ -868,7 +868,7 @@
           <a:p>
             <a:fld id="{440A345A-3D28-4D0B-AD34-7B8B4219FF1D}" type="datetimeFigureOut">
               <a:rPr lang="en-US" smtClean="0"/>
-              <a:t>11/11/2021</a:t>
+              <a:t>11/19/2021</a:t>
             </a:fld>
             <a:endParaRPr lang="en-US"/>
           </a:p>
@@ -1143,7 +1143,7 @@
           <a:p>
             <a:fld id="{440A345A-3D28-4D0B-AD34-7B8B4219FF1D}" type="datetimeFigureOut">
               <a:rPr lang="en-US" smtClean="0"/>
-              <a:t>11/11/2021</a:t>
+              <a:t>11/19/2021</a:t>
             </a:fld>
             <a:endParaRPr lang="en-US"/>
           </a:p>
@@ -1408,7 +1408,7 @@
           <a:p>
             <a:fld id="{440A345A-3D28-4D0B-AD34-7B8B4219FF1D}" type="datetimeFigureOut">
               <a:rPr lang="en-US" smtClean="0"/>
-              <a:t>11/11/2021</a:t>
+              <a:t>11/19/2021</a:t>
             </a:fld>
             <a:endParaRPr lang="en-US"/>
           </a:p>
@@ -1820,7 +1820,7 @@
           <a:p>
             <a:fld id="{440A345A-3D28-4D0B-AD34-7B8B4219FF1D}" type="datetimeFigureOut">
               <a:rPr lang="en-US" smtClean="0"/>
-              <a:t>11/11/2021</a:t>
+              <a:t>11/19/2021</a:t>
             </a:fld>
             <a:endParaRPr lang="en-US"/>
           </a:p>
@@ -1961,7 +1961,7 @@
           <a:p>
             <a:fld id="{440A345A-3D28-4D0B-AD34-7B8B4219FF1D}" type="datetimeFigureOut">
               <a:rPr lang="en-US" smtClean="0"/>
-              <a:t>11/11/2021</a:t>
+              <a:t>11/19/2021</a:t>
             </a:fld>
             <a:endParaRPr lang="en-US"/>
           </a:p>
@@ -2074,7 +2074,7 @@
           <a:p>
             <a:fld id="{440A345A-3D28-4D0B-AD34-7B8B4219FF1D}" type="datetimeFigureOut">
               <a:rPr lang="en-US" smtClean="0"/>
-              <a:t>11/11/2021</a:t>
+              <a:t>11/19/2021</a:t>
             </a:fld>
             <a:endParaRPr lang="en-US"/>
           </a:p>
@@ -2385,7 +2385,7 @@
           <a:p>
             <a:fld id="{440A345A-3D28-4D0B-AD34-7B8B4219FF1D}" type="datetimeFigureOut">
               <a:rPr lang="en-US" smtClean="0"/>
-              <a:t>11/11/2021</a:t>
+              <a:t>11/19/2021</a:t>
             </a:fld>
             <a:endParaRPr lang="en-US"/>
           </a:p>
@@ -2673,7 +2673,7 @@
           <a:p>
             <a:fld id="{440A345A-3D28-4D0B-AD34-7B8B4219FF1D}" type="datetimeFigureOut">
               <a:rPr lang="en-US" smtClean="0"/>
-              <a:t>11/11/2021</a:t>
+              <a:t>11/19/2021</a:t>
             </a:fld>
             <a:endParaRPr lang="en-US"/>
           </a:p>
@@ -2914,7 +2914,7 @@
           <a:p>
             <a:fld id="{440A345A-3D28-4D0B-AD34-7B8B4219FF1D}" type="datetimeFigureOut">
               <a:rPr lang="en-US" smtClean="0"/>
-              <a:t>11/11/2021</a:t>
+              <a:t>11/19/2021</a:t>
             </a:fld>
             <a:endParaRPr lang="en-US"/>
           </a:p>
@@ -6580,7 +6580,7 @@
         <p:spPr>
           <a:xfrm>
             <a:off x="126715" y="894912"/>
-            <a:ext cx="5247883" cy="5539978"/>
+            <a:ext cx="5247883" cy="5047536"/>
           </a:xfrm>
           <a:prstGeom prst="rect">
             <a:avLst/>
@@ -6945,49 +6945,11 @@
                 <a:ea typeface="+mn-ea"/>
                 <a:cs typeface="Segoe UI" panose="020B0502040204020203" pitchFamily="34" charset="0"/>
               </a:rPr>
-              <a:t>code </a:t>
+              <a:t>bash deploySynapse.sh</a:t>
             </a:r>
-            <a:r>
-              <a:rPr kumimoji="0" lang="en-US" sz="800" b="0" i="0" u="none" strike="noStrike" kern="1200" cap="none" spc="0" normalizeH="0" baseline="0" noProof="0" dirty="0" err="1">
-                <a:ln>
-                  <a:noFill/>
-                </a:ln>
-                <a:solidFill>
-                  <a:srgbClr val="A5A5A5">
-                    <a:lumMod val="75000"/>
-                  </a:srgbClr>
-                </a:solidFill>
-                <a:effectLst/>
-                <a:uLnTx/>
-                <a:uFillTx/>
-                <a:latin typeface="Segoe UI" panose="020B0502040204020203" pitchFamily="34" charset="0"/>
-                <a:ea typeface="+mn-ea"/>
-                <a:cs typeface="Segoe UI" panose="020B0502040204020203" pitchFamily="34" charset="0"/>
-              </a:rPr>
-              <a:t>terraform.tfvars</a:t>
-            </a:r>
-            <a:r>
-              <a:rPr kumimoji="0" lang="en-US" sz="800" b="0" i="0" u="none" strike="noStrike" kern="1200" cap="none" spc="0" normalizeH="0" baseline="0" noProof="0" dirty="0">
-                <a:ln>
-                  <a:noFill/>
-                </a:ln>
-                <a:solidFill>
-                  <a:srgbClr val="A5A5A5">
-                    <a:lumMod val="75000"/>
-                  </a:srgbClr>
-                </a:solidFill>
-                <a:effectLst/>
-                <a:uLnTx/>
-                <a:uFillTx/>
-                <a:latin typeface="Segoe UI" panose="020B0502040204020203" pitchFamily="34" charset="0"/>
-                <a:ea typeface="+mn-ea"/>
-                <a:cs typeface="Segoe UI" panose="020B0502040204020203" pitchFamily="34" charset="0"/>
-              </a:rPr>
-              <a:t>	(Edit the variables to your environment)</a:t>
-            </a:r>
-          </a:p>
-          <a:p>
-            <a:pPr marL="628650" marR="0" lvl="1" indent="-171450" algn="l" defTabSz="914400" rtl="0" eaLnBrk="1" fontAlgn="auto" latinLnBrk="0" hangingPunct="1">
+          </a:p>
+          <a:p>
+            <a:pPr marR="0" lvl="1" algn="l" defTabSz="914400" rtl="0" eaLnBrk="1" fontAlgn="auto" latinLnBrk="0" hangingPunct="1">
               <a:lnSpc>
                 <a:spcPct val="100000"/>
               </a:lnSpc>
@@ -6999,287 +6961,6 @@
               </a:spcAft>
               <a:buClrTx/>
               <a:buSzTx/>
-              <a:buFont typeface="Arial" panose="020B0604020202020204" pitchFamily="34" charset="0"/>
-              <a:buChar char="•"/>
-              <a:tabLst/>
-              <a:defRPr/>
-            </a:pPr>
-            <a:r>
-              <a:rPr kumimoji="0" lang="en-US" sz="800" b="1" i="0" u="none" strike="noStrike" kern="1200" cap="none" spc="0" normalizeH="0" baseline="0" noProof="0" dirty="0">
-                <a:ln>
-                  <a:noFill/>
-                </a:ln>
-                <a:solidFill>
-                  <a:srgbClr val="A5A5A5">
-                    <a:lumMod val="75000"/>
-                  </a:srgbClr>
-                </a:solidFill>
-                <a:effectLst/>
-                <a:uLnTx/>
-                <a:uFillTx/>
-                <a:latin typeface="Segoe UI" panose="020B0502040204020203" pitchFamily="34" charset="0"/>
-                <a:ea typeface="+mn-ea"/>
-                <a:cs typeface="Segoe UI" panose="020B0502040204020203" pitchFamily="34" charset="0"/>
-              </a:rPr>
-              <a:t>@Azure:~$ </a:t>
-            </a:r>
-            <a:r>
-              <a:rPr kumimoji="0" lang="en-US" sz="800" b="0" i="0" u="none" strike="noStrike" kern="1200" cap="none" spc="0" normalizeH="0" baseline="0" noProof="0" dirty="0">
-                <a:ln>
-                  <a:noFill/>
-                </a:ln>
-                <a:solidFill>
-                  <a:srgbClr val="A5A5A5">
-                    <a:lumMod val="75000"/>
-                  </a:srgbClr>
-                </a:solidFill>
-                <a:effectLst/>
-                <a:uLnTx/>
-                <a:uFillTx/>
-                <a:latin typeface="Segoe UI" panose="020B0502040204020203" pitchFamily="34" charset="0"/>
-                <a:ea typeface="+mn-ea"/>
-                <a:cs typeface="Segoe UI" panose="020B0502040204020203" pitchFamily="34" charset="0"/>
-              </a:rPr>
-              <a:t>terraform </a:t>
-            </a:r>
-            <a:r>
-              <a:rPr kumimoji="0" lang="en-US" sz="800" b="0" i="0" u="none" strike="noStrike" kern="1200" cap="none" spc="0" normalizeH="0" baseline="0" noProof="0" dirty="0" err="1">
-                <a:ln>
-                  <a:noFill/>
-                </a:ln>
-                <a:solidFill>
-                  <a:srgbClr val="A5A5A5">
-                    <a:lumMod val="75000"/>
-                  </a:srgbClr>
-                </a:solidFill>
-                <a:effectLst/>
-                <a:uLnTx/>
-                <a:uFillTx/>
-                <a:latin typeface="Segoe UI" panose="020B0502040204020203" pitchFamily="34" charset="0"/>
-                <a:ea typeface="+mn-ea"/>
-                <a:cs typeface="Segoe UI" panose="020B0502040204020203" pitchFamily="34" charset="0"/>
-              </a:rPr>
-              <a:t>init</a:t>
-            </a:r>
-            <a:endParaRPr kumimoji="0" lang="en-US" sz="800" b="0" i="0" u="none" strike="noStrike" kern="1200" cap="none" spc="0" normalizeH="0" baseline="0" noProof="0" dirty="0">
-              <a:ln>
-                <a:noFill/>
-              </a:ln>
-              <a:solidFill>
-                <a:srgbClr val="A5A5A5">
-                  <a:lumMod val="75000"/>
-                </a:srgbClr>
-              </a:solidFill>
-              <a:effectLst/>
-              <a:uLnTx/>
-              <a:uFillTx/>
-              <a:latin typeface="Segoe UI" panose="020B0502040204020203" pitchFamily="34" charset="0"/>
-              <a:ea typeface="+mn-ea"/>
-              <a:cs typeface="Segoe UI" panose="020B0502040204020203" pitchFamily="34" charset="0"/>
-            </a:endParaRPr>
-          </a:p>
-          <a:p>
-            <a:pPr marL="628650" marR="0" lvl="1" indent="-171450" algn="l" defTabSz="914400" rtl="0" eaLnBrk="1" fontAlgn="auto" latinLnBrk="0" hangingPunct="1">
-              <a:lnSpc>
-                <a:spcPct val="100000"/>
-              </a:lnSpc>
-              <a:spcBef>
-                <a:spcPts val="0"/>
-              </a:spcBef>
-              <a:spcAft>
-                <a:spcPts val="0"/>
-              </a:spcAft>
-              <a:buClrTx/>
-              <a:buSzTx/>
-              <a:buFont typeface="Arial" panose="020B0604020202020204" pitchFamily="34" charset="0"/>
-              <a:buChar char="•"/>
-              <a:tabLst/>
-              <a:defRPr/>
-            </a:pPr>
-            <a:r>
-              <a:rPr kumimoji="0" lang="en-US" sz="800" b="1" i="0" u="none" strike="noStrike" kern="1200" cap="none" spc="0" normalizeH="0" baseline="0" noProof="0" dirty="0">
-                <a:ln>
-                  <a:noFill/>
-                </a:ln>
-                <a:solidFill>
-                  <a:srgbClr val="A5A5A5">
-                    <a:lumMod val="75000"/>
-                  </a:srgbClr>
-                </a:solidFill>
-                <a:effectLst/>
-                <a:uLnTx/>
-                <a:uFillTx/>
-                <a:latin typeface="Segoe UI" panose="020B0502040204020203" pitchFamily="34" charset="0"/>
-                <a:ea typeface="+mn-ea"/>
-                <a:cs typeface="Segoe UI" panose="020B0502040204020203" pitchFamily="34" charset="0"/>
-              </a:rPr>
-              <a:t>@Azure:~$ </a:t>
-            </a:r>
-            <a:r>
-              <a:rPr kumimoji="0" lang="en-US" sz="800" b="0" i="0" u="none" strike="noStrike" kern="1200" cap="none" spc="0" normalizeH="0" baseline="0" noProof="0" dirty="0">
-                <a:ln>
-                  <a:noFill/>
-                </a:ln>
-                <a:solidFill>
-                  <a:srgbClr val="A5A5A5">
-                    <a:lumMod val="75000"/>
-                  </a:srgbClr>
-                </a:solidFill>
-                <a:effectLst/>
-                <a:uLnTx/>
-                <a:uFillTx/>
-                <a:latin typeface="Segoe UI" panose="020B0502040204020203" pitchFamily="34" charset="0"/>
-                <a:ea typeface="+mn-ea"/>
-                <a:cs typeface="Segoe UI" panose="020B0502040204020203" pitchFamily="34" charset="0"/>
-              </a:rPr>
-              <a:t>terraform plan</a:t>
-            </a:r>
-          </a:p>
-          <a:p>
-            <a:pPr marL="628650" marR="0" lvl="1" indent="-171450" algn="l" defTabSz="914400" rtl="0" eaLnBrk="1" fontAlgn="auto" latinLnBrk="0" hangingPunct="1">
-              <a:lnSpc>
-                <a:spcPct val="100000"/>
-              </a:lnSpc>
-              <a:spcBef>
-                <a:spcPts val="0"/>
-              </a:spcBef>
-              <a:spcAft>
-                <a:spcPts val="0"/>
-              </a:spcAft>
-              <a:buClrTx/>
-              <a:buSzTx/>
-              <a:buFont typeface="Arial" panose="020B0604020202020204" pitchFamily="34" charset="0"/>
-              <a:buChar char="•"/>
-              <a:tabLst/>
-              <a:defRPr/>
-            </a:pPr>
-            <a:r>
-              <a:rPr kumimoji="0" lang="en-US" sz="800" b="1" i="0" u="none" strike="noStrike" kern="1200" cap="none" spc="0" normalizeH="0" baseline="0" noProof="0" dirty="0">
-                <a:ln>
-                  <a:noFill/>
-                </a:ln>
-                <a:solidFill>
-                  <a:srgbClr val="A5A5A5">
-                    <a:lumMod val="75000"/>
-                  </a:srgbClr>
-                </a:solidFill>
-                <a:effectLst/>
-                <a:uLnTx/>
-                <a:uFillTx/>
-                <a:latin typeface="Segoe UI" panose="020B0502040204020203" pitchFamily="34" charset="0"/>
-                <a:ea typeface="+mn-ea"/>
-                <a:cs typeface="Segoe UI" panose="020B0502040204020203" pitchFamily="34" charset="0"/>
-              </a:rPr>
-              <a:t>@Azure:~$ </a:t>
-            </a:r>
-            <a:r>
-              <a:rPr kumimoji="0" lang="en-US" sz="800" b="0" i="0" u="none" strike="noStrike" kern="1200" cap="none" spc="0" normalizeH="0" baseline="0" noProof="0" dirty="0">
-                <a:ln>
-                  <a:noFill/>
-                </a:ln>
-                <a:solidFill>
-                  <a:srgbClr val="A5A5A5">
-                    <a:lumMod val="75000"/>
-                  </a:srgbClr>
-                </a:solidFill>
-                <a:effectLst/>
-                <a:uLnTx/>
-                <a:uFillTx/>
-                <a:latin typeface="Segoe UI" panose="020B0502040204020203" pitchFamily="34" charset="0"/>
-                <a:ea typeface="+mn-ea"/>
-                <a:cs typeface="Segoe UI" panose="020B0502040204020203" pitchFamily="34" charset="0"/>
-              </a:rPr>
-              <a:t>terraform apply	(Deploy via Terraform)</a:t>
-            </a:r>
-          </a:p>
-          <a:p>
-            <a:pPr marL="628650" marR="0" lvl="1" indent="-171450" algn="l" defTabSz="914400" rtl="0" eaLnBrk="1" fontAlgn="auto" latinLnBrk="0" hangingPunct="1">
-              <a:lnSpc>
-                <a:spcPct val="100000"/>
-              </a:lnSpc>
-              <a:spcBef>
-                <a:spcPts val="0"/>
-              </a:spcBef>
-              <a:spcAft>
-                <a:spcPts val="0"/>
-              </a:spcAft>
-              <a:buClrTx/>
-              <a:buSzTx/>
-              <a:buFont typeface="Arial" panose="020B0604020202020204" pitchFamily="34" charset="0"/>
-              <a:buChar char="•"/>
-              <a:tabLst/>
-              <a:defRPr/>
-            </a:pPr>
-            <a:r>
-              <a:rPr kumimoji="0" lang="en-US" sz="800" b="1" i="0" u="none" strike="noStrike" kern="1200" cap="none" spc="0" normalizeH="0" baseline="0" noProof="0" dirty="0">
-                <a:ln>
-                  <a:noFill/>
-                </a:ln>
-                <a:solidFill>
-                  <a:srgbClr val="A5A5A5">
-                    <a:lumMod val="75000"/>
-                  </a:srgbClr>
-                </a:solidFill>
-                <a:effectLst/>
-                <a:uLnTx/>
-                <a:uFillTx/>
-                <a:latin typeface="Segoe UI" panose="020B0502040204020203" pitchFamily="34" charset="0"/>
-                <a:ea typeface="+mn-ea"/>
-                <a:cs typeface="Segoe UI" panose="020B0502040204020203" pitchFamily="34" charset="0"/>
-              </a:rPr>
-              <a:t>@Azure:~$ </a:t>
-            </a:r>
-            <a:r>
-              <a:rPr kumimoji="0" lang="en-US" sz="800" b="0" i="0" u="none" strike="noStrike" kern="1200" cap="none" spc="0" normalizeH="0" baseline="0" noProof="0" dirty="0">
-                <a:ln>
-                  <a:noFill/>
-                </a:ln>
-                <a:solidFill>
-                  <a:srgbClr val="A5A5A5">
-                    <a:lumMod val="75000"/>
-                  </a:srgbClr>
-                </a:solidFill>
-                <a:effectLst/>
-                <a:uLnTx/>
-                <a:uFillTx/>
-                <a:latin typeface="Segoe UI" panose="020B0502040204020203" pitchFamily="34" charset="0"/>
-                <a:ea typeface="+mn-ea"/>
-                <a:cs typeface="Segoe UI" panose="020B0502040204020203" pitchFamily="34" charset="0"/>
-              </a:rPr>
-              <a:t>bash configure.sh	(Configurations that can’t be done in Terraform)</a:t>
-            </a:r>
-            <a:endParaRPr kumimoji="0" lang="en-US" sz="1400" b="0" i="0" u="none" strike="noStrike" kern="1200" cap="none" spc="0" normalizeH="0" baseline="0" noProof="0" dirty="0">
-              <a:ln>
-                <a:noFill/>
-              </a:ln>
-              <a:solidFill>
-                <a:prstClr val="white">
-                  <a:lumMod val="65000"/>
-                </a:prstClr>
-              </a:solidFill>
-              <a:effectLst/>
-              <a:uLnTx/>
-              <a:uFillTx/>
-              <a:latin typeface="Calibri" panose="020F0502020204030204"/>
-              <a:ea typeface="+mn-ea"/>
-              <a:cs typeface="+mn-cs"/>
-            </a:endParaRPr>
-          </a:p>
-          <a:p>
-            <a:pPr marL="0" marR="0" lvl="0" indent="0" algn="l" defTabSz="914400" rtl="0" eaLnBrk="1" fontAlgn="auto" latinLnBrk="0" hangingPunct="1">
-              <a:lnSpc>
-                <a:spcPct val="100000"/>
-              </a:lnSpc>
-              <a:spcBef>
-                <a:spcPts val="0"/>
-              </a:spcBef>
-              <a:spcAft>
-                <a:spcPts val="0"/>
-              </a:spcAft>
-              <a:buClrTx/>
-              <a:buSzTx/>
-              <a:buFontTx/>
-              <a:buNone/>
               <a:tabLst/>
               <a:defRPr/>
             </a:pPr>

--- a/Azure Synapse Analytics PoC Environment.pptx
+++ b/Azure Synapse Analytics PoC Environment.pptx
@@ -7,10 +7,12 @@
   <p:sldIdLst>
     <p:sldId id="2103813140" r:id="rId2"/>
     <p:sldId id="2103813141" r:id="rId3"/>
-    <p:sldId id="2103813144" r:id="rId4"/>
-    <p:sldId id="2103813143" r:id="rId5"/>
-    <p:sldId id="2103813145" r:id="rId6"/>
-    <p:sldId id="2103813147" r:id="rId7"/>
+    <p:sldId id="2103813148" r:id="rId4"/>
+    <p:sldId id="2103813149" r:id="rId5"/>
+    <p:sldId id="2103813144" r:id="rId6"/>
+    <p:sldId id="2103813143" r:id="rId7"/>
+    <p:sldId id="2103813145" r:id="rId8"/>
+    <p:sldId id="2103813147" r:id="rId9"/>
   </p:sldIdLst>
   <p:sldSz cx="12192000" cy="6858000"/>
   <p:notesSz cx="6858000" cy="9144000"/>
@@ -264,7 +266,7 @@
           <a:p>
             <a:fld id="{440A345A-3D28-4D0B-AD34-7B8B4219FF1D}" type="datetimeFigureOut">
               <a:rPr lang="en-US" smtClean="0"/>
-              <a:t>11/19/2021</a:t>
+              <a:t>11/22/2021</a:t>
             </a:fld>
             <a:endParaRPr lang="en-US"/>
           </a:p>
@@ -462,7 +464,7 @@
           <a:p>
             <a:fld id="{440A345A-3D28-4D0B-AD34-7B8B4219FF1D}" type="datetimeFigureOut">
               <a:rPr lang="en-US" smtClean="0"/>
-              <a:t>11/19/2021</a:t>
+              <a:t>11/22/2021</a:t>
             </a:fld>
             <a:endParaRPr lang="en-US"/>
           </a:p>
@@ -670,7 +672,7 @@
           <a:p>
             <a:fld id="{440A345A-3D28-4D0B-AD34-7B8B4219FF1D}" type="datetimeFigureOut">
               <a:rPr lang="en-US" smtClean="0"/>
-              <a:t>11/19/2021</a:t>
+              <a:t>11/22/2021</a:t>
             </a:fld>
             <a:endParaRPr lang="en-US"/>
           </a:p>
@@ -868,7 +870,7 @@
           <a:p>
             <a:fld id="{440A345A-3D28-4D0B-AD34-7B8B4219FF1D}" type="datetimeFigureOut">
               <a:rPr lang="en-US" smtClean="0"/>
-              <a:t>11/19/2021</a:t>
+              <a:t>11/22/2021</a:t>
             </a:fld>
             <a:endParaRPr lang="en-US"/>
           </a:p>
@@ -1143,7 +1145,7 @@
           <a:p>
             <a:fld id="{440A345A-3D28-4D0B-AD34-7B8B4219FF1D}" type="datetimeFigureOut">
               <a:rPr lang="en-US" smtClean="0"/>
-              <a:t>11/19/2021</a:t>
+              <a:t>11/22/2021</a:t>
             </a:fld>
             <a:endParaRPr lang="en-US"/>
           </a:p>
@@ -1408,7 +1410,7 @@
           <a:p>
             <a:fld id="{440A345A-3D28-4D0B-AD34-7B8B4219FF1D}" type="datetimeFigureOut">
               <a:rPr lang="en-US" smtClean="0"/>
-              <a:t>11/19/2021</a:t>
+              <a:t>11/22/2021</a:t>
             </a:fld>
             <a:endParaRPr lang="en-US"/>
           </a:p>
@@ -1820,7 +1822,7 @@
           <a:p>
             <a:fld id="{440A345A-3D28-4D0B-AD34-7B8B4219FF1D}" type="datetimeFigureOut">
               <a:rPr lang="en-US" smtClean="0"/>
-              <a:t>11/19/2021</a:t>
+              <a:t>11/22/2021</a:t>
             </a:fld>
             <a:endParaRPr lang="en-US"/>
           </a:p>
@@ -1961,7 +1963,7 @@
           <a:p>
             <a:fld id="{440A345A-3D28-4D0B-AD34-7B8B4219FF1D}" type="datetimeFigureOut">
               <a:rPr lang="en-US" smtClean="0"/>
-              <a:t>11/19/2021</a:t>
+              <a:t>11/22/2021</a:t>
             </a:fld>
             <a:endParaRPr lang="en-US"/>
           </a:p>
@@ -2074,7 +2076,7 @@
           <a:p>
             <a:fld id="{440A345A-3D28-4D0B-AD34-7B8B4219FF1D}" type="datetimeFigureOut">
               <a:rPr lang="en-US" smtClean="0"/>
-              <a:t>11/19/2021</a:t>
+              <a:t>11/22/2021</a:t>
             </a:fld>
             <a:endParaRPr lang="en-US"/>
           </a:p>
@@ -2385,7 +2387,7 @@
           <a:p>
             <a:fld id="{440A345A-3D28-4D0B-AD34-7B8B4219FF1D}" type="datetimeFigureOut">
               <a:rPr lang="en-US" smtClean="0"/>
-              <a:t>11/19/2021</a:t>
+              <a:t>11/22/2021</a:t>
             </a:fld>
             <a:endParaRPr lang="en-US"/>
           </a:p>
@@ -2673,7 +2675,7 @@
           <a:p>
             <a:fld id="{440A345A-3D28-4D0B-AD34-7B8B4219FF1D}" type="datetimeFigureOut">
               <a:rPr lang="en-US" smtClean="0"/>
-              <a:t>11/19/2021</a:t>
+              <a:t>11/22/2021</a:t>
             </a:fld>
             <a:endParaRPr lang="en-US"/>
           </a:p>
@@ -2914,7 +2916,7 @@
           <a:p>
             <a:fld id="{440A345A-3D28-4D0B-AD34-7B8B4219FF1D}" type="datetimeFigureOut">
               <a:rPr lang="en-US" smtClean="0"/>
-              <a:t>11/19/2021</a:t>
+              <a:t>11/22/2021</a:t>
             </a:fld>
             <a:endParaRPr lang="en-US"/>
           </a:p>
@@ -8407,6 +8409,8393 @@
                 <a:ea typeface="+mn-ea"/>
                 <a:cs typeface="Segoe UI Light" panose="020B0502040204020203" pitchFamily="34" charset="0"/>
               </a:rPr>
+              <a:t>Advanced Deployment: Bicep</a:t>
+            </a:r>
+            <a:endParaRPr kumimoji="0" lang="en-US" sz="2800" b="0" i="0" u="none" strike="noStrike" kern="1200" cap="none" spc="0" normalizeH="0" baseline="0" noProof="0" dirty="0">
+              <a:ln>
+                <a:noFill/>
+              </a:ln>
+              <a:solidFill>
+                <a:srgbClr val="A5A5A5">
+                  <a:lumMod val="75000"/>
+                </a:srgbClr>
+              </a:solidFill>
+              <a:effectLst/>
+              <a:uLnTx/>
+              <a:uFillTx/>
+              <a:latin typeface="Segoe UI Light" panose="020B0502040204020203" pitchFamily="34" charset="0"/>
+              <a:ea typeface="+mn-ea"/>
+              <a:cs typeface="Segoe UI Light" panose="020B0502040204020203" pitchFamily="34" charset="0"/>
+            </a:endParaRPr>
+          </a:p>
+        </p:txBody>
+      </p:sp>
+      <p:grpSp>
+        <p:nvGrpSpPr>
+          <p:cNvPr id="133" name="Group 132">
+            <a:extLst>
+              <a:ext uri="{FF2B5EF4-FFF2-40B4-BE49-F238E27FC236}">
+                <a16:creationId xmlns:a16="http://schemas.microsoft.com/office/drawing/2014/main" id="{7E7AFDB9-28BF-4517-9288-F681D0953B81}"/>
+              </a:ext>
+            </a:extLst>
+          </p:cNvPr>
+          <p:cNvGrpSpPr/>
+          <p:nvPr/>
+        </p:nvGrpSpPr>
+        <p:grpSpPr>
+          <a:xfrm>
+            <a:off x="6728142" y="3275579"/>
+            <a:ext cx="996097" cy="943691"/>
+            <a:chOff x="6095999" y="2629947"/>
+            <a:chExt cx="996097" cy="943691"/>
+          </a:xfrm>
+        </p:grpSpPr>
+        <p:pic>
+          <p:nvPicPr>
+            <p:cNvPr id="136" name="Graphic 135">
+              <a:extLst>
+                <a:ext uri="{FF2B5EF4-FFF2-40B4-BE49-F238E27FC236}">
+                  <a16:creationId xmlns:a16="http://schemas.microsoft.com/office/drawing/2014/main" id="{CEA401A7-6329-4B0E-A9AA-10FE9A36A5AF}"/>
+                </a:ext>
+              </a:extLst>
+            </p:cNvPr>
+            <p:cNvPicPr>
+              <a:picLocks noChangeAspect="1"/>
+            </p:cNvPicPr>
+            <p:nvPr/>
+          </p:nvPicPr>
+          <p:blipFill>
+            <a:blip r:embed="rId2">
+              <a:extLst>
+                <a:ext uri="{28A0092B-C50C-407E-A947-70E740481C1C}">
+                  <a14:useLocalDpi xmlns:a14="http://schemas.microsoft.com/office/drawing/2010/main" val="0"/>
+                </a:ext>
+                <a:ext uri="{96DAC541-7B7A-43D3-8B79-37D633B846F1}">
+                  <asvg:svgBlip xmlns:asvg="http://schemas.microsoft.com/office/drawing/2016/SVG/main" r:embed="rId3"/>
+                </a:ext>
+              </a:extLst>
+            </a:blip>
+            <a:stretch>
+              <a:fillRect/>
+            </a:stretch>
+          </p:blipFill>
+          <p:spPr>
+            <a:xfrm>
+              <a:off x="6480603" y="3093920"/>
+              <a:ext cx="240833" cy="240833"/>
+            </a:xfrm>
+            <a:prstGeom prst="rect">
+              <a:avLst/>
+            </a:prstGeom>
+          </p:spPr>
+        </p:pic>
+        <p:grpSp>
+          <p:nvGrpSpPr>
+            <p:cNvPr id="138" name="Group 137">
+              <a:extLst>
+                <a:ext uri="{FF2B5EF4-FFF2-40B4-BE49-F238E27FC236}">
+                  <a16:creationId xmlns:a16="http://schemas.microsoft.com/office/drawing/2014/main" id="{BF143E9B-9CA8-4558-8BA1-B9E86F3E915C}"/>
+                </a:ext>
+              </a:extLst>
+            </p:cNvPr>
+            <p:cNvGrpSpPr/>
+            <p:nvPr/>
+          </p:nvGrpSpPr>
+          <p:grpSpPr>
+            <a:xfrm>
+              <a:off x="6095999" y="2629947"/>
+              <a:ext cx="996097" cy="943691"/>
+              <a:chOff x="2508382" y="2373512"/>
+              <a:chExt cx="996097" cy="943691"/>
+            </a:xfrm>
+          </p:grpSpPr>
+          <p:sp>
+            <p:nvSpPr>
+              <p:cNvPr id="139" name="TextBox 138">
+                <a:extLst>
+                  <a:ext uri="{FF2B5EF4-FFF2-40B4-BE49-F238E27FC236}">
+                    <a16:creationId xmlns:a16="http://schemas.microsoft.com/office/drawing/2014/main" id="{5730330B-9365-4377-85D5-62C8A4EB3020}"/>
+                  </a:ext>
+                </a:extLst>
+              </p:cNvPr>
+              <p:cNvSpPr txBox="1"/>
+              <p:nvPr/>
+            </p:nvSpPr>
+            <p:spPr>
+              <a:xfrm>
+                <a:off x="2545531" y="2373512"/>
+                <a:ext cx="914400" cy="215444"/>
+              </a:xfrm>
+              <a:prstGeom prst="rect">
+                <a:avLst/>
+              </a:prstGeom>
+              <a:noFill/>
+            </p:spPr>
+            <p:txBody>
+              <a:bodyPr wrap="square" rtlCol="0">
+                <a:spAutoFit/>
+              </a:bodyPr>
+              <a:lstStyle/>
+              <a:p>
+                <a:pPr marL="0" marR="0" lvl="0" indent="0" algn="ctr" defTabSz="914400" rtl="0" eaLnBrk="1" fontAlgn="auto" latinLnBrk="0" hangingPunct="1">
+                  <a:lnSpc>
+                    <a:spcPct val="100000"/>
+                  </a:lnSpc>
+                  <a:spcBef>
+                    <a:spcPts val="0"/>
+                  </a:spcBef>
+                  <a:spcAft>
+                    <a:spcPts val="0"/>
+                  </a:spcAft>
+                  <a:buClrTx/>
+                  <a:buSzTx/>
+                  <a:buFontTx/>
+                  <a:buNone/>
+                  <a:tabLst/>
+                  <a:defRPr/>
+                </a:pPr>
+                <a:r>
+                  <a:rPr kumimoji="0" lang="en-US" sz="800" b="0" i="0" u="none" strike="noStrike" kern="1200" cap="none" spc="0" normalizeH="0" baseline="0" noProof="0" dirty="0">
+                    <a:ln>
+                      <a:noFill/>
+                    </a:ln>
+                    <a:solidFill>
+                      <a:srgbClr val="4472C4"/>
+                    </a:solidFill>
+                    <a:effectLst/>
+                    <a:uLnTx/>
+                    <a:uFillTx/>
+                    <a:latin typeface="Segoe UI Semibold" panose="020B0702040204020203" pitchFamily="34" charset="0"/>
+                    <a:ea typeface="+mn-ea"/>
+                    <a:cs typeface="Segoe UI Semibold" panose="020B0702040204020203" pitchFamily="34" charset="0"/>
+                  </a:rPr>
+                  <a:t>Logging</a:t>
+                </a:r>
+              </a:p>
+            </p:txBody>
+          </p:sp>
+          <p:grpSp>
+            <p:nvGrpSpPr>
+              <p:cNvPr id="140" name="Group 139">
+                <a:extLst>
+                  <a:ext uri="{FF2B5EF4-FFF2-40B4-BE49-F238E27FC236}">
+                    <a16:creationId xmlns:a16="http://schemas.microsoft.com/office/drawing/2014/main" id="{B4683622-ED11-46A0-A23D-09C5DF879B08}"/>
+                  </a:ext>
+                </a:extLst>
+              </p:cNvPr>
+              <p:cNvGrpSpPr/>
+              <p:nvPr/>
+            </p:nvGrpSpPr>
+            <p:grpSpPr>
+              <a:xfrm>
+                <a:off x="2508382" y="2713159"/>
+                <a:ext cx="996097" cy="604044"/>
+                <a:chOff x="7385769" y="5017807"/>
+                <a:chExt cx="996097" cy="604044"/>
+              </a:xfrm>
+            </p:grpSpPr>
+            <p:sp>
+              <p:nvSpPr>
+                <p:cNvPr id="141" name="Rectangle: Rounded Corners 198">
+                  <a:extLst>
+                    <a:ext uri="{FF2B5EF4-FFF2-40B4-BE49-F238E27FC236}">
+                      <a16:creationId xmlns:a16="http://schemas.microsoft.com/office/drawing/2014/main" id="{600B6F85-9E97-41F9-A030-2CDFD28E34F4}"/>
+                    </a:ext>
+                  </a:extLst>
+                </p:cNvPr>
+                <p:cNvSpPr/>
+                <p:nvPr/>
+              </p:nvSpPr>
+              <p:spPr>
+                <a:xfrm>
+                  <a:off x="7424037" y="5017807"/>
+                  <a:ext cx="919560" cy="604044"/>
+                </a:xfrm>
+                <a:prstGeom prst="roundRect">
+                  <a:avLst/>
+                </a:prstGeom>
+                <a:noFill/>
+                <a:ln>
+                  <a:solidFill>
+                    <a:srgbClr val="0070C0"/>
+                  </a:solidFill>
+                  <a:prstDash val="sysDot"/>
+                  <a:extLst>
+                    <a:ext uri="{C807C97D-BFC1-408E-A445-0C87EB9F89A2}">
+                      <ask:lineSketchStyleProps xmlns:ask="http://schemas.microsoft.com/office/drawing/2018/sketchyshapes" sd="1219033472">
+                        <a:custGeom>
+                          <a:avLst/>
+                          <a:gdLst>
+                            <a:gd name="connsiteX0" fmla="*/ 0 w 1060525"/>
+                            <a:gd name="connsiteY0" fmla="*/ 158238 h 949411"/>
+                            <a:gd name="connsiteX1" fmla="*/ 158238 w 1060525"/>
+                            <a:gd name="connsiteY1" fmla="*/ 0 h 949411"/>
+                            <a:gd name="connsiteX2" fmla="*/ 545143 w 1060525"/>
+                            <a:gd name="connsiteY2" fmla="*/ 0 h 949411"/>
+                            <a:gd name="connsiteX3" fmla="*/ 902287 w 1060525"/>
+                            <a:gd name="connsiteY3" fmla="*/ 0 h 949411"/>
+                            <a:gd name="connsiteX4" fmla="*/ 1060525 w 1060525"/>
+                            <a:gd name="connsiteY4" fmla="*/ 158238 h 949411"/>
+                            <a:gd name="connsiteX5" fmla="*/ 1060525 w 1060525"/>
+                            <a:gd name="connsiteY5" fmla="*/ 462047 h 949411"/>
+                            <a:gd name="connsiteX6" fmla="*/ 1060525 w 1060525"/>
+                            <a:gd name="connsiteY6" fmla="*/ 791173 h 949411"/>
+                            <a:gd name="connsiteX7" fmla="*/ 902287 w 1060525"/>
+                            <a:gd name="connsiteY7" fmla="*/ 949411 h 949411"/>
+                            <a:gd name="connsiteX8" fmla="*/ 545143 w 1060525"/>
+                            <a:gd name="connsiteY8" fmla="*/ 949411 h 949411"/>
+                            <a:gd name="connsiteX9" fmla="*/ 158238 w 1060525"/>
+                            <a:gd name="connsiteY9" fmla="*/ 949411 h 949411"/>
+                            <a:gd name="connsiteX10" fmla="*/ 0 w 1060525"/>
+                            <a:gd name="connsiteY10" fmla="*/ 791173 h 949411"/>
+                            <a:gd name="connsiteX11" fmla="*/ 0 w 1060525"/>
+                            <a:gd name="connsiteY11" fmla="*/ 493694 h 949411"/>
+                            <a:gd name="connsiteX12" fmla="*/ 0 w 1060525"/>
+                            <a:gd name="connsiteY12" fmla="*/ 158238 h 949411"/>
+                          </a:gdLst>
+                          <a:ahLst/>
+                          <a:cxnLst>
+                            <a:cxn ang="0">
+                              <a:pos x="connsiteX0" y="connsiteY0"/>
+                            </a:cxn>
+                            <a:cxn ang="0">
+                              <a:pos x="connsiteX1" y="connsiteY1"/>
+                            </a:cxn>
+                            <a:cxn ang="0">
+                              <a:pos x="connsiteX2" y="connsiteY2"/>
+                            </a:cxn>
+                            <a:cxn ang="0">
+                              <a:pos x="connsiteX3" y="connsiteY3"/>
+                            </a:cxn>
+                            <a:cxn ang="0">
+                              <a:pos x="connsiteX4" y="connsiteY4"/>
+                            </a:cxn>
+                            <a:cxn ang="0">
+                              <a:pos x="connsiteX5" y="connsiteY5"/>
+                            </a:cxn>
+                            <a:cxn ang="0">
+                              <a:pos x="connsiteX6" y="connsiteY6"/>
+                            </a:cxn>
+                            <a:cxn ang="0">
+                              <a:pos x="connsiteX7" y="connsiteY7"/>
+                            </a:cxn>
+                            <a:cxn ang="0">
+                              <a:pos x="connsiteX8" y="connsiteY8"/>
+                            </a:cxn>
+                            <a:cxn ang="0">
+                              <a:pos x="connsiteX9" y="connsiteY9"/>
+                            </a:cxn>
+                            <a:cxn ang="0">
+                              <a:pos x="connsiteX10" y="connsiteY10"/>
+                            </a:cxn>
+                            <a:cxn ang="0">
+                              <a:pos x="connsiteX11" y="connsiteY11"/>
+                            </a:cxn>
+                            <a:cxn ang="0">
+                              <a:pos x="connsiteX12" y="connsiteY12"/>
+                            </a:cxn>
+                          </a:cxnLst>
+                          <a:rect l="l" t="t" r="r" b="b"/>
+                          <a:pathLst>
+                            <a:path w="1060525" h="949411" extrusionOk="0">
+                              <a:moveTo>
+                                <a:pt x="0" y="158238"/>
+                              </a:moveTo>
+                              <a:cubicBezTo>
+                                <a:pt x="-6968" y="66548"/>
+                                <a:pt x="48378" y="8433"/>
+                                <a:pt x="158238" y="0"/>
+                              </a:cubicBezTo>
+                              <a:cubicBezTo>
+                                <a:pt x="349666" y="-16998"/>
+                                <a:pt x="425630" y="45732"/>
+                                <a:pt x="545143" y="0"/>
+                              </a:cubicBezTo>
+                              <a:cubicBezTo>
+                                <a:pt x="664657" y="-45732"/>
+                                <a:pt x="820159" y="12596"/>
+                                <a:pt x="902287" y="0"/>
+                              </a:cubicBezTo>
+                              <a:cubicBezTo>
+                                <a:pt x="971578" y="-9904"/>
+                                <a:pt x="1073159" y="76883"/>
+                                <a:pt x="1060525" y="158238"/>
+                              </a:cubicBezTo>
+                              <a:cubicBezTo>
+                                <a:pt x="1070157" y="289612"/>
+                                <a:pt x="1042806" y="329690"/>
+                                <a:pt x="1060525" y="462047"/>
+                              </a:cubicBezTo>
+                              <a:cubicBezTo>
+                                <a:pt x="1078244" y="594404"/>
+                                <a:pt x="1038376" y="643113"/>
+                                <a:pt x="1060525" y="791173"/>
+                              </a:cubicBezTo>
+                              <a:cubicBezTo>
+                                <a:pt x="1059057" y="864564"/>
+                                <a:pt x="981426" y="960880"/>
+                                <a:pt x="902287" y="949411"/>
+                              </a:cubicBezTo>
+                              <a:cubicBezTo>
+                                <a:pt x="753690" y="960561"/>
+                                <a:pt x="631505" y="915417"/>
+                                <a:pt x="545143" y="949411"/>
+                              </a:cubicBezTo>
+                              <a:cubicBezTo>
+                                <a:pt x="458781" y="983405"/>
+                                <a:pt x="339279" y="911965"/>
+                                <a:pt x="158238" y="949411"/>
+                              </a:cubicBezTo>
+                              <a:cubicBezTo>
+                                <a:pt x="73589" y="953494"/>
+                                <a:pt x="1058" y="889527"/>
+                                <a:pt x="0" y="791173"/>
+                              </a:cubicBezTo>
+                              <a:cubicBezTo>
+                                <a:pt x="-31957" y="731446"/>
+                                <a:pt x="21377" y="595516"/>
+                                <a:pt x="0" y="493694"/>
+                              </a:cubicBezTo>
+                              <a:cubicBezTo>
+                                <a:pt x="-21377" y="391872"/>
+                                <a:pt x="35644" y="296102"/>
+                                <a:pt x="0" y="158238"/>
+                              </a:cubicBezTo>
+                              <a:close/>
+                            </a:path>
+                          </a:pathLst>
+                        </a:custGeom>
+                        <ask:type>
+                          <ask:lineSketchNone/>
+                        </ask:type>
+                      </ask:lineSketchStyleProps>
+                    </a:ext>
+                  </a:extLst>
+                </a:ln>
+              </p:spPr>
+              <p:style>
+                <a:lnRef idx="2">
+                  <a:schemeClr val="accent1">
+                    <a:shade val="50000"/>
+                  </a:schemeClr>
+                </a:lnRef>
+                <a:fillRef idx="1">
+                  <a:schemeClr val="accent1"/>
+                </a:fillRef>
+                <a:effectRef idx="0">
+                  <a:schemeClr val="accent1"/>
+                </a:effectRef>
+                <a:fontRef idx="minor">
+                  <a:schemeClr val="lt1"/>
+                </a:fontRef>
+              </p:style>
+              <p:txBody>
+                <a:bodyPr rtlCol="0" anchor="ctr"/>
+                <a:lstStyle/>
+                <a:p>
+                  <a:pPr marL="0" marR="0" lvl="0" indent="0" algn="ctr" defTabSz="914400" rtl="0" eaLnBrk="1" fontAlgn="auto" latinLnBrk="0" hangingPunct="1">
+                    <a:lnSpc>
+                      <a:spcPct val="100000"/>
+                    </a:lnSpc>
+                    <a:spcBef>
+                      <a:spcPts val="0"/>
+                    </a:spcBef>
+                    <a:spcAft>
+                      <a:spcPts val="0"/>
+                    </a:spcAft>
+                    <a:buClrTx/>
+                    <a:buSzTx/>
+                    <a:buFontTx/>
+                    <a:buNone/>
+                    <a:tabLst/>
+                    <a:defRPr/>
+                  </a:pPr>
+                  <a:endParaRPr kumimoji="0" lang="en-US" sz="1800" b="0" i="0" u="none" strike="noStrike" kern="1200" cap="none" spc="0" normalizeH="0" baseline="0" noProof="0">
+                    <a:ln>
+                      <a:noFill/>
+                    </a:ln>
+                    <a:solidFill>
+                      <a:prstClr val="white"/>
+                    </a:solidFill>
+                    <a:effectLst/>
+                    <a:uLnTx/>
+                    <a:uFillTx/>
+                    <a:latin typeface="Segoe UI"/>
+                    <a:ea typeface="+mn-ea"/>
+                    <a:cs typeface="+mn-cs"/>
+                  </a:endParaRPr>
+                </a:p>
+              </p:txBody>
+            </p:sp>
+            <p:sp>
+              <p:nvSpPr>
+                <p:cNvPr id="142" name="TextBox 141">
+                  <a:extLst>
+                    <a:ext uri="{FF2B5EF4-FFF2-40B4-BE49-F238E27FC236}">
+                      <a16:creationId xmlns:a16="http://schemas.microsoft.com/office/drawing/2014/main" id="{402672C2-765B-4125-B53B-539E79C016C8}"/>
+                    </a:ext>
+                  </a:extLst>
+                </p:cNvPr>
+                <p:cNvSpPr txBox="1"/>
+                <p:nvPr/>
+              </p:nvSpPr>
+              <p:spPr>
+                <a:xfrm>
+                  <a:off x="7385769" y="5392256"/>
+                  <a:ext cx="996097" cy="215444"/>
+                </a:xfrm>
+                <a:prstGeom prst="rect">
+                  <a:avLst/>
+                </a:prstGeom>
+                <a:noFill/>
+              </p:spPr>
+              <p:txBody>
+                <a:bodyPr wrap="square" rtlCol="0">
+                  <a:spAutoFit/>
+                </a:bodyPr>
+                <a:lstStyle/>
+                <a:p>
+                  <a:pPr marL="0" marR="0" lvl="0" indent="0" algn="ctr" defTabSz="914400" rtl="0" eaLnBrk="1" fontAlgn="auto" latinLnBrk="0" hangingPunct="1">
+                    <a:lnSpc>
+                      <a:spcPct val="100000"/>
+                    </a:lnSpc>
+                    <a:spcBef>
+                      <a:spcPts val="0"/>
+                    </a:spcBef>
+                    <a:spcAft>
+                      <a:spcPts val="0"/>
+                    </a:spcAft>
+                    <a:buClrTx/>
+                    <a:buSzTx/>
+                    <a:buFontTx/>
+                    <a:buNone/>
+                    <a:tabLst/>
+                    <a:defRPr/>
+                  </a:pPr>
+                  <a:r>
+                    <a:rPr kumimoji="0" lang="en-US" sz="800" b="0" i="0" u="none" strike="noStrike" kern="1200" cap="none" spc="0" normalizeH="0" baseline="0" noProof="0">
+                      <a:ln>
+                        <a:noFill/>
+                      </a:ln>
+                      <a:solidFill>
+                        <a:prstClr val="black"/>
+                      </a:solidFill>
+                      <a:effectLst/>
+                      <a:uLnTx/>
+                      <a:uFillTx/>
+                      <a:latin typeface="Segoe UI Semibold" panose="020B0702040204020203" pitchFamily="34" charset="0"/>
+                      <a:ea typeface="+mn-ea"/>
+                      <a:cs typeface="Segoe UI Semibold" panose="020B0702040204020203" pitchFamily="34" charset="0"/>
+                    </a:rPr>
+                    <a:t>Log Analytics</a:t>
+                  </a:r>
+                </a:p>
+              </p:txBody>
+            </p:sp>
+          </p:grpSp>
+        </p:grpSp>
+      </p:grpSp>
+      <p:sp>
+        <p:nvSpPr>
+          <p:cNvPr id="82" name="Rectangle 81">
+            <a:extLst>
+              <a:ext uri="{FF2B5EF4-FFF2-40B4-BE49-F238E27FC236}">
+                <a16:creationId xmlns:a16="http://schemas.microsoft.com/office/drawing/2014/main" id="{47DD1B16-F53C-4ECB-BF8F-CB96E74255C0}"/>
+              </a:ext>
+            </a:extLst>
+          </p:cNvPr>
+          <p:cNvSpPr/>
+          <p:nvPr/>
+        </p:nvSpPr>
+        <p:spPr>
+          <a:xfrm>
+            <a:off x="6359548" y="2928391"/>
+            <a:ext cx="4090212" cy="1473020"/>
+          </a:xfrm>
+          <a:prstGeom prst="rect">
+            <a:avLst/>
+          </a:prstGeom>
+          <a:noFill/>
+          <a:ln w="12700" cap="flat" cmpd="sng" algn="ctr">
+            <a:solidFill>
+              <a:schemeClr val="tx2"/>
+            </a:solidFill>
+            <a:prstDash val="dash"/>
+          </a:ln>
+          <a:effectLst/>
+        </p:spPr>
+        <p:txBody>
+          <a:bodyPr rtlCol="0" anchor="ctr"/>
+          <a:lstStyle/>
+          <a:p>
+            <a:pPr marL="0" marR="0" lvl="0" indent="0" algn="ctr" defTabSz="914400" rtl="0" eaLnBrk="1" fontAlgn="auto" latinLnBrk="0" hangingPunct="1">
+              <a:lnSpc>
+                <a:spcPct val="100000"/>
+              </a:lnSpc>
+              <a:spcBef>
+                <a:spcPts val="0"/>
+              </a:spcBef>
+              <a:spcAft>
+                <a:spcPts val="0"/>
+              </a:spcAft>
+              <a:buClrTx/>
+              <a:buSzTx/>
+              <a:buFontTx/>
+              <a:buNone/>
+              <a:tabLst/>
+              <a:defRPr/>
+            </a:pPr>
+            <a:endParaRPr kumimoji="0" lang="en-US" sz="1400" b="0" i="0" u="none" strike="noStrike" kern="0" cap="none" spc="0" normalizeH="0" baseline="0" noProof="0">
+              <a:ln>
+                <a:noFill/>
+              </a:ln>
+              <a:solidFill>
+                <a:srgbClr val="000000"/>
+              </a:solidFill>
+              <a:effectLst/>
+              <a:uLnTx/>
+              <a:uFillTx/>
+              <a:latin typeface="Segoe UI"/>
+              <a:ea typeface="+mn-ea"/>
+              <a:cs typeface="+mn-cs"/>
+            </a:endParaRPr>
+          </a:p>
+        </p:txBody>
+      </p:sp>
+      <p:sp>
+        <p:nvSpPr>
+          <p:cNvPr id="83" name="Rectangle 82">
+            <a:extLst>
+              <a:ext uri="{FF2B5EF4-FFF2-40B4-BE49-F238E27FC236}">
+                <a16:creationId xmlns:a16="http://schemas.microsoft.com/office/drawing/2014/main" id="{1C77BEAF-76F9-4E01-9198-B7092A22A121}"/>
+              </a:ext>
+            </a:extLst>
+          </p:cNvPr>
+          <p:cNvSpPr/>
+          <p:nvPr/>
+        </p:nvSpPr>
+        <p:spPr>
+          <a:xfrm>
+            <a:off x="6359548" y="2931647"/>
+            <a:ext cx="2727122" cy="246221"/>
+          </a:xfrm>
+          <a:prstGeom prst="rect">
+            <a:avLst/>
+          </a:prstGeom>
+        </p:spPr>
+        <p:txBody>
+          <a:bodyPr wrap="square">
+            <a:spAutoFit/>
+          </a:bodyPr>
+          <a:lstStyle/>
+          <a:p>
+            <a:pPr marL="0" marR="0" lvl="0" indent="0" algn="l" defTabSz="914400" rtl="0" eaLnBrk="1" fontAlgn="auto" latinLnBrk="0" hangingPunct="1">
+              <a:lnSpc>
+                <a:spcPct val="100000"/>
+              </a:lnSpc>
+              <a:spcBef>
+                <a:spcPts val="0"/>
+              </a:spcBef>
+              <a:spcAft>
+                <a:spcPts val="0"/>
+              </a:spcAft>
+              <a:buClrTx/>
+              <a:buSzTx/>
+              <a:buFontTx/>
+              <a:buNone/>
+              <a:tabLst/>
+              <a:defRPr/>
+            </a:pPr>
+            <a:r>
+              <a:rPr kumimoji="0" lang="en-US" sz="1000" b="0" i="0" u="none" strike="noStrike" kern="0" cap="none" spc="0" normalizeH="0" baseline="0" noProof="0" dirty="0">
+                <a:ln>
+                  <a:noFill/>
+                </a:ln>
+                <a:solidFill>
+                  <a:srgbClr val="44546A"/>
+                </a:solidFill>
+                <a:effectLst/>
+                <a:uLnTx/>
+                <a:uFillTx/>
+                <a:latin typeface="Segoe UI"/>
+                <a:ea typeface="+mn-ea"/>
+                <a:cs typeface="+mn-cs"/>
+              </a:rPr>
+              <a:t>Azure Platform</a:t>
+            </a:r>
+          </a:p>
+        </p:txBody>
+      </p:sp>
+      <p:grpSp>
+        <p:nvGrpSpPr>
+          <p:cNvPr id="4" name="Group 3">
+            <a:extLst>
+              <a:ext uri="{FF2B5EF4-FFF2-40B4-BE49-F238E27FC236}">
+                <a16:creationId xmlns:a16="http://schemas.microsoft.com/office/drawing/2014/main" id="{75836325-C366-45DA-A05D-C04260592948}"/>
+              </a:ext>
+            </a:extLst>
+          </p:cNvPr>
+          <p:cNvGrpSpPr/>
+          <p:nvPr/>
+        </p:nvGrpSpPr>
+        <p:grpSpPr>
+          <a:xfrm>
+            <a:off x="9033234" y="3263927"/>
+            <a:ext cx="1111825" cy="951707"/>
+            <a:chOff x="6540291" y="3263927"/>
+            <a:chExt cx="1111825" cy="951707"/>
+          </a:xfrm>
+        </p:grpSpPr>
+        <p:pic>
+          <p:nvPicPr>
+            <p:cNvPr id="2" name="Graphic 1">
+              <a:extLst>
+                <a:ext uri="{FF2B5EF4-FFF2-40B4-BE49-F238E27FC236}">
+                  <a16:creationId xmlns:a16="http://schemas.microsoft.com/office/drawing/2014/main" id="{70CA4B38-6EFD-4563-8DD7-8E8CDAA3E368}"/>
+                </a:ext>
+              </a:extLst>
+            </p:cNvPr>
+            <p:cNvPicPr>
+              <a:picLocks noChangeAspect="1"/>
+            </p:cNvPicPr>
+            <p:nvPr/>
+          </p:nvPicPr>
+          <p:blipFill>
+            <a:blip r:embed="rId4">
+              <a:extLst>
+                <a:ext uri="{28A0092B-C50C-407E-A947-70E740481C1C}">
+                  <a14:useLocalDpi xmlns:a14="http://schemas.microsoft.com/office/drawing/2010/main" val="0"/>
+                </a:ext>
+                <a:ext uri="{96DAC541-7B7A-43D3-8B79-37D633B846F1}">
+                  <asvg:svgBlip xmlns:asvg="http://schemas.microsoft.com/office/drawing/2016/SVG/main" r:embed="rId5"/>
+                </a:ext>
+              </a:extLst>
+            </a:blip>
+            <a:stretch>
+              <a:fillRect/>
+            </a:stretch>
+          </p:blipFill>
+          <p:spPr>
+            <a:xfrm>
+              <a:off x="6970918" y="3739105"/>
+              <a:ext cx="250570" cy="250570"/>
+            </a:xfrm>
+            <a:prstGeom prst="rect">
+              <a:avLst/>
+            </a:prstGeom>
+          </p:spPr>
+        </p:pic>
+        <p:grpSp>
+          <p:nvGrpSpPr>
+            <p:cNvPr id="93" name="Group 92">
+              <a:extLst>
+                <a:ext uri="{FF2B5EF4-FFF2-40B4-BE49-F238E27FC236}">
+                  <a16:creationId xmlns:a16="http://schemas.microsoft.com/office/drawing/2014/main" id="{B6FEC48A-93AC-4151-9BF0-24CD782C9F69}"/>
+                </a:ext>
+              </a:extLst>
+            </p:cNvPr>
+            <p:cNvGrpSpPr/>
+            <p:nvPr/>
+          </p:nvGrpSpPr>
+          <p:grpSpPr>
+            <a:xfrm>
+              <a:off x="6540291" y="3263927"/>
+              <a:ext cx="1111825" cy="951707"/>
+              <a:chOff x="2445765" y="2365496"/>
+              <a:chExt cx="1111825" cy="951707"/>
+            </a:xfrm>
+          </p:grpSpPr>
+          <p:sp>
+            <p:nvSpPr>
+              <p:cNvPr id="94" name="TextBox 93">
+                <a:extLst>
+                  <a:ext uri="{FF2B5EF4-FFF2-40B4-BE49-F238E27FC236}">
+                    <a16:creationId xmlns:a16="http://schemas.microsoft.com/office/drawing/2014/main" id="{85EA3550-73CE-4903-88BB-C3128F90F95E}"/>
+                  </a:ext>
+                </a:extLst>
+              </p:cNvPr>
+              <p:cNvSpPr txBox="1"/>
+              <p:nvPr/>
+            </p:nvSpPr>
+            <p:spPr>
+              <a:xfrm>
+                <a:off x="2445765" y="2365496"/>
+                <a:ext cx="1111825" cy="215444"/>
+              </a:xfrm>
+              <a:prstGeom prst="rect">
+                <a:avLst/>
+              </a:prstGeom>
+              <a:noFill/>
+            </p:spPr>
+            <p:txBody>
+              <a:bodyPr wrap="square" rtlCol="0">
+                <a:spAutoFit/>
+              </a:bodyPr>
+              <a:lstStyle/>
+              <a:p>
+                <a:pPr marL="0" marR="0" lvl="0" indent="0" algn="ctr" defTabSz="914400" rtl="0" eaLnBrk="1" fontAlgn="auto" latinLnBrk="0" hangingPunct="1">
+                  <a:lnSpc>
+                    <a:spcPct val="100000"/>
+                  </a:lnSpc>
+                  <a:spcBef>
+                    <a:spcPts val="0"/>
+                  </a:spcBef>
+                  <a:spcAft>
+                    <a:spcPts val="0"/>
+                  </a:spcAft>
+                  <a:buClrTx/>
+                  <a:buSzTx/>
+                  <a:buFontTx/>
+                  <a:buNone/>
+                  <a:tabLst/>
+                  <a:defRPr/>
+                </a:pPr>
+                <a:r>
+                  <a:rPr kumimoji="0" lang="en-US" sz="800" b="0" i="0" u="none" strike="noStrike" kern="1200" cap="none" spc="0" normalizeH="0" baseline="0" noProof="0" dirty="0">
+                    <a:ln>
+                      <a:noFill/>
+                    </a:ln>
+                    <a:solidFill>
+                      <a:srgbClr val="4472C4"/>
+                    </a:solidFill>
+                    <a:effectLst/>
+                    <a:uLnTx/>
+                    <a:uFillTx/>
+                    <a:latin typeface="Segoe UI Semibold" panose="020B0702040204020203" pitchFamily="34" charset="0"/>
+                    <a:ea typeface="+mn-ea"/>
+                    <a:cs typeface="Segoe UI Semibold" panose="020B0702040204020203" pitchFamily="34" charset="0"/>
+                  </a:rPr>
+                  <a:t>Synapse Analytics</a:t>
+                </a:r>
+              </a:p>
+            </p:txBody>
+          </p:sp>
+          <p:grpSp>
+            <p:nvGrpSpPr>
+              <p:cNvPr id="96" name="Group 95">
+                <a:extLst>
+                  <a:ext uri="{FF2B5EF4-FFF2-40B4-BE49-F238E27FC236}">
+                    <a16:creationId xmlns:a16="http://schemas.microsoft.com/office/drawing/2014/main" id="{46A625BC-46A8-412A-AB5C-6B049A2251E0}"/>
+                  </a:ext>
+                </a:extLst>
+              </p:cNvPr>
+              <p:cNvGrpSpPr/>
+              <p:nvPr/>
+            </p:nvGrpSpPr>
+            <p:grpSpPr>
+              <a:xfrm>
+                <a:off x="2508382" y="2713159"/>
+                <a:ext cx="996097" cy="604044"/>
+                <a:chOff x="7385769" y="5017807"/>
+                <a:chExt cx="996097" cy="604044"/>
+              </a:xfrm>
+            </p:grpSpPr>
+            <p:sp>
+              <p:nvSpPr>
+                <p:cNvPr id="98" name="Rectangle: Rounded Corners 198">
+                  <a:extLst>
+                    <a:ext uri="{FF2B5EF4-FFF2-40B4-BE49-F238E27FC236}">
+                      <a16:creationId xmlns:a16="http://schemas.microsoft.com/office/drawing/2014/main" id="{BB467219-1D79-4283-B1EA-7B398442A359}"/>
+                    </a:ext>
+                  </a:extLst>
+                </p:cNvPr>
+                <p:cNvSpPr/>
+                <p:nvPr/>
+              </p:nvSpPr>
+              <p:spPr>
+                <a:xfrm>
+                  <a:off x="7424037" y="5017807"/>
+                  <a:ext cx="919560" cy="604044"/>
+                </a:xfrm>
+                <a:prstGeom prst="roundRect">
+                  <a:avLst/>
+                </a:prstGeom>
+                <a:noFill/>
+                <a:ln>
+                  <a:solidFill>
+                    <a:srgbClr val="0070C0"/>
+                  </a:solidFill>
+                  <a:prstDash val="sysDot"/>
+                  <a:extLst>
+                    <a:ext uri="{C807C97D-BFC1-408E-A445-0C87EB9F89A2}">
+                      <ask:lineSketchStyleProps xmlns:ask="http://schemas.microsoft.com/office/drawing/2018/sketchyshapes" sd="1219033472">
+                        <a:custGeom>
+                          <a:avLst/>
+                          <a:gdLst>
+                            <a:gd name="connsiteX0" fmla="*/ 0 w 1060525"/>
+                            <a:gd name="connsiteY0" fmla="*/ 158238 h 949411"/>
+                            <a:gd name="connsiteX1" fmla="*/ 158238 w 1060525"/>
+                            <a:gd name="connsiteY1" fmla="*/ 0 h 949411"/>
+                            <a:gd name="connsiteX2" fmla="*/ 545143 w 1060525"/>
+                            <a:gd name="connsiteY2" fmla="*/ 0 h 949411"/>
+                            <a:gd name="connsiteX3" fmla="*/ 902287 w 1060525"/>
+                            <a:gd name="connsiteY3" fmla="*/ 0 h 949411"/>
+                            <a:gd name="connsiteX4" fmla="*/ 1060525 w 1060525"/>
+                            <a:gd name="connsiteY4" fmla="*/ 158238 h 949411"/>
+                            <a:gd name="connsiteX5" fmla="*/ 1060525 w 1060525"/>
+                            <a:gd name="connsiteY5" fmla="*/ 462047 h 949411"/>
+                            <a:gd name="connsiteX6" fmla="*/ 1060525 w 1060525"/>
+                            <a:gd name="connsiteY6" fmla="*/ 791173 h 949411"/>
+                            <a:gd name="connsiteX7" fmla="*/ 902287 w 1060525"/>
+                            <a:gd name="connsiteY7" fmla="*/ 949411 h 949411"/>
+                            <a:gd name="connsiteX8" fmla="*/ 545143 w 1060525"/>
+                            <a:gd name="connsiteY8" fmla="*/ 949411 h 949411"/>
+                            <a:gd name="connsiteX9" fmla="*/ 158238 w 1060525"/>
+                            <a:gd name="connsiteY9" fmla="*/ 949411 h 949411"/>
+                            <a:gd name="connsiteX10" fmla="*/ 0 w 1060525"/>
+                            <a:gd name="connsiteY10" fmla="*/ 791173 h 949411"/>
+                            <a:gd name="connsiteX11" fmla="*/ 0 w 1060525"/>
+                            <a:gd name="connsiteY11" fmla="*/ 493694 h 949411"/>
+                            <a:gd name="connsiteX12" fmla="*/ 0 w 1060525"/>
+                            <a:gd name="connsiteY12" fmla="*/ 158238 h 949411"/>
+                          </a:gdLst>
+                          <a:ahLst/>
+                          <a:cxnLst>
+                            <a:cxn ang="0">
+                              <a:pos x="connsiteX0" y="connsiteY0"/>
+                            </a:cxn>
+                            <a:cxn ang="0">
+                              <a:pos x="connsiteX1" y="connsiteY1"/>
+                            </a:cxn>
+                            <a:cxn ang="0">
+                              <a:pos x="connsiteX2" y="connsiteY2"/>
+                            </a:cxn>
+                            <a:cxn ang="0">
+                              <a:pos x="connsiteX3" y="connsiteY3"/>
+                            </a:cxn>
+                            <a:cxn ang="0">
+                              <a:pos x="connsiteX4" y="connsiteY4"/>
+                            </a:cxn>
+                            <a:cxn ang="0">
+                              <a:pos x="connsiteX5" y="connsiteY5"/>
+                            </a:cxn>
+                            <a:cxn ang="0">
+                              <a:pos x="connsiteX6" y="connsiteY6"/>
+                            </a:cxn>
+                            <a:cxn ang="0">
+                              <a:pos x="connsiteX7" y="connsiteY7"/>
+                            </a:cxn>
+                            <a:cxn ang="0">
+                              <a:pos x="connsiteX8" y="connsiteY8"/>
+                            </a:cxn>
+                            <a:cxn ang="0">
+                              <a:pos x="connsiteX9" y="connsiteY9"/>
+                            </a:cxn>
+                            <a:cxn ang="0">
+                              <a:pos x="connsiteX10" y="connsiteY10"/>
+                            </a:cxn>
+                            <a:cxn ang="0">
+                              <a:pos x="connsiteX11" y="connsiteY11"/>
+                            </a:cxn>
+                            <a:cxn ang="0">
+                              <a:pos x="connsiteX12" y="connsiteY12"/>
+                            </a:cxn>
+                          </a:cxnLst>
+                          <a:rect l="l" t="t" r="r" b="b"/>
+                          <a:pathLst>
+                            <a:path w="1060525" h="949411" extrusionOk="0">
+                              <a:moveTo>
+                                <a:pt x="0" y="158238"/>
+                              </a:moveTo>
+                              <a:cubicBezTo>
+                                <a:pt x="-6968" y="66548"/>
+                                <a:pt x="48378" y="8433"/>
+                                <a:pt x="158238" y="0"/>
+                              </a:cubicBezTo>
+                              <a:cubicBezTo>
+                                <a:pt x="349666" y="-16998"/>
+                                <a:pt x="425630" y="45732"/>
+                                <a:pt x="545143" y="0"/>
+                              </a:cubicBezTo>
+                              <a:cubicBezTo>
+                                <a:pt x="664657" y="-45732"/>
+                                <a:pt x="820159" y="12596"/>
+                                <a:pt x="902287" y="0"/>
+                              </a:cubicBezTo>
+                              <a:cubicBezTo>
+                                <a:pt x="971578" y="-9904"/>
+                                <a:pt x="1073159" y="76883"/>
+                                <a:pt x="1060525" y="158238"/>
+                              </a:cubicBezTo>
+                              <a:cubicBezTo>
+                                <a:pt x="1070157" y="289612"/>
+                                <a:pt x="1042806" y="329690"/>
+                                <a:pt x="1060525" y="462047"/>
+                              </a:cubicBezTo>
+                              <a:cubicBezTo>
+                                <a:pt x="1078244" y="594404"/>
+                                <a:pt x="1038376" y="643113"/>
+                                <a:pt x="1060525" y="791173"/>
+                              </a:cubicBezTo>
+                              <a:cubicBezTo>
+                                <a:pt x="1059057" y="864564"/>
+                                <a:pt x="981426" y="960880"/>
+                                <a:pt x="902287" y="949411"/>
+                              </a:cubicBezTo>
+                              <a:cubicBezTo>
+                                <a:pt x="753690" y="960561"/>
+                                <a:pt x="631505" y="915417"/>
+                                <a:pt x="545143" y="949411"/>
+                              </a:cubicBezTo>
+                              <a:cubicBezTo>
+                                <a:pt x="458781" y="983405"/>
+                                <a:pt x="339279" y="911965"/>
+                                <a:pt x="158238" y="949411"/>
+                              </a:cubicBezTo>
+                              <a:cubicBezTo>
+                                <a:pt x="73589" y="953494"/>
+                                <a:pt x="1058" y="889527"/>
+                                <a:pt x="0" y="791173"/>
+                              </a:cubicBezTo>
+                              <a:cubicBezTo>
+                                <a:pt x="-31957" y="731446"/>
+                                <a:pt x="21377" y="595516"/>
+                                <a:pt x="0" y="493694"/>
+                              </a:cubicBezTo>
+                              <a:cubicBezTo>
+                                <a:pt x="-21377" y="391872"/>
+                                <a:pt x="35644" y="296102"/>
+                                <a:pt x="0" y="158238"/>
+                              </a:cubicBezTo>
+                              <a:close/>
+                            </a:path>
+                          </a:pathLst>
+                        </a:custGeom>
+                        <ask:type>
+                          <ask:lineSketchNone/>
+                        </ask:type>
+                      </ask:lineSketchStyleProps>
+                    </a:ext>
+                  </a:extLst>
+                </a:ln>
+              </p:spPr>
+              <p:style>
+                <a:lnRef idx="2">
+                  <a:schemeClr val="accent1">
+                    <a:shade val="50000"/>
+                  </a:schemeClr>
+                </a:lnRef>
+                <a:fillRef idx="1">
+                  <a:schemeClr val="accent1"/>
+                </a:fillRef>
+                <a:effectRef idx="0">
+                  <a:schemeClr val="accent1"/>
+                </a:effectRef>
+                <a:fontRef idx="minor">
+                  <a:schemeClr val="lt1"/>
+                </a:fontRef>
+              </p:style>
+              <p:txBody>
+                <a:bodyPr rtlCol="0" anchor="ctr"/>
+                <a:lstStyle/>
+                <a:p>
+                  <a:pPr marL="0" marR="0" lvl="0" indent="0" algn="ctr" defTabSz="914400" rtl="0" eaLnBrk="1" fontAlgn="auto" latinLnBrk="0" hangingPunct="1">
+                    <a:lnSpc>
+                      <a:spcPct val="100000"/>
+                    </a:lnSpc>
+                    <a:spcBef>
+                      <a:spcPts val="0"/>
+                    </a:spcBef>
+                    <a:spcAft>
+                      <a:spcPts val="0"/>
+                    </a:spcAft>
+                    <a:buClrTx/>
+                    <a:buSzTx/>
+                    <a:buFontTx/>
+                    <a:buNone/>
+                    <a:tabLst/>
+                    <a:defRPr/>
+                  </a:pPr>
+                  <a:endParaRPr kumimoji="0" lang="en-US" sz="1800" b="0" i="0" u="none" strike="noStrike" kern="1200" cap="none" spc="0" normalizeH="0" baseline="0" noProof="0">
+                    <a:ln>
+                      <a:noFill/>
+                    </a:ln>
+                    <a:solidFill>
+                      <a:prstClr val="white"/>
+                    </a:solidFill>
+                    <a:effectLst/>
+                    <a:uLnTx/>
+                    <a:uFillTx/>
+                    <a:latin typeface="Segoe UI"/>
+                    <a:ea typeface="+mn-ea"/>
+                    <a:cs typeface="+mn-cs"/>
+                  </a:endParaRPr>
+                </a:p>
+              </p:txBody>
+            </p:sp>
+            <p:sp>
+              <p:nvSpPr>
+                <p:cNvPr id="99" name="TextBox 98">
+                  <a:extLst>
+                    <a:ext uri="{FF2B5EF4-FFF2-40B4-BE49-F238E27FC236}">
+                      <a16:creationId xmlns:a16="http://schemas.microsoft.com/office/drawing/2014/main" id="{22B8F9CE-7E60-4B6A-B964-5FEC22EAF324}"/>
+                    </a:ext>
+                  </a:extLst>
+                </p:cNvPr>
+                <p:cNvSpPr txBox="1"/>
+                <p:nvPr/>
+              </p:nvSpPr>
+              <p:spPr>
+                <a:xfrm>
+                  <a:off x="7385769" y="5392256"/>
+                  <a:ext cx="996097" cy="215444"/>
+                </a:xfrm>
+                <a:prstGeom prst="rect">
+                  <a:avLst/>
+                </a:prstGeom>
+                <a:noFill/>
+              </p:spPr>
+              <p:txBody>
+                <a:bodyPr wrap="square" rtlCol="0">
+                  <a:spAutoFit/>
+                </a:bodyPr>
+                <a:lstStyle/>
+                <a:p>
+                  <a:pPr marL="0" marR="0" lvl="0" indent="0" algn="ctr" defTabSz="914400" rtl="0" eaLnBrk="1" fontAlgn="auto" latinLnBrk="0" hangingPunct="1">
+                    <a:lnSpc>
+                      <a:spcPct val="100000"/>
+                    </a:lnSpc>
+                    <a:spcBef>
+                      <a:spcPts val="0"/>
+                    </a:spcBef>
+                    <a:spcAft>
+                      <a:spcPts val="0"/>
+                    </a:spcAft>
+                    <a:buClrTx/>
+                    <a:buSzTx/>
+                    <a:buFontTx/>
+                    <a:buNone/>
+                    <a:tabLst/>
+                    <a:defRPr/>
+                  </a:pPr>
+                  <a:r>
+                    <a:rPr kumimoji="0" lang="en-US" sz="800" b="0" i="0" u="none" strike="noStrike" kern="1200" cap="none" spc="0" normalizeH="0" baseline="0" noProof="0" dirty="0">
+                      <a:ln>
+                        <a:noFill/>
+                      </a:ln>
+                      <a:solidFill>
+                        <a:prstClr val="black"/>
+                      </a:solidFill>
+                      <a:effectLst/>
+                      <a:uLnTx/>
+                      <a:uFillTx/>
+                      <a:latin typeface="Segoe UI Semibold" panose="020B0702040204020203" pitchFamily="34" charset="0"/>
+                      <a:ea typeface="+mn-ea"/>
+                      <a:cs typeface="Segoe UI Semibold" panose="020B0702040204020203" pitchFamily="34" charset="0"/>
+                    </a:rPr>
+                    <a:t>Synapse</a:t>
+                  </a:r>
+                </a:p>
+              </p:txBody>
+            </p:sp>
+          </p:grpSp>
+        </p:grpSp>
+      </p:grpSp>
+      <p:grpSp>
+        <p:nvGrpSpPr>
+          <p:cNvPr id="76" name="Group 75">
+            <a:extLst>
+              <a:ext uri="{FF2B5EF4-FFF2-40B4-BE49-F238E27FC236}">
+                <a16:creationId xmlns:a16="http://schemas.microsoft.com/office/drawing/2014/main" id="{0EBB20FE-EEF9-40A9-AB9B-BD6BBEC5B319}"/>
+              </a:ext>
+            </a:extLst>
+          </p:cNvPr>
+          <p:cNvGrpSpPr/>
+          <p:nvPr/>
+        </p:nvGrpSpPr>
+        <p:grpSpPr>
+          <a:xfrm>
+            <a:off x="7868514" y="3263927"/>
+            <a:ext cx="1111825" cy="951707"/>
+            <a:chOff x="2445765" y="2365496"/>
+            <a:chExt cx="1111825" cy="951707"/>
+          </a:xfrm>
+        </p:grpSpPr>
+        <p:sp>
+          <p:nvSpPr>
+            <p:cNvPr id="77" name="TextBox 76">
+              <a:extLst>
+                <a:ext uri="{FF2B5EF4-FFF2-40B4-BE49-F238E27FC236}">
+                  <a16:creationId xmlns:a16="http://schemas.microsoft.com/office/drawing/2014/main" id="{9DED77F6-1B96-42A3-9F8C-0B8EEEBF76AC}"/>
+                </a:ext>
+              </a:extLst>
+            </p:cNvPr>
+            <p:cNvSpPr txBox="1"/>
+            <p:nvPr/>
+          </p:nvSpPr>
+          <p:spPr>
+            <a:xfrm>
+              <a:off x="2445765" y="2365496"/>
+              <a:ext cx="1111825" cy="215444"/>
+            </a:xfrm>
+            <a:prstGeom prst="rect">
+              <a:avLst/>
+            </a:prstGeom>
+            <a:noFill/>
+          </p:spPr>
+          <p:txBody>
+            <a:bodyPr wrap="square" rtlCol="0">
+              <a:spAutoFit/>
+            </a:bodyPr>
+            <a:lstStyle/>
+            <a:p>
+              <a:pPr marL="0" marR="0" lvl="0" indent="0" algn="ctr" defTabSz="914400" rtl="0" eaLnBrk="1" fontAlgn="auto" latinLnBrk="0" hangingPunct="1">
+                <a:lnSpc>
+                  <a:spcPct val="100000"/>
+                </a:lnSpc>
+                <a:spcBef>
+                  <a:spcPts val="0"/>
+                </a:spcBef>
+                <a:spcAft>
+                  <a:spcPts val="0"/>
+                </a:spcAft>
+                <a:buClrTx/>
+                <a:buSzTx/>
+                <a:buFontTx/>
+                <a:buNone/>
+                <a:tabLst/>
+                <a:defRPr/>
+              </a:pPr>
+              <a:r>
+                <a:rPr kumimoji="0" lang="en-US" sz="800" b="0" i="0" u="none" strike="noStrike" kern="1200" cap="none" spc="0" normalizeH="0" baseline="0" noProof="0" dirty="0">
+                  <a:ln>
+                    <a:noFill/>
+                  </a:ln>
+                  <a:solidFill>
+                    <a:srgbClr val="4472C4"/>
+                  </a:solidFill>
+                  <a:effectLst/>
+                  <a:uLnTx/>
+                  <a:uFillTx/>
+                  <a:latin typeface="Segoe UI Semibold" panose="020B0702040204020203" pitchFamily="34" charset="0"/>
+                  <a:ea typeface="+mn-ea"/>
+                  <a:cs typeface="Segoe UI Semibold" panose="020B0702040204020203" pitchFamily="34" charset="0"/>
+                </a:rPr>
+                <a:t>Storage</a:t>
+              </a:r>
+            </a:p>
+          </p:txBody>
+        </p:sp>
+        <p:grpSp>
+          <p:nvGrpSpPr>
+            <p:cNvPr id="78" name="Group 77">
+              <a:extLst>
+                <a:ext uri="{FF2B5EF4-FFF2-40B4-BE49-F238E27FC236}">
+                  <a16:creationId xmlns:a16="http://schemas.microsoft.com/office/drawing/2014/main" id="{0BC4773F-FD7F-472E-9C01-DF5D29055AA5}"/>
+                </a:ext>
+              </a:extLst>
+            </p:cNvPr>
+            <p:cNvGrpSpPr/>
+            <p:nvPr/>
+          </p:nvGrpSpPr>
+          <p:grpSpPr>
+            <a:xfrm>
+              <a:off x="2508382" y="2713159"/>
+              <a:ext cx="996097" cy="604044"/>
+              <a:chOff x="5160092" y="1319839"/>
+              <a:chExt cx="996097" cy="604044"/>
+            </a:xfrm>
+          </p:grpSpPr>
+          <p:grpSp>
+            <p:nvGrpSpPr>
+              <p:cNvPr id="79" name="Group 78">
+                <a:extLst>
+                  <a:ext uri="{FF2B5EF4-FFF2-40B4-BE49-F238E27FC236}">
+                    <a16:creationId xmlns:a16="http://schemas.microsoft.com/office/drawing/2014/main" id="{0BFDC0DF-9475-4D2D-970B-0F1DBFD7A602}"/>
+                  </a:ext>
+                </a:extLst>
+              </p:cNvPr>
+              <p:cNvGrpSpPr/>
+              <p:nvPr/>
+            </p:nvGrpSpPr>
+            <p:grpSpPr>
+              <a:xfrm>
+                <a:off x="5160092" y="1319839"/>
+                <a:ext cx="996097" cy="604044"/>
+                <a:chOff x="7385769" y="5017807"/>
+                <a:chExt cx="996097" cy="604044"/>
+              </a:xfrm>
+            </p:grpSpPr>
+            <p:sp>
+              <p:nvSpPr>
+                <p:cNvPr id="81" name="Rectangle: Rounded Corners 198">
+                  <a:extLst>
+                    <a:ext uri="{FF2B5EF4-FFF2-40B4-BE49-F238E27FC236}">
+                      <a16:creationId xmlns:a16="http://schemas.microsoft.com/office/drawing/2014/main" id="{C9CAD5C0-7036-4A51-831C-D525E5C3FAC3}"/>
+                    </a:ext>
+                  </a:extLst>
+                </p:cNvPr>
+                <p:cNvSpPr/>
+                <p:nvPr/>
+              </p:nvSpPr>
+              <p:spPr>
+                <a:xfrm>
+                  <a:off x="7424037" y="5017807"/>
+                  <a:ext cx="919560" cy="604044"/>
+                </a:xfrm>
+                <a:prstGeom prst="roundRect">
+                  <a:avLst/>
+                </a:prstGeom>
+                <a:noFill/>
+                <a:ln>
+                  <a:solidFill>
+                    <a:srgbClr val="0070C0"/>
+                  </a:solidFill>
+                  <a:prstDash val="sysDot"/>
+                  <a:extLst>
+                    <a:ext uri="{C807C97D-BFC1-408E-A445-0C87EB9F89A2}">
+                      <ask:lineSketchStyleProps xmlns:ask="http://schemas.microsoft.com/office/drawing/2018/sketchyshapes" sd="1219033472">
+                        <a:custGeom>
+                          <a:avLst/>
+                          <a:gdLst>
+                            <a:gd name="connsiteX0" fmla="*/ 0 w 1060525"/>
+                            <a:gd name="connsiteY0" fmla="*/ 158238 h 949411"/>
+                            <a:gd name="connsiteX1" fmla="*/ 158238 w 1060525"/>
+                            <a:gd name="connsiteY1" fmla="*/ 0 h 949411"/>
+                            <a:gd name="connsiteX2" fmla="*/ 545143 w 1060525"/>
+                            <a:gd name="connsiteY2" fmla="*/ 0 h 949411"/>
+                            <a:gd name="connsiteX3" fmla="*/ 902287 w 1060525"/>
+                            <a:gd name="connsiteY3" fmla="*/ 0 h 949411"/>
+                            <a:gd name="connsiteX4" fmla="*/ 1060525 w 1060525"/>
+                            <a:gd name="connsiteY4" fmla="*/ 158238 h 949411"/>
+                            <a:gd name="connsiteX5" fmla="*/ 1060525 w 1060525"/>
+                            <a:gd name="connsiteY5" fmla="*/ 462047 h 949411"/>
+                            <a:gd name="connsiteX6" fmla="*/ 1060525 w 1060525"/>
+                            <a:gd name="connsiteY6" fmla="*/ 791173 h 949411"/>
+                            <a:gd name="connsiteX7" fmla="*/ 902287 w 1060525"/>
+                            <a:gd name="connsiteY7" fmla="*/ 949411 h 949411"/>
+                            <a:gd name="connsiteX8" fmla="*/ 545143 w 1060525"/>
+                            <a:gd name="connsiteY8" fmla="*/ 949411 h 949411"/>
+                            <a:gd name="connsiteX9" fmla="*/ 158238 w 1060525"/>
+                            <a:gd name="connsiteY9" fmla="*/ 949411 h 949411"/>
+                            <a:gd name="connsiteX10" fmla="*/ 0 w 1060525"/>
+                            <a:gd name="connsiteY10" fmla="*/ 791173 h 949411"/>
+                            <a:gd name="connsiteX11" fmla="*/ 0 w 1060525"/>
+                            <a:gd name="connsiteY11" fmla="*/ 493694 h 949411"/>
+                            <a:gd name="connsiteX12" fmla="*/ 0 w 1060525"/>
+                            <a:gd name="connsiteY12" fmla="*/ 158238 h 949411"/>
+                          </a:gdLst>
+                          <a:ahLst/>
+                          <a:cxnLst>
+                            <a:cxn ang="0">
+                              <a:pos x="connsiteX0" y="connsiteY0"/>
+                            </a:cxn>
+                            <a:cxn ang="0">
+                              <a:pos x="connsiteX1" y="connsiteY1"/>
+                            </a:cxn>
+                            <a:cxn ang="0">
+                              <a:pos x="connsiteX2" y="connsiteY2"/>
+                            </a:cxn>
+                            <a:cxn ang="0">
+                              <a:pos x="connsiteX3" y="connsiteY3"/>
+                            </a:cxn>
+                            <a:cxn ang="0">
+                              <a:pos x="connsiteX4" y="connsiteY4"/>
+                            </a:cxn>
+                            <a:cxn ang="0">
+                              <a:pos x="connsiteX5" y="connsiteY5"/>
+                            </a:cxn>
+                            <a:cxn ang="0">
+                              <a:pos x="connsiteX6" y="connsiteY6"/>
+                            </a:cxn>
+                            <a:cxn ang="0">
+                              <a:pos x="connsiteX7" y="connsiteY7"/>
+                            </a:cxn>
+                            <a:cxn ang="0">
+                              <a:pos x="connsiteX8" y="connsiteY8"/>
+                            </a:cxn>
+                            <a:cxn ang="0">
+                              <a:pos x="connsiteX9" y="connsiteY9"/>
+                            </a:cxn>
+                            <a:cxn ang="0">
+                              <a:pos x="connsiteX10" y="connsiteY10"/>
+                            </a:cxn>
+                            <a:cxn ang="0">
+                              <a:pos x="connsiteX11" y="connsiteY11"/>
+                            </a:cxn>
+                            <a:cxn ang="0">
+                              <a:pos x="connsiteX12" y="connsiteY12"/>
+                            </a:cxn>
+                          </a:cxnLst>
+                          <a:rect l="l" t="t" r="r" b="b"/>
+                          <a:pathLst>
+                            <a:path w="1060525" h="949411" extrusionOk="0">
+                              <a:moveTo>
+                                <a:pt x="0" y="158238"/>
+                              </a:moveTo>
+                              <a:cubicBezTo>
+                                <a:pt x="-6968" y="66548"/>
+                                <a:pt x="48378" y="8433"/>
+                                <a:pt x="158238" y="0"/>
+                              </a:cubicBezTo>
+                              <a:cubicBezTo>
+                                <a:pt x="349666" y="-16998"/>
+                                <a:pt x="425630" y="45732"/>
+                                <a:pt x="545143" y="0"/>
+                              </a:cubicBezTo>
+                              <a:cubicBezTo>
+                                <a:pt x="664657" y="-45732"/>
+                                <a:pt x="820159" y="12596"/>
+                                <a:pt x="902287" y="0"/>
+                              </a:cubicBezTo>
+                              <a:cubicBezTo>
+                                <a:pt x="971578" y="-9904"/>
+                                <a:pt x="1073159" y="76883"/>
+                                <a:pt x="1060525" y="158238"/>
+                              </a:cubicBezTo>
+                              <a:cubicBezTo>
+                                <a:pt x="1070157" y="289612"/>
+                                <a:pt x="1042806" y="329690"/>
+                                <a:pt x="1060525" y="462047"/>
+                              </a:cubicBezTo>
+                              <a:cubicBezTo>
+                                <a:pt x="1078244" y="594404"/>
+                                <a:pt x="1038376" y="643113"/>
+                                <a:pt x="1060525" y="791173"/>
+                              </a:cubicBezTo>
+                              <a:cubicBezTo>
+                                <a:pt x="1059057" y="864564"/>
+                                <a:pt x="981426" y="960880"/>
+                                <a:pt x="902287" y="949411"/>
+                              </a:cubicBezTo>
+                              <a:cubicBezTo>
+                                <a:pt x="753690" y="960561"/>
+                                <a:pt x="631505" y="915417"/>
+                                <a:pt x="545143" y="949411"/>
+                              </a:cubicBezTo>
+                              <a:cubicBezTo>
+                                <a:pt x="458781" y="983405"/>
+                                <a:pt x="339279" y="911965"/>
+                                <a:pt x="158238" y="949411"/>
+                              </a:cubicBezTo>
+                              <a:cubicBezTo>
+                                <a:pt x="73589" y="953494"/>
+                                <a:pt x="1058" y="889527"/>
+                                <a:pt x="0" y="791173"/>
+                              </a:cubicBezTo>
+                              <a:cubicBezTo>
+                                <a:pt x="-31957" y="731446"/>
+                                <a:pt x="21377" y="595516"/>
+                                <a:pt x="0" y="493694"/>
+                              </a:cubicBezTo>
+                              <a:cubicBezTo>
+                                <a:pt x="-21377" y="391872"/>
+                                <a:pt x="35644" y="296102"/>
+                                <a:pt x="0" y="158238"/>
+                              </a:cubicBezTo>
+                              <a:close/>
+                            </a:path>
+                          </a:pathLst>
+                        </a:custGeom>
+                        <ask:type>
+                          <ask:lineSketchNone/>
+                        </ask:type>
+                      </ask:lineSketchStyleProps>
+                    </a:ext>
+                  </a:extLst>
+                </a:ln>
+              </p:spPr>
+              <p:style>
+                <a:lnRef idx="2">
+                  <a:schemeClr val="accent1">
+                    <a:shade val="50000"/>
+                  </a:schemeClr>
+                </a:lnRef>
+                <a:fillRef idx="1">
+                  <a:schemeClr val="accent1"/>
+                </a:fillRef>
+                <a:effectRef idx="0">
+                  <a:schemeClr val="accent1"/>
+                </a:effectRef>
+                <a:fontRef idx="minor">
+                  <a:schemeClr val="lt1"/>
+                </a:fontRef>
+              </p:style>
+              <p:txBody>
+                <a:bodyPr rtlCol="0" anchor="ctr"/>
+                <a:lstStyle/>
+                <a:p>
+                  <a:pPr marL="0" marR="0" lvl="0" indent="0" algn="ctr" defTabSz="914400" rtl="0" eaLnBrk="1" fontAlgn="auto" latinLnBrk="0" hangingPunct="1">
+                    <a:lnSpc>
+                      <a:spcPct val="100000"/>
+                    </a:lnSpc>
+                    <a:spcBef>
+                      <a:spcPts val="0"/>
+                    </a:spcBef>
+                    <a:spcAft>
+                      <a:spcPts val="0"/>
+                    </a:spcAft>
+                    <a:buClrTx/>
+                    <a:buSzTx/>
+                    <a:buFontTx/>
+                    <a:buNone/>
+                    <a:tabLst/>
+                    <a:defRPr/>
+                  </a:pPr>
+                  <a:endParaRPr kumimoji="0" lang="en-US" sz="1800" b="0" i="0" u="none" strike="noStrike" kern="1200" cap="none" spc="0" normalizeH="0" baseline="0" noProof="0">
+                    <a:ln>
+                      <a:noFill/>
+                    </a:ln>
+                    <a:solidFill>
+                      <a:prstClr val="white"/>
+                    </a:solidFill>
+                    <a:effectLst/>
+                    <a:uLnTx/>
+                    <a:uFillTx/>
+                    <a:latin typeface="Segoe UI"/>
+                    <a:ea typeface="+mn-ea"/>
+                    <a:cs typeface="+mn-cs"/>
+                  </a:endParaRPr>
+                </a:p>
+              </p:txBody>
+            </p:sp>
+            <p:sp>
+              <p:nvSpPr>
+                <p:cNvPr id="91" name="TextBox 90">
+                  <a:extLst>
+                    <a:ext uri="{FF2B5EF4-FFF2-40B4-BE49-F238E27FC236}">
+                      <a16:creationId xmlns:a16="http://schemas.microsoft.com/office/drawing/2014/main" id="{B0ECA83B-24A8-4EC4-B97F-F73F5C3513D0}"/>
+                    </a:ext>
+                  </a:extLst>
+                </p:cNvPr>
+                <p:cNvSpPr txBox="1"/>
+                <p:nvPr/>
+              </p:nvSpPr>
+              <p:spPr>
+                <a:xfrm>
+                  <a:off x="7385769" y="5392256"/>
+                  <a:ext cx="996097" cy="215444"/>
+                </a:xfrm>
+                <a:prstGeom prst="rect">
+                  <a:avLst/>
+                </a:prstGeom>
+                <a:noFill/>
+              </p:spPr>
+              <p:txBody>
+                <a:bodyPr wrap="square" rtlCol="0">
+                  <a:spAutoFit/>
+                </a:bodyPr>
+                <a:lstStyle/>
+                <a:p>
+                  <a:pPr marL="0" marR="0" lvl="0" indent="0" algn="ctr" defTabSz="914400" rtl="0" eaLnBrk="1" fontAlgn="auto" latinLnBrk="0" hangingPunct="1">
+                    <a:lnSpc>
+                      <a:spcPct val="100000"/>
+                    </a:lnSpc>
+                    <a:spcBef>
+                      <a:spcPts val="0"/>
+                    </a:spcBef>
+                    <a:spcAft>
+                      <a:spcPts val="0"/>
+                    </a:spcAft>
+                    <a:buClrTx/>
+                    <a:buSzTx/>
+                    <a:buFontTx/>
+                    <a:buNone/>
+                    <a:tabLst/>
+                    <a:defRPr/>
+                  </a:pPr>
+                  <a:r>
+                    <a:rPr kumimoji="0" lang="en-US" sz="800" b="0" i="0" u="none" strike="noStrike" kern="1200" cap="none" spc="0" normalizeH="0" baseline="0" noProof="0">
+                      <a:ln>
+                        <a:noFill/>
+                      </a:ln>
+                      <a:solidFill>
+                        <a:prstClr val="black"/>
+                      </a:solidFill>
+                      <a:effectLst/>
+                      <a:uLnTx/>
+                      <a:uFillTx/>
+                      <a:latin typeface="Segoe UI Semibold" panose="020B0702040204020203" pitchFamily="34" charset="0"/>
+                      <a:ea typeface="+mn-ea"/>
+                      <a:cs typeface="Segoe UI Semibold" panose="020B0702040204020203" pitchFamily="34" charset="0"/>
+                    </a:rPr>
+                    <a:t>Data Lake</a:t>
+                  </a:r>
+                </a:p>
+              </p:txBody>
+            </p:sp>
+          </p:grpSp>
+          <p:pic>
+            <p:nvPicPr>
+              <p:cNvPr id="80" name="Graphic 79">
+                <a:extLst>
+                  <a:ext uri="{FF2B5EF4-FFF2-40B4-BE49-F238E27FC236}">
+                    <a16:creationId xmlns:a16="http://schemas.microsoft.com/office/drawing/2014/main" id="{668083F7-6DDD-435C-98A9-2EBCD362B8A1}"/>
+                  </a:ext>
+                </a:extLst>
+              </p:cNvPr>
+              <p:cNvPicPr>
+                <a:picLocks noChangeAspect="1"/>
+              </p:cNvPicPr>
+              <p:nvPr/>
+            </p:nvPicPr>
+            <p:blipFill>
+              <a:blip r:embed="rId6">
+                <a:extLst>
+                  <a:ext uri="{28A0092B-C50C-407E-A947-70E740481C1C}">
+                    <a14:useLocalDpi xmlns:a14="http://schemas.microsoft.com/office/drawing/2010/main" val="0"/>
+                  </a:ext>
+                  <a:ext uri="{96DAC541-7B7A-43D3-8B79-37D633B846F1}">
+                    <asvg:svgBlip xmlns:asvg="http://schemas.microsoft.com/office/drawing/2016/SVG/main" r:embed="rId7"/>
+                  </a:ext>
+                </a:extLst>
+              </a:blip>
+              <a:stretch>
+                <a:fillRect/>
+              </a:stretch>
+            </p:blipFill>
+            <p:spPr>
+              <a:xfrm>
+                <a:off x="5540382" y="1430707"/>
+                <a:ext cx="226013" cy="226013"/>
+              </a:xfrm>
+              <a:prstGeom prst="rect">
+                <a:avLst/>
+              </a:prstGeom>
+            </p:spPr>
+          </p:pic>
+        </p:grpSp>
+      </p:grpSp>
+      <p:sp>
+        <p:nvSpPr>
+          <p:cNvPr id="3" name="Callout: Bent Line with No Border 2">
+            <a:extLst>
+              <a:ext uri="{FF2B5EF4-FFF2-40B4-BE49-F238E27FC236}">
+                <a16:creationId xmlns:a16="http://schemas.microsoft.com/office/drawing/2014/main" id="{BB9D7B20-FA80-4D1A-8676-1C4105A7DF3E}"/>
+              </a:ext>
+            </a:extLst>
+          </p:cNvPr>
+          <p:cNvSpPr/>
+          <p:nvPr/>
+        </p:nvSpPr>
+        <p:spPr>
+          <a:xfrm>
+            <a:off x="9023194" y="5147500"/>
+            <a:ext cx="1750422" cy="460326"/>
+          </a:xfrm>
+          <a:prstGeom prst="callout2">
+            <a:avLst>
+              <a:gd name="adj1" fmla="val 18751"/>
+              <a:gd name="adj2" fmla="val 98547"/>
+              <a:gd name="adj3" fmla="val 18750"/>
+              <a:gd name="adj4" fmla="val -16667"/>
+              <a:gd name="adj5" fmla="val -108928"/>
+              <a:gd name="adj6" fmla="val -31741"/>
+            </a:avLst>
+          </a:prstGeom>
+          <a:solidFill>
+            <a:schemeClr val="bg1"/>
+          </a:solidFill>
+          <a:ln w="12700">
+            <a:solidFill>
+              <a:srgbClr val="0070C0"/>
+            </a:solidFill>
+          </a:ln>
+        </p:spPr>
+        <p:style>
+          <a:lnRef idx="2">
+            <a:schemeClr val="accent1">
+              <a:shade val="50000"/>
+            </a:schemeClr>
+          </a:lnRef>
+          <a:fillRef idx="1">
+            <a:schemeClr val="accent1"/>
+          </a:fillRef>
+          <a:effectRef idx="0">
+            <a:schemeClr val="accent1"/>
+          </a:effectRef>
+          <a:fontRef idx="minor">
+            <a:schemeClr val="lt1"/>
+          </a:fontRef>
+        </p:style>
+        <p:txBody>
+          <a:bodyPr rtlCol="0" anchor="ctr"/>
+          <a:lstStyle/>
+          <a:p>
+            <a:pPr marL="0" marR="0" lvl="0" indent="0" algn="ctr" defTabSz="914400" rtl="0" eaLnBrk="1" fontAlgn="auto" latinLnBrk="0" hangingPunct="1">
+              <a:lnSpc>
+                <a:spcPct val="100000"/>
+              </a:lnSpc>
+              <a:spcBef>
+                <a:spcPts val="0"/>
+              </a:spcBef>
+              <a:spcAft>
+                <a:spcPts val="0"/>
+              </a:spcAft>
+              <a:buClrTx/>
+              <a:buSzTx/>
+              <a:buFontTx/>
+              <a:buNone/>
+              <a:tabLst/>
+              <a:defRPr/>
+            </a:pPr>
+            <a:endParaRPr kumimoji="0" lang="en-US" sz="1800" b="0" i="0" u="none" strike="noStrike" kern="1200" cap="none" spc="0" normalizeH="0" baseline="0" noProof="0">
+              <a:ln>
+                <a:noFill/>
+              </a:ln>
+              <a:solidFill>
+                <a:prstClr val="white"/>
+              </a:solidFill>
+              <a:effectLst/>
+              <a:uLnTx/>
+              <a:uFillTx/>
+              <a:latin typeface="Calibri" panose="020F0502020204030204"/>
+              <a:ea typeface="+mn-ea"/>
+              <a:cs typeface="+mn-cs"/>
+            </a:endParaRPr>
+          </a:p>
+        </p:txBody>
+      </p:sp>
+      <p:sp>
+        <p:nvSpPr>
+          <p:cNvPr id="254" name="TextBox 253">
+            <a:extLst>
+              <a:ext uri="{FF2B5EF4-FFF2-40B4-BE49-F238E27FC236}">
+                <a16:creationId xmlns:a16="http://schemas.microsoft.com/office/drawing/2014/main" id="{34D084FF-9CC4-40F2-A3D1-EC43F009F36C}"/>
+              </a:ext>
+            </a:extLst>
+          </p:cNvPr>
+          <p:cNvSpPr txBox="1"/>
+          <p:nvPr/>
+        </p:nvSpPr>
+        <p:spPr>
+          <a:xfrm>
+            <a:off x="8723176" y="4755492"/>
+            <a:ext cx="2552195" cy="461665"/>
+          </a:xfrm>
+          <a:prstGeom prst="rect">
+            <a:avLst/>
+          </a:prstGeom>
+          <a:noFill/>
+        </p:spPr>
+        <p:txBody>
+          <a:bodyPr wrap="square">
+            <a:spAutoFit/>
+          </a:bodyPr>
+          <a:lstStyle/>
+          <a:p>
+            <a:pPr marL="0" marR="0" lvl="0" indent="0" algn="l" defTabSz="914400" rtl="0" eaLnBrk="1" fontAlgn="auto" latinLnBrk="0" hangingPunct="1">
+              <a:lnSpc>
+                <a:spcPct val="100000"/>
+              </a:lnSpc>
+              <a:spcBef>
+                <a:spcPts val="0"/>
+              </a:spcBef>
+              <a:spcAft>
+                <a:spcPts val="0"/>
+              </a:spcAft>
+              <a:buClrTx/>
+              <a:buSzTx/>
+              <a:buFontTx/>
+              <a:buNone/>
+              <a:tabLst/>
+              <a:defRPr/>
+            </a:pPr>
+            <a:r>
+              <a:rPr kumimoji="0" lang="en-US" sz="800" b="1" i="0" u="none" strike="noStrike" kern="1200" cap="none" spc="0" normalizeH="0" baseline="0" noProof="0" dirty="0">
+                <a:ln>
+                  <a:noFill/>
+                </a:ln>
+                <a:solidFill>
+                  <a:srgbClr val="A5A5A5">
+                    <a:lumMod val="75000"/>
+                  </a:srgbClr>
+                </a:solidFill>
+                <a:effectLst/>
+                <a:uLnTx/>
+                <a:uFillTx/>
+                <a:latin typeface="Segoe UI" panose="020B0502040204020203" pitchFamily="34" charset="0"/>
+                <a:ea typeface="+mn-ea"/>
+                <a:cs typeface="Segoe UI" panose="020B0502040204020203" pitchFamily="34" charset="0"/>
+              </a:rPr>
+              <a:t>Azure Data Lake Storage Gen2 </a:t>
+            </a:r>
+          </a:p>
+          <a:p>
+            <a:pPr marL="0" marR="0" lvl="0" indent="0" algn="l" defTabSz="914400" rtl="0" eaLnBrk="1" fontAlgn="auto" latinLnBrk="0" hangingPunct="1">
+              <a:lnSpc>
+                <a:spcPct val="100000"/>
+              </a:lnSpc>
+              <a:spcBef>
+                <a:spcPts val="0"/>
+              </a:spcBef>
+              <a:spcAft>
+                <a:spcPts val="0"/>
+              </a:spcAft>
+              <a:buClrTx/>
+              <a:buSzTx/>
+              <a:buFontTx/>
+              <a:buNone/>
+              <a:tabLst/>
+              <a:defRPr/>
+            </a:pPr>
+            <a:r>
+              <a:rPr kumimoji="0" lang="en-US" sz="800" b="0" i="0" u="none" strike="noStrike" kern="1200" cap="none" spc="0" normalizeH="0" baseline="0" noProof="0" dirty="0">
+                <a:ln>
+                  <a:noFill/>
+                </a:ln>
+                <a:solidFill>
+                  <a:srgbClr val="A5A5A5">
+                    <a:lumMod val="75000"/>
+                  </a:srgbClr>
+                </a:solidFill>
+                <a:effectLst/>
+                <a:uLnTx/>
+                <a:uFillTx/>
+                <a:latin typeface="Segoe UI" panose="020B0502040204020203" pitchFamily="34" charset="0"/>
+                <a:ea typeface="+mn-ea"/>
+                <a:cs typeface="Segoe UI" panose="020B0502040204020203" pitchFamily="34" charset="0"/>
+              </a:rPr>
+              <a:t>Storage for Synapse Analytics Workspace configuration data along with PoC data</a:t>
+            </a:r>
+          </a:p>
+        </p:txBody>
+      </p:sp>
+      <p:sp>
+        <p:nvSpPr>
+          <p:cNvPr id="8" name="Callout: Bent Line with No Border 7">
+            <a:extLst>
+              <a:ext uri="{FF2B5EF4-FFF2-40B4-BE49-F238E27FC236}">
+                <a16:creationId xmlns:a16="http://schemas.microsoft.com/office/drawing/2014/main" id="{90D9B3C0-709B-4767-88A1-488DFF7F95BA}"/>
+              </a:ext>
+            </a:extLst>
+          </p:cNvPr>
+          <p:cNvSpPr/>
+          <p:nvPr/>
+        </p:nvSpPr>
+        <p:spPr>
+          <a:xfrm>
+            <a:off x="9960086" y="2402202"/>
+            <a:ext cx="1750422" cy="460326"/>
+          </a:xfrm>
+          <a:prstGeom prst="callout2">
+            <a:avLst>
+              <a:gd name="adj1" fmla="val 17887"/>
+              <a:gd name="adj2" fmla="val 120064"/>
+              <a:gd name="adj3" fmla="val 18750"/>
+              <a:gd name="adj4" fmla="val -16667"/>
+              <a:gd name="adj5" fmla="val 86351"/>
+              <a:gd name="adj6" fmla="val -22100"/>
+            </a:avLst>
+          </a:prstGeom>
+          <a:solidFill>
+            <a:schemeClr val="bg1"/>
+          </a:solidFill>
+          <a:ln w="12700">
+            <a:solidFill>
+              <a:srgbClr val="0070C0"/>
+            </a:solidFill>
+          </a:ln>
+        </p:spPr>
+        <p:style>
+          <a:lnRef idx="2">
+            <a:schemeClr val="accent1">
+              <a:shade val="50000"/>
+            </a:schemeClr>
+          </a:lnRef>
+          <a:fillRef idx="1">
+            <a:schemeClr val="accent1"/>
+          </a:fillRef>
+          <a:effectRef idx="0">
+            <a:schemeClr val="accent1"/>
+          </a:effectRef>
+          <a:fontRef idx="minor">
+            <a:schemeClr val="lt1"/>
+          </a:fontRef>
+        </p:style>
+        <p:txBody>
+          <a:bodyPr rtlCol="0" anchor="ctr"/>
+          <a:lstStyle/>
+          <a:p>
+            <a:pPr marL="0" marR="0" lvl="0" indent="0" algn="ctr" defTabSz="914400" rtl="0" eaLnBrk="1" fontAlgn="auto" latinLnBrk="0" hangingPunct="1">
+              <a:lnSpc>
+                <a:spcPct val="100000"/>
+              </a:lnSpc>
+              <a:spcBef>
+                <a:spcPts val="0"/>
+              </a:spcBef>
+              <a:spcAft>
+                <a:spcPts val="0"/>
+              </a:spcAft>
+              <a:buClrTx/>
+              <a:buSzTx/>
+              <a:buFontTx/>
+              <a:buNone/>
+              <a:tabLst/>
+              <a:defRPr/>
+            </a:pPr>
+            <a:endParaRPr kumimoji="0" lang="en-US" sz="1800" b="0" i="0" u="none" strike="noStrike" kern="1200" cap="none" spc="0" normalizeH="0" baseline="0" noProof="0">
+              <a:ln>
+                <a:noFill/>
+              </a:ln>
+              <a:solidFill>
+                <a:prstClr val="white"/>
+              </a:solidFill>
+              <a:effectLst/>
+              <a:uLnTx/>
+              <a:uFillTx/>
+              <a:latin typeface="Calibri" panose="020F0502020204030204"/>
+              <a:ea typeface="+mn-ea"/>
+              <a:cs typeface="+mn-cs"/>
+            </a:endParaRPr>
+          </a:p>
+        </p:txBody>
+      </p:sp>
+      <p:sp>
+        <p:nvSpPr>
+          <p:cNvPr id="9" name="Callout: Bent Line with No Border 8">
+            <a:extLst>
+              <a:ext uri="{FF2B5EF4-FFF2-40B4-BE49-F238E27FC236}">
+                <a16:creationId xmlns:a16="http://schemas.microsoft.com/office/drawing/2014/main" id="{B074B0F5-50FA-4BCD-953C-474B6BCA3AC0}"/>
+              </a:ext>
+            </a:extLst>
+          </p:cNvPr>
+          <p:cNvSpPr/>
+          <p:nvPr/>
+        </p:nvSpPr>
+        <p:spPr>
+          <a:xfrm flipV="1">
+            <a:off x="8303257" y="5733283"/>
+            <a:ext cx="1750422" cy="460326"/>
+          </a:xfrm>
+          <a:prstGeom prst="callout2">
+            <a:avLst>
+              <a:gd name="adj1" fmla="val 18628"/>
+              <a:gd name="adj2" fmla="val 128056"/>
+              <a:gd name="adj3" fmla="val 18750"/>
+              <a:gd name="adj4" fmla="val -16667"/>
+              <a:gd name="adj5" fmla="val 335471"/>
+              <a:gd name="adj6" fmla="val -54874"/>
+            </a:avLst>
+          </a:prstGeom>
+          <a:solidFill>
+            <a:schemeClr val="bg1"/>
+          </a:solidFill>
+          <a:ln w="12700">
+            <a:solidFill>
+              <a:srgbClr val="0070C0"/>
+            </a:solidFill>
+          </a:ln>
+        </p:spPr>
+        <p:style>
+          <a:lnRef idx="2">
+            <a:schemeClr val="accent1">
+              <a:shade val="50000"/>
+            </a:schemeClr>
+          </a:lnRef>
+          <a:fillRef idx="1">
+            <a:schemeClr val="accent1"/>
+          </a:fillRef>
+          <a:effectRef idx="0">
+            <a:schemeClr val="accent1"/>
+          </a:effectRef>
+          <a:fontRef idx="minor">
+            <a:schemeClr val="lt1"/>
+          </a:fontRef>
+        </p:style>
+        <p:txBody>
+          <a:bodyPr rtlCol="0" anchor="ctr"/>
+          <a:lstStyle/>
+          <a:p>
+            <a:pPr marL="0" marR="0" lvl="0" indent="0" algn="ctr" defTabSz="914400" rtl="0" eaLnBrk="1" fontAlgn="auto" latinLnBrk="0" hangingPunct="1">
+              <a:lnSpc>
+                <a:spcPct val="100000"/>
+              </a:lnSpc>
+              <a:spcBef>
+                <a:spcPts val="0"/>
+              </a:spcBef>
+              <a:spcAft>
+                <a:spcPts val="0"/>
+              </a:spcAft>
+              <a:buClrTx/>
+              <a:buSzTx/>
+              <a:buFontTx/>
+              <a:buNone/>
+              <a:tabLst/>
+              <a:defRPr/>
+            </a:pPr>
+            <a:endParaRPr kumimoji="0" lang="en-US" sz="1800" b="0" i="0" u="none" strike="noStrike" kern="1200" cap="none" spc="0" normalizeH="0" baseline="0" noProof="0">
+              <a:ln>
+                <a:noFill/>
+              </a:ln>
+              <a:solidFill>
+                <a:prstClr val="white"/>
+              </a:solidFill>
+              <a:effectLst/>
+              <a:uLnTx/>
+              <a:uFillTx/>
+              <a:latin typeface="Calibri" panose="020F0502020204030204"/>
+              <a:ea typeface="+mn-ea"/>
+              <a:cs typeface="+mn-cs"/>
+            </a:endParaRPr>
+          </a:p>
+        </p:txBody>
+      </p:sp>
+      <p:sp>
+        <p:nvSpPr>
+          <p:cNvPr id="10" name="TextBox 9">
+            <a:extLst>
+              <a:ext uri="{FF2B5EF4-FFF2-40B4-BE49-F238E27FC236}">
+                <a16:creationId xmlns:a16="http://schemas.microsoft.com/office/drawing/2014/main" id="{3B77F926-E4DF-4BCB-B264-97C742149C19}"/>
+              </a:ext>
+            </a:extLst>
+          </p:cNvPr>
+          <p:cNvSpPr txBox="1"/>
+          <p:nvPr/>
+        </p:nvSpPr>
+        <p:spPr>
+          <a:xfrm>
+            <a:off x="7969399" y="5504659"/>
+            <a:ext cx="2712601" cy="584775"/>
+          </a:xfrm>
+          <a:prstGeom prst="rect">
+            <a:avLst/>
+          </a:prstGeom>
+          <a:noFill/>
+        </p:spPr>
+        <p:txBody>
+          <a:bodyPr wrap="square">
+            <a:spAutoFit/>
+          </a:bodyPr>
+          <a:lstStyle/>
+          <a:p>
+            <a:pPr marL="0" marR="0" lvl="0" indent="0" algn="l" defTabSz="914400" rtl="0" eaLnBrk="1" fontAlgn="auto" latinLnBrk="0" hangingPunct="1">
+              <a:lnSpc>
+                <a:spcPct val="100000"/>
+              </a:lnSpc>
+              <a:spcBef>
+                <a:spcPts val="0"/>
+              </a:spcBef>
+              <a:spcAft>
+                <a:spcPts val="0"/>
+              </a:spcAft>
+              <a:buClrTx/>
+              <a:buSzTx/>
+              <a:buFontTx/>
+              <a:buNone/>
+              <a:tabLst/>
+              <a:defRPr/>
+            </a:pPr>
+            <a:r>
+              <a:rPr kumimoji="0" lang="en-US" sz="800" b="1" i="0" u="none" strike="noStrike" kern="1200" cap="none" spc="0" normalizeH="0" baseline="0" noProof="0" dirty="0">
+                <a:ln>
+                  <a:noFill/>
+                </a:ln>
+                <a:solidFill>
+                  <a:srgbClr val="A5A5A5">
+                    <a:lumMod val="75000"/>
+                  </a:srgbClr>
+                </a:solidFill>
+                <a:effectLst/>
+                <a:uLnTx/>
+                <a:uFillTx/>
+                <a:latin typeface="Segoe UI" panose="020B0502040204020203" pitchFamily="34" charset="0"/>
+                <a:ea typeface="+mn-ea"/>
+                <a:cs typeface="Segoe UI" panose="020B0502040204020203" pitchFamily="34" charset="0"/>
+              </a:rPr>
+              <a:t>Azure Log Analytics</a:t>
+            </a:r>
+            <a:endParaRPr kumimoji="0" lang="en-US" sz="800" b="0" i="0" u="none" strike="noStrike" kern="1200" cap="none" spc="0" normalizeH="0" baseline="0" noProof="0" dirty="0">
+              <a:ln>
+                <a:noFill/>
+              </a:ln>
+              <a:solidFill>
+                <a:srgbClr val="A5A5A5">
+                  <a:lumMod val="75000"/>
+                </a:srgbClr>
+              </a:solidFill>
+              <a:effectLst/>
+              <a:uLnTx/>
+              <a:uFillTx/>
+              <a:latin typeface="Segoe UI" panose="020B0502040204020203" pitchFamily="34" charset="0"/>
+              <a:ea typeface="+mn-ea"/>
+              <a:cs typeface="Segoe UI" panose="020B0502040204020203" pitchFamily="34" charset="0"/>
+            </a:endParaRPr>
+          </a:p>
+          <a:p>
+            <a:pPr marL="0" marR="0" lvl="0" indent="0" algn="l" defTabSz="914400" rtl="0" eaLnBrk="1" fontAlgn="auto" latinLnBrk="0" hangingPunct="1">
+              <a:lnSpc>
+                <a:spcPct val="100000"/>
+              </a:lnSpc>
+              <a:spcBef>
+                <a:spcPts val="0"/>
+              </a:spcBef>
+              <a:spcAft>
+                <a:spcPts val="0"/>
+              </a:spcAft>
+              <a:buClrTx/>
+              <a:buSzTx/>
+              <a:buFontTx/>
+              <a:buNone/>
+              <a:tabLst/>
+              <a:defRPr/>
+            </a:pPr>
+            <a:endParaRPr kumimoji="0" lang="en-US" sz="800" b="1" i="0" u="none" strike="noStrike" kern="1200" cap="none" spc="0" normalizeH="0" baseline="0" noProof="0" dirty="0">
+              <a:ln>
+                <a:noFill/>
+              </a:ln>
+              <a:solidFill>
+                <a:srgbClr val="A5A5A5">
+                  <a:lumMod val="75000"/>
+                </a:srgbClr>
+              </a:solidFill>
+              <a:effectLst/>
+              <a:uLnTx/>
+              <a:uFillTx/>
+              <a:latin typeface="Segoe UI" panose="020B0502040204020203" pitchFamily="34" charset="0"/>
+              <a:ea typeface="+mn-ea"/>
+              <a:cs typeface="Segoe UI" panose="020B0502040204020203" pitchFamily="34" charset="0"/>
+            </a:endParaRPr>
+          </a:p>
+          <a:p>
+            <a:pPr marL="0" marR="0" lvl="0" indent="0" algn="l" defTabSz="914400" rtl="0" eaLnBrk="1" fontAlgn="auto" latinLnBrk="0" hangingPunct="1">
+              <a:lnSpc>
+                <a:spcPct val="100000"/>
+              </a:lnSpc>
+              <a:spcBef>
+                <a:spcPts val="0"/>
+              </a:spcBef>
+              <a:spcAft>
+                <a:spcPts val="0"/>
+              </a:spcAft>
+              <a:buClrTx/>
+              <a:buSzTx/>
+              <a:buFontTx/>
+              <a:buNone/>
+              <a:tabLst/>
+              <a:defRPr/>
+            </a:pPr>
+            <a:r>
+              <a:rPr kumimoji="0" lang="en-US" sz="800" b="0" i="0" u="none" strike="noStrike" kern="1200" cap="none" spc="0" normalizeH="0" baseline="0" noProof="0" dirty="0">
+                <a:ln>
+                  <a:noFill/>
+                </a:ln>
+                <a:solidFill>
+                  <a:srgbClr val="A5A5A5">
+                    <a:lumMod val="75000"/>
+                  </a:srgbClr>
+                </a:solidFill>
+                <a:effectLst/>
+                <a:uLnTx/>
+                <a:uFillTx/>
+                <a:latin typeface="Segoe UI" panose="020B0502040204020203" pitchFamily="34" charset="0"/>
+                <a:ea typeface="+mn-ea"/>
+                <a:cs typeface="Segoe UI" panose="020B0502040204020203" pitchFamily="34" charset="0"/>
+              </a:rPr>
+              <a:t>Logging, monitoring, and telemetry for Azure Synapse Analytics and Azure Data Lake Storage Gen2</a:t>
+            </a:r>
+          </a:p>
+        </p:txBody>
+      </p:sp>
+      <p:sp>
+        <p:nvSpPr>
+          <p:cNvPr id="7" name="TextBox 6">
+            <a:extLst>
+              <a:ext uri="{FF2B5EF4-FFF2-40B4-BE49-F238E27FC236}">
+                <a16:creationId xmlns:a16="http://schemas.microsoft.com/office/drawing/2014/main" id="{4DC29834-4E3B-4433-99C3-6AFF3DD8FD80}"/>
+              </a:ext>
+            </a:extLst>
+          </p:cNvPr>
+          <p:cNvSpPr txBox="1"/>
+          <p:nvPr/>
+        </p:nvSpPr>
+        <p:spPr>
+          <a:xfrm>
+            <a:off x="9714431" y="1899668"/>
+            <a:ext cx="2552196" cy="584775"/>
+          </a:xfrm>
+          <a:prstGeom prst="rect">
+            <a:avLst/>
+          </a:prstGeom>
+          <a:noFill/>
+        </p:spPr>
+        <p:txBody>
+          <a:bodyPr wrap="square">
+            <a:spAutoFit/>
+          </a:bodyPr>
+          <a:lstStyle/>
+          <a:p>
+            <a:pPr marL="0" marR="0" lvl="0" indent="0" algn="l" defTabSz="914400" rtl="0" eaLnBrk="1" fontAlgn="auto" latinLnBrk="0" hangingPunct="1">
+              <a:lnSpc>
+                <a:spcPct val="100000"/>
+              </a:lnSpc>
+              <a:spcBef>
+                <a:spcPts val="0"/>
+              </a:spcBef>
+              <a:spcAft>
+                <a:spcPts val="0"/>
+              </a:spcAft>
+              <a:buClrTx/>
+              <a:buSzTx/>
+              <a:buFontTx/>
+              <a:buNone/>
+              <a:tabLst/>
+              <a:defRPr/>
+            </a:pPr>
+            <a:r>
+              <a:rPr kumimoji="0" lang="en-US" sz="800" b="1" i="0" u="none" strike="noStrike" kern="1200" cap="none" spc="0" normalizeH="0" baseline="0" noProof="0" dirty="0">
+                <a:ln>
+                  <a:noFill/>
+                </a:ln>
+                <a:solidFill>
+                  <a:srgbClr val="A5A5A5">
+                    <a:lumMod val="75000"/>
+                  </a:srgbClr>
+                </a:solidFill>
+                <a:effectLst/>
+                <a:uLnTx/>
+                <a:uFillTx/>
+                <a:latin typeface="Segoe UI" panose="020B0502040204020203" pitchFamily="34" charset="0"/>
+                <a:ea typeface="+mn-ea"/>
+                <a:cs typeface="Segoe UI" panose="020B0502040204020203" pitchFamily="34" charset="0"/>
+              </a:rPr>
+              <a:t>Azure Synapse Analytics</a:t>
+            </a:r>
+            <a:endParaRPr kumimoji="0" lang="en-US" sz="800" b="0" i="0" u="none" strike="noStrike" kern="1200" cap="none" spc="0" normalizeH="0" baseline="0" noProof="0" dirty="0">
+              <a:ln>
+                <a:noFill/>
+              </a:ln>
+              <a:solidFill>
+                <a:srgbClr val="A5A5A5">
+                  <a:lumMod val="75000"/>
+                </a:srgbClr>
+              </a:solidFill>
+              <a:effectLst/>
+              <a:uLnTx/>
+              <a:uFillTx/>
+              <a:latin typeface="Segoe UI" panose="020B0502040204020203" pitchFamily="34" charset="0"/>
+              <a:ea typeface="+mn-ea"/>
+              <a:cs typeface="Segoe UI" panose="020B0502040204020203" pitchFamily="34" charset="0"/>
+            </a:endParaRPr>
+          </a:p>
+          <a:p>
+            <a:pPr marL="0" marR="0" lvl="0" indent="0" algn="l" defTabSz="914400" rtl="0" eaLnBrk="1" fontAlgn="auto" latinLnBrk="0" hangingPunct="1">
+              <a:lnSpc>
+                <a:spcPct val="100000"/>
+              </a:lnSpc>
+              <a:spcBef>
+                <a:spcPts val="0"/>
+              </a:spcBef>
+              <a:spcAft>
+                <a:spcPts val="0"/>
+              </a:spcAft>
+              <a:buClrTx/>
+              <a:buSzTx/>
+              <a:buFontTx/>
+              <a:buNone/>
+              <a:tabLst/>
+              <a:defRPr/>
+            </a:pPr>
+            <a:endParaRPr kumimoji="0" lang="en-US" sz="800" b="1" i="0" u="none" strike="noStrike" kern="1200" cap="none" spc="0" normalizeH="0" baseline="0" noProof="0" dirty="0">
+              <a:ln>
+                <a:noFill/>
+              </a:ln>
+              <a:solidFill>
+                <a:srgbClr val="A5A5A5">
+                  <a:lumMod val="75000"/>
+                </a:srgbClr>
+              </a:solidFill>
+              <a:effectLst/>
+              <a:uLnTx/>
+              <a:uFillTx/>
+              <a:latin typeface="Segoe UI" panose="020B0502040204020203" pitchFamily="34" charset="0"/>
+              <a:ea typeface="+mn-ea"/>
+              <a:cs typeface="Segoe UI" panose="020B0502040204020203" pitchFamily="34" charset="0"/>
+            </a:endParaRPr>
+          </a:p>
+          <a:p>
+            <a:pPr marL="0" marR="0" lvl="0" indent="0" algn="l" defTabSz="914400" rtl="0" eaLnBrk="1" fontAlgn="auto" latinLnBrk="0" hangingPunct="1">
+              <a:lnSpc>
+                <a:spcPct val="100000"/>
+              </a:lnSpc>
+              <a:spcBef>
+                <a:spcPts val="0"/>
+              </a:spcBef>
+              <a:spcAft>
+                <a:spcPts val="0"/>
+              </a:spcAft>
+              <a:buClrTx/>
+              <a:buSzTx/>
+              <a:buFontTx/>
+              <a:buNone/>
+              <a:tabLst/>
+              <a:defRPr/>
+            </a:pPr>
+            <a:r>
+              <a:rPr kumimoji="0" lang="en-US" sz="800" b="0" i="0" u="none" strike="noStrike" kern="1200" cap="none" spc="0" normalizeH="0" baseline="0" noProof="0" dirty="0">
+                <a:ln>
+                  <a:noFill/>
+                </a:ln>
+                <a:solidFill>
+                  <a:srgbClr val="A5A5A5">
+                    <a:lumMod val="75000"/>
+                  </a:srgbClr>
+                </a:solidFill>
+                <a:effectLst/>
+                <a:uLnTx/>
+                <a:uFillTx/>
+                <a:latin typeface="Segoe UI" panose="020B0502040204020203" pitchFamily="34" charset="0"/>
+                <a:ea typeface="+mn-ea"/>
+                <a:cs typeface="Segoe UI" panose="020B0502040204020203" pitchFamily="34" charset="0"/>
+              </a:rPr>
+              <a:t>Synapse Analytics Workspace with a provisioned Dedicated SQL Pool for the Data Warehouse</a:t>
+            </a:r>
+          </a:p>
+        </p:txBody>
+      </p:sp>
+      <p:sp>
+        <p:nvSpPr>
+          <p:cNvPr id="5" name="TextBox 4">
+            <a:extLst>
+              <a:ext uri="{FF2B5EF4-FFF2-40B4-BE49-F238E27FC236}">
+                <a16:creationId xmlns:a16="http://schemas.microsoft.com/office/drawing/2014/main" id="{A57BFC77-D11F-41D8-B025-3DC8B0086799}"/>
+              </a:ext>
+            </a:extLst>
+          </p:cNvPr>
+          <p:cNvSpPr txBox="1"/>
+          <p:nvPr/>
+        </p:nvSpPr>
+        <p:spPr>
+          <a:xfrm>
+            <a:off x="126715" y="894912"/>
+            <a:ext cx="5247883" cy="5539978"/>
+          </a:xfrm>
+          <a:prstGeom prst="rect">
+            <a:avLst/>
+          </a:prstGeom>
+          <a:noFill/>
+        </p:spPr>
+        <p:txBody>
+          <a:bodyPr wrap="square">
+            <a:spAutoFit/>
+          </a:bodyPr>
+          <a:lstStyle/>
+          <a:p>
+            <a:pPr marL="0" marR="0" lvl="0" indent="0" algn="l" defTabSz="914400" rtl="0" eaLnBrk="1" fontAlgn="auto" latinLnBrk="0" hangingPunct="1">
+              <a:lnSpc>
+                <a:spcPct val="100000"/>
+              </a:lnSpc>
+              <a:spcBef>
+                <a:spcPts val="0"/>
+              </a:spcBef>
+              <a:spcAft>
+                <a:spcPts val="0"/>
+              </a:spcAft>
+              <a:buClrTx/>
+              <a:buSzTx/>
+              <a:buFontTx/>
+              <a:buNone/>
+              <a:tabLst/>
+              <a:defRPr/>
+            </a:pPr>
+            <a:r>
+              <a:rPr kumimoji="0" lang="en-US" sz="1400" b="0" i="0" u="none" strike="noStrike" kern="1200" cap="none" spc="0" normalizeH="0" baseline="0" noProof="0" dirty="0">
+                <a:ln>
+                  <a:noFill/>
+                </a:ln>
+                <a:solidFill>
+                  <a:prstClr val="white">
+                    <a:lumMod val="65000"/>
+                  </a:prstClr>
+                </a:solidFill>
+                <a:effectLst/>
+                <a:uLnTx/>
+                <a:uFillTx/>
+                <a:latin typeface="Calibri" panose="020F0502020204030204"/>
+                <a:ea typeface="+mn-ea"/>
+                <a:cs typeface="+mn-cs"/>
+              </a:rPr>
+              <a:t>Overview</a:t>
+            </a:r>
+          </a:p>
+          <a:p>
+            <a:pPr marL="0" marR="0" lvl="0" indent="0" algn="l" defTabSz="914400" rtl="0" eaLnBrk="1" fontAlgn="auto" latinLnBrk="0" hangingPunct="1">
+              <a:lnSpc>
+                <a:spcPct val="100000"/>
+              </a:lnSpc>
+              <a:spcBef>
+                <a:spcPts val="0"/>
+              </a:spcBef>
+              <a:spcAft>
+                <a:spcPts val="0"/>
+              </a:spcAft>
+              <a:buClrTx/>
+              <a:buSzTx/>
+              <a:buFontTx/>
+              <a:buNone/>
+              <a:tabLst/>
+              <a:defRPr/>
+            </a:pPr>
+            <a:endParaRPr kumimoji="0" lang="en-US" sz="1400" b="0" i="0" u="none" strike="noStrike" kern="1200" cap="none" spc="0" normalizeH="0" baseline="0" noProof="0" dirty="0">
+              <a:ln>
+                <a:noFill/>
+              </a:ln>
+              <a:solidFill>
+                <a:prstClr val="white">
+                  <a:lumMod val="65000"/>
+                </a:prstClr>
+              </a:solidFill>
+              <a:effectLst/>
+              <a:uLnTx/>
+              <a:uFillTx/>
+              <a:latin typeface="Calibri" panose="020F0502020204030204"/>
+              <a:ea typeface="+mn-ea"/>
+              <a:cs typeface="+mn-cs"/>
+            </a:endParaRPr>
+          </a:p>
+          <a:p>
+            <a:pPr marR="0" lvl="1" algn="l" defTabSz="914400" rtl="0" eaLnBrk="1" fontAlgn="auto" latinLnBrk="0" hangingPunct="1">
+              <a:lnSpc>
+                <a:spcPct val="100000"/>
+              </a:lnSpc>
+              <a:spcBef>
+                <a:spcPts val="0"/>
+              </a:spcBef>
+              <a:spcAft>
+                <a:spcPts val="0"/>
+              </a:spcAft>
+              <a:buClrTx/>
+              <a:buSzTx/>
+              <a:tabLst/>
+              <a:defRPr/>
+            </a:pPr>
+            <a:r>
+              <a:rPr kumimoji="0" lang="en-US" sz="800" b="0" i="0" u="none" strike="noStrike" kern="1200" cap="none" spc="0" normalizeH="0" baseline="0" noProof="0" dirty="0">
+                <a:ln>
+                  <a:noFill/>
+                </a:ln>
+                <a:solidFill>
+                  <a:srgbClr val="A5A5A5">
+                    <a:lumMod val="75000"/>
+                  </a:srgbClr>
+                </a:solidFill>
+                <a:effectLst/>
+                <a:uLnTx/>
+                <a:uFillTx/>
+                <a:latin typeface="Segoe UI" panose="020B0502040204020203" pitchFamily="34" charset="0"/>
+                <a:ea typeface="+mn-ea"/>
+                <a:cs typeface="Segoe UI" panose="020B0502040204020203" pitchFamily="34" charset="0"/>
+              </a:rPr>
+              <a:t>The Bicep and Terraform deployment templates both support the same options and deploy the same exact environment. They’re simply best practice examples on how to create Synapse templates using both methods. We do this because some people are simply interested in a PoC environment, while others are interested in example deployment templates.</a:t>
+            </a:r>
+          </a:p>
+          <a:p>
+            <a:pPr marL="628650" marR="0" lvl="1" indent="-171450" algn="l" defTabSz="914400" rtl="0" eaLnBrk="1" fontAlgn="auto" latinLnBrk="0" hangingPunct="1">
+              <a:lnSpc>
+                <a:spcPct val="100000"/>
+              </a:lnSpc>
+              <a:spcBef>
+                <a:spcPts val="0"/>
+              </a:spcBef>
+              <a:spcAft>
+                <a:spcPts val="0"/>
+              </a:spcAft>
+              <a:buClrTx/>
+              <a:buSzTx/>
+              <a:buFont typeface="Arial" panose="020B0604020202020204" pitchFamily="34" charset="0"/>
+              <a:buChar char="•"/>
+              <a:tabLst/>
+              <a:defRPr/>
+            </a:pPr>
+            <a:endParaRPr kumimoji="0" lang="en-US" sz="1400" b="0" i="0" u="sng" strike="noStrike" kern="1200" cap="none" spc="0" normalizeH="0" baseline="0" noProof="0" dirty="0">
+              <a:ln>
+                <a:noFill/>
+              </a:ln>
+              <a:solidFill>
+                <a:prstClr val="white">
+                  <a:lumMod val="65000"/>
+                </a:prstClr>
+              </a:solidFill>
+              <a:effectLst/>
+              <a:uLnTx/>
+              <a:uFillTx/>
+              <a:latin typeface="Calibri" panose="020F0502020204030204"/>
+              <a:ea typeface="+mn-ea"/>
+              <a:cs typeface="+mn-cs"/>
+            </a:endParaRPr>
+          </a:p>
+          <a:p>
+            <a:pPr marL="0" marR="0" lvl="0" indent="0" algn="l" defTabSz="914400" rtl="0" eaLnBrk="1" fontAlgn="auto" latinLnBrk="0" hangingPunct="1">
+              <a:lnSpc>
+                <a:spcPct val="100000"/>
+              </a:lnSpc>
+              <a:spcBef>
+                <a:spcPts val="0"/>
+              </a:spcBef>
+              <a:spcAft>
+                <a:spcPts val="0"/>
+              </a:spcAft>
+              <a:buClrTx/>
+              <a:buSzTx/>
+              <a:buFontTx/>
+              <a:buNone/>
+              <a:tabLst/>
+              <a:defRPr/>
+            </a:pPr>
+            <a:r>
+              <a:rPr kumimoji="0" lang="en-US" sz="1400" b="0" i="0" u="none" strike="noStrike" kern="1200" cap="none" spc="0" normalizeH="0" baseline="0" noProof="0" dirty="0">
+                <a:ln>
+                  <a:noFill/>
+                </a:ln>
+                <a:solidFill>
+                  <a:prstClr val="white">
+                    <a:lumMod val="65000"/>
+                  </a:prstClr>
+                </a:solidFill>
+                <a:effectLst/>
+                <a:uLnTx/>
+                <a:uFillTx/>
+                <a:latin typeface="Calibri" panose="020F0502020204030204"/>
+                <a:ea typeface="+mn-ea"/>
+                <a:cs typeface="+mn-cs"/>
+              </a:rPr>
+              <a:t>Deployment Instructions</a:t>
+            </a:r>
+          </a:p>
+          <a:p>
+            <a:pPr marL="0" marR="0" lvl="0" indent="0" algn="l" defTabSz="914400" rtl="0" eaLnBrk="1" fontAlgn="auto" latinLnBrk="0" hangingPunct="1">
+              <a:lnSpc>
+                <a:spcPct val="100000"/>
+              </a:lnSpc>
+              <a:spcBef>
+                <a:spcPts val="0"/>
+              </a:spcBef>
+              <a:spcAft>
+                <a:spcPts val="0"/>
+              </a:spcAft>
+              <a:buClrTx/>
+              <a:buSzTx/>
+              <a:buFontTx/>
+              <a:buNone/>
+              <a:tabLst/>
+              <a:defRPr/>
+            </a:pPr>
+            <a:endParaRPr kumimoji="0" lang="en-US" sz="1400" b="0" i="0" u="none" strike="noStrike" kern="1200" cap="none" spc="0" normalizeH="0" baseline="0" noProof="0" dirty="0">
+              <a:ln>
+                <a:noFill/>
+              </a:ln>
+              <a:solidFill>
+                <a:prstClr val="white">
+                  <a:lumMod val="65000"/>
+                </a:prstClr>
+              </a:solidFill>
+              <a:effectLst/>
+              <a:uLnTx/>
+              <a:uFillTx/>
+              <a:latin typeface="Calibri" panose="020F0502020204030204"/>
+              <a:ea typeface="+mn-ea"/>
+              <a:cs typeface="+mn-cs"/>
+            </a:endParaRPr>
+          </a:p>
+          <a:p>
+            <a:pPr marL="628650" marR="0" lvl="1" indent="-171450" algn="l" defTabSz="914400" rtl="0" eaLnBrk="1" fontAlgn="auto" latinLnBrk="0" hangingPunct="1">
+              <a:lnSpc>
+                <a:spcPct val="100000"/>
+              </a:lnSpc>
+              <a:spcBef>
+                <a:spcPts val="0"/>
+              </a:spcBef>
+              <a:spcAft>
+                <a:spcPts val="0"/>
+              </a:spcAft>
+              <a:buClrTx/>
+              <a:buSzTx/>
+              <a:buFont typeface="Arial" panose="020B0604020202020204" pitchFamily="34" charset="0"/>
+              <a:buChar char="•"/>
+              <a:tabLst/>
+              <a:defRPr/>
+            </a:pPr>
+            <a:r>
+              <a:rPr kumimoji="0" lang="en-US" sz="800" b="0" i="0" u="none" strike="noStrike" kern="1200" cap="none" spc="0" normalizeH="0" baseline="0" noProof="0" dirty="0">
+                <a:ln>
+                  <a:noFill/>
+                </a:ln>
+                <a:solidFill>
+                  <a:srgbClr val="A5A5A5">
+                    <a:lumMod val="75000"/>
+                  </a:srgbClr>
+                </a:solidFill>
+                <a:effectLst/>
+                <a:uLnTx/>
+                <a:uFillTx/>
+                <a:latin typeface="Segoe UI" panose="020B0502040204020203" pitchFamily="34" charset="0"/>
+                <a:ea typeface="+mn-ea"/>
+                <a:cs typeface="Segoe UI" panose="020B0502040204020203" pitchFamily="34" charset="0"/>
+              </a:rPr>
+              <a:t>Login to the Azure Cloud Shell and select Bash (</a:t>
+            </a:r>
+            <a:r>
+              <a:rPr kumimoji="0" lang="en-US" sz="800" b="0" i="0" u="none" strike="noStrike" kern="1200" cap="none" spc="0" normalizeH="0" baseline="0" noProof="0" dirty="0">
+                <a:ln>
+                  <a:noFill/>
+                </a:ln>
+                <a:solidFill>
+                  <a:srgbClr val="A5A5A5">
+                    <a:lumMod val="75000"/>
+                  </a:srgbClr>
+                </a:solidFill>
+                <a:effectLst/>
+                <a:uLnTx/>
+                <a:uFillTx/>
+                <a:latin typeface="Segoe UI" panose="020B0502040204020203" pitchFamily="34" charset="0"/>
+                <a:ea typeface="+mn-ea"/>
+                <a:cs typeface="Segoe UI" panose="020B0502040204020203" pitchFamily="34" charset="0"/>
+                <a:hlinkClick r:id="rId8"/>
+              </a:rPr>
+              <a:t>https://shell.azure.com</a:t>
+            </a:r>
+            <a:r>
+              <a:rPr kumimoji="0" lang="en-US" sz="800" b="0" i="0" u="none" strike="noStrike" kern="1200" cap="none" spc="0" normalizeH="0" baseline="0" noProof="0" dirty="0">
+                <a:ln>
+                  <a:noFill/>
+                </a:ln>
+                <a:solidFill>
+                  <a:srgbClr val="A5A5A5">
+                    <a:lumMod val="75000"/>
+                  </a:srgbClr>
+                </a:solidFill>
+                <a:effectLst/>
+                <a:uLnTx/>
+                <a:uFillTx/>
+                <a:latin typeface="Segoe UI" panose="020B0502040204020203" pitchFamily="34" charset="0"/>
+                <a:ea typeface="+mn-ea"/>
+                <a:cs typeface="Segoe UI" panose="020B0502040204020203" pitchFamily="34" charset="0"/>
+              </a:rPr>
+              <a:t>)</a:t>
+            </a:r>
+          </a:p>
+          <a:p>
+            <a:pPr marL="628650" marR="0" lvl="1" indent="-171450" algn="l" defTabSz="914400" rtl="0" eaLnBrk="1" fontAlgn="auto" latinLnBrk="0" hangingPunct="1">
+              <a:lnSpc>
+                <a:spcPct val="100000"/>
+              </a:lnSpc>
+              <a:spcBef>
+                <a:spcPts val="0"/>
+              </a:spcBef>
+              <a:spcAft>
+                <a:spcPts val="0"/>
+              </a:spcAft>
+              <a:buClrTx/>
+              <a:buSzTx/>
+              <a:buFont typeface="Arial" panose="020B0604020202020204" pitchFamily="34" charset="0"/>
+              <a:buChar char="•"/>
+              <a:tabLst/>
+              <a:defRPr/>
+            </a:pPr>
+            <a:endParaRPr kumimoji="0" lang="en-US" sz="800" b="0" i="0" u="none" strike="noStrike" kern="1200" cap="none" spc="0" normalizeH="0" baseline="0" noProof="0" dirty="0">
+              <a:ln>
+                <a:noFill/>
+              </a:ln>
+              <a:solidFill>
+                <a:srgbClr val="A5A5A5">
+                  <a:lumMod val="75000"/>
+                </a:srgbClr>
+              </a:solidFill>
+              <a:effectLst/>
+              <a:uLnTx/>
+              <a:uFillTx/>
+              <a:latin typeface="Segoe UI" panose="020B0502040204020203" pitchFamily="34" charset="0"/>
+              <a:ea typeface="+mn-ea"/>
+              <a:cs typeface="Segoe UI" panose="020B0502040204020203" pitchFamily="34" charset="0"/>
+            </a:endParaRPr>
+          </a:p>
+          <a:p>
+            <a:pPr marL="628650" marR="0" lvl="1" indent="-171450" algn="l" defTabSz="914400" rtl="0" eaLnBrk="1" fontAlgn="auto" latinLnBrk="0" hangingPunct="1">
+              <a:lnSpc>
+                <a:spcPct val="100000"/>
+              </a:lnSpc>
+              <a:spcBef>
+                <a:spcPts val="0"/>
+              </a:spcBef>
+              <a:spcAft>
+                <a:spcPts val="0"/>
+              </a:spcAft>
+              <a:buClrTx/>
+              <a:buSzTx/>
+              <a:buFont typeface="Arial" panose="020B0604020202020204" pitchFamily="34" charset="0"/>
+              <a:buChar char="•"/>
+              <a:tabLst/>
+              <a:defRPr/>
+            </a:pPr>
+            <a:r>
+              <a:rPr kumimoji="0" lang="en-US" sz="800" b="1" i="0" u="none" strike="noStrike" kern="1200" cap="none" spc="0" normalizeH="0" baseline="0" noProof="0" dirty="0">
+                <a:ln>
+                  <a:noFill/>
+                </a:ln>
+                <a:solidFill>
+                  <a:srgbClr val="A5A5A5">
+                    <a:lumMod val="75000"/>
+                  </a:srgbClr>
+                </a:solidFill>
+                <a:effectLst/>
+                <a:uLnTx/>
+                <a:uFillTx/>
+                <a:latin typeface="Segoe UI" panose="020B0502040204020203" pitchFamily="34" charset="0"/>
+                <a:ea typeface="+mn-ea"/>
+                <a:cs typeface="Segoe UI" panose="020B0502040204020203" pitchFamily="34" charset="0"/>
+              </a:rPr>
+              <a:t>@Azure:~$ </a:t>
+            </a:r>
+            <a:r>
+              <a:rPr kumimoji="0" lang="en-US" sz="800" b="0" i="0" u="none" strike="noStrike" kern="1200" cap="none" spc="0" normalizeH="0" baseline="0" noProof="0" dirty="0">
+                <a:ln>
+                  <a:noFill/>
+                </a:ln>
+                <a:solidFill>
+                  <a:srgbClr val="A5A5A5">
+                    <a:lumMod val="75000"/>
+                  </a:srgbClr>
+                </a:solidFill>
+                <a:effectLst/>
+                <a:uLnTx/>
+                <a:uFillTx/>
+                <a:latin typeface="Segoe UI" panose="020B0502040204020203" pitchFamily="34" charset="0"/>
+                <a:ea typeface="+mn-ea"/>
+                <a:cs typeface="Segoe UI" panose="020B0502040204020203" pitchFamily="34" charset="0"/>
+              </a:rPr>
+              <a:t>git clone https://github.com/shaneochotny/Azure-Synapse-Analytics-PoC</a:t>
+            </a:r>
+          </a:p>
+          <a:p>
+            <a:pPr marL="628650" marR="0" lvl="1" indent="-171450" algn="l" defTabSz="914400" rtl="0" eaLnBrk="1" fontAlgn="auto" latinLnBrk="0" hangingPunct="1">
+              <a:lnSpc>
+                <a:spcPct val="100000"/>
+              </a:lnSpc>
+              <a:spcBef>
+                <a:spcPts val="0"/>
+              </a:spcBef>
+              <a:spcAft>
+                <a:spcPts val="0"/>
+              </a:spcAft>
+              <a:buClrTx/>
+              <a:buSzTx/>
+              <a:buFont typeface="Arial" panose="020B0604020202020204" pitchFamily="34" charset="0"/>
+              <a:buChar char="•"/>
+              <a:tabLst/>
+              <a:defRPr/>
+            </a:pPr>
+            <a:r>
+              <a:rPr kumimoji="0" lang="en-US" sz="800" b="1" i="0" u="none" strike="noStrike" kern="1200" cap="none" spc="0" normalizeH="0" baseline="0" noProof="0" dirty="0">
+                <a:ln>
+                  <a:noFill/>
+                </a:ln>
+                <a:solidFill>
+                  <a:srgbClr val="A5A5A5">
+                    <a:lumMod val="75000"/>
+                  </a:srgbClr>
+                </a:solidFill>
+                <a:effectLst/>
+                <a:uLnTx/>
+                <a:uFillTx/>
+                <a:latin typeface="Segoe UI" panose="020B0502040204020203" pitchFamily="34" charset="0"/>
+                <a:ea typeface="+mn-ea"/>
+                <a:cs typeface="Segoe UI" panose="020B0502040204020203" pitchFamily="34" charset="0"/>
+              </a:rPr>
+              <a:t>@Azure:~$ </a:t>
+            </a:r>
+            <a:r>
+              <a:rPr kumimoji="0" lang="en-US" sz="800" b="0" i="0" u="none" strike="noStrike" kern="1200" cap="none" spc="0" normalizeH="0" baseline="0" noProof="0" dirty="0">
+                <a:ln>
+                  <a:noFill/>
+                </a:ln>
+                <a:solidFill>
+                  <a:srgbClr val="A5A5A5">
+                    <a:lumMod val="75000"/>
+                  </a:srgbClr>
+                </a:solidFill>
+                <a:effectLst/>
+                <a:uLnTx/>
+                <a:uFillTx/>
+                <a:latin typeface="Segoe UI" panose="020B0502040204020203" pitchFamily="34" charset="0"/>
+                <a:ea typeface="+mn-ea"/>
+                <a:cs typeface="Segoe UI" panose="020B0502040204020203" pitchFamily="34" charset="0"/>
+              </a:rPr>
+              <a:t>cd Azure-Synapse-Analytics-PoC</a:t>
+            </a:r>
+          </a:p>
+          <a:p>
+            <a:pPr marL="628650" marR="0" lvl="1" indent="-171450" algn="l" defTabSz="914400" rtl="0" eaLnBrk="1" fontAlgn="auto" latinLnBrk="0" hangingPunct="1">
+              <a:lnSpc>
+                <a:spcPct val="100000"/>
+              </a:lnSpc>
+              <a:spcBef>
+                <a:spcPts val="0"/>
+              </a:spcBef>
+              <a:spcAft>
+                <a:spcPts val="0"/>
+              </a:spcAft>
+              <a:buClrTx/>
+              <a:buSzTx/>
+              <a:buFont typeface="Arial" panose="020B0604020202020204" pitchFamily="34" charset="0"/>
+              <a:buChar char="•"/>
+              <a:tabLst/>
+              <a:defRPr/>
+            </a:pPr>
+            <a:r>
+              <a:rPr kumimoji="0" lang="en-US" sz="800" b="1" i="0" u="none" strike="noStrike" kern="1200" cap="none" spc="0" normalizeH="0" baseline="0" noProof="0" dirty="0">
+                <a:ln>
+                  <a:noFill/>
+                </a:ln>
+                <a:solidFill>
+                  <a:srgbClr val="A5A5A5">
+                    <a:lumMod val="75000"/>
+                  </a:srgbClr>
+                </a:solidFill>
+                <a:effectLst/>
+                <a:uLnTx/>
+                <a:uFillTx/>
+                <a:latin typeface="Segoe UI" panose="020B0502040204020203" pitchFamily="34" charset="0"/>
+                <a:ea typeface="+mn-ea"/>
+                <a:cs typeface="Segoe UI" panose="020B0502040204020203" pitchFamily="34" charset="0"/>
+              </a:rPr>
+              <a:t>@Azure:~$ </a:t>
+            </a:r>
+            <a:r>
+              <a:rPr kumimoji="0" lang="en-US" sz="800" b="0" i="0" u="none" strike="noStrike" kern="1200" cap="none" spc="0" normalizeH="0" baseline="0" noProof="0" dirty="0">
+                <a:ln>
+                  <a:noFill/>
+                </a:ln>
+                <a:solidFill>
+                  <a:srgbClr val="A5A5A5">
+                    <a:lumMod val="75000"/>
+                  </a:srgbClr>
+                </a:solidFill>
+                <a:effectLst/>
+                <a:uLnTx/>
+                <a:uFillTx/>
+                <a:latin typeface="Segoe UI" panose="020B0502040204020203" pitchFamily="34" charset="0"/>
+                <a:ea typeface="+mn-ea"/>
+                <a:cs typeface="Segoe UI" panose="020B0502040204020203" pitchFamily="34" charset="0"/>
+              </a:rPr>
+              <a:t>code Bicep/</a:t>
+            </a:r>
+            <a:r>
+              <a:rPr kumimoji="0" lang="en-US" sz="800" b="0" i="0" u="none" strike="noStrike" kern="1200" cap="none" spc="0" normalizeH="0" baseline="0" noProof="0" dirty="0" err="1">
+                <a:ln>
+                  <a:noFill/>
+                </a:ln>
+                <a:solidFill>
+                  <a:srgbClr val="A5A5A5">
+                    <a:lumMod val="75000"/>
+                  </a:srgbClr>
+                </a:solidFill>
+                <a:effectLst/>
+                <a:uLnTx/>
+                <a:uFillTx/>
+                <a:latin typeface="Segoe UI" panose="020B0502040204020203" pitchFamily="34" charset="0"/>
+                <a:ea typeface="+mn-ea"/>
+                <a:cs typeface="Segoe UI" panose="020B0502040204020203" pitchFamily="34" charset="0"/>
+              </a:rPr>
+              <a:t>main.parameters.json</a:t>
+            </a:r>
+            <a:endParaRPr lang="en-US" sz="800" dirty="0">
+              <a:solidFill>
+                <a:srgbClr val="A5A5A5">
+                  <a:lumMod val="75000"/>
+                </a:srgbClr>
+              </a:solidFill>
+              <a:latin typeface="Segoe UI" panose="020B0502040204020203" pitchFamily="34" charset="0"/>
+              <a:cs typeface="Segoe UI" panose="020B0502040204020203" pitchFamily="34" charset="0"/>
+            </a:endParaRPr>
+          </a:p>
+          <a:p>
+            <a:pPr marL="628650" marR="0" lvl="1" indent="-171450" algn="l" defTabSz="914400" rtl="0" eaLnBrk="1" fontAlgn="auto" latinLnBrk="0" hangingPunct="1">
+              <a:lnSpc>
+                <a:spcPct val="100000"/>
+              </a:lnSpc>
+              <a:spcBef>
+                <a:spcPts val="0"/>
+              </a:spcBef>
+              <a:spcAft>
+                <a:spcPts val="0"/>
+              </a:spcAft>
+              <a:buClrTx/>
+              <a:buSzTx/>
+              <a:buFont typeface="Arial" panose="020B0604020202020204" pitchFamily="34" charset="0"/>
+              <a:buChar char="•"/>
+              <a:tabLst/>
+              <a:defRPr/>
+            </a:pPr>
+            <a:r>
+              <a:rPr kumimoji="0" lang="en-US" sz="800" b="1" i="0" u="none" strike="noStrike" kern="1200" cap="none" spc="0" normalizeH="0" baseline="0" noProof="0" dirty="0">
+                <a:ln>
+                  <a:noFill/>
+                </a:ln>
+                <a:solidFill>
+                  <a:srgbClr val="A5A5A5">
+                    <a:lumMod val="75000"/>
+                  </a:srgbClr>
+                </a:solidFill>
+                <a:effectLst/>
+                <a:uLnTx/>
+                <a:uFillTx/>
+                <a:latin typeface="Segoe UI" panose="020B0502040204020203" pitchFamily="34" charset="0"/>
+                <a:ea typeface="+mn-ea"/>
+                <a:cs typeface="Segoe UI" panose="020B0502040204020203" pitchFamily="34" charset="0"/>
+              </a:rPr>
+              <a:t>@Azure:~$ </a:t>
+            </a:r>
+            <a:r>
+              <a:rPr lang="en-US" sz="800" dirty="0" err="1">
+                <a:solidFill>
+                  <a:srgbClr val="A5A5A5">
+                    <a:lumMod val="75000"/>
+                  </a:srgbClr>
+                </a:solidFill>
+                <a:latin typeface="Segoe UI" panose="020B0502040204020203" pitchFamily="34" charset="0"/>
+                <a:cs typeface="Segoe UI" panose="020B0502040204020203" pitchFamily="34" charset="0"/>
+              </a:rPr>
+              <a:t>az</a:t>
+            </a:r>
+            <a:r>
+              <a:rPr lang="en-US" sz="800" dirty="0">
+                <a:solidFill>
+                  <a:srgbClr val="A5A5A5">
+                    <a:lumMod val="75000"/>
+                  </a:srgbClr>
+                </a:solidFill>
+                <a:latin typeface="Segoe UI" panose="020B0502040204020203" pitchFamily="34" charset="0"/>
+                <a:cs typeface="Segoe UI" panose="020B0502040204020203" pitchFamily="34" charset="0"/>
+              </a:rPr>
+              <a:t> deployment sub create --template-file Bicep/</a:t>
+            </a:r>
+            <a:r>
+              <a:rPr lang="en-US" sz="800" dirty="0" err="1">
+                <a:solidFill>
+                  <a:srgbClr val="A5A5A5">
+                    <a:lumMod val="75000"/>
+                  </a:srgbClr>
+                </a:solidFill>
+                <a:latin typeface="Segoe UI" panose="020B0502040204020203" pitchFamily="34" charset="0"/>
+                <a:cs typeface="Segoe UI" panose="020B0502040204020203" pitchFamily="34" charset="0"/>
+              </a:rPr>
+              <a:t>main.bicep</a:t>
+            </a:r>
+            <a:r>
+              <a:rPr lang="en-US" sz="800" dirty="0">
+                <a:solidFill>
+                  <a:srgbClr val="A5A5A5">
+                    <a:lumMod val="75000"/>
+                  </a:srgbClr>
+                </a:solidFill>
+                <a:latin typeface="Segoe UI" panose="020B0502040204020203" pitchFamily="34" charset="0"/>
+                <a:cs typeface="Segoe UI" panose="020B0502040204020203" pitchFamily="34" charset="0"/>
+              </a:rPr>
+              <a:t> --parameters Bicep/</a:t>
+            </a:r>
+            <a:r>
+              <a:rPr lang="en-US" sz="800" dirty="0" err="1">
+                <a:solidFill>
+                  <a:srgbClr val="A5A5A5">
+                    <a:lumMod val="75000"/>
+                  </a:srgbClr>
+                </a:solidFill>
+                <a:latin typeface="Segoe UI" panose="020B0502040204020203" pitchFamily="34" charset="0"/>
+                <a:cs typeface="Segoe UI" panose="020B0502040204020203" pitchFamily="34" charset="0"/>
+              </a:rPr>
+              <a:t>main.parameters.json</a:t>
+            </a:r>
+            <a:r>
+              <a:rPr lang="en-US" sz="800" dirty="0">
+                <a:solidFill>
+                  <a:srgbClr val="A5A5A5">
+                    <a:lumMod val="75000"/>
+                  </a:srgbClr>
+                </a:solidFill>
+                <a:latin typeface="Segoe UI" panose="020B0502040204020203" pitchFamily="34" charset="0"/>
+                <a:cs typeface="Segoe UI" panose="020B0502040204020203" pitchFamily="34" charset="0"/>
+              </a:rPr>
+              <a:t> --name Azure-Synapse-Analytics-PoC --location </a:t>
+            </a:r>
+            <a:r>
+              <a:rPr lang="en-US" sz="800" dirty="0" err="1">
+                <a:solidFill>
+                  <a:srgbClr val="A5A5A5">
+                    <a:lumMod val="75000"/>
+                  </a:srgbClr>
+                </a:solidFill>
+                <a:latin typeface="Segoe UI" panose="020B0502040204020203" pitchFamily="34" charset="0"/>
+                <a:cs typeface="Segoe UI" panose="020B0502040204020203" pitchFamily="34" charset="0"/>
+              </a:rPr>
+              <a:t>eastus</a:t>
+            </a:r>
+            <a:endParaRPr lang="en-US" sz="800" dirty="0">
+              <a:solidFill>
+                <a:srgbClr val="A5A5A5">
+                  <a:lumMod val="75000"/>
+                </a:srgbClr>
+              </a:solidFill>
+              <a:latin typeface="Segoe UI" panose="020B0502040204020203" pitchFamily="34" charset="0"/>
+              <a:cs typeface="Segoe UI" panose="020B0502040204020203" pitchFamily="34" charset="0"/>
+            </a:endParaRPr>
+          </a:p>
+          <a:p>
+            <a:pPr marL="628650" marR="0" lvl="1" indent="-171450" algn="l" defTabSz="914400" rtl="0" eaLnBrk="1" fontAlgn="auto" latinLnBrk="0" hangingPunct="1">
+              <a:lnSpc>
+                <a:spcPct val="100000"/>
+              </a:lnSpc>
+              <a:spcBef>
+                <a:spcPts val="0"/>
+              </a:spcBef>
+              <a:spcAft>
+                <a:spcPts val="0"/>
+              </a:spcAft>
+              <a:buClrTx/>
+              <a:buSzTx/>
+              <a:buFont typeface="Arial" panose="020B0604020202020204" pitchFamily="34" charset="0"/>
+              <a:buChar char="•"/>
+              <a:tabLst/>
+              <a:defRPr/>
+            </a:pPr>
+            <a:r>
+              <a:rPr kumimoji="0" lang="en-US" sz="800" b="1" i="0" u="none" strike="noStrike" kern="1200" cap="none" spc="0" normalizeH="0" baseline="0" noProof="0" dirty="0">
+                <a:ln>
+                  <a:noFill/>
+                </a:ln>
+                <a:solidFill>
+                  <a:srgbClr val="A5A5A5">
+                    <a:lumMod val="75000"/>
+                  </a:srgbClr>
+                </a:solidFill>
+                <a:effectLst/>
+                <a:uLnTx/>
+                <a:uFillTx/>
+                <a:latin typeface="Segoe UI" panose="020B0502040204020203" pitchFamily="34" charset="0"/>
+                <a:ea typeface="+mn-ea"/>
+                <a:cs typeface="Segoe UI" panose="020B0502040204020203" pitchFamily="34" charset="0"/>
+              </a:rPr>
+              <a:t>@Azure:~$ </a:t>
+            </a:r>
+            <a:r>
+              <a:rPr kumimoji="0" lang="en-US" sz="800" b="0" i="0" u="none" strike="noStrike" kern="1200" cap="none" spc="0" normalizeH="0" baseline="0" noProof="0" dirty="0">
+                <a:ln>
+                  <a:noFill/>
+                </a:ln>
+                <a:solidFill>
+                  <a:srgbClr val="A5A5A5">
+                    <a:lumMod val="75000"/>
+                  </a:srgbClr>
+                </a:solidFill>
+                <a:effectLst/>
+                <a:uLnTx/>
+                <a:uFillTx/>
+                <a:latin typeface="Segoe UI" panose="020B0502040204020203" pitchFamily="34" charset="0"/>
+                <a:ea typeface="+mn-ea"/>
+                <a:cs typeface="Segoe UI" panose="020B0502040204020203" pitchFamily="34" charset="0"/>
+              </a:rPr>
+              <a:t>bash deploySynapse.sh</a:t>
+            </a:r>
+          </a:p>
+          <a:p>
+            <a:pPr marL="628650" marR="0" lvl="1" indent="-171450" algn="l" defTabSz="914400" rtl="0" eaLnBrk="1" fontAlgn="auto" latinLnBrk="0" hangingPunct="1">
+              <a:lnSpc>
+                <a:spcPct val="100000"/>
+              </a:lnSpc>
+              <a:spcBef>
+                <a:spcPts val="0"/>
+              </a:spcBef>
+              <a:spcAft>
+                <a:spcPts val="0"/>
+              </a:spcAft>
+              <a:buClrTx/>
+              <a:buSzTx/>
+              <a:buFont typeface="Arial" panose="020B0604020202020204" pitchFamily="34" charset="0"/>
+              <a:buChar char="•"/>
+              <a:tabLst/>
+              <a:defRPr/>
+            </a:pPr>
+            <a:endParaRPr kumimoji="0" lang="en-US" sz="1400" b="0" i="0" u="sng" strike="noStrike" kern="1200" cap="none" spc="0" normalizeH="0" baseline="0" noProof="0" dirty="0">
+              <a:ln>
+                <a:noFill/>
+              </a:ln>
+              <a:solidFill>
+                <a:prstClr val="white">
+                  <a:lumMod val="65000"/>
+                </a:prstClr>
+              </a:solidFill>
+              <a:effectLst/>
+              <a:uLnTx/>
+              <a:uFillTx/>
+              <a:latin typeface="Calibri" panose="020F0502020204030204"/>
+              <a:ea typeface="+mn-ea"/>
+              <a:cs typeface="+mn-cs"/>
+            </a:endParaRPr>
+          </a:p>
+          <a:p>
+            <a:pPr marL="0" marR="0" lvl="0" indent="0" algn="l" defTabSz="914400" rtl="0" eaLnBrk="1" fontAlgn="auto" latinLnBrk="0" hangingPunct="1">
+              <a:lnSpc>
+                <a:spcPct val="100000"/>
+              </a:lnSpc>
+              <a:spcBef>
+                <a:spcPts val="0"/>
+              </a:spcBef>
+              <a:spcAft>
+                <a:spcPts val="0"/>
+              </a:spcAft>
+              <a:buClrTx/>
+              <a:buSzTx/>
+              <a:buFontTx/>
+              <a:buNone/>
+              <a:tabLst/>
+              <a:defRPr/>
+            </a:pPr>
+            <a:r>
+              <a:rPr kumimoji="0" lang="en-US" sz="1400" b="0" i="0" u="none" strike="noStrike" kern="1200" cap="none" spc="0" normalizeH="0" baseline="0" noProof="0" dirty="0">
+                <a:ln>
+                  <a:noFill/>
+                </a:ln>
+                <a:solidFill>
+                  <a:prstClr val="white">
+                    <a:lumMod val="65000"/>
+                  </a:prstClr>
+                </a:solidFill>
+                <a:effectLst/>
+                <a:uLnTx/>
+                <a:uFillTx/>
+                <a:latin typeface="Calibri" panose="020F0502020204030204"/>
+                <a:ea typeface="+mn-ea"/>
+                <a:cs typeface="+mn-cs"/>
+              </a:rPr>
+              <a:t>Editing </a:t>
+            </a:r>
+            <a:r>
+              <a:rPr kumimoji="0" lang="en-US" sz="1400" b="0" i="0" u="none" strike="noStrike" kern="1200" cap="none" spc="0" normalizeH="0" baseline="0" noProof="0" dirty="0" err="1">
+                <a:ln>
+                  <a:noFill/>
+                </a:ln>
+                <a:solidFill>
+                  <a:prstClr val="white">
+                    <a:lumMod val="65000"/>
+                  </a:prstClr>
+                </a:solidFill>
+                <a:effectLst/>
+                <a:uLnTx/>
+                <a:uFillTx/>
+                <a:latin typeface="Calibri" panose="020F0502020204030204"/>
+                <a:ea typeface="+mn-ea"/>
+                <a:cs typeface="+mn-cs"/>
+              </a:rPr>
+              <a:t>main.parameters.json</a:t>
+            </a:r>
+            <a:endParaRPr kumimoji="0" lang="en-US" sz="1400" b="0" i="0" u="none" strike="noStrike" kern="1200" cap="none" spc="0" normalizeH="0" baseline="0" noProof="0" dirty="0">
+              <a:ln>
+                <a:noFill/>
+              </a:ln>
+              <a:solidFill>
+                <a:prstClr val="white">
+                  <a:lumMod val="65000"/>
+                </a:prstClr>
+              </a:solidFill>
+              <a:effectLst/>
+              <a:uLnTx/>
+              <a:uFillTx/>
+              <a:latin typeface="Calibri" panose="020F0502020204030204"/>
+              <a:ea typeface="+mn-ea"/>
+              <a:cs typeface="+mn-cs"/>
+            </a:endParaRPr>
+          </a:p>
+          <a:p>
+            <a:pPr marR="0" lvl="1" algn="l" defTabSz="914400" rtl="0" eaLnBrk="1" fontAlgn="auto" latinLnBrk="0" hangingPunct="1">
+              <a:lnSpc>
+                <a:spcPct val="100000"/>
+              </a:lnSpc>
+              <a:spcBef>
+                <a:spcPts val="0"/>
+              </a:spcBef>
+              <a:spcAft>
+                <a:spcPts val="0"/>
+              </a:spcAft>
+              <a:buClrTx/>
+              <a:buSzTx/>
+              <a:tabLst/>
+              <a:defRPr/>
+            </a:pPr>
+            <a:endParaRPr kumimoji="0" lang="en-US" sz="800" b="0" i="0" u="none" strike="noStrike" kern="1200" cap="none" spc="0" normalizeH="0" baseline="0" noProof="0" dirty="0">
+              <a:ln>
+                <a:noFill/>
+              </a:ln>
+              <a:solidFill>
+                <a:srgbClr val="A5A5A5">
+                  <a:lumMod val="75000"/>
+                </a:srgbClr>
+              </a:solidFill>
+              <a:effectLst/>
+              <a:uLnTx/>
+              <a:uFillTx/>
+              <a:latin typeface="Segoe UI" panose="020B0502040204020203" pitchFamily="34" charset="0"/>
+              <a:ea typeface="+mn-ea"/>
+              <a:cs typeface="Segoe UI" panose="020B0502040204020203" pitchFamily="34" charset="0"/>
+            </a:endParaRPr>
+          </a:p>
+          <a:p>
+            <a:pPr marL="628650" marR="0" lvl="1" indent="-171450" algn="l" defTabSz="914400" rtl="0" eaLnBrk="1" fontAlgn="auto" latinLnBrk="0" hangingPunct="1">
+              <a:lnSpc>
+                <a:spcPct val="100000"/>
+              </a:lnSpc>
+              <a:spcBef>
+                <a:spcPts val="0"/>
+              </a:spcBef>
+              <a:spcAft>
+                <a:spcPts val="0"/>
+              </a:spcAft>
+              <a:buClrTx/>
+              <a:buSzTx/>
+              <a:buFont typeface="Arial" panose="020B0604020202020204" pitchFamily="34" charset="0"/>
+              <a:buChar char="•"/>
+              <a:tabLst/>
+              <a:defRPr/>
+            </a:pPr>
+            <a:r>
+              <a:rPr lang="en-US" sz="800" b="1" dirty="0">
+                <a:solidFill>
+                  <a:srgbClr val="A5A5A5">
+                    <a:lumMod val="75000"/>
+                  </a:srgbClr>
+                </a:solidFill>
+                <a:latin typeface="Segoe UI" panose="020B0502040204020203" pitchFamily="34" charset="0"/>
+                <a:cs typeface="Segoe UI" panose="020B0502040204020203" pitchFamily="34" charset="0"/>
+              </a:rPr>
+              <a:t>a</a:t>
+            </a:r>
+            <a:r>
+              <a:rPr kumimoji="0" lang="en-US" sz="800" b="1" i="0" u="none" strike="noStrike" kern="1200" cap="none" spc="0" normalizeH="0" baseline="0" noProof="0" dirty="0" err="1">
+                <a:ln>
+                  <a:noFill/>
+                </a:ln>
+                <a:solidFill>
+                  <a:srgbClr val="A5A5A5">
+                    <a:lumMod val="75000"/>
+                  </a:srgbClr>
+                </a:solidFill>
+                <a:effectLst/>
+                <a:uLnTx/>
+                <a:uFillTx/>
+                <a:latin typeface="Segoe UI" panose="020B0502040204020203" pitchFamily="34" charset="0"/>
+                <a:ea typeface="+mn-ea"/>
+                <a:cs typeface="Segoe UI" panose="020B0502040204020203" pitchFamily="34" charset="0"/>
+              </a:rPr>
+              <a:t>zure_region</a:t>
+            </a:r>
+            <a:r>
+              <a:rPr kumimoji="0" lang="en-US" sz="800" b="1" i="0" u="none" strike="noStrike" kern="1200" cap="none" spc="0" normalizeH="0" baseline="0" noProof="0" dirty="0">
+                <a:ln>
+                  <a:noFill/>
+                </a:ln>
+                <a:solidFill>
+                  <a:srgbClr val="A5A5A5">
+                    <a:lumMod val="75000"/>
+                  </a:srgbClr>
+                </a:solidFill>
+                <a:effectLst/>
+                <a:uLnTx/>
+                <a:uFillTx/>
+                <a:latin typeface="Segoe UI" panose="020B0502040204020203" pitchFamily="34" charset="0"/>
+                <a:ea typeface="+mn-ea"/>
+                <a:cs typeface="Segoe UI" panose="020B0502040204020203" pitchFamily="34" charset="0"/>
+              </a:rPr>
+              <a:t> </a:t>
+            </a:r>
+            <a:r>
+              <a:rPr kumimoji="0" lang="en-US" sz="800" b="0" i="0" u="none" strike="noStrike" kern="1200" cap="none" spc="0" normalizeH="0" baseline="0" noProof="0" dirty="0">
+                <a:ln>
+                  <a:noFill/>
+                </a:ln>
+                <a:solidFill>
+                  <a:srgbClr val="A5A5A5">
+                    <a:lumMod val="75000"/>
+                  </a:srgbClr>
+                </a:solidFill>
+                <a:effectLst/>
+                <a:uLnTx/>
+                <a:uFillTx/>
+                <a:latin typeface="Segoe UI" panose="020B0502040204020203" pitchFamily="34" charset="0"/>
+                <a:ea typeface="+mn-ea"/>
+                <a:cs typeface="Segoe UI" panose="020B0502040204020203" pitchFamily="34" charset="0"/>
+              </a:rPr>
+              <a:t>The Azure region that Synapse and all the supporting services should be deploy.</a:t>
+            </a:r>
+          </a:p>
+          <a:p>
+            <a:pPr marL="628650" marR="0" lvl="1" indent="-171450" algn="l" defTabSz="914400" rtl="0" eaLnBrk="1" fontAlgn="auto" latinLnBrk="0" hangingPunct="1">
+              <a:lnSpc>
+                <a:spcPct val="100000"/>
+              </a:lnSpc>
+              <a:spcBef>
+                <a:spcPts val="0"/>
+              </a:spcBef>
+              <a:spcAft>
+                <a:spcPts val="0"/>
+              </a:spcAft>
+              <a:buClrTx/>
+              <a:buSzTx/>
+              <a:buFont typeface="Arial" panose="020B0604020202020204" pitchFamily="34" charset="0"/>
+              <a:buChar char="•"/>
+              <a:tabLst/>
+              <a:defRPr/>
+            </a:pPr>
+            <a:r>
+              <a:rPr lang="en-US" sz="800" b="1" dirty="0">
+                <a:solidFill>
+                  <a:srgbClr val="A5A5A5">
+                    <a:lumMod val="75000"/>
+                  </a:srgbClr>
+                </a:solidFill>
+                <a:latin typeface="Segoe UI" panose="020B0502040204020203" pitchFamily="34" charset="0"/>
+                <a:cs typeface="Segoe UI" panose="020B0502040204020203" pitchFamily="34" charset="0"/>
+              </a:rPr>
+              <a:t>r</a:t>
+            </a:r>
+            <a:r>
+              <a:rPr kumimoji="0" lang="en-US" sz="800" b="1" i="0" u="none" strike="noStrike" kern="1200" cap="none" spc="0" normalizeH="0" baseline="0" noProof="0" dirty="0" err="1">
+                <a:ln>
+                  <a:noFill/>
+                </a:ln>
+                <a:solidFill>
+                  <a:srgbClr val="A5A5A5">
+                    <a:lumMod val="75000"/>
+                  </a:srgbClr>
+                </a:solidFill>
+                <a:effectLst/>
+                <a:uLnTx/>
+                <a:uFillTx/>
+                <a:latin typeface="Segoe UI" panose="020B0502040204020203" pitchFamily="34" charset="0"/>
+                <a:ea typeface="+mn-ea"/>
+                <a:cs typeface="Segoe UI" panose="020B0502040204020203" pitchFamily="34" charset="0"/>
+              </a:rPr>
+              <a:t>esource_group_name</a:t>
+            </a:r>
+            <a:r>
+              <a:rPr kumimoji="0" lang="en-US" sz="800" b="1" i="0" u="none" strike="noStrike" kern="1200" cap="none" spc="0" normalizeH="0" baseline="0" noProof="0" dirty="0">
+                <a:ln>
+                  <a:noFill/>
+                </a:ln>
+                <a:solidFill>
+                  <a:srgbClr val="A5A5A5">
+                    <a:lumMod val="75000"/>
+                  </a:srgbClr>
+                </a:solidFill>
+                <a:effectLst/>
+                <a:uLnTx/>
+                <a:uFillTx/>
+                <a:latin typeface="Segoe UI" panose="020B0502040204020203" pitchFamily="34" charset="0"/>
+                <a:ea typeface="+mn-ea"/>
+                <a:cs typeface="Segoe UI" panose="020B0502040204020203" pitchFamily="34" charset="0"/>
+              </a:rPr>
+              <a:t> </a:t>
+            </a:r>
+            <a:r>
+              <a:rPr kumimoji="0" lang="en-US" sz="800" b="0" i="0" u="none" strike="noStrike" kern="1200" cap="none" spc="0" normalizeH="0" baseline="0" noProof="0" dirty="0">
+                <a:ln>
+                  <a:noFill/>
+                </a:ln>
+                <a:solidFill>
+                  <a:srgbClr val="A5A5A5">
+                    <a:lumMod val="75000"/>
+                  </a:srgbClr>
+                </a:solidFill>
+                <a:effectLst/>
+                <a:uLnTx/>
+                <a:uFillTx/>
+                <a:latin typeface="Segoe UI" panose="020B0502040204020203" pitchFamily="34" charset="0"/>
+                <a:ea typeface="+mn-ea"/>
+                <a:cs typeface="Segoe UI" panose="020B0502040204020203" pitchFamily="34" charset="0"/>
+              </a:rPr>
+              <a:t>The resource group that Synapse and all the supporting services will be deployed into.</a:t>
+            </a:r>
+          </a:p>
+          <a:p>
+            <a:pPr marL="628650" marR="0" lvl="1" indent="-171450" algn="l" defTabSz="914400" rtl="0" eaLnBrk="1" fontAlgn="auto" latinLnBrk="0" hangingPunct="1">
+              <a:lnSpc>
+                <a:spcPct val="100000"/>
+              </a:lnSpc>
+              <a:spcBef>
+                <a:spcPts val="0"/>
+              </a:spcBef>
+              <a:spcAft>
+                <a:spcPts val="0"/>
+              </a:spcAft>
+              <a:buClrTx/>
+              <a:buSzTx/>
+              <a:buFont typeface="Arial" panose="020B0604020202020204" pitchFamily="34" charset="0"/>
+              <a:buChar char="•"/>
+              <a:tabLst/>
+              <a:defRPr/>
+            </a:pPr>
+            <a:r>
+              <a:rPr lang="en-US" sz="800" b="1" dirty="0" err="1">
+                <a:solidFill>
+                  <a:srgbClr val="A5A5A5">
+                    <a:lumMod val="75000"/>
+                  </a:srgbClr>
+                </a:solidFill>
+                <a:latin typeface="Segoe UI" panose="020B0502040204020203" pitchFamily="34" charset="0"/>
+                <a:cs typeface="Segoe UI" panose="020B0502040204020203" pitchFamily="34" charset="0"/>
+              </a:rPr>
+              <a:t>synapse_sql_pool_name</a:t>
+            </a:r>
+            <a:r>
+              <a:rPr lang="en-US" sz="800" b="1" dirty="0">
+                <a:solidFill>
+                  <a:srgbClr val="A5A5A5">
+                    <a:lumMod val="75000"/>
+                  </a:srgbClr>
+                </a:solidFill>
+                <a:latin typeface="Segoe UI" panose="020B0502040204020203" pitchFamily="34" charset="0"/>
+                <a:cs typeface="Segoe UI" panose="020B0502040204020203" pitchFamily="34" charset="0"/>
+              </a:rPr>
+              <a:t> </a:t>
+            </a:r>
+            <a:r>
+              <a:rPr lang="en-US" sz="800" dirty="0">
+                <a:solidFill>
+                  <a:srgbClr val="A5A5A5">
+                    <a:lumMod val="75000"/>
+                  </a:srgbClr>
+                </a:solidFill>
+                <a:latin typeface="Segoe UI" panose="020B0502040204020203" pitchFamily="34" charset="0"/>
+                <a:cs typeface="Segoe UI" panose="020B0502040204020203" pitchFamily="34" charset="0"/>
+              </a:rPr>
+              <a:t>Name of the Dedicated SQL Pool database.</a:t>
+            </a:r>
+          </a:p>
+          <a:p>
+            <a:pPr marL="628650" marR="0" lvl="1" indent="-171450" algn="l" defTabSz="914400" rtl="0" eaLnBrk="1" fontAlgn="auto" latinLnBrk="0" hangingPunct="1">
+              <a:lnSpc>
+                <a:spcPct val="100000"/>
+              </a:lnSpc>
+              <a:spcBef>
+                <a:spcPts val="0"/>
+              </a:spcBef>
+              <a:spcAft>
+                <a:spcPts val="0"/>
+              </a:spcAft>
+              <a:buClrTx/>
+              <a:buSzTx/>
+              <a:buFont typeface="Arial" panose="020B0604020202020204" pitchFamily="34" charset="0"/>
+              <a:buChar char="•"/>
+              <a:tabLst/>
+              <a:defRPr/>
+            </a:pPr>
+            <a:r>
+              <a:rPr lang="en-US" sz="800" b="1" dirty="0" err="1">
+                <a:solidFill>
+                  <a:srgbClr val="A5A5A5">
+                    <a:lumMod val="75000"/>
+                  </a:srgbClr>
+                </a:solidFill>
+                <a:latin typeface="Segoe UI" panose="020B0502040204020203" pitchFamily="34" charset="0"/>
+                <a:cs typeface="Segoe UI" panose="020B0502040204020203" pitchFamily="34" charset="0"/>
+              </a:rPr>
+              <a:t>synapse_sql_administrator_login</a:t>
+            </a:r>
+            <a:r>
+              <a:rPr lang="en-US" sz="800" b="1" dirty="0">
+                <a:solidFill>
+                  <a:srgbClr val="A5A5A5">
+                    <a:lumMod val="75000"/>
+                  </a:srgbClr>
+                </a:solidFill>
+                <a:latin typeface="Segoe UI" panose="020B0502040204020203" pitchFamily="34" charset="0"/>
+                <a:cs typeface="Segoe UI" panose="020B0502040204020203" pitchFamily="34" charset="0"/>
+              </a:rPr>
+              <a:t> </a:t>
+            </a:r>
+            <a:r>
+              <a:rPr lang="en-US" sz="800" dirty="0">
+                <a:solidFill>
+                  <a:srgbClr val="A5A5A5">
+                    <a:lumMod val="75000"/>
+                  </a:srgbClr>
+                </a:solidFill>
+                <a:latin typeface="Segoe UI" panose="020B0502040204020203" pitchFamily="34" charset="0"/>
+                <a:cs typeface="Segoe UI" panose="020B0502040204020203" pitchFamily="34" charset="0"/>
+              </a:rPr>
+              <a:t>Native SQL account for administration.</a:t>
+            </a:r>
+          </a:p>
+          <a:p>
+            <a:pPr marL="628650" marR="0" lvl="1" indent="-171450" algn="l" defTabSz="914400" rtl="0" eaLnBrk="1" fontAlgn="auto" latinLnBrk="0" hangingPunct="1">
+              <a:lnSpc>
+                <a:spcPct val="100000"/>
+              </a:lnSpc>
+              <a:spcBef>
+                <a:spcPts val="0"/>
+              </a:spcBef>
+              <a:spcAft>
+                <a:spcPts val="0"/>
+              </a:spcAft>
+              <a:buClrTx/>
+              <a:buSzTx/>
+              <a:buFont typeface="Arial" panose="020B0604020202020204" pitchFamily="34" charset="0"/>
+              <a:buChar char="•"/>
+              <a:tabLst/>
+              <a:defRPr/>
+            </a:pPr>
+            <a:r>
+              <a:rPr lang="en-US" sz="800" b="1" dirty="0">
+                <a:solidFill>
+                  <a:srgbClr val="A5A5A5">
+                    <a:lumMod val="75000"/>
+                  </a:srgbClr>
+                </a:solidFill>
+                <a:latin typeface="Segoe UI" panose="020B0502040204020203" pitchFamily="34" charset="0"/>
+                <a:cs typeface="Segoe UI" panose="020B0502040204020203" pitchFamily="34" charset="0"/>
+              </a:rPr>
+              <a:t>s</a:t>
+            </a:r>
+            <a:r>
+              <a:rPr kumimoji="0" lang="en-US" sz="800" b="1" i="0" u="none" strike="noStrike" kern="1200" cap="none" spc="0" normalizeH="0" baseline="0" noProof="0" dirty="0" err="1">
+                <a:ln>
+                  <a:noFill/>
+                </a:ln>
+                <a:solidFill>
+                  <a:srgbClr val="A5A5A5">
+                    <a:lumMod val="75000"/>
+                  </a:srgbClr>
+                </a:solidFill>
+                <a:effectLst/>
+                <a:uLnTx/>
+                <a:uFillTx/>
+                <a:latin typeface="Segoe UI" panose="020B0502040204020203" pitchFamily="34" charset="0"/>
+                <a:ea typeface="+mn-ea"/>
+                <a:cs typeface="Segoe UI" panose="020B0502040204020203" pitchFamily="34" charset="0"/>
+              </a:rPr>
+              <a:t>ynapse_sql_administrator_password</a:t>
+            </a:r>
+            <a:r>
+              <a:rPr kumimoji="0" lang="en-US" sz="800" b="1" i="0" u="none" strike="noStrike" kern="1200" cap="none" spc="0" normalizeH="0" baseline="0" noProof="0" dirty="0">
+                <a:ln>
+                  <a:noFill/>
+                </a:ln>
+                <a:solidFill>
+                  <a:srgbClr val="A5A5A5">
+                    <a:lumMod val="75000"/>
+                  </a:srgbClr>
+                </a:solidFill>
+                <a:effectLst/>
+                <a:uLnTx/>
+                <a:uFillTx/>
+                <a:latin typeface="Segoe UI" panose="020B0502040204020203" pitchFamily="34" charset="0"/>
+                <a:ea typeface="+mn-ea"/>
+                <a:cs typeface="Segoe UI" panose="020B0502040204020203" pitchFamily="34" charset="0"/>
+              </a:rPr>
+              <a:t> </a:t>
+            </a:r>
+            <a:r>
+              <a:rPr lang="en-US" sz="800" dirty="0">
+                <a:solidFill>
+                  <a:srgbClr val="A5A5A5">
+                    <a:lumMod val="75000"/>
+                  </a:srgbClr>
+                </a:solidFill>
+                <a:latin typeface="Segoe UI" panose="020B0502040204020203" pitchFamily="34" charset="0"/>
+                <a:cs typeface="Segoe UI" panose="020B0502040204020203" pitchFamily="34" charset="0"/>
+              </a:rPr>
+              <a:t>Password for the native SQL account for administration. This password is also used for the Resource Class Logins.</a:t>
+            </a:r>
+          </a:p>
+          <a:p>
+            <a:pPr marL="628650" marR="0" lvl="1" indent="-171450" algn="l" defTabSz="914400" rtl="0" eaLnBrk="1" fontAlgn="auto" latinLnBrk="0" hangingPunct="1">
+              <a:lnSpc>
+                <a:spcPct val="100000"/>
+              </a:lnSpc>
+              <a:spcBef>
+                <a:spcPts val="0"/>
+              </a:spcBef>
+              <a:spcAft>
+                <a:spcPts val="0"/>
+              </a:spcAft>
+              <a:buClrTx/>
+              <a:buSzTx/>
+              <a:buFont typeface="Arial" panose="020B0604020202020204" pitchFamily="34" charset="0"/>
+              <a:buChar char="•"/>
+              <a:tabLst/>
+              <a:defRPr/>
+            </a:pPr>
+            <a:r>
+              <a:rPr lang="en-US" sz="800" b="1" dirty="0">
+                <a:solidFill>
+                  <a:srgbClr val="A5A5A5">
+                    <a:lumMod val="75000"/>
+                  </a:srgbClr>
+                </a:solidFill>
+                <a:latin typeface="Segoe UI" panose="020B0502040204020203" pitchFamily="34" charset="0"/>
+                <a:cs typeface="Segoe UI" panose="020B0502040204020203" pitchFamily="34" charset="0"/>
+              </a:rPr>
+              <a:t>s</a:t>
+            </a:r>
+            <a:r>
+              <a:rPr kumimoji="0" lang="en-US" sz="800" b="1" i="0" u="none" strike="noStrike" kern="1200" cap="none" spc="0" normalizeH="0" baseline="0" noProof="0" dirty="0" err="1">
+                <a:ln>
+                  <a:noFill/>
+                </a:ln>
+                <a:solidFill>
+                  <a:srgbClr val="A5A5A5">
+                    <a:lumMod val="75000"/>
+                  </a:srgbClr>
+                </a:solidFill>
+                <a:effectLst/>
+                <a:uLnTx/>
+                <a:uFillTx/>
+                <a:latin typeface="Segoe UI" panose="020B0502040204020203" pitchFamily="34" charset="0"/>
+                <a:ea typeface="+mn-ea"/>
+                <a:cs typeface="Segoe UI" panose="020B0502040204020203" pitchFamily="34" charset="0"/>
+              </a:rPr>
+              <a:t>ynapse</a:t>
+            </a:r>
+            <a:r>
+              <a:rPr lang="en-US" sz="800" b="1" dirty="0">
+                <a:solidFill>
+                  <a:srgbClr val="A5A5A5">
+                    <a:lumMod val="75000"/>
+                  </a:srgbClr>
+                </a:solidFill>
+                <a:latin typeface="Segoe UI" panose="020B0502040204020203" pitchFamily="34" charset="0"/>
+                <a:cs typeface="Segoe UI" panose="020B0502040204020203" pitchFamily="34" charset="0"/>
+              </a:rPr>
+              <a:t>_</a:t>
+            </a:r>
+            <a:r>
+              <a:rPr lang="en-US" sz="800" b="1" dirty="0" err="1">
+                <a:solidFill>
+                  <a:srgbClr val="A5A5A5">
+                    <a:lumMod val="75000"/>
+                  </a:srgbClr>
+                </a:solidFill>
+                <a:latin typeface="Segoe UI" panose="020B0502040204020203" pitchFamily="34" charset="0"/>
+                <a:cs typeface="Segoe UI" panose="020B0502040204020203" pitchFamily="34" charset="0"/>
+              </a:rPr>
+              <a:t>azure_ad_admin_object_id</a:t>
+            </a:r>
+            <a:r>
+              <a:rPr lang="en-US" sz="800" b="1" dirty="0">
+                <a:solidFill>
+                  <a:srgbClr val="A5A5A5">
+                    <a:lumMod val="75000"/>
+                  </a:srgbClr>
+                </a:solidFill>
+                <a:latin typeface="Segoe UI" panose="020B0502040204020203" pitchFamily="34" charset="0"/>
+                <a:cs typeface="Segoe UI" panose="020B0502040204020203" pitchFamily="34" charset="0"/>
+              </a:rPr>
+              <a:t> </a:t>
+            </a:r>
+            <a:r>
+              <a:rPr lang="en-US" sz="800" dirty="0">
+                <a:solidFill>
+                  <a:srgbClr val="A5A5A5">
+                    <a:lumMod val="75000"/>
+                  </a:srgbClr>
+                </a:solidFill>
+                <a:latin typeface="Segoe UI" panose="020B0502040204020203" pitchFamily="34" charset="0"/>
+                <a:cs typeface="Segoe UI" panose="020B0502040204020203" pitchFamily="34" charset="0"/>
+              </a:rPr>
+              <a:t>Object ID (GUID) for the Azure AD administrator of Synapse. This can also be a group, but only one value can be specified. (i.e. XXXXXXXX-XXXX-XXXX-XXXX-XXXXXXXXXXXXXXXXX). "</a:t>
+            </a:r>
+            <a:r>
+              <a:rPr lang="en-US" sz="800" dirty="0" err="1">
+                <a:solidFill>
+                  <a:srgbClr val="A5A5A5">
+                    <a:lumMod val="75000"/>
+                  </a:srgbClr>
+                </a:solidFill>
+                <a:latin typeface="Segoe UI" panose="020B0502040204020203" pitchFamily="34" charset="0"/>
+                <a:cs typeface="Segoe UI" panose="020B0502040204020203" pitchFamily="34" charset="0"/>
+              </a:rPr>
+              <a:t>az</a:t>
+            </a:r>
+            <a:r>
+              <a:rPr lang="en-US" sz="800" dirty="0">
+                <a:solidFill>
+                  <a:srgbClr val="A5A5A5">
+                    <a:lumMod val="75000"/>
+                  </a:srgbClr>
+                </a:solidFill>
+                <a:latin typeface="Segoe UI" panose="020B0502040204020203" pitchFamily="34" charset="0"/>
+                <a:cs typeface="Segoe UI" panose="020B0502040204020203" pitchFamily="34" charset="0"/>
+              </a:rPr>
+              <a:t> ad user show --id "sochotny@microsoft.com" --query </a:t>
+            </a:r>
+            <a:r>
+              <a:rPr lang="en-US" sz="800" dirty="0" err="1">
+                <a:solidFill>
+                  <a:srgbClr val="A5A5A5">
+                    <a:lumMod val="75000"/>
+                  </a:srgbClr>
+                </a:solidFill>
+                <a:latin typeface="Segoe UI" panose="020B0502040204020203" pitchFamily="34" charset="0"/>
+                <a:cs typeface="Segoe UI" panose="020B0502040204020203" pitchFamily="34" charset="0"/>
+              </a:rPr>
+              <a:t>objectId</a:t>
+            </a:r>
+            <a:r>
+              <a:rPr lang="en-US" sz="800" dirty="0">
+                <a:solidFill>
+                  <a:srgbClr val="A5A5A5">
+                    <a:lumMod val="75000"/>
+                  </a:srgbClr>
+                </a:solidFill>
+                <a:latin typeface="Segoe UI" panose="020B0502040204020203" pitchFamily="34" charset="0"/>
+                <a:cs typeface="Segoe UI" panose="020B0502040204020203" pitchFamily="34" charset="0"/>
+              </a:rPr>
+              <a:t> --output </a:t>
+            </a:r>
+            <a:r>
+              <a:rPr lang="en-US" sz="800" dirty="0" err="1">
+                <a:solidFill>
+                  <a:srgbClr val="A5A5A5">
+                    <a:lumMod val="75000"/>
+                  </a:srgbClr>
+                </a:solidFill>
+                <a:latin typeface="Segoe UI" panose="020B0502040204020203" pitchFamily="34" charset="0"/>
+                <a:cs typeface="Segoe UI" panose="020B0502040204020203" pitchFamily="34" charset="0"/>
+              </a:rPr>
+              <a:t>tsv</a:t>
+            </a:r>
+            <a:r>
+              <a:rPr lang="en-US" sz="800" dirty="0">
+                <a:solidFill>
+                  <a:srgbClr val="A5A5A5">
+                    <a:lumMod val="75000"/>
+                  </a:srgbClr>
+                </a:solidFill>
+                <a:latin typeface="Segoe UI" panose="020B0502040204020203" pitchFamily="34" charset="0"/>
+                <a:cs typeface="Segoe UI" panose="020B0502040204020203" pitchFamily="34" charset="0"/>
+              </a:rPr>
+              <a:t>"</a:t>
+            </a:r>
+          </a:p>
+          <a:p>
+            <a:pPr marL="628650" lvl="1" indent="-171450">
+              <a:buFont typeface="Arial" panose="020B0604020202020204" pitchFamily="34" charset="0"/>
+              <a:buChar char="•"/>
+              <a:defRPr/>
+            </a:pPr>
+            <a:r>
+              <a:rPr lang="en-US" sz="800" b="1" dirty="0">
+                <a:solidFill>
+                  <a:srgbClr val="A5A5A5">
+                    <a:lumMod val="75000"/>
+                  </a:srgbClr>
+                </a:solidFill>
+                <a:latin typeface="Segoe UI" panose="020B0502040204020203" pitchFamily="34" charset="0"/>
+                <a:cs typeface="Segoe UI" panose="020B0502040204020203" pitchFamily="34" charset="0"/>
+              </a:rPr>
+              <a:t>e</a:t>
+            </a:r>
+            <a:r>
+              <a:rPr kumimoji="0" lang="en-US" sz="800" b="1" i="0" u="none" strike="noStrike" kern="1200" cap="none" spc="0" normalizeH="0" baseline="0" noProof="0" dirty="0" err="1">
+                <a:ln>
+                  <a:noFill/>
+                </a:ln>
+                <a:solidFill>
+                  <a:srgbClr val="A5A5A5">
+                    <a:lumMod val="75000"/>
+                  </a:srgbClr>
+                </a:solidFill>
+                <a:effectLst/>
+                <a:uLnTx/>
+                <a:uFillTx/>
+                <a:latin typeface="Segoe UI" panose="020B0502040204020203" pitchFamily="34" charset="0"/>
+                <a:ea typeface="+mn-ea"/>
+                <a:cs typeface="Segoe UI" panose="020B0502040204020203" pitchFamily="34" charset="0"/>
+              </a:rPr>
+              <a:t>nable_private_endpoints</a:t>
+            </a:r>
+            <a:r>
+              <a:rPr kumimoji="0" lang="en-US" sz="800" i="0" u="none" strike="noStrike" kern="1200" cap="none" spc="0" normalizeH="0" baseline="0" noProof="0" dirty="0">
+                <a:ln>
+                  <a:noFill/>
+                </a:ln>
+                <a:solidFill>
+                  <a:srgbClr val="A5A5A5">
+                    <a:lumMod val="75000"/>
+                  </a:srgbClr>
+                </a:solidFill>
+                <a:effectLst/>
+                <a:uLnTx/>
+                <a:uFillTx/>
+                <a:latin typeface="Segoe UI" panose="020B0502040204020203" pitchFamily="34" charset="0"/>
+                <a:ea typeface="+mn-ea"/>
+                <a:cs typeface="Segoe UI" panose="020B0502040204020203" pitchFamily="34" charset="0"/>
+              </a:rPr>
+              <a:t> </a:t>
+            </a:r>
+            <a:r>
+              <a:rPr lang="en-US" sz="800" dirty="0">
+                <a:solidFill>
+                  <a:srgbClr val="A5A5A5">
+                    <a:lumMod val="75000"/>
+                  </a:srgbClr>
+                </a:solidFill>
+                <a:latin typeface="Segoe UI" panose="020B0502040204020203" pitchFamily="34" charset="0"/>
+                <a:cs typeface="Segoe UI" panose="020B0502040204020203" pitchFamily="34" charset="0"/>
+              </a:rPr>
+              <a:t>If true, create Private Endpoints for Synapse Analytics. This assumes you have other Private Endpoint requirements configured and in place such as virtual networks, VPN/Express Route, and private DNS forwarding.</a:t>
+            </a:r>
+          </a:p>
+          <a:p>
+            <a:pPr marL="628650" lvl="1" indent="-171450">
+              <a:buFont typeface="Arial" panose="020B0604020202020204" pitchFamily="34" charset="0"/>
+              <a:buChar char="•"/>
+              <a:defRPr/>
+            </a:pPr>
+            <a:r>
+              <a:rPr lang="en-US" sz="800" b="1" dirty="0" err="1">
+                <a:solidFill>
+                  <a:srgbClr val="A5A5A5">
+                    <a:lumMod val="75000"/>
+                  </a:srgbClr>
+                </a:solidFill>
+                <a:latin typeface="Segoe UI" panose="020B0502040204020203" pitchFamily="34" charset="0"/>
+                <a:cs typeface="Segoe UI" panose="020B0502040204020203" pitchFamily="34" charset="0"/>
+              </a:rPr>
+              <a:t>private_endpoint_virtual_network</a:t>
+            </a:r>
+            <a:r>
+              <a:rPr lang="en-US" sz="800" b="1" dirty="0">
+                <a:solidFill>
+                  <a:srgbClr val="A5A5A5">
+                    <a:lumMod val="75000"/>
+                  </a:srgbClr>
+                </a:solidFill>
+                <a:latin typeface="Segoe UI" panose="020B0502040204020203" pitchFamily="34" charset="0"/>
+                <a:cs typeface="Segoe UI" panose="020B0502040204020203" pitchFamily="34" charset="0"/>
+              </a:rPr>
+              <a:t> </a:t>
+            </a:r>
+            <a:r>
+              <a:rPr lang="en-US" sz="800" dirty="0">
+                <a:solidFill>
+                  <a:srgbClr val="A5A5A5">
+                    <a:lumMod val="75000"/>
+                  </a:srgbClr>
+                </a:solidFill>
+                <a:latin typeface="Segoe UI" panose="020B0502040204020203" pitchFamily="34" charset="0"/>
+                <a:cs typeface="Segoe UI" panose="020B0502040204020203" pitchFamily="34" charset="0"/>
+              </a:rPr>
+              <a:t>Name of the Virtual Network where you want to create the Private Endpoints. (i.e. </a:t>
+            </a:r>
+            <a:r>
+              <a:rPr lang="en-US" sz="800" dirty="0" err="1">
+                <a:solidFill>
+                  <a:srgbClr val="A5A5A5">
+                    <a:lumMod val="75000"/>
+                  </a:srgbClr>
+                </a:solidFill>
+                <a:latin typeface="Segoe UI" panose="020B0502040204020203" pitchFamily="34" charset="0"/>
+                <a:cs typeface="Segoe UI" panose="020B0502040204020203" pitchFamily="34" charset="0"/>
+              </a:rPr>
+              <a:t>vnet</a:t>
+            </a:r>
+            <a:r>
+              <a:rPr lang="en-US" sz="800" dirty="0">
+                <a:solidFill>
+                  <a:srgbClr val="A5A5A5">
+                    <a:lumMod val="75000"/>
+                  </a:srgbClr>
+                </a:solidFill>
+                <a:latin typeface="Segoe UI" panose="020B0502040204020203" pitchFamily="34" charset="0"/>
+                <a:cs typeface="Segoe UI" panose="020B0502040204020203" pitchFamily="34" charset="0"/>
+              </a:rPr>
+              <a:t>-data-platform)</a:t>
+            </a:r>
+          </a:p>
+          <a:p>
+            <a:pPr marL="628650" lvl="1" indent="-171450">
+              <a:buFont typeface="Arial" panose="020B0604020202020204" pitchFamily="34" charset="0"/>
+              <a:buChar char="•"/>
+              <a:defRPr/>
+            </a:pPr>
+            <a:r>
+              <a:rPr lang="en-US" sz="800" b="1" dirty="0" err="1">
+                <a:solidFill>
+                  <a:srgbClr val="A5A5A5">
+                    <a:lumMod val="75000"/>
+                  </a:srgbClr>
+                </a:solidFill>
+                <a:latin typeface="Segoe UI" panose="020B0502040204020203" pitchFamily="34" charset="0"/>
+                <a:cs typeface="Segoe UI" panose="020B0502040204020203" pitchFamily="34" charset="0"/>
+              </a:rPr>
+              <a:t>private_endpoint_virtual_network_subnet</a:t>
+            </a:r>
+            <a:r>
+              <a:rPr lang="en-US" sz="800" b="1" dirty="0">
+                <a:solidFill>
+                  <a:srgbClr val="A5A5A5">
+                    <a:lumMod val="75000"/>
+                  </a:srgbClr>
+                </a:solidFill>
+                <a:latin typeface="Segoe UI" panose="020B0502040204020203" pitchFamily="34" charset="0"/>
+                <a:cs typeface="Segoe UI" panose="020B0502040204020203" pitchFamily="34" charset="0"/>
+              </a:rPr>
+              <a:t> </a:t>
+            </a:r>
+            <a:r>
+              <a:rPr lang="en-US" sz="800" dirty="0">
+                <a:solidFill>
+                  <a:srgbClr val="A5A5A5">
+                    <a:lumMod val="75000"/>
+                  </a:srgbClr>
+                </a:solidFill>
+                <a:latin typeface="Segoe UI" panose="020B0502040204020203" pitchFamily="34" charset="0"/>
+                <a:cs typeface="Segoe UI" panose="020B0502040204020203" pitchFamily="34" charset="0"/>
+              </a:rPr>
+              <a:t>Name of the Subnet within the Virtual Network where you want to create the Private Endpoints. (i.e. private-endpoint-subnet)</a:t>
+            </a:r>
+          </a:p>
+        </p:txBody>
+      </p:sp>
+      <p:pic>
+        <p:nvPicPr>
+          <p:cNvPr id="6" name="Picture 5" descr="cut-shadow.png">
+            <a:extLst>
+              <a:ext uri="{FF2B5EF4-FFF2-40B4-BE49-F238E27FC236}">
+                <a16:creationId xmlns:a16="http://schemas.microsoft.com/office/drawing/2014/main" id="{F09D7B0D-EEC5-4CFB-97BE-6E563E5A11B1}"/>
+              </a:ext>
+            </a:extLst>
+          </p:cNvPr>
+          <p:cNvPicPr>
+            <a:picLocks noChangeAspect="1"/>
+          </p:cNvPicPr>
+          <p:nvPr/>
+        </p:nvPicPr>
+        <p:blipFill rotWithShape="1">
+          <a:blip r:embed="rId9" cstate="email">
+            <a:extLst>
+              <a:ext uri="{28A0092B-C50C-407E-A947-70E740481C1C}">
+                <a14:useLocalDpi xmlns:a14="http://schemas.microsoft.com/office/drawing/2010/main"/>
+              </a:ext>
+            </a:extLst>
+          </a:blip>
+          <a:srcRect/>
+          <a:stretch/>
+        </p:blipFill>
+        <p:spPr>
+          <a:xfrm rot="10800000">
+            <a:off x="5405825" y="578855"/>
+            <a:ext cx="426826" cy="6279145"/>
+          </a:xfrm>
+          <a:prstGeom prst="rect">
+            <a:avLst/>
+          </a:prstGeom>
+        </p:spPr>
+      </p:pic>
+    </p:spTree>
+    <p:extLst>
+      <p:ext uri="{BB962C8B-B14F-4D97-AF65-F5344CB8AC3E}">
+        <p14:creationId xmlns:p14="http://schemas.microsoft.com/office/powerpoint/2010/main" val="1253660693"/>
+      </p:ext>
+    </p:extLst>
+  </p:cSld>
+  <p:clrMapOvr>
+    <a:masterClrMapping/>
+  </p:clrMapOvr>
+  <mc:AlternateContent xmlns:mc="http://schemas.openxmlformats.org/markup-compatibility/2006" xmlns:p159="http://schemas.microsoft.com/office/powerpoint/2015/09/main">
+    <mc:Choice Requires="p159">
+      <p:transition xmlns:p14="http://schemas.microsoft.com/office/powerpoint/2010/main" spd="slow" p14:dur="2000">
+        <p159:morph option="byObject"/>
+      </p:transition>
+    </mc:Choice>
+    <mc:Fallback xmlns="">
+      <p:transition spd="slow">
+        <p:fade/>
+      </p:transition>
+    </mc:Fallback>
+  </mc:AlternateContent>
+</p:sld>
+</file>
+
+<file path=ppt/slides/slide4.xml><?xml version="1.0" encoding="utf-8"?>
+<p:sld xmlns:a="http://schemas.openxmlformats.org/drawingml/2006/main" xmlns:r="http://schemas.openxmlformats.org/officeDocument/2006/relationships" xmlns:p="http://schemas.openxmlformats.org/presentationml/2006/main">
+  <p:cSld>
+    <p:spTree>
+      <p:nvGrpSpPr>
+        <p:cNvPr id="1" name=""/>
+        <p:cNvGrpSpPr/>
+        <p:nvPr/>
+      </p:nvGrpSpPr>
+      <p:grpSpPr>
+        <a:xfrm>
+          <a:off x="0" y="0"/>
+          <a:ext cx="0" cy="0"/>
+          <a:chOff x="0" y="0"/>
+          <a:chExt cx="0" cy="0"/>
+        </a:xfrm>
+      </p:grpSpPr>
+      <p:grpSp>
+        <p:nvGrpSpPr>
+          <p:cNvPr id="203" name="Group 202">
+            <a:extLst>
+              <a:ext uri="{FF2B5EF4-FFF2-40B4-BE49-F238E27FC236}">
+                <a16:creationId xmlns:a16="http://schemas.microsoft.com/office/drawing/2014/main" id="{11C81F7D-9BC0-47BB-BA6C-1C310E37AEEC}"/>
+              </a:ext>
+            </a:extLst>
+          </p:cNvPr>
+          <p:cNvGrpSpPr/>
+          <p:nvPr/>
+        </p:nvGrpSpPr>
+        <p:grpSpPr>
+          <a:xfrm>
+            <a:off x="0" y="9581"/>
+            <a:ext cx="12192000" cy="569275"/>
+            <a:chOff x="243216" y="1170441"/>
+            <a:chExt cx="11690086" cy="569275"/>
+          </a:xfrm>
+        </p:grpSpPr>
+        <p:sp>
+          <p:nvSpPr>
+            <p:cNvPr id="207" name="Rectangle 206">
+              <a:extLst>
+                <a:ext uri="{FF2B5EF4-FFF2-40B4-BE49-F238E27FC236}">
+                  <a16:creationId xmlns:a16="http://schemas.microsoft.com/office/drawing/2014/main" id="{102E8933-C65F-41AF-A34C-1070540102FB}"/>
+                </a:ext>
+              </a:extLst>
+            </p:cNvPr>
+            <p:cNvSpPr/>
+            <p:nvPr/>
+          </p:nvSpPr>
+          <p:spPr>
+            <a:xfrm>
+              <a:off x="245887" y="1170441"/>
+              <a:ext cx="11687415" cy="569275"/>
+            </a:xfrm>
+            <a:prstGeom prst="rect">
+              <a:avLst/>
+            </a:prstGeom>
+            <a:solidFill>
+              <a:srgbClr val="A5A5A5">
+                <a:lumMod val="20000"/>
+                <a:lumOff val="80000"/>
+              </a:srgbClr>
+            </a:solidFill>
+            <a:ln w="12700" cap="flat" cmpd="sng" algn="ctr">
+              <a:noFill/>
+              <a:prstDash val="solid"/>
+              <a:miter lim="800000"/>
+            </a:ln>
+            <a:effectLst/>
+          </p:spPr>
+          <p:txBody>
+            <a:bodyPr rtlCol="0" anchor="ctr"/>
+            <a:lstStyle/>
+            <a:p>
+              <a:pPr marL="0" marR="0" lvl="0" indent="0" algn="ctr" defTabSz="457200" rtl="0" eaLnBrk="1" fontAlgn="auto" latinLnBrk="0" hangingPunct="1">
+                <a:lnSpc>
+                  <a:spcPct val="100000"/>
+                </a:lnSpc>
+                <a:spcBef>
+                  <a:spcPts val="0"/>
+                </a:spcBef>
+                <a:spcAft>
+                  <a:spcPts val="0"/>
+                </a:spcAft>
+                <a:buClrTx/>
+                <a:buSzTx/>
+                <a:buFontTx/>
+                <a:buNone/>
+                <a:tabLst/>
+                <a:defRPr/>
+              </a:pPr>
+              <a:endParaRPr kumimoji="0" lang="en-US" sz="1800" b="0" i="0" u="none" strike="noStrike" kern="0" cap="none" spc="0" normalizeH="0" baseline="0" noProof="0">
+                <a:ln>
+                  <a:noFill/>
+                </a:ln>
+                <a:solidFill>
+                  <a:prstClr val="white"/>
+                </a:solidFill>
+                <a:effectLst/>
+                <a:uLnTx/>
+                <a:uFillTx/>
+                <a:latin typeface="Corbel" panose="020B0503020204020204"/>
+                <a:ea typeface="+mn-ea"/>
+                <a:cs typeface="+mn-cs"/>
+              </a:endParaRPr>
+            </a:p>
+          </p:txBody>
+        </p:sp>
+        <p:cxnSp>
+          <p:nvCxnSpPr>
+            <p:cNvPr id="210" name="Straight Connector 209">
+              <a:extLst>
+                <a:ext uri="{FF2B5EF4-FFF2-40B4-BE49-F238E27FC236}">
+                  <a16:creationId xmlns:a16="http://schemas.microsoft.com/office/drawing/2014/main" id="{53500837-5B19-439B-B2E4-FBD42527FE0C}"/>
+                </a:ext>
+              </a:extLst>
+            </p:cNvPr>
+            <p:cNvCxnSpPr>
+              <a:cxnSpLocks/>
+            </p:cNvCxnSpPr>
+            <p:nvPr/>
+          </p:nvCxnSpPr>
+          <p:spPr>
+            <a:xfrm>
+              <a:off x="243216" y="1713553"/>
+              <a:ext cx="11690085" cy="0"/>
+            </a:xfrm>
+            <a:prstGeom prst="line">
+              <a:avLst/>
+            </a:prstGeom>
+            <a:noFill/>
+            <a:ln w="38100" cap="flat" cmpd="sng" algn="ctr">
+              <a:solidFill>
+                <a:srgbClr val="A5A5A5">
+                  <a:lumMod val="75000"/>
+                </a:srgbClr>
+              </a:solidFill>
+              <a:prstDash val="solid"/>
+              <a:miter lim="800000"/>
+            </a:ln>
+            <a:effectLst/>
+          </p:spPr>
+        </p:cxnSp>
+      </p:grpSp>
+      <p:sp>
+        <p:nvSpPr>
+          <p:cNvPr id="214" name="Title 1">
+            <a:extLst>
+              <a:ext uri="{FF2B5EF4-FFF2-40B4-BE49-F238E27FC236}">
+                <a16:creationId xmlns:a16="http://schemas.microsoft.com/office/drawing/2014/main" id="{9D7C1305-37EC-47CD-A6FA-5508170A9BE8}"/>
+              </a:ext>
+            </a:extLst>
+          </p:cNvPr>
+          <p:cNvSpPr txBox="1">
+            <a:spLocks/>
+          </p:cNvSpPr>
+          <p:nvPr/>
+        </p:nvSpPr>
+        <p:spPr>
+          <a:xfrm>
+            <a:off x="126717" y="78654"/>
+            <a:ext cx="10515600" cy="431128"/>
+          </a:xfrm>
+          <a:prstGeom prst="rect">
+            <a:avLst/>
+          </a:prstGeom>
+        </p:spPr>
+        <p:txBody>
+          <a:bodyPr vert="horz" lIns="91440" tIns="45720" rIns="91440" bIns="45720" rtlCol="0" anchor="b">
+            <a:normAutofit fontScale="92500" lnSpcReduction="10000"/>
+          </a:bodyPr>
+          <a:lstStyle>
+            <a:lvl1pPr algn="ctr" defTabSz="914400" rtl="0" eaLnBrk="1" latinLnBrk="0" hangingPunct="1">
+              <a:lnSpc>
+                <a:spcPct val="90000"/>
+              </a:lnSpc>
+              <a:spcBef>
+                <a:spcPct val="0"/>
+              </a:spcBef>
+              <a:buNone/>
+              <a:defRPr kumimoji="0" lang="en-US" sz="2800" b="0" i="0" u="none" strike="noStrike" kern="1200" cap="none" spc="0" normalizeH="0" baseline="0" smtClean="0">
+                <a:ln>
+                  <a:noFill/>
+                </a:ln>
+                <a:solidFill>
+                  <a:srgbClr val="2D9ED8"/>
+                </a:solidFill>
+                <a:effectLst/>
+                <a:uLnTx/>
+                <a:uFillTx/>
+                <a:latin typeface="Segoe UI Light" panose="020B0502040204020203" pitchFamily="34" charset="0"/>
+                <a:ea typeface="+mn-ea"/>
+                <a:cs typeface="Segoe UI Light" panose="020B0502040204020203" pitchFamily="34" charset="0"/>
+              </a:defRPr>
+            </a:lvl1pPr>
+          </a:lstStyle>
+          <a:p>
+            <a:pPr marL="0" marR="0" lvl="0" indent="0" algn="l" defTabSz="914400" rtl="0" eaLnBrk="1" fontAlgn="auto" latinLnBrk="0" hangingPunct="1">
+              <a:lnSpc>
+                <a:spcPct val="90000"/>
+              </a:lnSpc>
+              <a:spcBef>
+                <a:spcPct val="0"/>
+              </a:spcBef>
+              <a:spcAft>
+                <a:spcPts val="0"/>
+              </a:spcAft>
+              <a:buClrTx/>
+              <a:buSzTx/>
+              <a:buFontTx/>
+              <a:buNone/>
+              <a:tabLst/>
+              <a:defRPr/>
+            </a:pPr>
+            <a:r>
+              <a:rPr kumimoji="0" lang="en-US" sz="2800" b="1" i="0" u="none" strike="noStrike" kern="1200" cap="none" spc="0" normalizeH="0" baseline="0" noProof="0" dirty="0">
+                <a:ln>
+                  <a:noFill/>
+                </a:ln>
+                <a:solidFill>
+                  <a:srgbClr val="A5A5A5">
+                    <a:lumMod val="75000"/>
+                  </a:srgbClr>
+                </a:solidFill>
+                <a:effectLst/>
+                <a:uLnTx/>
+                <a:uFillTx/>
+                <a:latin typeface="Segoe UI Light" panose="020B0502040204020203" pitchFamily="34" charset="0"/>
+                <a:ea typeface="+mn-ea"/>
+                <a:cs typeface="Segoe UI Light" panose="020B0502040204020203" pitchFamily="34" charset="0"/>
+              </a:rPr>
+              <a:t>Advanced Deployment: Terraform</a:t>
+            </a:r>
+            <a:endParaRPr kumimoji="0" lang="en-US" sz="2800" b="0" i="0" u="none" strike="noStrike" kern="1200" cap="none" spc="0" normalizeH="0" baseline="0" noProof="0" dirty="0">
+              <a:ln>
+                <a:noFill/>
+              </a:ln>
+              <a:solidFill>
+                <a:srgbClr val="A5A5A5">
+                  <a:lumMod val="75000"/>
+                </a:srgbClr>
+              </a:solidFill>
+              <a:effectLst/>
+              <a:uLnTx/>
+              <a:uFillTx/>
+              <a:latin typeface="Segoe UI Light" panose="020B0502040204020203" pitchFamily="34" charset="0"/>
+              <a:ea typeface="+mn-ea"/>
+              <a:cs typeface="Segoe UI Light" panose="020B0502040204020203" pitchFamily="34" charset="0"/>
+            </a:endParaRPr>
+          </a:p>
+        </p:txBody>
+      </p:sp>
+      <p:grpSp>
+        <p:nvGrpSpPr>
+          <p:cNvPr id="133" name="Group 132">
+            <a:extLst>
+              <a:ext uri="{FF2B5EF4-FFF2-40B4-BE49-F238E27FC236}">
+                <a16:creationId xmlns:a16="http://schemas.microsoft.com/office/drawing/2014/main" id="{7E7AFDB9-28BF-4517-9288-F681D0953B81}"/>
+              </a:ext>
+            </a:extLst>
+          </p:cNvPr>
+          <p:cNvGrpSpPr/>
+          <p:nvPr/>
+        </p:nvGrpSpPr>
+        <p:grpSpPr>
+          <a:xfrm>
+            <a:off x="6728142" y="3275579"/>
+            <a:ext cx="996097" cy="943691"/>
+            <a:chOff x="6095999" y="2629947"/>
+            <a:chExt cx="996097" cy="943691"/>
+          </a:xfrm>
+        </p:grpSpPr>
+        <p:pic>
+          <p:nvPicPr>
+            <p:cNvPr id="136" name="Graphic 135">
+              <a:extLst>
+                <a:ext uri="{FF2B5EF4-FFF2-40B4-BE49-F238E27FC236}">
+                  <a16:creationId xmlns:a16="http://schemas.microsoft.com/office/drawing/2014/main" id="{CEA401A7-6329-4B0E-A9AA-10FE9A36A5AF}"/>
+                </a:ext>
+              </a:extLst>
+            </p:cNvPr>
+            <p:cNvPicPr>
+              <a:picLocks noChangeAspect="1"/>
+            </p:cNvPicPr>
+            <p:nvPr/>
+          </p:nvPicPr>
+          <p:blipFill>
+            <a:blip r:embed="rId2">
+              <a:extLst>
+                <a:ext uri="{28A0092B-C50C-407E-A947-70E740481C1C}">
+                  <a14:useLocalDpi xmlns:a14="http://schemas.microsoft.com/office/drawing/2010/main" val="0"/>
+                </a:ext>
+                <a:ext uri="{96DAC541-7B7A-43D3-8B79-37D633B846F1}">
+                  <asvg:svgBlip xmlns:asvg="http://schemas.microsoft.com/office/drawing/2016/SVG/main" r:embed="rId3"/>
+                </a:ext>
+              </a:extLst>
+            </a:blip>
+            <a:stretch>
+              <a:fillRect/>
+            </a:stretch>
+          </p:blipFill>
+          <p:spPr>
+            <a:xfrm>
+              <a:off x="6480603" y="3093920"/>
+              <a:ext cx="240833" cy="240833"/>
+            </a:xfrm>
+            <a:prstGeom prst="rect">
+              <a:avLst/>
+            </a:prstGeom>
+          </p:spPr>
+        </p:pic>
+        <p:grpSp>
+          <p:nvGrpSpPr>
+            <p:cNvPr id="138" name="Group 137">
+              <a:extLst>
+                <a:ext uri="{FF2B5EF4-FFF2-40B4-BE49-F238E27FC236}">
+                  <a16:creationId xmlns:a16="http://schemas.microsoft.com/office/drawing/2014/main" id="{BF143E9B-9CA8-4558-8BA1-B9E86F3E915C}"/>
+                </a:ext>
+              </a:extLst>
+            </p:cNvPr>
+            <p:cNvGrpSpPr/>
+            <p:nvPr/>
+          </p:nvGrpSpPr>
+          <p:grpSpPr>
+            <a:xfrm>
+              <a:off x="6095999" y="2629947"/>
+              <a:ext cx="996097" cy="943691"/>
+              <a:chOff x="2508382" y="2373512"/>
+              <a:chExt cx="996097" cy="943691"/>
+            </a:xfrm>
+          </p:grpSpPr>
+          <p:sp>
+            <p:nvSpPr>
+              <p:cNvPr id="139" name="TextBox 138">
+                <a:extLst>
+                  <a:ext uri="{FF2B5EF4-FFF2-40B4-BE49-F238E27FC236}">
+                    <a16:creationId xmlns:a16="http://schemas.microsoft.com/office/drawing/2014/main" id="{5730330B-9365-4377-85D5-62C8A4EB3020}"/>
+                  </a:ext>
+                </a:extLst>
+              </p:cNvPr>
+              <p:cNvSpPr txBox="1"/>
+              <p:nvPr/>
+            </p:nvSpPr>
+            <p:spPr>
+              <a:xfrm>
+                <a:off x="2545531" y="2373512"/>
+                <a:ext cx="914400" cy="215444"/>
+              </a:xfrm>
+              <a:prstGeom prst="rect">
+                <a:avLst/>
+              </a:prstGeom>
+              <a:noFill/>
+            </p:spPr>
+            <p:txBody>
+              <a:bodyPr wrap="square" rtlCol="0">
+                <a:spAutoFit/>
+              </a:bodyPr>
+              <a:lstStyle/>
+              <a:p>
+                <a:pPr marL="0" marR="0" lvl="0" indent="0" algn="ctr" defTabSz="914400" rtl="0" eaLnBrk="1" fontAlgn="auto" latinLnBrk="0" hangingPunct="1">
+                  <a:lnSpc>
+                    <a:spcPct val="100000"/>
+                  </a:lnSpc>
+                  <a:spcBef>
+                    <a:spcPts val="0"/>
+                  </a:spcBef>
+                  <a:spcAft>
+                    <a:spcPts val="0"/>
+                  </a:spcAft>
+                  <a:buClrTx/>
+                  <a:buSzTx/>
+                  <a:buFontTx/>
+                  <a:buNone/>
+                  <a:tabLst/>
+                  <a:defRPr/>
+                </a:pPr>
+                <a:r>
+                  <a:rPr kumimoji="0" lang="en-US" sz="800" b="0" i="0" u="none" strike="noStrike" kern="1200" cap="none" spc="0" normalizeH="0" baseline="0" noProof="0" dirty="0">
+                    <a:ln>
+                      <a:noFill/>
+                    </a:ln>
+                    <a:solidFill>
+                      <a:srgbClr val="4472C4"/>
+                    </a:solidFill>
+                    <a:effectLst/>
+                    <a:uLnTx/>
+                    <a:uFillTx/>
+                    <a:latin typeface="Segoe UI Semibold" panose="020B0702040204020203" pitchFamily="34" charset="0"/>
+                    <a:ea typeface="+mn-ea"/>
+                    <a:cs typeface="Segoe UI Semibold" panose="020B0702040204020203" pitchFamily="34" charset="0"/>
+                  </a:rPr>
+                  <a:t>Logging</a:t>
+                </a:r>
+              </a:p>
+            </p:txBody>
+          </p:sp>
+          <p:grpSp>
+            <p:nvGrpSpPr>
+              <p:cNvPr id="140" name="Group 139">
+                <a:extLst>
+                  <a:ext uri="{FF2B5EF4-FFF2-40B4-BE49-F238E27FC236}">
+                    <a16:creationId xmlns:a16="http://schemas.microsoft.com/office/drawing/2014/main" id="{B4683622-ED11-46A0-A23D-09C5DF879B08}"/>
+                  </a:ext>
+                </a:extLst>
+              </p:cNvPr>
+              <p:cNvGrpSpPr/>
+              <p:nvPr/>
+            </p:nvGrpSpPr>
+            <p:grpSpPr>
+              <a:xfrm>
+                <a:off x="2508382" y="2713159"/>
+                <a:ext cx="996097" cy="604044"/>
+                <a:chOff x="7385769" y="5017807"/>
+                <a:chExt cx="996097" cy="604044"/>
+              </a:xfrm>
+            </p:grpSpPr>
+            <p:sp>
+              <p:nvSpPr>
+                <p:cNvPr id="141" name="Rectangle: Rounded Corners 198">
+                  <a:extLst>
+                    <a:ext uri="{FF2B5EF4-FFF2-40B4-BE49-F238E27FC236}">
+                      <a16:creationId xmlns:a16="http://schemas.microsoft.com/office/drawing/2014/main" id="{600B6F85-9E97-41F9-A030-2CDFD28E34F4}"/>
+                    </a:ext>
+                  </a:extLst>
+                </p:cNvPr>
+                <p:cNvSpPr/>
+                <p:nvPr/>
+              </p:nvSpPr>
+              <p:spPr>
+                <a:xfrm>
+                  <a:off x="7424037" y="5017807"/>
+                  <a:ext cx="919560" cy="604044"/>
+                </a:xfrm>
+                <a:prstGeom prst="roundRect">
+                  <a:avLst/>
+                </a:prstGeom>
+                <a:noFill/>
+                <a:ln>
+                  <a:solidFill>
+                    <a:srgbClr val="0070C0"/>
+                  </a:solidFill>
+                  <a:prstDash val="sysDot"/>
+                  <a:extLst>
+                    <a:ext uri="{C807C97D-BFC1-408E-A445-0C87EB9F89A2}">
+                      <ask:lineSketchStyleProps xmlns:ask="http://schemas.microsoft.com/office/drawing/2018/sketchyshapes" sd="1219033472">
+                        <a:custGeom>
+                          <a:avLst/>
+                          <a:gdLst>
+                            <a:gd name="connsiteX0" fmla="*/ 0 w 1060525"/>
+                            <a:gd name="connsiteY0" fmla="*/ 158238 h 949411"/>
+                            <a:gd name="connsiteX1" fmla="*/ 158238 w 1060525"/>
+                            <a:gd name="connsiteY1" fmla="*/ 0 h 949411"/>
+                            <a:gd name="connsiteX2" fmla="*/ 545143 w 1060525"/>
+                            <a:gd name="connsiteY2" fmla="*/ 0 h 949411"/>
+                            <a:gd name="connsiteX3" fmla="*/ 902287 w 1060525"/>
+                            <a:gd name="connsiteY3" fmla="*/ 0 h 949411"/>
+                            <a:gd name="connsiteX4" fmla="*/ 1060525 w 1060525"/>
+                            <a:gd name="connsiteY4" fmla="*/ 158238 h 949411"/>
+                            <a:gd name="connsiteX5" fmla="*/ 1060525 w 1060525"/>
+                            <a:gd name="connsiteY5" fmla="*/ 462047 h 949411"/>
+                            <a:gd name="connsiteX6" fmla="*/ 1060525 w 1060525"/>
+                            <a:gd name="connsiteY6" fmla="*/ 791173 h 949411"/>
+                            <a:gd name="connsiteX7" fmla="*/ 902287 w 1060525"/>
+                            <a:gd name="connsiteY7" fmla="*/ 949411 h 949411"/>
+                            <a:gd name="connsiteX8" fmla="*/ 545143 w 1060525"/>
+                            <a:gd name="connsiteY8" fmla="*/ 949411 h 949411"/>
+                            <a:gd name="connsiteX9" fmla="*/ 158238 w 1060525"/>
+                            <a:gd name="connsiteY9" fmla="*/ 949411 h 949411"/>
+                            <a:gd name="connsiteX10" fmla="*/ 0 w 1060525"/>
+                            <a:gd name="connsiteY10" fmla="*/ 791173 h 949411"/>
+                            <a:gd name="connsiteX11" fmla="*/ 0 w 1060525"/>
+                            <a:gd name="connsiteY11" fmla="*/ 493694 h 949411"/>
+                            <a:gd name="connsiteX12" fmla="*/ 0 w 1060525"/>
+                            <a:gd name="connsiteY12" fmla="*/ 158238 h 949411"/>
+                          </a:gdLst>
+                          <a:ahLst/>
+                          <a:cxnLst>
+                            <a:cxn ang="0">
+                              <a:pos x="connsiteX0" y="connsiteY0"/>
+                            </a:cxn>
+                            <a:cxn ang="0">
+                              <a:pos x="connsiteX1" y="connsiteY1"/>
+                            </a:cxn>
+                            <a:cxn ang="0">
+                              <a:pos x="connsiteX2" y="connsiteY2"/>
+                            </a:cxn>
+                            <a:cxn ang="0">
+                              <a:pos x="connsiteX3" y="connsiteY3"/>
+                            </a:cxn>
+                            <a:cxn ang="0">
+                              <a:pos x="connsiteX4" y="connsiteY4"/>
+                            </a:cxn>
+                            <a:cxn ang="0">
+                              <a:pos x="connsiteX5" y="connsiteY5"/>
+                            </a:cxn>
+                            <a:cxn ang="0">
+                              <a:pos x="connsiteX6" y="connsiteY6"/>
+                            </a:cxn>
+                            <a:cxn ang="0">
+                              <a:pos x="connsiteX7" y="connsiteY7"/>
+                            </a:cxn>
+                            <a:cxn ang="0">
+                              <a:pos x="connsiteX8" y="connsiteY8"/>
+                            </a:cxn>
+                            <a:cxn ang="0">
+                              <a:pos x="connsiteX9" y="connsiteY9"/>
+                            </a:cxn>
+                            <a:cxn ang="0">
+                              <a:pos x="connsiteX10" y="connsiteY10"/>
+                            </a:cxn>
+                            <a:cxn ang="0">
+                              <a:pos x="connsiteX11" y="connsiteY11"/>
+                            </a:cxn>
+                            <a:cxn ang="0">
+                              <a:pos x="connsiteX12" y="connsiteY12"/>
+                            </a:cxn>
+                          </a:cxnLst>
+                          <a:rect l="l" t="t" r="r" b="b"/>
+                          <a:pathLst>
+                            <a:path w="1060525" h="949411" extrusionOk="0">
+                              <a:moveTo>
+                                <a:pt x="0" y="158238"/>
+                              </a:moveTo>
+                              <a:cubicBezTo>
+                                <a:pt x="-6968" y="66548"/>
+                                <a:pt x="48378" y="8433"/>
+                                <a:pt x="158238" y="0"/>
+                              </a:cubicBezTo>
+                              <a:cubicBezTo>
+                                <a:pt x="349666" y="-16998"/>
+                                <a:pt x="425630" y="45732"/>
+                                <a:pt x="545143" y="0"/>
+                              </a:cubicBezTo>
+                              <a:cubicBezTo>
+                                <a:pt x="664657" y="-45732"/>
+                                <a:pt x="820159" y="12596"/>
+                                <a:pt x="902287" y="0"/>
+                              </a:cubicBezTo>
+                              <a:cubicBezTo>
+                                <a:pt x="971578" y="-9904"/>
+                                <a:pt x="1073159" y="76883"/>
+                                <a:pt x="1060525" y="158238"/>
+                              </a:cubicBezTo>
+                              <a:cubicBezTo>
+                                <a:pt x="1070157" y="289612"/>
+                                <a:pt x="1042806" y="329690"/>
+                                <a:pt x="1060525" y="462047"/>
+                              </a:cubicBezTo>
+                              <a:cubicBezTo>
+                                <a:pt x="1078244" y="594404"/>
+                                <a:pt x="1038376" y="643113"/>
+                                <a:pt x="1060525" y="791173"/>
+                              </a:cubicBezTo>
+                              <a:cubicBezTo>
+                                <a:pt x="1059057" y="864564"/>
+                                <a:pt x="981426" y="960880"/>
+                                <a:pt x="902287" y="949411"/>
+                              </a:cubicBezTo>
+                              <a:cubicBezTo>
+                                <a:pt x="753690" y="960561"/>
+                                <a:pt x="631505" y="915417"/>
+                                <a:pt x="545143" y="949411"/>
+                              </a:cubicBezTo>
+                              <a:cubicBezTo>
+                                <a:pt x="458781" y="983405"/>
+                                <a:pt x="339279" y="911965"/>
+                                <a:pt x="158238" y="949411"/>
+                              </a:cubicBezTo>
+                              <a:cubicBezTo>
+                                <a:pt x="73589" y="953494"/>
+                                <a:pt x="1058" y="889527"/>
+                                <a:pt x="0" y="791173"/>
+                              </a:cubicBezTo>
+                              <a:cubicBezTo>
+                                <a:pt x="-31957" y="731446"/>
+                                <a:pt x="21377" y="595516"/>
+                                <a:pt x="0" y="493694"/>
+                              </a:cubicBezTo>
+                              <a:cubicBezTo>
+                                <a:pt x="-21377" y="391872"/>
+                                <a:pt x="35644" y="296102"/>
+                                <a:pt x="0" y="158238"/>
+                              </a:cubicBezTo>
+                              <a:close/>
+                            </a:path>
+                          </a:pathLst>
+                        </a:custGeom>
+                        <ask:type>
+                          <ask:lineSketchNone/>
+                        </ask:type>
+                      </ask:lineSketchStyleProps>
+                    </a:ext>
+                  </a:extLst>
+                </a:ln>
+              </p:spPr>
+              <p:style>
+                <a:lnRef idx="2">
+                  <a:schemeClr val="accent1">
+                    <a:shade val="50000"/>
+                  </a:schemeClr>
+                </a:lnRef>
+                <a:fillRef idx="1">
+                  <a:schemeClr val="accent1"/>
+                </a:fillRef>
+                <a:effectRef idx="0">
+                  <a:schemeClr val="accent1"/>
+                </a:effectRef>
+                <a:fontRef idx="minor">
+                  <a:schemeClr val="lt1"/>
+                </a:fontRef>
+              </p:style>
+              <p:txBody>
+                <a:bodyPr rtlCol="0" anchor="ctr"/>
+                <a:lstStyle/>
+                <a:p>
+                  <a:pPr marL="0" marR="0" lvl="0" indent="0" algn="ctr" defTabSz="914400" rtl="0" eaLnBrk="1" fontAlgn="auto" latinLnBrk="0" hangingPunct="1">
+                    <a:lnSpc>
+                      <a:spcPct val="100000"/>
+                    </a:lnSpc>
+                    <a:spcBef>
+                      <a:spcPts val="0"/>
+                    </a:spcBef>
+                    <a:spcAft>
+                      <a:spcPts val="0"/>
+                    </a:spcAft>
+                    <a:buClrTx/>
+                    <a:buSzTx/>
+                    <a:buFontTx/>
+                    <a:buNone/>
+                    <a:tabLst/>
+                    <a:defRPr/>
+                  </a:pPr>
+                  <a:endParaRPr kumimoji="0" lang="en-US" sz="1800" b="0" i="0" u="none" strike="noStrike" kern="1200" cap="none" spc="0" normalizeH="0" baseline="0" noProof="0">
+                    <a:ln>
+                      <a:noFill/>
+                    </a:ln>
+                    <a:solidFill>
+                      <a:prstClr val="white"/>
+                    </a:solidFill>
+                    <a:effectLst/>
+                    <a:uLnTx/>
+                    <a:uFillTx/>
+                    <a:latin typeface="Segoe UI"/>
+                    <a:ea typeface="+mn-ea"/>
+                    <a:cs typeface="+mn-cs"/>
+                  </a:endParaRPr>
+                </a:p>
+              </p:txBody>
+            </p:sp>
+            <p:sp>
+              <p:nvSpPr>
+                <p:cNvPr id="142" name="TextBox 141">
+                  <a:extLst>
+                    <a:ext uri="{FF2B5EF4-FFF2-40B4-BE49-F238E27FC236}">
+                      <a16:creationId xmlns:a16="http://schemas.microsoft.com/office/drawing/2014/main" id="{402672C2-765B-4125-B53B-539E79C016C8}"/>
+                    </a:ext>
+                  </a:extLst>
+                </p:cNvPr>
+                <p:cNvSpPr txBox="1"/>
+                <p:nvPr/>
+              </p:nvSpPr>
+              <p:spPr>
+                <a:xfrm>
+                  <a:off x="7385769" y="5392256"/>
+                  <a:ext cx="996097" cy="215444"/>
+                </a:xfrm>
+                <a:prstGeom prst="rect">
+                  <a:avLst/>
+                </a:prstGeom>
+                <a:noFill/>
+              </p:spPr>
+              <p:txBody>
+                <a:bodyPr wrap="square" rtlCol="0">
+                  <a:spAutoFit/>
+                </a:bodyPr>
+                <a:lstStyle/>
+                <a:p>
+                  <a:pPr marL="0" marR="0" lvl="0" indent="0" algn="ctr" defTabSz="914400" rtl="0" eaLnBrk="1" fontAlgn="auto" latinLnBrk="0" hangingPunct="1">
+                    <a:lnSpc>
+                      <a:spcPct val="100000"/>
+                    </a:lnSpc>
+                    <a:spcBef>
+                      <a:spcPts val="0"/>
+                    </a:spcBef>
+                    <a:spcAft>
+                      <a:spcPts val="0"/>
+                    </a:spcAft>
+                    <a:buClrTx/>
+                    <a:buSzTx/>
+                    <a:buFontTx/>
+                    <a:buNone/>
+                    <a:tabLst/>
+                    <a:defRPr/>
+                  </a:pPr>
+                  <a:r>
+                    <a:rPr kumimoji="0" lang="en-US" sz="800" b="0" i="0" u="none" strike="noStrike" kern="1200" cap="none" spc="0" normalizeH="0" baseline="0" noProof="0">
+                      <a:ln>
+                        <a:noFill/>
+                      </a:ln>
+                      <a:solidFill>
+                        <a:prstClr val="black"/>
+                      </a:solidFill>
+                      <a:effectLst/>
+                      <a:uLnTx/>
+                      <a:uFillTx/>
+                      <a:latin typeface="Segoe UI Semibold" panose="020B0702040204020203" pitchFamily="34" charset="0"/>
+                      <a:ea typeface="+mn-ea"/>
+                      <a:cs typeface="Segoe UI Semibold" panose="020B0702040204020203" pitchFamily="34" charset="0"/>
+                    </a:rPr>
+                    <a:t>Log Analytics</a:t>
+                  </a:r>
+                </a:p>
+              </p:txBody>
+            </p:sp>
+          </p:grpSp>
+        </p:grpSp>
+      </p:grpSp>
+      <p:sp>
+        <p:nvSpPr>
+          <p:cNvPr id="82" name="Rectangle 81">
+            <a:extLst>
+              <a:ext uri="{FF2B5EF4-FFF2-40B4-BE49-F238E27FC236}">
+                <a16:creationId xmlns:a16="http://schemas.microsoft.com/office/drawing/2014/main" id="{47DD1B16-F53C-4ECB-BF8F-CB96E74255C0}"/>
+              </a:ext>
+            </a:extLst>
+          </p:cNvPr>
+          <p:cNvSpPr/>
+          <p:nvPr/>
+        </p:nvSpPr>
+        <p:spPr>
+          <a:xfrm>
+            <a:off x="6359548" y="2928391"/>
+            <a:ext cx="4090212" cy="1473020"/>
+          </a:xfrm>
+          <a:prstGeom prst="rect">
+            <a:avLst/>
+          </a:prstGeom>
+          <a:noFill/>
+          <a:ln w="12700" cap="flat" cmpd="sng" algn="ctr">
+            <a:solidFill>
+              <a:schemeClr val="tx2"/>
+            </a:solidFill>
+            <a:prstDash val="dash"/>
+          </a:ln>
+          <a:effectLst/>
+        </p:spPr>
+        <p:txBody>
+          <a:bodyPr rtlCol="0" anchor="ctr"/>
+          <a:lstStyle/>
+          <a:p>
+            <a:pPr marL="0" marR="0" lvl="0" indent="0" algn="ctr" defTabSz="914400" rtl="0" eaLnBrk="1" fontAlgn="auto" latinLnBrk="0" hangingPunct="1">
+              <a:lnSpc>
+                <a:spcPct val="100000"/>
+              </a:lnSpc>
+              <a:spcBef>
+                <a:spcPts val="0"/>
+              </a:spcBef>
+              <a:spcAft>
+                <a:spcPts val="0"/>
+              </a:spcAft>
+              <a:buClrTx/>
+              <a:buSzTx/>
+              <a:buFontTx/>
+              <a:buNone/>
+              <a:tabLst/>
+              <a:defRPr/>
+            </a:pPr>
+            <a:endParaRPr kumimoji="0" lang="en-US" sz="1400" b="0" i="0" u="none" strike="noStrike" kern="0" cap="none" spc="0" normalizeH="0" baseline="0" noProof="0">
+              <a:ln>
+                <a:noFill/>
+              </a:ln>
+              <a:solidFill>
+                <a:srgbClr val="000000"/>
+              </a:solidFill>
+              <a:effectLst/>
+              <a:uLnTx/>
+              <a:uFillTx/>
+              <a:latin typeface="Segoe UI"/>
+              <a:ea typeface="+mn-ea"/>
+              <a:cs typeface="+mn-cs"/>
+            </a:endParaRPr>
+          </a:p>
+        </p:txBody>
+      </p:sp>
+      <p:sp>
+        <p:nvSpPr>
+          <p:cNvPr id="83" name="Rectangle 82">
+            <a:extLst>
+              <a:ext uri="{FF2B5EF4-FFF2-40B4-BE49-F238E27FC236}">
+                <a16:creationId xmlns:a16="http://schemas.microsoft.com/office/drawing/2014/main" id="{1C77BEAF-76F9-4E01-9198-B7092A22A121}"/>
+              </a:ext>
+            </a:extLst>
+          </p:cNvPr>
+          <p:cNvSpPr/>
+          <p:nvPr/>
+        </p:nvSpPr>
+        <p:spPr>
+          <a:xfrm>
+            <a:off x="6359548" y="2931647"/>
+            <a:ext cx="2727122" cy="246221"/>
+          </a:xfrm>
+          <a:prstGeom prst="rect">
+            <a:avLst/>
+          </a:prstGeom>
+        </p:spPr>
+        <p:txBody>
+          <a:bodyPr wrap="square">
+            <a:spAutoFit/>
+          </a:bodyPr>
+          <a:lstStyle/>
+          <a:p>
+            <a:pPr marL="0" marR="0" lvl="0" indent="0" algn="l" defTabSz="914400" rtl="0" eaLnBrk="1" fontAlgn="auto" latinLnBrk="0" hangingPunct="1">
+              <a:lnSpc>
+                <a:spcPct val="100000"/>
+              </a:lnSpc>
+              <a:spcBef>
+                <a:spcPts val="0"/>
+              </a:spcBef>
+              <a:spcAft>
+                <a:spcPts val="0"/>
+              </a:spcAft>
+              <a:buClrTx/>
+              <a:buSzTx/>
+              <a:buFontTx/>
+              <a:buNone/>
+              <a:tabLst/>
+              <a:defRPr/>
+            </a:pPr>
+            <a:r>
+              <a:rPr kumimoji="0" lang="en-US" sz="1000" b="0" i="0" u="none" strike="noStrike" kern="0" cap="none" spc="0" normalizeH="0" baseline="0" noProof="0" dirty="0">
+                <a:ln>
+                  <a:noFill/>
+                </a:ln>
+                <a:solidFill>
+                  <a:srgbClr val="44546A"/>
+                </a:solidFill>
+                <a:effectLst/>
+                <a:uLnTx/>
+                <a:uFillTx/>
+                <a:latin typeface="Segoe UI"/>
+                <a:ea typeface="+mn-ea"/>
+                <a:cs typeface="+mn-cs"/>
+              </a:rPr>
+              <a:t>Azure Platform</a:t>
+            </a:r>
+          </a:p>
+        </p:txBody>
+      </p:sp>
+      <p:grpSp>
+        <p:nvGrpSpPr>
+          <p:cNvPr id="4" name="Group 3">
+            <a:extLst>
+              <a:ext uri="{FF2B5EF4-FFF2-40B4-BE49-F238E27FC236}">
+                <a16:creationId xmlns:a16="http://schemas.microsoft.com/office/drawing/2014/main" id="{75836325-C366-45DA-A05D-C04260592948}"/>
+              </a:ext>
+            </a:extLst>
+          </p:cNvPr>
+          <p:cNvGrpSpPr/>
+          <p:nvPr/>
+        </p:nvGrpSpPr>
+        <p:grpSpPr>
+          <a:xfrm>
+            <a:off x="9033234" y="3263927"/>
+            <a:ext cx="1111825" cy="951707"/>
+            <a:chOff x="6540291" y="3263927"/>
+            <a:chExt cx="1111825" cy="951707"/>
+          </a:xfrm>
+        </p:grpSpPr>
+        <p:pic>
+          <p:nvPicPr>
+            <p:cNvPr id="2" name="Graphic 1">
+              <a:extLst>
+                <a:ext uri="{FF2B5EF4-FFF2-40B4-BE49-F238E27FC236}">
+                  <a16:creationId xmlns:a16="http://schemas.microsoft.com/office/drawing/2014/main" id="{70CA4B38-6EFD-4563-8DD7-8E8CDAA3E368}"/>
+                </a:ext>
+              </a:extLst>
+            </p:cNvPr>
+            <p:cNvPicPr>
+              <a:picLocks noChangeAspect="1"/>
+            </p:cNvPicPr>
+            <p:nvPr/>
+          </p:nvPicPr>
+          <p:blipFill>
+            <a:blip r:embed="rId4">
+              <a:extLst>
+                <a:ext uri="{28A0092B-C50C-407E-A947-70E740481C1C}">
+                  <a14:useLocalDpi xmlns:a14="http://schemas.microsoft.com/office/drawing/2010/main" val="0"/>
+                </a:ext>
+                <a:ext uri="{96DAC541-7B7A-43D3-8B79-37D633B846F1}">
+                  <asvg:svgBlip xmlns:asvg="http://schemas.microsoft.com/office/drawing/2016/SVG/main" r:embed="rId5"/>
+                </a:ext>
+              </a:extLst>
+            </a:blip>
+            <a:stretch>
+              <a:fillRect/>
+            </a:stretch>
+          </p:blipFill>
+          <p:spPr>
+            <a:xfrm>
+              <a:off x="6970918" y="3739105"/>
+              <a:ext cx="250570" cy="250570"/>
+            </a:xfrm>
+            <a:prstGeom prst="rect">
+              <a:avLst/>
+            </a:prstGeom>
+          </p:spPr>
+        </p:pic>
+        <p:grpSp>
+          <p:nvGrpSpPr>
+            <p:cNvPr id="93" name="Group 92">
+              <a:extLst>
+                <a:ext uri="{FF2B5EF4-FFF2-40B4-BE49-F238E27FC236}">
+                  <a16:creationId xmlns:a16="http://schemas.microsoft.com/office/drawing/2014/main" id="{B6FEC48A-93AC-4151-9BF0-24CD782C9F69}"/>
+                </a:ext>
+              </a:extLst>
+            </p:cNvPr>
+            <p:cNvGrpSpPr/>
+            <p:nvPr/>
+          </p:nvGrpSpPr>
+          <p:grpSpPr>
+            <a:xfrm>
+              <a:off x="6540291" y="3263927"/>
+              <a:ext cx="1111825" cy="951707"/>
+              <a:chOff x="2445765" y="2365496"/>
+              <a:chExt cx="1111825" cy="951707"/>
+            </a:xfrm>
+          </p:grpSpPr>
+          <p:sp>
+            <p:nvSpPr>
+              <p:cNvPr id="94" name="TextBox 93">
+                <a:extLst>
+                  <a:ext uri="{FF2B5EF4-FFF2-40B4-BE49-F238E27FC236}">
+                    <a16:creationId xmlns:a16="http://schemas.microsoft.com/office/drawing/2014/main" id="{85EA3550-73CE-4903-88BB-C3128F90F95E}"/>
+                  </a:ext>
+                </a:extLst>
+              </p:cNvPr>
+              <p:cNvSpPr txBox="1"/>
+              <p:nvPr/>
+            </p:nvSpPr>
+            <p:spPr>
+              <a:xfrm>
+                <a:off x="2445765" y="2365496"/>
+                <a:ext cx="1111825" cy="215444"/>
+              </a:xfrm>
+              <a:prstGeom prst="rect">
+                <a:avLst/>
+              </a:prstGeom>
+              <a:noFill/>
+            </p:spPr>
+            <p:txBody>
+              <a:bodyPr wrap="square" rtlCol="0">
+                <a:spAutoFit/>
+              </a:bodyPr>
+              <a:lstStyle/>
+              <a:p>
+                <a:pPr marL="0" marR="0" lvl="0" indent="0" algn="ctr" defTabSz="914400" rtl="0" eaLnBrk="1" fontAlgn="auto" latinLnBrk="0" hangingPunct="1">
+                  <a:lnSpc>
+                    <a:spcPct val="100000"/>
+                  </a:lnSpc>
+                  <a:spcBef>
+                    <a:spcPts val="0"/>
+                  </a:spcBef>
+                  <a:spcAft>
+                    <a:spcPts val="0"/>
+                  </a:spcAft>
+                  <a:buClrTx/>
+                  <a:buSzTx/>
+                  <a:buFontTx/>
+                  <a:buNone/>
+                  <a:tabLst/>
+                  <a:defRPr/>
+                </a:pPr>
+                <a:r>
+                  <a:rPr kumimoji="0" lang="en-US" sz="800" b="0" i="0" u="none" strike="noStrike" kern="1200" cap="none" spc="0" normalizeH="0" baseline="0" noProof="0" dirty="0">
+                    <a:ln>
+                      <a:noFill/>
+                    </a:ln>
+                    <a:solidFill>
+                      <a:srgbClr val="4472C4"/>
+                    </a:solidFill>
+                    <a:effectLst/>
+                    <a:uLnTx/>
+                    <a:uFillTx/>
+                    <a:latin typeface="Segoe UI Semibold" panose="020B0702040204020203" pitchFamily="34" charset="0"/>
+                    <a:ea typeface="+mn-ea"/>
+                    <a:cs typeface="Segoe UI Semibold" panose="020B0702040204020203" pitchFamily="34" charset="0"/>
+                  </a:rPr>
+                  <a:t>Synapse Analytics</a:t>
+                </a:r>
+              </a:p>
+            </p:txBody>
+          </p:sp>
+          <p:grpSp>
+            <p:nvGrpSpPr>
+              <p:cNvPr id="96" name="Group 95">
+                <a:extLst>
+                  <a:ext uri="{FF2B5EF4-FFF2-40B4-BE49-F238E27FC236}">
+                    <a16:creationId xmlns:a16="http://schemas.microsoft.com/office/drawing/2014/main" id="{46A625BC-46A8-412A-AB5C-6B049A2251E0}"/>
+                  </a:ext>
+                </a:extLst>
+              </p:cNvPr>
+              <p:cNvGrpSpPr/>
+              <p:nvPr/>
+            </p:nvGrpSpPr>
+            <p:grpSpPr>
+              <a:xfrm>
+                <a:off x="2508382" y="2713159"/>
+                <a:ext cx="996097" cy="604044"/>
+                <a:chOff x="7385769" y="5017807"/>
+                <a:chExt cx="996097" cy="604044"/>
+              </a:xfrm>
+            </p:grpSpPr>
+            <p:sp>
+              <p:nvSpPr>
+                <p:cNvPr id="98" name="Rectangle: Rounded Corners 198">
+                  <a:extLst>
+                    <a:ext uri="{FF2B5EF4-FFF2-40B4-BE49-F238E27FC236}">
+                      <a16:creationId xmlns:a16="http://schemas.microsoft.com/office/drawing/2014/main" id="{BB467219-1D79-4283-B1EA-7B398442A359}"/>
+                    </a:ext>
+                  </a:extLst>
+                </p:cNvPr>
+                <p:cNvSpPr/>
+                <p:nvPr/>
+              </p:nvSpPr>
+              <p:spPr>
+                <a:xfrm>
+                  <a:off x="7424037" y="5017807"/>
+                  <a:ext cx="919560" cy="604044"/>
+                </a:xfrm>
+                <a:prstGeom prst="roundRect">
+                  <a:avLst/>
+                </a:prstGeom>
+                <a:noFill/>
+                <a:ln>
+                  <a:solidFill>
+                    <a:srgbClr val="0070C0"/>
+                  </a:solidFill>
+                  <a:prstDash val="sysDot"/>
+                  <a:extLst>
+                    <a:ext uri="{C807C97D-BFC1-408E-A445-0C87EB9F89A2}">
+                      <ask:lineSketchStyleProps xmlns:ask="http://schemas.microsoft.com/office/drawing/2018/sketchyshapes" sd="1219033472">
+                        <a:custGeom>
+                          <a:avLst/>
+                          <a:gdLst>
+                            <a:gd name="connsiteX0" fmla="*/ 0 w 1060525"/>
+                            <a:gd name="connsiteY0" fmla="*/ 158238 h 949411"/>
+                            <a:gd name="connsiteX1" fmla="*/ 158238 w 1060525"/>
+                            <a:gd name="connsiteY1" fmla="*/ 0 h 949411"/>
+                            <a:gd name="connsiteX2" fmla="*/ 545143 w 1060525"/>
+                            <a:gd name="connsiteY2" fmla="*/ 0 h 949411"/>
+                            <a:gd name="connsiteX3" fmla="*/ 902287 w 1060525"/>
+                            <a:gd name="connsiteY3" fmla="*/ 0 h 949411"/>
+                            <a:gd name="connsiteX4" fmla="*/ 1060525 w 1060525"/>
+                            <a:gd name="connsiteY4" fmla="*/ 158238 h 949411"/>
+                            <a:gd name="connsiteX5" fmla="*/ 1060525 w 1060525"/>
+                            <a:gd name="connsiteY5" fmla="*/ 462047 h 949411"/>
+                            <a:gd name="connsiteX6" fmla="*/ 1060525 w 1060525"/>
+                            <a:gd name="connsiteY6" fmla="*/ 791173 h 949411"/>
+                            <a:gd name="connsiteX7" fmla="*/ 902287 w 1060525"/>
+                            <a:gd name="connsiteY7" fmla="*/ 949411 h 949411"/>
+                            <a:gd name="connsiteX8" fmla="*/ 545143 w 1060525"/>
+                            <a:gd name="connsiteY8" fmla="*/ 949411 h 949411"/>
+                            <a:gd name="connsiteX9" fmla="*/ 158238 w 1060525"/>
+                            <a:gd name="connsiteY9" fmla="*/ 949411 h 949411"/>
+                            <a:gd name="connsiteX10" fmla="*/ 0 w 1060525"/>
+                            <a:gd name="connsiteY10" fmla="*/ 791173 h 949411"/>
+                            <a:gd name="connsiteX11" fmla="*/ 0 w 1060525"/>
+                            <a:gd name="connsiteY11" fmla="*/ 493694 h 949411"/>
+                            <a:gd name="connsiteX12" fmla="*/ 0 w 1060525"/>
+                            <a:gd name="connsiteY12" fmla="*/ 158238 h 949411"/>
+                          </a:gdLst>
+                          <a:ahLst/>
+                          <a:cxnLst>
+                            <a:cxn ang="0">
+                              <a:pos x="connsiteX0" y="connsiteY0"/>
+                            </a:cxn>
+                            <a:cxn ang="0">
+                              <a:pos x="connsiteX1" y="connsiteY1"/>
+                            </a:cxn>
+                            <a:cxn ang="0">
+                              <a:pos x="connsiteX2" y="connsiteY2"/>
+                            </a:cxn>
+                            <a:cxn ang="0">
+                              <a:pos x="connsiteX3" y="connsiteY3"/>
+                            </a:cxn>
+                            <a:cxn ang="0">
+                              <a:pos x="connsiteX4" y="connsiteY4"/>
+                            </a:cxn>
+                            <a:cxn ang="0">
+                              <a:pos x="connsiteX5" y="connsiteY5"/>
+                            </a:cxn>
+                            <a:cxn ang="0">
+                              <a:pos x="connsiteX6" y="connsiteY6"/>
+                            </a:cxn>
+                            <a:cxn ang="0">
+                              <a:pos x="connsiteX7" y="connsiteY7"/>
+                            </a:cxn>
+                            <a:cxn ang="0">
+                              <a:pos x="connsiteX8" y="connsiteY8"/>
+                            </a:cxn>
+                            <a:cxn ang="0">
+                              <a:pos x="connsiteX9" y="connsiteY9"/>
+                            </a:cxn>
+                            <a:cxn ang="0">
+                              <a:pos x="connsiteX10" y="connsiteY10"/>
+                            </a:cxn>
+                            <a:cxn ang="0">
+                              <a:pos x="connsiteX11" y="connsiteY11"/>
+                            </a:cxn>
+                            <a:cxn ang="0">
+                              <a:pos x="connsiteX12" y="connsiteY12"/>
+                            </a:cxn>
+                          </a:cxnLst>
+                          <a:rect l="l" t="t" r="r" b="b"/>
+                          <a:pathLst>
+                            <a:path w="1060525" h="949411" extrusionOk="0">
+                              <a:moveTo>
+                                <a:pt x="0" y="158238"/>
+                              </a:moveTo>
+                              <a:cubicBezTo>
+                                <a:pt x="-6968" y="66548"/>
+                                <a:pt x="48378" y="8433"/>
+                                <a:pt x="158238" y="0"/>
+                              </a:cubicBezTo>
+                              <a:cubicBezTo>
+                                <a:pt x="349666" y="-16998"/>
+                                <a:pt x="425630" y="45732"/>
+                                <a:pt x="545143" y="0"/>
+                              </a:cubicBezTo>
+                              <a:cubicBezTo>
+                                <a:pt x="664657" y="-45732"/>
+                                <a:pt x="820159" y="12596"/>
+                                <a:pt x="902287" y="0"/>
+                              </a:cubicBezTo>
+                              <a:cubicBezTo>
+                                <a:pt x="971578" y="-9904"/>
+                                <a:pt x="1073159" y="76883"/>
+                                <a:pt x="1060525" y="158238"/>
+                              </a:cubicBezTo>
+                              <a:cubicBezTo>
+                                <a:pt x="1070157" y="289612"/>
+                                <a:pt x="1042806" y="329690"/>
+                                <a:pt x="1060525" y="462047"/>
+                              </a:cubicBezTo>
+                              <a:cubicBezTo>
+                                <a:pt x="1078244" y="594404"/>
+                                <a:pt x="1038376" y="643113"/>
+                                <a:pt x="1060525" y="791173"/>
+                              </a:cubicBezTo>
+                              <a:cubicBezTo>
+                                <a:pt x="1059057" y="864564"/>
+                                <a:pt x="981426" y="960880"/>
+                                <a:pt x="902287" y="949411"/>
+                              </a:cubicBezTo>
+                              <a:cubicBezTo>
+                                <a:pt x="753690" y="960561"/>
+                                <a:pt x="631505" y="915417"/>
+                                <a:pt x="545143" y="949411"/>
+                              </a:cubicBezTo>
+                              <a:cubicBezTo>
+                                <a:pt x="458781" y="983405"/>
+                                <a:pt x="339279" y="911965"/>
+                                <a:pt x="158238" y="949411"/>
+                              </a:cubicBezTo>
+                              <a:cubicBezTo>
+                                <a:pt x="73589" y="953494"/>
+                                <a:pt x="1058" y="889527"/>
+                                <a:pt x="0" y="791173"/>
+                              </a:cubicBezTo>
+                              <a:cubicBezTo>
+                                <a:pt x="-31957" y="731446"/>
+                                <a:pt x="21377" y="595516"/>
+                                <a:pt x="0" y="493694"/>
+                              </a:cubicBezTo>
+                              <a:cubicBezTo>
+                                <a:pt x="-21377" y="391872"/>
+                                <a:pt x="35644" y="296102"/>
+                                <a:pt x="0" y="158238"/>
+                              </a:cubicBezTo>
+                              <a:close/>
+                            </a:path>
+                          </a:pathLst>
+                        </a:custGeom>
+                        <ask:type>
+                          <ask:lineSketchNone/>
+                        </ask:type>
+                      </ask:lineSketchStyleProps>
+                    </a:ext>
+                  </a:extLst>
+                </a:ln>
+              </p:spPr>
+              <p:style>
+                <a:lnRef idx="2">
+                  <a:schemeClr val="accent1">
+                    <a:shade val="50000"/>
+                  </a:schemeClr>
+                </a:lnRef>
+                <a:fillRef idx="1">
+                  <a:schemeClr val="accent1"/>
+                </a:fillRef>
+                <a:effectRef idx="0">
+                  <a:schemeClr val="accent1"/>
+                </a:effectRef>
+                <a:fontRef idx="minor">
+                  <a:schemeClr val="lt1"/>
+                </a:fontRef>
+              </p:style>
+              <p:txBody>
+                <a:bodyPr rtlCol="0" anchor="ctr"/>
+                <a:lstStyle/>
+                <a:p>
+                  <a:pPr marL="0" marR="0" lvl="0" indent="0" algn="ctr" defTabSz="914400" rtl="0" eaLnBrk="1" fontAlgn="auto" latinLnBrk="0" hangingPunct="1">
+                    <a:lnSpc>
+                      <a:spcPct val="100000"/>
+                    </a:lnSpc>
+                    <a:spcBef>
+                      <a:spcPts val="0"/>
+                    </a:spcBef>
+                    <a:spcAft>
+                      <a:spcPts val="0"/>
+                    </a:spcAft>
+                    <a:buClrTx/>
+                    <a:buSzTx/>
+                    <a:buFontTx/>
+                    <a:buNone/>
+                    <a:tabLst/>
+                    <a:defRPr/>
+                  </a:pPr>
+                  <a:endParaRPr kumimoji="0" lang="en-US" sz="1800" b="0" i="0" u="none" strike="noStrike" kern="1200" cap="none" spc="0" normalizeH="0" baseline="0" noProof="0">
+                    <a:ln>
+                      <a:noFill/>
+                    </a:ln>
+                    <a:solidFill>
+                      <a:prstClr val="white"/>
+                    </a:solidFill>
+                    <a:effectLst/>
+                    <a:uLnTx/>
+                    <a:uFillTx/>
+                    <a:latin typeface="Segoe UI"/>
+                    <a:ea typeface="+mn-ea"/>
+                    <a:cs typeface="+mn-cs"/>
+                  </a:endParaRPr>
+                </a:p>
+              </p:txBody>
+            </p:sp>
+            <p:sp>
+              <p:nvSpPr>
+                <p:cNvPr id="99" name="TextBox 98">
+                  <a:extLst>
+                    <a:ext uri="{FF2B5EF4-FFF2-40B4-BE49-F238E27FC236}">
+                      <a16:creationId xmlns:a16="http://schemas.microsoft.com/office/drawing/2014/main" id="{22B8F9CE-7E60-4B6A-B964-5FEC22EAF324}"/>
+                    </a:ext>
+                  </a:extLst>
+                </p:cNvPr>
+                <p:cNvSpPr txBox="1"/>
+                <p:nvPr/>
+              </p:nvSpPr>
+              <p:spPr>
+                <a:xfrm>
+                  <a:off x="7385769" y="5392256"/>
+                  <a:ext cx="996097" cy="215444"/>
+                </a:xfrm>
+                <a:prstGeom prst="rect">
+                  <a:avLst/>
+                </a:prstGeom>
+                <a:noFill/>
+              </p:spPr>
+              <p:txBody>
+                <a:bodyPr wrap="square" rtlCol="0">
+                  <a:spAutoFit/>
+                </a:bodyPr>
+                <a:lstStyle/>
+                <a:p>
+                  <a:pPr marL="0" marR="0" lvl="0" indent="0" algn="ctr" defTabSz="914400" rtl="0" eaLnBrk="1" fontAlgn="auto" latinLnBrk="0" hangingPunct="1">
+                    <a:lnSpc>
+                      <a:spcPct val="100000"/>
+                    </a:lnSpc>
+                    <a:spcBef>
+                      <a:spcPts val="0"/>
+                    </a:spcBef>
+                    <a:spcAft>
+                      <a:spcPts val="0"/>
+                    </a:spcAft>
+                    <a:buClrTx/>
+                    <a:buSzTx/>
+                    <a:buFontTx/>
+                    <a:buNone/>
+                    <a:tabLst/>
+                    <a:defRPr/>
+                  </a:pPr>
+                  <a:r>
+                    <a:rPr kumimoji="0" lang="en-US" sz="800" b="0" i="0" u="none" strike="noStrike" kern="1200" cap="none" spc="0" normalizeH="0" baseline="0" noProof="0" dirty="0">
+                      <a:ln>
+                        <a:noFill/>
+                      </a:ln>
+                      <a:solidFill>
+                        <a:prstClr val="black"/>
+                      </a:solidFill>
+                      <a:effectLst/>
+                      <a:uLnTx/>
+                      <a:uFillTx/>
+                      <a:latin typeface="Segoe UI Semibold" panose="020B0702040204020203" pitchFamily="34" charset="0"/>
+                      <a:ea typeface="+mn-ea"/>
+                      <a:cs typeface="Segoe UI Semibold" panose="020B0702040204020203" pitchFamily="34" charset="0"/>
+                    </a:rPr>
+                    <a:t>Synapse</a:t>
+                  </a:r>
+                </a:p>
+              </p:txBody>
+            </p:sp>
+          </p:grpSp>
+        </p:grpSp>
+      </p:grpSp>
+      <p:grpSp>
+        <p:nvGrpSpPr>
+          <p:cNvPr id="76" name="Group 75">
+            <a:extLst>
+              <a:ext uri="{FF2B5EF4-FFF2-40B4-BE49-F238E27FC236}">
+                <a16:creationId xmlns:a16="http://schemas.microsoft.com/office/drawing/2014/main" id="{0EBB20FE-EEF9-40A9-AB9B-BD6BBEC5B319}"/>
+              </a:ext>
+            </a:extLst>
+          </p:cNvPr>
+          <p:cNvGrpSpPr/>
+          <p:nvPr/>
+        </p:nvGrpSpPr>
+        <p:grpSpPr>
+          <a:xfrm>
+            <a:off x="7868514" y="3263927"/>
+            <a:ext cx="1111825" cy="951707"/>
+            <a:chOff x="2445765" y="2365496"/>
+            <a:chExt cx="1111825" cy="951707"/>
+          </a:xfrm>
+        </p:grpSpPr>
+        <p:sp>
+          <p:nvSpPr>
+            <p:cNvPr id="77" name="TextBox 76">
+              <a:extLst>
+                <a:ext uri="{FF2B5EF4-FFF2-40B4-BE49-F238E27FC236}">
+                  <a16:creationId xmlns:a16="http://schemas.microsoft.com/office/drawing/2014/main" id="{9DED77F6-1B96-42A3-9F8C-0B8EEEBF76AC}"/>
+                </a:ext>
+              </a:extLst>
+            </p:cNvPr>
+            <p:cNvSpPr txBox="1"/>
+            <p:nvPr/>
+          </p:nvSpPr>
+          <p:spPr>
+            <a:xfrm>
+              <a:off x="2445765" y="2365496"/>
+              <a:ext cx="1111825" cy="215444"/>
+            </a:xfrm>
+            <a:prstGeom prst="rect">
+              <a:avLst/>
+            </a:prstGeom>
+            <a:noFill/>
+          </p:spPr>
+          <p:txBody>
+            <a:bodyPr wrap="square" rtlCol="0">
+              <a:spAutoFit/>
+            </a:bodyPr>
+            <a:lstStyle/>
+            <a:p>
+              <a:pPr marL="0" marR="0" lvl="0" indent="0" algn="ctr" defTabSz="914400" rtl="0" eaLnBrk="1" fontAlgn="auto" latinLnBrk="0" hangingPunct="1">
+                <a:lnSpc>
+                  <a:spcPct val="100000"/>
+                </a:lnSpc>
+                <a:spcBef>
+                  <a:spcPts val="0"/>
+                </a:spcBef>
+                <a:spcAft>
+                  <a:spcPts val="0"/>
+                </a:spcAft>
+                <a:buClrTx/>
+                <a:buSzTx/>
+                <a:buFontTx/>
+                <a:buNone/>
+                <a:tabLst/>
+                <a:defRPr/>
+              </a:pPr>
+              <a:r>
+                <a:rPr kumimoji="0" lang="en-US" sz="800" b="0" i="0" u="none" strike="noStrike" kern="1200" cap="none" spc="0" normalizeH="0" baseline="0" noProof="0" dirty="0">
+                  <a:ln>
+                    <a:noFill/>
+                  </a:ln>
+                  <a:solidFill>
+                    <a:srgbClr val="4472C4"/>
+                  </a:solidFill>
+                  <a:effectLst/>
+                  <a:uLnTx/>
+                  <a:uFillTx/>
+                  <a:latin typeface="Segoe UI Semibold" panose="020B0702040204020203" pitchFamily="34" charset="0"/>
+                  <a:ea typeface="+mn-ea"/>
+                  <a:cs typeface="Segoe UI Semibold" panose="020B0702040204020203" pitchFamily="34" charset="0"/>
+                </a:rPr>
+                <a:t>Storage</a:t>
+              </a:r>
+            </a:p>
+          </p:txBody>
+        </p:sp>
+        <p:grpSp>
+          <p:nvGrpSpPr>
+            <p:cNvPr id="78" name="Group 77">
+              <a:extLst>
+                <a:ext uri="{FF2B5EF4-FFF2-40B4-BE49-F238E27FC236}">
+                  <a16:creationId xmlns:a16="http://schemas.microsoft.com/office/drawing/2014/main" id="{0BC4773F-FD7F-472E-9C01-DF5D29055AA5}"/>
+                </a:ext>
+              </a:extLst>
+            </p:cNvPr>
+            <p:cNvGrpSpPr/>
+            <p:nvPr/>
+          </p:nvGrpSpPr>
+          <p:grpSpPr>
+            <a:xfrm>
+              <a:off x="2508382" y="2713159"/>
+              <a:ext cx="996097" cy="604044"/>
+              <a:chOff x="5160092" y="1319839"/>
+              <a:chExt cx="996097" cy="604044"/>
+            </a:xfrm>
+          </p:grpSpPr>
+          <p:grpSp>
+            <p:nvGrpSpPr>
+              <p:cNvPr id="79" name="Group 78">
+                <a:extLst>
+                  <a:ext uri="{FF2B5EF4-FFF2-40B4-BE49-F238E27FC236}">
+                    <a16:creationId xmlns:a16="http://schemas.microsoft.com/office/drawing/2014/main" id="{0BFDC0DF-9475-4D2D-970B-0F1DBFD7A602}"/>
+                  </a:ext>
+                </a:extLst>
+              </p:cNvPr>
+              <p:cNvGrpSpPr/>
+              <p:nvPr/>
+            </p:nvGrpSpPr>
+            <p:grpSpPr>
+              <a:xfrm>
+                <a:off x="5160092" y="1319839"/>
+                <a:ext cx="996097" cy="604044"/>
+                <a:chOff x="7385769" y="5017807"/>
+                <a:chExt cx="996097" cy="604044"/>
+              </a:xfrm>
+            </p:grpSpPr>
+            <p:sp>
+              <p:nvSpPr>
+                <p:cNvPr id="81" name="Rectangle: Rounded Corners 198">
+                  <a:extLst>
+                    <a:ext uri="{FF2B5EF4-FFF2-40B4-BE49-F238E27FC236}">
+                      <a16:creationId xmlns:a16="http://schemas.microsoft.com/office/drawing/2014/main" id="{C9CAD5C0-7036-4A51-831C-D525E5C3FAC3}"/>
+                    </a:ext>
+                  </a:extLst>
+                </p:cNvPr>
+                <p:cNvSpPr/>
+                <p:nvPr/>
+              </p:nvSpPr>
+              <p:spPr>
+                <a:xfrm>
+                  <a:off x="7424037" y="5017807"/>
+                  <a:ext cx="919560" cy="604044"/>
+                </a:xfrm>
+                <a:prstGeom prst="roundRect">
+                  <a:avLst/>
+                </a:prstGeom>
+                <a:noFill/>
+                <a:ln>
+                  <a:solidFill>
+                    <a:srgbClr val="0070C0"/>
+                  </a:solidFill>
+                  <a:prstDash val="sysDot"/>
+                  <a:extLst>
+                    <a:ext uri="{C807C97D-BFC1-408E-A445-0C87EB9F89A2}">
+                      <ask:lineSketchStyleProps xmlns:ask="http://schemas.microsoft.com/office/drawing/2018/sketchyshapes" sd="1219033472">
+                        <a:custGeom>
+                          <a:avLst/>
+                          <a:gdLst>
+                            <a:gd name="connsiteX0" fmla="*/ 0 w 1060525"/>
+                            <a:gd name="connsiteY0" fmla="*/ 158238 h 949411"/>
+                            <a:gd name="connsiteX1" fmla="*/ 158238 w 1060525"/>
+                            <a:gd name="connsiteY1" fmla="*/ 0 h 949411"/>
+                            <a:gd name="connsiteX2" fmla="*/ 545143 w 1060525"/>
+                            <a:gd name="connsiteY2" fmla="*/ 0 h 949411"/>
+                            <a:gd name="connsiteX3" fmla="*/ 902287 w 1060525"/>
+                            <a:gd name="connsiteY3" fmla="*/ 0 h 949411"/>
+                            <a:gd name="connsiteX4" fmla="*/ 1060525 w 1060525"/>
+                            <a:gd name="connsiteY4" fmla="*/ 158238 h 949411"/>
+                            <a:gd name="connsiteX5" fmla="*/ 1060525 w 1060525"/>
+                            <a:gd name="connsiteY5" fmla="*/ 462047 h 949411"/>
+                            <a:gd name="connsiteX6" fmla="*/ 1060525 w 1060525"/>
+                            <a:gd name="connsiteY6" fmla="*/ 791173 h 949411"/>
+                            <a:gd name="connsiteX7" fmla="*/ 902287 w 1060525"/>
+                            <a:gd name="connsiteY7" fmla="*/ 949411 h 949411"/>
+                            <a:gd name="connsiteX8" fmla="*/ 545143 w 1060525"/>
+                            <a:gd name="connsiteY8" fmla="*/ 949411 h 949411"/>
+                            <a:gd name="connsiteX9" fmla="*/ 158238 w 1060525"/>
+                            <a:gd name="connsiteY9" fmla="*/ 949411 h 949411"/>
+                            <a:gd name="connsiteX10" fmla="*/ 0 w 1060525"/>
+                            <a:gd name="connsiteY10" fmla="*/ 791173 h 949411"/>
+                            <a:gd name="connsiteX11" fmla="*/ 0 w 1060525"/>
+                            <a:gd name="connsiteY11" fmla="*/ 493694 h 949411"/>
+                            <a:gd name="connsiteX12" fmla="*/ 0 w 1060525"/>
+                            <a:gd name="connsiteY12" fmla="*/ 158238 h 949411"/>
+                          </a:gdLst>
+                          <a:ahLst/>
+                          <a:cxnLst>
+                            <a:cxn ang="0">
+                              <a:pos x="connsiteX0" y="connsiteY0"/>
+                            </a:cxn>
+                            <a:cxn ang="0">
+                              <a:pos x="connsiteX1" y="connsiteY1"/>
+                            </a:cxn>
+                            <a:cxn ang="0">
+                              <a:pos x="connsiteX2" y="connsiteY2"/>
+                            </a:cxn>
+                            <a:cxn ang="0">
+                              <a:pos x="connsiteX3" y="connsiteY3"/>
+                            </a:cxn>
+                            <a:cxn ang="0">
+                              <a:pos x="connsiteX4" y="connsiteY4"/>
+                            </a:cxn>
+                            <a:cxn ang="0">
+                              <a:pos x="connsiteX5" y="connsiteY5"/>
+                            </a:cxn>
+                            <a:cxn ang="0">
+                              <a:pos x="connsiteX6" y="connsiteY6"/>
+                            </a:cxn>
+                            <a:cxn ang="0">
+                              <a:pos x="connsiteX7" y="connsiteY7"/>
+                            </a:cxn>
+                            <a:cxn ang="0">
+                              <a:pos x="connsiteX8" y="connsiteY8"/>
+                            </a:cxn>
+                            <a:cxn ang="0">
+                              <a:pos x="connsiteX9" y="connsiteY9"/>
+                            </a:cxn>
+                            <a:cxn ang="0">
+                              <a:pos x="connsiteX10" y="connsiteY10"/>
+                            </a:cxn>
+                            <a:cxn ang="0">
+                              <a:pos x="connsiteX11" y="connsiteY11"/>
+                            </a:cxn>
+                            <a:cxn ang="0">
+                              <a:pos x="connsiteX12" y="connsiteY12"/>
+                            </a:cxn>
+                          </a:cxnLst>
+                          <a:rect l="l" t="t" r="r" b="b"/>
+                          <a:pathLst>
+                            <a:path w="1060525" h="949411" extrusionOk="0">
+                              <a:moveTo>
+                                <a:pt x="0" y="158238"/>
+                              </a:moveTo>
+                              <a:cubicBezTo>
+                                <a:pt x="-6968" y="66548"/>
+                                <a:pt x="48378" y="8433"/>
+                                <a:pt x="158238" y="0"/>
+                              </a:cubicBezTo>
+                              <a:cubicBezTo>
+                                <a:pt x="349666" y="-16998"/>
+                                <a:pt x="425630" y="45732"/>
+                                <a:pt x="545143" y="0"/>
+                              </a:cubicBezTo>
+                              <a:cubicBezTo>
+                                <a:pt x="664657" y="-45732"/>
+                                <a:pt x="820159" y="12596"/>
+                                <a:pt x="902287" y="0"/>
+                              </a:cubicBezTo>
+                              <a:cubicBezTo>
+                                <a:pt x="971578" y="-9904"/>
+                                <a:pt x="1073159" y="76883"/>
+                                <a:pt x="1060525" y="158238"/>
+                              </a:cubicBezTo>
+                              <a:cubicBezTo>
+                                <a:pt x="1070157" y="289612"/>
+                                <a:pt x="1042806" y="329690"/>
+                                <a:pt x="1060525" y="462047"/>
+                              </a:cubicBezTo>
+                              <a:cubicBezTo>
+                                <a:pt x="1078244" y="594404"/>
+                                <a:pt x="1038376" y="643113"/>
+                                <a:pt x="1060525" y="791173"/>
+                              </a:cubicBezTo>
+                              <a:cubicBezTo>
+                                <a:pt x="1059057" y="864564"/>
+                                <a:pt x="981426" y="960880"/>
+                                <a:pt x="902287" y="949411"/>
+                              </a:cubicBezTo>
+                              <a:cubicBezTo>
+                                <a:pt x="753690" y="960561"/>
+                                <a:pt x="631505" y="915417"/>
+                                <a:pt x="545143" y="949411"/>
+                              </a:cubicBezTo>
+                              <a:cubicBezTo>
+                                <a:pt x="458781" y="983405"/>
+                                <a:pt x="339279" y="911965"/>
+                                <a:pt x="158238" y="949411"/>
+                              </a:cubicBezTo>
+                              <a:cubicBezTo>
+                                <a:pt x="73589" y="953494"/>
+                                <a:pt x="1058" y="889527"/>
+                                <a:pt x="0" y="791173"/>
+                              </a:cubicBezTo>
+                              <a:cubicBezTo>
+                                <a:pt x="-31957" y="731446"/>
+                                <a:pt x="21377" y="595516"/>
+                                <a:pt x="0" y="493694"/>
+                              </a:cubicBezTo>
+                              <a:cubicBezTo>
+                                <a:pt x="-21377" y="391872"/>
+                                <a:pt x="35644" y="296102"/>
+                                <a:pt x="0" y="158238"/>
+                              </a:cubicBezTo>
+                              <a:close/>
+                            </a:path>
+                          </a:pathLst>
+                        </a:custGeom>
+                        <ask:type>
+                          <ask:lineSketchNone/>
+                        </ask:type>
+                      </ask:lineSketchStyleProps>
+                    </a:ext>
+                  </a:extLst>
+                </a:ln>
+              </p:spPr>
+              <p:style>
+                <a:lnRef idx="2">
+                  <a:schemeClr val="accent1">
+                    <a:shade val="50000"/>
+                  </a:schemeClr>
+                </a:lnRef>
+                <a:fillRef idx="1">
+                  <a:schemeClr val="accent1"/>
+                </a:fillRef>
+                <a:effectRef idx="0">
+                  <a:schemeClr val="accent1"/>
+                </a:effectRef>
+                <a:fontRef idx="minor">
+                  <a:schemeClr val="lt1"/>
+                </a:fontRef>
+              </p:style>
+              <p:txBody>
+                <a:bodyPr rtlCol="0" anchor="ctr"/>
+                <a:lstStyle/>
+                <a:p>
+                  <a:pPr marL="0" marR="0" lvl="0" indent="0" algn="ctr" defTabSz="914400" rtl="0" eaLnBrk="1" fontAlgn="auto" latinLnBrk="0" hangingPunct="1">
+                    <a:lnSpc>
+                      <a:spcPct val="100000"/>
+                    </a:lnSpc>
+                    <a:spcBef>
+                      <a:spcPts val="0"/>
+                    </a:spcBef>
+                    <a:spcAft>
+                      <a:spcPts val="0"/>
+                    </a:spcAft>
+                    <a:buClrTx/>
+                    <a:buSzTx/>
+                    <a:buFontTx/>
+                    <a:buNone/>
+                    <a:tabLst/>
+                    <a:defRPr/>
+                  </a:pPr>
+                  <a:endParaRPr kumimoji="0" lang="en-US" sz="1800" b="0" i="0" u="none" strike="noStrike" kern="1200" cap="none" spc="0" normalizeH="0" baseline="0" noProof="0">
+                    <a:ln>
+                      <a:noFill/>
+                    </a:ln>
+                    <a:solidFill>
+                      <a:prstClr val="white"/>
+                    </a:solidFill>
+                    <a:effectLst/>
+                    <a:uLnTx/>
+                    <a:uFillTx/>
+                    <a:latin typeface="Segoe UI"/>
+                    <a:ea typeface="+mn-ea"/>
+                    <a:cs typeface="+mn-cs"/>
+                  </a:endParaRPr>
+                </a:p>
+              </p:txBody>
+            </p:sp>
+            <p:sp>
+              <p:nvSpPr>
+                <p:cNvPr id="91" name="TextBox 90">
+                  <a:extLst>
+                    <a:ext uri="{FF2B5EF4-FFF2-40B4-BE49-F238E27FC236}">
+                      <a16:creationId xmlns:a16="http://schemas.microsoft.com/office/drawing/2014/main" id="{B0ECA83B-24A8-4EC4-B97F-F73F5C3513D0}"/>
+                    </a:ext>
+                  </a:extLst>
+                </p:cNvPr>
+                <p:cNvSpPr txBox="1"/>
+                <p:nvPr/>
+              </p:nvSpPr>
+              <p:spPr>
+                <a:xfrm>
+                  <a:off x="7385769" y="5392256"/>
+                  <a:ext cx="996097" cy="215444"/>
+                </a:xfrm>
+                <a:prstGeom prst="rect">
+                  <a:avLst/>
+                </a:prstGeom>
+                <a:noFill/>
+              </p:spPr>
+              <p:txBody>
+                <a:bodyPr wrap="square" rtlCol="0">
+                  <a:spAutoFit/>
+                </a:bodyPr>
+                <a:lstStyle/>
+                <a:p>
+                  <a:pPr marL="0" marR="0" lvl="0" indent="0" algn="ctr" defTabSz="914400" rtl="0" eaLnBrk="1" fontAlgn="auto" latinLnBrk="0" hangingPunct="1">
+                    <a:lnSpc>
+                      <a:spcPct val="100000"/>
+                    </a:lnSpc>
+                    <a:spcBef>
+                      <a:spcPts val="0"/>
+                    </a:spcBef>
+                    <a:spcAft>
+                      <a:spcPts val="0"/>
+                    </a:spcAft>
+                    <a:buClrTx/>
+                    <a:buSzTx/>
+                    <a:buFontTx/>
+                    <a:buNone/>
+                    <a:tabLst/>
+                    <a:defRPr/>
+                  </a:pPr>
+                  <a:r>
+                    <a:rPr kumimoji="0" lang="en-US" sz="800" b="0" i="0" u="none" strike="noStrike" kern="1200" cap="none" spc="0" normalizeH="0" baseline="0" noProof="0">
+                      <a:ln>
+                        <a:noFill/>
+                      </a:ln>
+                      <a:solidFill>
+                        <a:prstClr val="black"/>
+                      </a:solidFill>
+                      <a:effectLst/>
+                      <a:uLnTx/>
+                      <a:uFillTx/>
+                      <a:latin typeface="Segoe UI Semibold" panose="020B0702040204020203" pitchFamily="34" charset="0"/>
+                      <a:ea typeface="+mn-ea"/>
+                      <a:cs typeface="Segoe UI Semibold" panose="020B0702040204020203" pitchFamily="34" charset="0"/>
+                    </a:rPr>
+                    <a:t>Data Lake</a:t>
+                  </a:r>
+                </a:p>
+              </p:txBody>
+            </p:sp>
+          </p:grpSp>
+          <p:pic>
+            <p:nvPicPr>
+              <p:cNvPr id="80" name="Graphic 79">
+                <a:extLst>
+                  <a:ext uri="{FF2B5EF4-FFF2-40B4-BE49-F238E27FC236}">
+                    <a16:creationId xmlns:a16="http://schemas.microsoft.com/office/drawing/2014/main" id="{668083F7-6DDD-435C-98A9-2EBCD362B8A1}"/>
+                  </a:ext>
+                </a:extLst>
+              </p:cNvPr>
+              <p:cNvPicPr>
+                <a:picLocks noChangeAspect="1"/>
+              </p:cNvPicPr>
+              <p:nvPr/>
+            </p:nvPicPr>
+            <p:blipFill>
+              <a:blip r:embed="rId6">
+                <a:extLst>
+                  <a:ext uri="{28A0092B-C50C-407E-A947-70E740481C1C}">
+                    <a14:useLocalDpi xmlns:a14="http://schemas.microsoft.com/office/drawing/2010/main" val="0"/>
+                  </a:ext>
+                  <a:ext uri="{96DAC541-7B7A-43D3-8B79-37D633B846F1}">
+                    <asvg:svgBlip xmlns:asvg="http://schemas.microsoft.com/office/drawing/2016/SVG/main" r:embed="rId7"/>
+                  </a:ext>
+                </a:extLst>
+              </a:blip>
+              <a:stretch>
+                <a:fillRect/>
+              </a:stretch>
+            </p:blipFill>
+            <p:spPr>
+              <a:xfrm>
+                <a:off x="5540382" y="1430707"/>
+                <a:ext cx="226013" cy="226013"/>
+              </a:xfrm>
+              <a:prstGeom prst="rect">
+                <a:avLst/>
+              </a:prstGeom>
+            </p:spPr>
+          </p:pic>
+        </p:grpSp>
+      </p:grpSp>
+      <p:sp>
+        <p:nvSpPr>
+          <p:cNvPr id="3" name="Callout: Bent Line with No Border 2">
+            <a:extLst>
+              <a:ext uri="{FF2B5EF4-FFF2-40B4-BE49-F238E27FC236}">
+                <a16:creationId xmlns:a16="http://schemas.microsoft.com/office/drawing/2014/main" id="{BB9D7B20-FA80-4D1A-8676-1C4105A7DF3E}"/>
+              </a:ext>
+            </a:extLst>
+          </p:cNvPr>
+          <p:cNvSpPr/>
+          <p:nvPr/>
+        </p:nvSpPr>
+        <p:spPr>
+          <a:xfrm>
+            <a:off x="9023194" y="5147500"/>
+            <a:ext cx="1750422" cy="460326"/>
+          </a:xfrm>
+          <a:prstGeom prst="callout2">
+            <a:avLst>
+              <a:gd name="adj1" fmla="val 18751"/>
+              <a:gd name="adj2" fmla="val 98547"/>
+              <a:gd name="adj3" fmla="val 18750"/>
+              <a:gd name="adj4" fmla="val -16667"/>
+              <a:gd name="adj5" fmla="val -108928"/>
+              <a:gd name="adj6" fmla="val -31741"/>
+            </a:avLst>
+          </a:prstGeom>
+          <a:solidFill>
+            <a:schemeClr val="bg1"/>
+          </a:solidFill>
+          <a:ln w="12700">
+            <a:solidFill>
+              <a:srgbClr val="0070C0"/>
+            </a:solidFill>
+          </a:ln>
+        </p:spPr>
+        <p:style>
+          <a:lnRef idx="2">
+            <a:schemeClr val="accent1">
+              <a:shade val="50000"/>
+            </a:schemeClr>
+          </a:lnRef>
+          <a:fillRef idx="1">
+            <a:schemeClr val="accent1"/>
+          </a:fillRef>
+          <a:effectRef idx="0">
+            <a:schemeClr val="accent1"/>
+          </a:effectRef>
+          <a:fontRef idx="minor">
+            <a:schemeClr val="lt1"/>
+          </a:fontRef>
+        </p:style>
+        <p:txBody>
+          <a:bodyPr rtlCol="0" anchor="ctr"/>
+          <a:lstStyle/>
+          <a:p>
+            <a:pPr marL="0" marR="0" lvl="0" indent="0" algn="ctr" defTabSz="914400" rtl="0" eaLnBrk="1" fontAlgn="auto" latinLnBrk="0" hangingPunct="1">
+              <a:lnSpc>
+                <a:spcPct val="100000"/>
+              </a:lnSpc>
+              <a:spcBef>
+                <a:spcPts val="0"/>
+              </a:spcBef>
+              <a:spcAft>
+                <a:spcPts val="0"/>
+              </a:spcAft>
+              <a:buClrTx/>
+              <a:buSzTx/>
+              <a:buFontTx/>
+              <a:buNone/>
+              <a:tabLst/>
+              <a:defRPr/>
+            </a:pPr>
+            <a:endParaRPr kumimoji="0" lang="en-US" sz="1800" b="0" i="0" u="none" strike="noStrike" kern="1200" cap="none" spc="0" normalizeH="0" baseline="0" noProof="0">
+              <a:ln>
+                <a:noFill/>
+              </a:ln>
+              <a:solidFill>
+                <a:prstClr val="white"/>
+              </a:solidFill>
+              <a:effectLst/>
+              <a:uLnTx/>
+              <a:uFillTx/>
+              <a:latin typeface="Calibri" panose="020F0502020204030204"/>
+              <a:ea typeface="+mn-ea"/>
+              <a:cs typeface="+mn-cs"/>
+            </a:endParaRPr>
+          </a:p>
+        </p:txBody>
+      </p:sp>
+      <p:sp>
+        <p:nvSpPr>
+          <p:cNvPr id="254" name="TextBox 253">
+            <a:extLst>
+              <a:ext uri="{FF2B5EF4-FFF2-40B4-BE49-F238E27FC236}">
+                <a16:creationId xmlns:a16="http://schemas.microsoft.com/office/drawing/2014/main" id="{34D084FF-9CC4-40F2-A3D1-EC43F009F36C}"/>
+              </a:ext>
+            </a:extLst>
+          </p:cNvPr>
+          <p:cNvSpPr txBox="1"/>
+          <p:nvPr/>
+        </p:nvSpPr>
+        <p:spPr>
+          <a:xfrm>
+            <a:off x="8723176" y="4755492"/>
+            <a:ext cx="2552195" cy="461665"/>
+          </a:xfrm>
+          <a:prstGeom prst="rect">
+            <a:avLst/>
+          </a:prstGeom>
+          <a:noFill/>
+        </p:spPr>
+        <p:txBody>
+          <a:bodyPr wrap="square">
+            <a:spAutoFit/>
+          </a:bodyPr>
+          <a:lstStyle/>
+          <a:p>
+            <a:pPr marL="0" marR="0" lvl="0" indent="0" algn="l" defTabSz="914400" rtl="0" eaLnBrk="1" fontAlgn="auto" latinLnBrk="0" hangingPunct="1">
+              <a:lnSpc>
+                <a:spcPct val="100000"/>
+              </a:lnSpc>
+              <a:spcBef>
+                <a:spcPts val="0"/>
+              </a:spcBef>
+              <a:spcAft>
+                <a:spcPts val="0"/>
+              </a:spcAft>
+              <a:buClrTx/>
+              <a:buSzTx/>
+              <a:buFontTx/>
+              <a:buNone/>
+              <a:tabLst/>
+              <a:defRPr/>
+            </a:pPr>
+            <a:r>
+              <a:rPr kumimoji="0" lang="en-US" sz="800" b="1" i="0" u="none" strike="noStrike" kern="1200" cap="none" spc="0" normalizeH="0" baseline="0" noProof="0" dirty="0">
+                <a:ln>
+                  <a:noFill/>
+                </a:ln>
+                <a:solidFill>
+                  <a:srgbClr val="A5A5A5">
+                    <a:lumMod val="75000"/>
+                  </a:srgbClr>
+                </a:solidFill>
+                <a:effectLst/>
+                <a:uLnTx/>
+                <a:uFillTx/>
+                <a:latin typeface="Segoe UI" panose="020B0502040204020203" pitchFamily="34" charset="0"/>
+                <a:ea typeface="+mn-ea"/>
+                <a:cs typeface="Segoe UI" panose="020B0502040204020203" pitchFamily="34" charset="0"/>
+              </a:rPr>
+              <a:t>Azure Data Lake Storage Gen2 </a:t>
+            </a:r>
+          </a:p>
+          <a:p>
+            <a:pPr marL="0" marR="0" lvl="0" indent="0" algn="l" defTabSz="914400" rtl="0" eaLnBrk="1" fontAlgn="auto" latinLnBrk="0" hangingPunct="1">
+              <a:lnSpc>
+                <a:spcPct val="100000"/>
+              </a:lnSpc>
+              <a:spcBef>
+                <a:spcPts val="0"/>
+              </a:spcBef>
+              <a:spcAft>
+                <a:spcPts val="0"/>
+              </a:spcAft>
+              <a:buClrTx/>
+              <a:buSzTx/>
+              <a:buFontTx/>
+              <a:buNone/>
+              <a:tabLst/>
+              <a:defRPr/>
+            </a:pPr>
+            <a:r>
+              <a:rPr kumimoji="0" lang="en-US" sz="800" b="0" i="0" u="none" strike="noStrike" kern="1200" cap="none" spc="0" normalizeH="0" baseline="0" noProof="0" dirty="0">
+                <a:ln>
+                  <a:noFill/>
+                </a:ln>
+                <a:solidFill>
+                  <a:srgbClr val="A5A5A5">
+                    <a:lumMod val="75000"/>
+                  </a:srgbClr>
+                </a:solidFill>
+                <a:effectLst/>
+                <a:uLnTx/>
+                <a:uFillTx/>
+                <a:latin typeface="Segoe UI" panose="020B0502040204020203" pitchFamily="34" charset="0"/>
+                <a:ea typeface="+mn-ea"/>
+                <a:cs typeface="Segoe UI" panose="020B0502040204020203" pitchFamily="34" charset="0"/>
+              </a:rPr>
+              <a:t>Storage for Synapse Analytics Workspace configuration data along with PoC data</a:t>
+            </a:r>
+          </a:p>
+        </p:txBody>
+      </p:sp>
+      <p:sp>
+        <p:nvSpPr>
+          <p:cNvPr id="8" name="Callout: Bent Line with No Border 7">
+            <a:extLst>
+              <a:ext uri="{FF2B5EF4-FFF2-40B4-BE49-F238E27FC236}">
+                <a16:creationId xmlns:a16="http://schemas.microsoft.com/office/drawing/2014/main" id="{90D9B3C0-709B-4767-88A1-488DFF7F95BA}"/>
+              </a:ext>
+            </a:extLst>
+          </p:cNvPr>
+          <p:cNvSpPr/>
+          <p:nvPr/>
+        </p:nvSpPr>
+        <p:spPr>
+          <a:xfrm>
+            <a:off x="9960086" y="2402202"/>
+            <a:ext cx="1750422" cy="460326"/>
+          </a:xfrm>
+          <a:prstGeom prst="callout2">
+            <a:avLst>
+              <a:gd name="adj1" fmla="val 17887"/>
+              <a:gd name="adj2" fmla="val 120064"/>
+              <a:gd name="adj3" fmla="val 18750"/>
+              <a:gd name="adj4" fmla="val -16667"/>
+              <a:gd name="adj5" fmla="val 86351"/>
+              <a:gd name="adj6" fmla="val -22100"/>
+            </a:avLst>
+          </a:prstGeom>
+          <a:solidFill>
+            <a:schemeClr val="bg1"/>
+          </a:solidFill>
+          <a:ln w="12700">
+            <a:solidFill>
+              <a:srgbClr val="0070C0"/>
+            </a:solidFill>
+          </a:ln>
+        </p:spPr>
+        <p:style>
+          <a:lnRef idx="2">
+            <a:schemeClr val="accent1">
+              <a:shade val="50000"/>
+            </a:schemeClr>
+          </a:lnRef>
+          <a:fillRef idx="1">
+            <a:schemeClr val="accent1"/>
+          </a:fillRef>
+          <a:effectRef idx="0">
+            <a:schemeClr val="accent1"/>
+          </a:effectRef>
+          <a:fontRef idx="minor">
+            <a:schemeClr val="lt1"/>
+          </a:fontRef>
+        </p:style>
+        <p:txBody>
+          <a:bodyPr rtlCol="0" anchor="ctr"/>
+          <a:lstStyle/>
+          <a:p>
+            <a:pPr marL="0" marR="0" lvl="0" indent="0" algn="ctr" defTabSz="914400" rtl="0" eaLnBrk="1" fontAlgn="auto" latinLnBrk="0" hangingPunct="1">
+              <a:lnSpc>
+                <a:spcPct val="100000"/>
+              </a:lnSpc>
+              <a:spcBef>
+                <a:spcPts val="0"/>
+              </a:spcBef>
+              <a:spcAft>
+                <a:spcPts val="0"/>
+              </a:spcAft>
+              <a:buClrTx/>
+              <a:buSzTx/>
+              <a:buFontTx/>
+              <a:buNone/>
+              <a:tabLst/>
+              <a:defRPr/>
+            </a:pPr>
+            <a:endParaRPr kumimoji="0" lang="en-US" sz="1800" b="0" i="0" u="none" strike="noStrike" kern="1200" cap="none" spc="0" normalizeH="0" baseline="0" noProof="0">
+              <a:ln>
+                <a:noFill/>
+              </a:ln>
+              <a:solidFill>
+                <a:prstClr val="white"/>
+              </a:solidFill>
+              <a:effectLst/>
+              <a:uLnTx/>
+              <a:uFillTx/>
+              <a:latin typeface="Calibri" panose="020F0502020204030204"/>
+              <a:ea typeface="+mn-ea"/>
+              <a:cs typeface="+mn-cs"/>
+            </a:endParaRPr>
+          </a:p>
+        </p:txBody>
+      </p:sp>
+      <p:sp>
+        <p:nvSpPr>
+          <p:cNvPr id="9" name="Callout: Bent Line with No Border 8">
+            <a:extLst>
+              <a:ext uri="{FF2B5EF4-FFF2-40B4-BE49-F238E27FC236}">
+                <a16:creationId xmlns:a16="http://schemas.microsoft.com/office/drawing/2014/main" id="{B074B0F5-50FA-4BCD-953C-474B6BCA3AC0}"/>
+              </a:ext>
+            </a:extLst>
+          </p:cNvPr>
+          <p:cNvSpPr/>
+          <p:nvPr/>
+        </p:nvSpPr>
+        <p:spPr>
+          <a:xfrm flipV="1">
+            <a:off x="8303257" y="5733283"/>
+            <a:ext cx="1750422" cy="460326"/>
+          </a:xfrm>
+          <a:prstGeom prst="callout2">
+            <a:avLst>
+              <a:gd name="adj1" fmla="val 18628"/>
+              <a:gd name="adj2" fmla="val 128056"/>
+              <a:gd name="adj3" fmla="val 18750"/>
+              <a:gd name="adj4" fmla="val -16667"/>
+              <a:gd name="adj5" fmla="val 335471"/>
+              <a:gd name="adj6" fmla="val -54874"/>
+            </a:avLst>
+          </a:prstGeom>
+          <a:solidFill>
+            <a:schemeClr val="bg1"/>
+          </a:solidFill>
+          <a:ln w="12700">
+            <a:solidFill>
+              <a:srgbClr val="0070C0"/>
+            </a:solidFill>
+          </a:ln>
+        </p:spPr>
+        <p:style>
+          <a:lnRef idx="2">
+            <a:schemeClr val="accent1">
+              <a:shade val="50000"/>
+            </a:schemeClr>
+          </a:lnRef>
+          <a:fillRef idx="1">
+            <a:schemeClr val="accent1"/>
+          </a:fillRef>
+          <a:effectRef idx="0">
+            <a:schemeClr val="accent1"/>
+          </a:effectRef>
+          <a:fontRef idx="minor">
+            <a:schemeClr val="lt1"/>
+          </a:fontRef>
+        </p:style>
+        <p:txBody>
+          <a:bodyPr rtlCol="0" anchor="ctr"/>
+          <a:lstStyle/>
+          <a:p>
+            <a:pPr marL="0" marR="0" lvl="0" indent="0" algn="ctr" defTabSz="914400" rtl="0" eaLnBrk="1" fontAlgn="auto" latinLnBrk="0" hangingPunct="1">
+              <a:lnSpc>
+                <a:spcPct val="100000"/>
+              </a:lnSpc>
+              <a:spcBef>
+                <a:spcPts val="0"/>
+              </a:spcBef>
+              <a:spcAft>
+                <a:spcPts val="0"/>
+              </a:spcAft>
+              <a:buClrTx/>
+              <a:buSzTx/>
+              <a:buFontTx/>
+              <a:buNone/>
+              <a:tabLst/>
+              <a:defRPr/>
+            </a:pPr>
+            <a:endParaRPr kumimoji="0" lang="en-US" sz="1800" b="0" i="0" u="none" strike="noStrike" kern="1200" cap="none" spc="0" normalizeH="0" baseline="0" noProof="0">
+              <a:ln>
+                <a:noFill/>
+              </a:ln>
+              <a:solidFill>
+                <a:prstClr val="white"/>
+              </a:solidFill>
+              <a:effectLst/>
+              <a:uLnTx/>
+              <a:uFillTx/>
+              <a:latin typeface="Calibri" panose="020F0502020204030204"/>
+              <a:ea typeface="+mn-ea"/>
+              <a:cs typeface="+mn-cs"/>
+            </a:endParaRPr>
+          </a:p>
+        </p:txBody>
+      </p:sp>
+      <p:sp>
+        <p:nvSpPr>
+          <p:cNvPr id="10" name="TextBox 9">
+            <a:extLst>
+              <a:ext uri="{FF2B5EF4-FFF2-40B4-BE49-F238E27FC236}">
+                <a16:creationId xmlns:a16="http://schemas.microsoft.com/office/drawing/2014/main" id="{3B77F926-E4DF-4BCB-B264-97C742149C19}"/>
+              </a:ext>
+            </a:extLst>
+          </p:cNvPr>
+          <p:cNvSpPr txBox="1"/>
+          <p:nvPr/>
+        </p:nvSpPr>
+        <p:spPr>
+          <a:xfrm>
+            <a:off x="7969399" y="5504659"/>
+            <a:ext cx="2712601" cy="584775"/>
+          </a:xfrm>
+          <a:prstGeom prst="rect">
+            <a:avLst/>
+          </a:prstGeom>
+          <a:noFill/>
+        </p:spPr>
+        <p:txBody>
+          <a:bodyPr wrap="square">
+            <a:spAutoFit/>
+          </a:bodyPr>
+          <a:lstStyle/>
+          <a:p>
+            <a:pPr marL="0" marR="0" lvl="0" indent="0" algn="l" defTabSz="914400" rtl="0" eaLnBrk="1" fontAlgn="auto" latinLnBrk="0" hangingPunct="1">
+              <a:lnSpc>
+                <a:spcPct val="100000"/>
+              </a:lnSpc>
+              <a:spcBef>
+                <a:spcPts val="0"/>
+              </a:spcBef>
+              <a:spcAft>
+                <a:spcPts val="0"/>
+              </a:spcAft>
+              <a:buClrTx/>
+              <a:buSzTx/>
+              <a:buFontTx/>
+              <a:buNone/>
+              <a:tabLst/>
+              <a:defRPr/>
+            </a:pPr>
+            <a:r>
+              <a:rPr kumimoji="0" lang="en-US" sz="800" b="1" i="0" u="none" strike="noStrike" kern="1200" cap="none" spc="0" normalizeH="0" baseline="0" noProof="0" dirty="0">
+                <a:ln>
+                  <a:noFill/>
+                </a:ln>
+                <a:solidFill>
+                  <a:srgbClr val="A5A5A5">
+                    <a:lumMod val="75000"/>
+                  </a:srgbClr>
+                </a:solidFill>
+                <a:effectLst/>
+                <a:uLnTx/>
+                <a:uFillTx/>
+                <a:latin typeface="Segoe UI" panose="020B0502040204020203" pitchFamily="34" charset="0"/>
+                <a:ea typeface="+mn-ea"/>
+                <a:cs typeface="Segoe UI" panose="020B0502040204020203" pitchFamily="34" charset="0"/>
+              </a:rPr>
+              <a:t>Azure Log Analytics</a:t>
+            </a:r>
+            <a:endParaRPr kumimoji="0" lang="en-US" sz="800" b="0" i="0" u="none" strike="noStrike" kern="1200" cap="none" spc="0" normalizeH="0" baseline="0" noProof="0" dirty="0">
+              <a:ln>
+                <a:noFill/>
+              </a:ln>
+              <a:solidFill>
+                <a:srgbClr val="A5A5A5">
+                  <a:lumMod val="75000"/>
+                </a:srgbClr>
+              </a:solidFill>
+              <a:effectLst/>
+              <a:uLnTx/>
+              <a:uFillTx/>
+              <a:latin typeface="Segoe UI" panose="020B0502040204020203" pitchFamily="34" charset="0"/>
+              <a:ea typeface="+mn-ea"/>
+              <a:cs typeface="Segoe UI" panose="020B0502040204020203" pitchFamily="34" charset="0"/>
+            </a:endParaRPr>
+          </a:p>
+          <a:p>
+            <a:pPr marL="0" marR="0" lvl="0" indent="0" algn="l" defTabSz="914400" rtl="0" eaLnBrk="1" fontAlgn="auto" latinLnBrk="0" hangingPunct="1">
+              <a:lnSpc>
+                <a:spcPct val="100000"/>
+              </a:lnSpc>
+              <a:spcBef>
+                <a:spcPts val="0"/>
+              </a:spcBef>
+              <a:spcAft>
+                <a:spcPts val="0"/>
+              </a:spcAft>
+              <a:buClrTx/>
+              <a:buSzTx/>
+              <a:buFontTx/>
+              <a:buNone/>
+              <a:tabLst/>
+              <a:defRPr/>
+            </a:pPr>
+            <a:endParaRPr kumimoji="0" lang="en-US" sz="800" b="1" i="0" u="none" strike="noStrike" kern="1200" cap="none" spc="0" normalizeH="0" baseline="0" noProof="0" dirty="0">
+              <a:ln>
+                <a:noFill/>
+              </a:ln>
+              <a:solidFill>
+                <a:srgbClr val="A5A5A5">
+                  <a:lumMod val="75000"/>
+                </a:srgbClr>
+              </a:solidFill>
+              <a:effectLst/>
+              <a:uLnTx/>
+              <a:uFillTx/>
+              <a:latin typeface="Segoe UI" panose="020B0502040204020203" pitchFamily="34" charset="0"/>
+              <a:ea typeface="+mn-ea"/>
+              <a:cs typeface="Segoe UI" panose="020B0502040204020203" pitchFamily="34" charset="0"/>
+            </a:endParaRPr>
+          </a:p>
+          <a:p>
+            <a:pPr marL="0" marR="0" lvl="0" indent="0" algn="l" defTabSz="914400" rtl="0" eaLnBrk="1" fontAlgn="auto" latinLnBrk="0" hangingPunct="1">
+              <a:lnSpc>
+                <a:spcPct val="100000"/>
+              </a:lnSpc>
+              <a:spcBef>
+                <a:spcPts val="0"/>
+              </a:spcBef>
+              <a:spcAft>
+                <a:spcPts val="0"/>
+              </a:spcAft>
+              <a:buClrTx/>
+              <a:buSzTx/>
+              <a:buFontTx/>
+              <a:buNone/>
+              <a:tabLst/>
+              <a:defRPr/>
+            </a:pPr>
+            <a:r>
+              <a:rPr kumimoji="0" lang="en-US" sz="800" b="0" i="0" u="none" strike="noStrike" kern="1200" cap="none" spc="0" normalizeH="0" baseline="0" noProof="0" dirty="0">
+                <a:ln>
+                  <a:noFill/>
+                </a:ln>
+                <a:solidFill>
+                  <a:srgbClr val="A5A5A5">
+                    <a:lumMod val="75000"/>
+                  </a:srgbClr>
+                </a:solidFill>
+                <a:effectLst/>
+                <a:uLnTx/>
+                <a:uFillTx/>
+                <a:latin typeface="Segoe UI" panose="020B0502040204020203" pitchFamily="34" charset="0"/>
+                <a:ea typeface="+mn-ea"/>
+                <a:cs typeface="Segoe UI" panose="020B0502040204020203" pitchFamily="34" charset="0"/>
+              </a:rPr>
+              <a:t>Logging, monitoring, and telemetry for Azure Synapse Analytics and Azure Data Lake Storage Gen2</a:t>
+            </a:r>
+          </a:p>
+        </p:txBody>
+      </p:sp>
+      <p:sp>
+        <p:nvSpPr>
+          <p:cNvPr id="7" name="TextBox 6">
+            <a:extLst>
+              <a:ext uri="{FF2B5EF4-FFF2-40B4-BE49-F238E27FC236}">
+                <a16:creationId xmlns:a16="http://schemas.microsoft.com/office/drawing/2014/main" id="{4DC29834-4E3B-4433-99C3-6AFF3DD8FD80}"/>
+              </a:ext>
+            </a:extLst>
+          </p:cNvPr>
+          <p:cNvSpPr txBox="1"/>
+          <p:nvPr/>
+        </p:nvSpPr>
+        <p:spPr>
+          <a:xfrm>
+            <a:off x="9714431" y="1899668"/>
+            <a:ext cx="2552196" cy="584775"/>
+          </a:xfrm>
+          <a:prstGeom prst="rect">
+            <a:avLst/>
+          </a:prstGeom>
+          <a:noFill/>
+        </p:spPr>
+        <p:txBody>
+          <a:bodyPr wrap="square">
+            <a:spAutoFit/>
+          </a:bodyPr>
+          <a:lstStyle/>
+          <a:p>
+            <a:pPr marL="0" marR="0" lvl="0" indent="0" algn="l" defTabSz="914400" rtl="0" eaLnBrk="1" fontAlgn="auto" latinLnBrk="0" hangingPunct="1">
+              <a:lnSpc>
+                <a:spcPct val="100000"/>
+              </a:lnSpc>
+              <a:spcBef>
+                <a:spcPts val="0"/>
+              </a:spcBef>
+              <a:spcAft>
+                <a:spcPts val="0"/>
+              </a:spcAft>
+              <a:buClrTx/>
+              <a:buSzTx/>
+              <a:buFontTx/>
+              <a:buNone/>
+              <a:tabLst/>
+              <a:defRPr/>
+            </a:pPr>
+            <a:r>
+              <a:rPr kumimoji="0" lang="en-US" sz="800" b="1" i="0" u="none" strike="noStrike" kern="1200" cap="none" spc="0" normalizeH="0" baseline="0" noProof="0" dirty="0">
+                <a:ln>
+                  <a:noFill/>
+                </a:ln>
+                <a:solidFill>
+                  <a:srgbClr val="A5A5A5">
+                    <a:lumMod val="75000"/>
+                  </a:srgbClr>
+                </a:solidFill>
+                <a:effectLst/>
+                <a:uLnTx/>
+                <a:uFillTx/>
+                <a:latin typeface="Segoe UI" panose="020B0502040204020203" pitchFamily="34" charset="0"/>
+                <a:ea typeface="+mn-ea"/>
+                <a:cs typeface="Segoe UI" panose="020B0502040204020203" pitchFamily="34" charset="0"/>
+              </a:rPr>
+              <a:t>Azure Synapse Analytics</a:t>
+            </a:r>
+            <a:endParaRPr kumimoji="0" lang="en-US" sz="800" b="0" i="0" u="none" strike="noStrike" kern="1200" cap="none" spc="0" normalizeH="0" baseline="0" noProof="0" dirty="0">
+              <a:ln>
+                <a:noFill/>
+              </a:ln>
+              <a:solidFill>
+                <a:srgbClr val="A5A5A5">
+                  <a:lumMod val="75000"/>
+                </a:srgbClr>
+              </a:solidFill>
+              <a:effectLst/>
+              <a:uLnTx/>
+              <a:uFillTx/>
+              <a:latin typeface="Segoe UI" panose="020B0502040204020203" pitchFamily="34" charset="0"/>
+              <a:ea typeface="+mn-ea"/>
+              <a:cs typeface="Segoe UI" panose="020B0502040204020203" pitchFamily="34" charset="0"/>
+            </a:endParaRPr>
+          </a:p>
+          <a:p>
+            <a:pPr marL="0" marR="0" lvl="0" indent="0" algn="l" defTabSz="914400" rtl="0" eaLnBrk="1" fontAlgn="auto" latinLnBrk="0" hangingPunct="1">
+              <a:lnSpc>
+                <a:spcPct val="100000"/>
+              </a:lnSpc>
+              <a:spcBef>
+                <a:spcPts val="0"/>
+              </a:spcBef>
+              <a:spcAft>
+                <a:spcPts val="0"/>
+              </a:spcAft>
+              <a:buClrTx/>
+              <a:buSzTx/>
+              <a:buFontTx/>
+              <a:buNone/>
+              <a:tabLst/>
+              <a:defRPr/>
+            </a:pPr>
+            <a:endParaRPr kumimoji="0" lang="en-US" sz="800" b="1" i="0" u="none" strike="noStrike" kern="1200" cap="none" spc="0" normalizeH="0" baseline="0" noProof="0" dirty="0">
+              <a:ln>
+                <a:noFill/>
+              </a:ln>
+              <a:solidFill>
+                <a:srgbClr val="A5A5A5">
+                  <a:lumMod val="75000"/>
+                </a:srgbClr>
+              </a:solidFill>
+              <a:effectLst/>
+              <a:uLnTx/>
+              <a:uFillTx/>
+              <a:latin typeface="Segoe UI" panose="020B0502040204020203" pitchFamily="34" charset="0"/>
+              <a:ea typeface="+mn-ea"/>
+              <a:cs typeface="Segoe UI" panose="020B0502040204020203" pitchFamily="34" charset="0"/>
+            </a:endParaRPr>
+          </a:p>
+          <a:p>
+            <a:pPr marL="0" marR="0" lvl="0" indent="0" algn="l" defTabSz="914400" rtl="0" eaLnBrk="1" fontAlgn="auto" latinLnBrk="0" hangingPunct="1">
+              <a:lnSpc>
+                <a:spcPct val="100000"/>
+              </a:lnSpc>
+              <a:spcBef>
+                <a:spcPts val="0"/>
+              </a:spcBef>
+              <a:spcAft>
+                <a:spcPts val="0"/>
+              </a:spcAft>
+              <a:buClrTx/>
+              <a:buSzTx/>
+              <a:buFontTx/>
+              <a:buNone/>
+              <a:tabLst/>
+              <a:defRPr/>
+            </a:pPr>
+            <a:r>
+              <a:rPr kumimoji="0" lang="en-US" sz="800" b="0" i="0" u="none" strike="noStrike" kern="1200" cap="none" spc="0" normalizeH="0" baseline="0" noProof="0" dirty="0">
+                <a:ln>
+                  <a:noFill/>
+                </a:ln>
+                <a:solidFill>
+                  <a:srgbClr val="A5A5A5">
+                    <a:lumMod val="75000"/>
+                  </a:srgbClr>
+                </a:solidFill>
+                <a:effectLst/>
+                <a:uLnTx/>
+                <a:uFillTx/>
+                <a:latin typeface="Segoe UI" panose="020B0502040204020203" pitchFamily="34" charset="0"/>
+                <a:ea typeface="+mn-ea"/>
+                <a:cs typeface="Segoe UI" panose="020B0502040204020203" pitchFamily="34" charset="0"/>
+              </a:rPr>
+              <a:t>Synapse Analytics Workspace with a provisioned Dedicated SQL Pool for the Data Warehouse</a:t>
+            </a:r>
+          </a:p>
+        </p:txBody>
+      </p:sp>
+      <p:sp>
+        <p:nvSpPr>
+          <p:cNvPr id="5" name="TextBox 4">
+            <a:extLst>
+              <a:ext uri="{FF2B5EF4-FFF2-40B4-BE49-F238E27FC236}">
+                <a16:creationId xmlns:a16="http://schemas.microsoft.com/office/drawing/2014/main" id="{A57BFC77-D11F-41D8-B025-3DC8B0086799}"/>
+              </a:ext>
+            </a:extLst>
+          </p:cNvPr>
+          <p:cNvSpPr txBox="1"/>
+          <p:nvPr/>
+        </p:nvSpPr>
+        <p:spPr>
+          <a:xfrm>
+            <a:off x="126715" y="894912"/>
+            <a:ext cx="5247883" cy="5416868"/>
+          </a:xfrm>
+          <a:prstGeom prst="rect">
+            <a:avLst/>
+          </a:prstGeom>
+          <a:noFill/>
+        </p:spPr>
+        <p:txBody>
+          <a:bodyPr wrap="square">
+            <a:spAutoFit/>
+          </a:bodyPr>
+          <a:lstStyle/>
+          <a:p>
+            <a:pPr marL="0" marR="0" lvl="0" indent="0" algn="l" defTabSz="914400" rtl="0" eaLnBrk="1" fontAlgn="auto" latinLnBrk="0" hangingPunct="1">
+              <a:lnSpc>
+                <a:spcPct val="100000"/>
+              </a:lnSpc>
+              <a:spcBef>
+                <a:spcPts val="0"/>
+              </a:spcBef>
+              <a:spcAft>
+                <a:spcPts val="0"/>
+              </a:spcAft>
+              <a:buClrTx/>
+              <a:buSzTx/>
+              <a:buFontTx/>
+              <a:buNone/>
+              <a:tabLst/>
+              <a:defRPr/>
+            </a:pPr>
+            <a:r>
+              <a:rPr kumimoji="0" lang="en-US" sz="1400" b="0" i="0" u="none" strike="noStrike" kern="1200" cap="none" spc="0" normalizeH="0" baseline="0" noProof="0" dirty="0">
+                <a:ln>
+                  <a:noFill/>
+                </a:ln>
+                <a:solidFill>
+                  <a:prstClr val="white">
+                    <a:lumMod val="65000"/>
+                  </a:prstClr>
+                </a:solidFill>
+                <a:effectLst/>
+                <a:uLnTx/>
+                <a:uFillTx/>
+                <a:latin typeface="Calibri" panose="020F0502020204030204"/>
+                <a:ea typeface="+mn-ea"/>
+                <a:cs typeface="+mn-cs"/>
+              </a:rPr>
+              <a:t>Overview</a:t>
+            </a:r>
+          </a:p>
+          <a:p>
+            <a:pPr marL="0" marR="0" lvl="0" indent="0" algn="l" defTabSz="914400" rtl="0" eaLnBrk="1" fontAlgn="auto" latinLnBrk="0" hangingPunct="1">
+              <a:lnSpc>
+                <a:spcPct val="100000"/>
+              </a:lnSpc>
+              <a:spcBef>
+                <a:spcPts val="0"/>
+              </a:spcBef>
+              <a:spcAft>
+                <a:spcPts val="0"/>
+              </a:spcAft>
+              <a:buClrTx/>
+              <a:buSzTx/>
+              <a:buFontTx/>
+              <a:buNone/>
+              <a:tabLst/>
+              <a:defRPr/>
+            </a:pPr>
+            <a:endParaRPr kumimoji="0" lang="en-US" sz="1400" b="0" i="0" u="none" strike="noStrike" kern="1200" cap="none" spc="0" normalizeH="0" baseline="0" noProof="0" dirty="0">
+              <a:ln>
+                <a:noFill/>
+              </a:ln>
+              <a:solidFill>
+                <a:prstClr val="white">
+                  <a:lumMod val="65000"/>
+                </a:prstClr>
+              </a:solidFill>
+              <a:effectLst/>
+              <a:uLnTx/>
+              <a:uFillTx/>
+              <a:latin typeface="Calibri" panose="020F0502020204030204"/>
+              <a:ea typeface="+mn-ea"/>
+              <a:cs typeface="+mn-cs"/>
+            </a:endParaRPr>
+          </a:p>
+          <a:p>
+            <a:pPr marR="0" lvl="1" algn="l" defTabSz="914400" rtl="0" eaLnBrk="1" fontAlgn="auto" latinLnBrk="0" hangingPunct="1">
+              <a:lnSpc>
+                <a:spcPct val="100000"/>
+              </a:lnSpc>
+              <a:spcBef>
+                <a:spcPts val="0"/>
+              </a:spcBef>
+              <a:spcAft>
+                <a:spcPts val="0"/>
+              </a:spcAft>
+              <a:buClrTx/>
+              <a:buSzTx/>
+              <a:tabLst/>
+              <a:defRPr/>
+            </a:pPr>
+            <a:r>
+              <a:rPr kumimoji="0" lang="en-US" sz="800" b="0" i="0" u="none" strike="noStrike" kern="1200" cap="none" spc="0" normalizeH="0" baseline="0" noProof="0" dirty="0">
+                <a:ln>
+                  <a:noFill/>
+                </a:ln>
+                <a:solidFill>
+                  <a:srgbClr val="A5A5A5">
+                    <a:lumMod val="75000"/>
+                  </a:srgbClr>
+                </a:solidFill>
+                <a:effectLst/>
+                <a:uLnTx/>
+                <a:uFillTx/>
+                <a:latin typeface="Segoe UI" panose="020B0502040204020203" pitchFamily="34" charset="0"/>
+                <a:ea typeface="+mn-ea"/>
+                <a:cs typeface="Segoe UI" panose="020B0502040204020203" pitchFamily="34" charset="0"/>
+              </a:rPr>
+              <a:t>The Bicep and Terraform deployment templates both support the same options and deploy the same exact environment. They’re simply best practice examples on how to create Synapse templates using both methods. We do this because some people are simply interested in a PoC environment, while others are interested in example deployment templates.</a:t>
+            </a:r>
+          </a:p>
+          <a:p>
+            <a:pPr marL="628650" marR="0" lvl="1" indent="-171450" algn="l" defTabSz="914400" rtl="0" eaLnBrk="1" fontAlgn="auto" latinLnBrk="0" hangingPunct="1">
+              <a:lnSpc>
+                <a:spcPct val="100000"/>
+              </a:lnSpc>
+              <a:spcBef>
+                <a:spcPts val="0"/>
+              </a:spcBef>
+              <a:spcAft>
+                <a:spcPts val="0"/>
+              </a:spcAft>
+              <a:buClrTx/>
+              <a:buSzTx/>
+              <a:buFont typeface="Arial" panose="020B0604020202020204" pitchFamily="34" charset="0"/>
+              <a:buChar char="•"/>
+              <a:tabLst/>
+              <a:defRPr/>
+            </a:pPr>
+            <a:endParaRPr kumimoji="0" lang="en-US" sz="1400" b="0" i="0" u="sng" strike="noStrike" kern="1200" cap="none" spc="0" normalizeH="0" baseline="0" noProof="0" dirty="0">
+              <a:ln>
+                <a:noFill/>
+              </a:ln>
+              <a:solidFill>
+                <a:prstClr val="white">
+                  <a:lumMod val="65000"/>
+                </a:prstClr>
+              </a:solidFill>
+              <a:effectLst/>
+              <a:uLnTx/>
+              <a:uFillTx/>
+              <a:latin typeface="Calibri" panose="020F0502020204030204"/>
+              <a:ea typeface="+mn-ea"/>
+              <a:cs typeface="+mn-cs"/>
+            </a:endParaRPr>
+          </a:p>
+          <a:p>
+            <a:pPr marL="0" marR="0" lvl="0" indent="0" algn="l" defTabSz="914400" rtl="0" eaLnBrk="1" fontAlgn="auto" latinLnBrk="0" hangingPunct="1">
+              <a:lnSpc>
+                <a:spcPct val="100000"/>
+              </a:lnSpc>
+              <a:spcBef>
+                <a:spcPts val="0"/>
+              </a:spcBef>
+              <a:spcAft>
+                <a:spcPts val="0"/>
+              </a:spcAft>
+              <a:buClrTx/>
+              <a:buSzTx/>
+              <a:buFontTx/>
+              <a:buNone/>
+              <a:tabLst/>
+              <a:defRPr/>
+            </a:pPr>
+            <a:r>
+              <a:rPr kumimoji="0" lang="en-US" sz="1400" b="0" i="0" u="none" strike="noStrike" kern="1200" cap="none" spc="0" normalizeH="0" baseline="0" noProof="0" dirty="0">
+                <a:ln>
+                  <a:noFill/>
+                </a:ln>
+                <a:solidFill>
+                  <a:prstClr val="white">
+                    <a:lumMod val="65000"/>
+                  </a:prstClr>
+                </a:solidFill>
+                <a:effectLst/>
+                <a:uLnTx/>
+                <a:uFillTx/>
+                <a:latin typeface="Calibri" panose="020F0502020204030204"/>
+                <a:ea typeface="+mn-ea"/>
+                <a:cs typeface="+mn-cs"/>
+              </a:rPr>
+              <a:t>Deployment Instructions</a:t>
+            </a:r>
+          </a:p>
+          <a:p>
+            <a:pPr marL="0" marR="0" lvl="0" indent="0" algn="l" defTabSz="914400" rtl="0" eaLnBrk="1" fontAlgn="auto" latinLnBrk="0" hangingPunct="1">
+              <a:lnSpc>
+                <a:spcPct val="100000"/>
+              </a:lnSpc>
+              <a:spcBef>
+                <a:spcPts val="0"/>
+              </a:spcBef>
+              <a:spcAft>
+                <a:spcPts val="0"/>
+              </a:spcAft>
+              <a:buClrTx/>
+              <a:buSzTx/>
+              <a:buFontTx/>
+              <a:buNone/>
+              <a:tabLst/>
+              <a:defRPr/>
+            </a:pPr>
+            <a:endParaRPr kumimoji="0" lang="en-US" sz="1400" b="0" i="0" u="none" strike="noStrike" kern="1200" cap="none" spc="0" normalizeH="0" baseline="0" noProof="0" dirty="0">
+              <a:ln>
+                <a:noFill/>
+              </a:ln>
+              <a:solidFill>
+                <a:prstClr val="white">
+                  <a:lumMod val="65000"/>
+                </a:prstClr>
+              </a:solidFill>
+              <a:effectLst/>
+              <a:uLnTx/>
+              <a:uFillTx/>
+              <a:latin typeface="Calibri" panose="020F0502020204030204"/>
+              <a:ea typeface="+mn-ea"/>
+              <a:cs typeface="+mn-cs"/>
+            </a:endParaRPr>
+          </a:p>
+          <a:p>
+            <a:pPr marL="628650" marR="0" lvl="1" indent="-171450" algn="l" defTabSz="914400" rtl="0" eaLnBrk="1" fontAlgn="auto" latinLnBrk="0" hangingPunct="1">
+              <a:lnSpc>
+                <a:spcPct val="100000"/>
+              </a:lnSpc>
+              <a:spcBef>
+                <a:spcPts val="0"/>
+              </a:spcBef>
+              <a:spcAft>
+                <a:spcPts val="0"/>
+              </a:spcAft>
+              <a:buClrTx/>
+              <a:buSzTx/>
+              <a:buFont typeface="Arial" panose="020B0604020202020204" pitchFamily="34" charset="0"/>
+              <a:buChar char="•"/>
+              <a:tabLst/>
+              <a:defRPr/>
+            </a:pPr>
+            <a:r>
+              <a:rPr kumimoji="0" lang="en-US" sz="800" b="0" i="0" u="none" strike="noStrike" kern="1200" cap="none" spc="0" normalizeH="0" baseline="0" noProof="0" dirty="0">
+                <a:ln>
+                  <a:noFill/>
+                </a:ln>
+                <a:solidFill>
+                  <a:srgbClr val="A5A5A5">
+                    <a:lumMod val="75000"/>
+                  </a:srgbClr>
+                </a:solidFill>
+                <a:effectLst/>
+                <a:uLnTx/>
+                <a:uFillTx/>
+                <a:latin typeface="Segoe UI" panose="020B0502040204020203" pitchFamily="34" charset="0"/>
+                <a:ea typeface="+mn-ea"/>
+                <a:cs typeface="Segoe UI" panose="020B0502040204020203" pitchFamily="34" charset="0"/>
+              </a:rPr>
+              <a:t>Login to the Azure Cloud Shell and select Bash (</a:t>
+            </a:r>
+            <a:r>
+              <a:rPr kumimoji="0" lang="en-US" sz="800" b="0" i="0" u="none" strike="noStrike" kern="1200" cap="none" spc="0" normalizeH="0" baseline="0" noProof="0" dirty="0">
+                <a:ln>
+                  <a:noFill/>
+                </a:ln>
+                <a:solidFill>
+                  <a:srgbClr val="A5A5A5">
+                    <a:lumMod val="75000"/>
+                  </a:srgbClr>
+                </a:solidFill>
+                <a:effectLst/>
+                <a:uLnTx/>
+                <a:uFillTx/>
+                <a:latin typeface="Segoe UI" panose="020B0502040204020203" pitchFamily="34" charset="0"/>
+                <a:ea typeface="+mn-ea"/>
+                <a:cs typeface="Segoe UI" panose="020B0502040204020203" pitchFamily="34" charset="0"/>
+                <a:hlinkClick r:id="rId8"/>
+              </a:rPr>
+              <a:t>https://shell.azure.com</a:t>
+            </a:r>
+            <a:r>
+              <a:rPr kumimoji="0" lang="en-US" sz="800" b="0" i="0" u="none" strike="noStrike" kern="1200" cap="none" spc="0" normalizeH="0" baseline="0" noProof="0" dirty="0">
+                <a:ln>
+                  <a:noFill/>
+                </a:ln>
+                <a:solidFill>
+                  <a:srgbClr val="A5A5A5">
+                    <a:lumMod val="75000"/>
+                  </a:srgbClr>
+                </a:solidFill>
+                <a:effectLst/>
+                <a:uLnTx/>
+                <a:uFillTx/>
+                <a:latin typeface="Segoe UI" panose="020B0502040204020203" pitchFamily="34" charset="0"/>
+                <a:ea typeface="+mn-ea"/>
+                <a:cs typeface="Segoe UI" panose="020B0502040204020203" pitchFamily="34" charset="0"/>
+              </a:rPr>
+              <a:t>)</a:t>
+            </a:r>
+          </a:p>
+          <a:p>
+            <a:pPr marL="628650" marR="0" lvl="1" indent="-171450" algn="l" defTabSz="914400" rtl="0" eaLnBrk="1" fontAlgn="auto" latinLnBrk="0" hangingPunct="1">
+              <a:lnSpc>
+                <a:spcPct val="100000"/>
+              </a:lnSpc>
+              <a:spcBef>
+                <a:spcPts val="0"/>
+              </a:spcBef>
+              <a:spcAft>
+                <a:spcPts val="0"/>
+              </a:spcAft>
+              <a:buClrTx/>
+              <a:buSzTx/>
+              <a:buFont typeface="Arial" panose="020B0604020202020204" pitchFamily="34" charset="0"/>
+              <a:buChar char="•"/>
+              <a:tabLst/>
+              <a:defRPr/>
+            </a:pPr>
+            <a:endParaRPr kumimoji="0" lang="en-US" sz="800" b="0" i="0" u="none" strike="noStrike" kern="1200" cap="none" spc="0" normalizeH="0" baseline="0" noProof="0" dirty="0">
+              <a:ln>
+                <a:noFill/>
+              </a:ln>
+              <a:solidFill>
+                <a:srgbClr val="A5A5A5">
+                  <a:lumMod val="75000"/>
+                </a:srgbClr>
+              </a:solidFill>
+              <a:effectLst/>
+              <a:uLnTx/>
+              <a:uFillTx/>
+              <a:latin typeface="Segoe UI" panose="020B0502040204020203" pitchFamily="34" charset="0"/>
+              <a:ea typeface="+mn-ea"/>
+              <a:cs typeface="Segoe UI" panose="020B0502040204020203" pitchFamily="34" charset="0"/>
+            </a:endParaRPr>
+          </a:p>
+          <a:p>
+            <a:pPr marL="628650" marR="0" lvl="1" indent="-171450" algn="l" defTabSz="914400" rtl="0" eaLnBrk="1" fontAlgn="auto" latinLnBrk="0" hangingPunct="1">
+              <a:lnSpc>
+                <a:spcPct val="100000"/>
+              </a:lnSpc>
+              <a:spcBef>
+                <a:spcPts val="0"/>
+              </a:spcBef>
+              <a:spcAft>
+                <a:spcPts val="0"/>
+              </a:spcAft>
+              <a:buClrTx/>
+              <a:buSzTx/>
+              <a:buFont typeface="Arial" panose="020B0604020202020204" pitchFamily="34" charset="0"/>
+              <a:buChar char="•"/>
+              <a:tabLst/>
+              <a:defRPr/>
+            </a:pPr>
+            <a:r>
+              <a:rPr kumimoji="0" lang="en-US" sz="800" b="1" i="0" u="none" strike="noStrike" kern="1200" cap="none" spc="0" normalizeH="0" baseline="0" noProof="0" dirty="0">
+                <a:ln>
+                  <a:noFill/>
+                </a:ln>
+                <a:solidFill>
+                  <a:srgbClr val="A5A5A5">
+                    <a:lumMod val="75000"/>
+                  </a:srgbClr>
+                </a:solidFill>
+                <a:effectLst/>
+                <a:uLnTx/>
+                <a:uFillTx/>
+                <a:latin typeface="Segoe UI" panose="020B0502040204020203" pitchFamily="34" charset="0"/>
+                <a:ea typeface="+mn-ea"/>
+                <a:cs typeface="Segoe UI" panose="020B0502040204020203" pitchFamily="34" charset="0"/>
+              </a:rPr>
+              <a:t>@Azure:~$ </a:t>
+            </a:r>
+            <a:r>
+              <a:rPr kumimoji="0" lang="en-US" sz="800" b="0" i="0" u="none" strike="noStrike" kern="1200" cap="none" spc="0" normalizeH="0" baseline="0" noProof="0" dirty="0">
+                <a:ln>
+                  <a:noFill/>
+                </a:ln>
+                <a:solidFill>
+                  <a:srgbClr val="A5A5A5">
+                    <a:lumMod val="75000"/>
+                  </a:srgbClr>
+                </a:solidFill>
+                <a:effectLst/>
+                <a:uLnTx/>
+                <a:uFillTx/>
+                <a:latin typeface="Segoe UI" panose="020B0502040204020203" pitchFamily="34" charset="0"/>
+                <a:ea typeface="+mn-ea"/>
+                <a:cs typeface="Segoe UI" panose="020B0502040204020203" pitchFamily="34" charset="0"/>
+              </a:rPr>
+              <a:t>git clone https://github.com/shaneochotny/Azure-Synapse-Analytics-PoC</a:t>
+            </a:r>
+          </a:p>
+          <a:p>
+            <a:pPr marL="628650" marR="0" lvl="1" indent="-171450" algn="l" defTabSz="914400" rtl="0" eaLnBrk="1" fontAlgn="auto" latinLnBrk="0" hangingPunct="1">
+              <a:lnSpc>
+                <a:spcPct val="100000"/>
+              </a:lnSpc>
+              <a:spcBef>
+                <a:spcPts val="0"/>
+              </a:spcBef>
+              <a:spcAft>
+                <a:spcPts val="0"/>
+              </a:spcAft>
+              <a:buClrTx/>
+              <a:buSzTx/>
+              <a:buFont typeface="Arial" panose="020B0604020202020204" pitchFamily="34" charset="0"/>
+              <a:buChar char="•"/>
+              <a:tabLst/>
+              <a:defRPr/>
+            </a:pPr>
+            <a:r>
+              <a:rPr kumimoji="0" lang="en-US" sz="800" b="1" i="0" u="none" strike="noStrike" kern="1200" cap="none" spc="0" normalizeH="0" baseline="0" noProof="0" dirty="0">
+                <a:ln>
+                  <a:noFill/>
+                </a:ln>
+                <a:solidFill>
+                  <a:srgbClr val="A5A5A5">
+                    <a:lumMod val="75000"/>
+                  </a:srgbClr>
+                </a:solidFill>
+                <a:effectLst/>
+                <a:uLnTx/>
+                <a:uFillTx/>
+                <a:latin typeface="Segoe UI" panose="020B0502040204020203" pitchFamily="34" charset="0"/>
+                <a:ea typeface="+mn-ea"/>
+                <a:cs typeface="Segoe UI" panose="020B0502040204020203" pitchFamily="34" charset="0"/>
+              </a:rPr>
+              <a:t>@Azure:~$ </a:t>
+            </a:r>
+            <a:r>
+              <a:rPr kumimoji="0" lang="en-US" sz="800" b="0" i="0" u="none" strike="noStrike" kern="1200" cap="none" spc="0" normalizeH="0" baseline="0" noProof="0" dirty="0">
+                <a:ln>
+                  <a:noFill/>
+                </a:ln>
+                <a:solidFill>
+                  <a:srgbClr val="A5A5A5">
+                    <a:lumMod val="75000"/>
+                  </a:srgbClr>
+                </a:solidFill>
+                <a:effectLst/>
+                <a:uLnTx/>
+                <a:uFillTx/>
+                <a:latin typeface="Segoe UI" panose="020B0502040204020203" pitchFamily="34" charset="0"/>
+                <a:ea typeface="+mn-ea"/>
+                <a:cs typeface="Segoe UI" panose="020B0502040204020203" pitchFamily="34" charset="0"/>
+              </a:rPr>
+              <a:t>cd Azure-Synapse-Analytics-PoC</a:t>
+            </a:r>
+          </a:p>
+          <a:p>
+            <a:pPr marL="628650" marR="0" lvl="1" indent="-171450" algn="l" defTabSz="914400" rtl="0" eaLnBrk="1" fontAlgn="auto" latinLnBrk="0" hangingPunct="1">
+              <a:lnSpc>
+                <a:spcPct val="100000"/>
+              </a:lnSpc>
+              <a:spcBef>
+                <a:spcPts val="0"/>
+              </a:spcBef>
+              <a:spcAft>
+                <a:spcPts val="0"/>
+              </a:spcAft>
+              <a:buClrTx/>
+              <a:buSzTx/>
+              <a:buFont typeface="Arial" panose="020B0604020202020204" pitchFamily="34" charset="0"/>
+              <a:buChar char="•"/>
+              <a:tabLst/>
+              <a:defRPr/>
+            </a:pPr>
+            <a:r>
+              <a:rPr kumimoji="0" lang="en-US" sz="800" b="1" i="0" u="none" strike="noStrike" kern="1200" cap="none" spc="0" normalizeH="0" baseline="0" noProof="0" dirty="0">
+                <a:ln>
+                  <a:noFill/>
+                </a:ln>
+                <a:solidFill>
+                  <a:srgbClr val="A5A5A5">
+                    <a:lumMod val="75000"/>
+                  </a:srgbClr>
+                </a:solidFill>
+                <a:effectLst/>
+                <a:uLnTx/>
+                <a:uFillTx/>
+                <a:latin typeface="Segoe UI" panose="020B0502040204020203" pitchFamily="34" charset="0"/>
+                <a:ea typeface="+mn-ea"/>
+                <a:cs typeface="Segoe UI" panose="020B0502040204020203" pitchFamily="34" charset="0"/>
+              </a:rPr>
+              <a:t>@Azure:~$ </a:t>
+            </a:r>
+            <a:r>
+              <a:rPr kumimoji="0" lang="en-US" sz="800" b="0" i="0" u="none" strike="noStrike" kern="1200" cap="none" spc="0" normalizeH="0" baseline="0" noProof="0" dirty="0">
+                <a:ln>
+                  <a:noFill/>
+                </a:ln>
+                <a:solidFill>
+                  <a:srgbClr val="A5A5A5">
+                    <a:lumMod val="75000"/>
+                  </a:srgbClr>
+                </a:solidFill>
+                <a:effectLst/>
+                <a:uLnTx/>
+                <a:uFillTx/>
+                <a:latin typeface="Segoe UI" panose="020B0502040204020203" pitchFamily="34" charset="0"/>
+                <a:ea typeface="+mn-ea"/>
+                <a:cs typeface="Segoe UI" panose="020B0502040204020203" pitchFamily="34" charset="0"/>
+              </a:rPr>
+              <a:t>code Terraform/</a:t>
+            </a:r>
+            <a:r>
+              <a:rPr kumimoji="0" lang="en-US" sz="800" b="0" i="0" u="none" strike="noStrike" kern="1200" cap="none" spc="0" normalizeH="0" baseline="0" noProof="0" dirty="0" err="1">
+                <a:ln>
+                  <a:noFill/>
+                </a:ln>
+                <a:solidFill>
+                  <a:srgbClr val="A5A5A5">
+                    <a:lumMod val="75000"/>
+                  </a:srgbClr>
+                </a:solidFill>
+                <a:effectLst/>
+                <a:uLnTx/>
+                <a:uFillTx/>
+                <a:latin typeface="Segoe UI" panose="020B0502040204020203" pitchFamily="34" charset="0"/>
+                <a:ea typeface="+mn-ea"/>
+                <a:cs typeface="Segoe UI" panose="020B0502040204020203" pitchFamily="34" charset="0"/>
+              </a:rPr>
+              <a:t>terraform.tfvars</a:t>
+            </a:r>
+            <a:endParaRPr kumimoji="0" lang="en-US" sz="800" b="0" i="0" u="none" strike="noStrike" kern="1200" cap="none" spc="0" normalizeH="0" baseline="0" noProof="0" dirty="0">
+              <a:ln>
+                <a:noFill/>
+              </a:ln>
+              <a:solidFill>
+                <a:srgbClr val="A5A5A5">
+                  <a:lumMod val="75000"/>
+                </a:srgbClr>
+              </a:solidFill>
+              <a:effectLst/>
+              <a:uLnTx/>
+              <a:uFillTx/>
+              <a:latin typeface="Segoe UI" panose="020B0502040204020203" pitchFamily="34" charset="0"/>
+              <a:ea typeface="+mn-ea"/>
+              <a:cs typeface="Segoe UI" panose="020B0502040204020203" pitchFamily="34" charset="0"/>
+            </a:endParaRPr>
+          </a:p>
+          <a:p>
+            <a:pPr marL="628650" marR="0" lvl="1" indent="-171450" algn="l" defTabSz="914400" rtl="0" eaLnBrk="1" fontAlgn="auto" latinLnBrk="0" hangingPunct="1">
+              <a:lnSpc>
+                <a:spcPct val="100000"/>
+              </a:lnSpc>
+              <a:spcBef>
+                <a:spcPts val="0"/>
+              </a:spcBef>
+              <a:spcAft>
+                <a:spcPts val="0"/>
+              </a:spcAft>
+              <a:buClrTx/>
+              <a:buSzTx/>
+              <a:buFont typeface="Arial" panose="020B0604020202020204" pitchFamily="34" charset="0"/>
+              <a:buChar char="•"/>
+              <a:tabLst/>
+              <a:defRPr/>
+            </a:pPr>
+            <a:r>
+              <a:rPr kumimoji="0" lang="en-US" sz="800" b="1" i="0" u="none" strike="noStrike" kern="1200" cap="none" spc="0" normalizeH="0" baseline="0" noProof="0" dirty="0">
+                <a:ln>
+                  <a:noFill/>
+                </a:ln>
+                <a:solidFill>
+                  <a:srgbClr val="A5A5A5">
+                    <a:lumMod val="75000"/>
+                  </a:srgbClr>
+                </a:solidFill>
+                <a:effectLst/>
+                <a:uLnTx/>
+                <a:uFillTx/>
+                <a:latin typeface="Segoe UI" panose="020B0502040204020203" pitchFamily="34" charset="0"/>
+                <a:ea typeface="+mn-ea"/>
+                <a:cs typeface="Segoe UI" panose="020B0502040204020203" pitchFamily="34" charset="0"/>
+              </a:rPr>
+              <a:t>@Azure:~$ </a:t>
+            </a:r>
+            <a:r>
+              <a:rPr kumimoji="0" lang="en-US" sz="800" b="0" i="0" u="none" strike="noStrike" kern="1200" cap="none" spc="0" normalizeH="0" baseline="0" noProof="0" dirty="0">
+                <a:ln>
+                  <a:noFill/>
+                </a:ln>
+                <a:solidFill>
+                  <a:srgbClr val="A5A5A5">
+                    <a:lumMod val="75000"/>
+                  </a:srgbClr>
+                </a:solidFill>
+                <a:effectLst/>
+                <a:uLnTx/>
+                <a:uFillTx/>
+                <a:latin typeface="Segoe UI" panose="020B0502040204020203" pitchFamily="34" charset="0"/>
+                <a:ea typeface="+mn-ea"/>
+                <a:cs typeface="Segoe UI" panose="020B0502040204020203" pitchFamily="34" charset="0"/>
+              </a:rPr>
+              <a:t>terraform -</a:t>
+            </a:r>
+            <a:r>
+              <a:rPr kumimoji="0" lang="en-US" sz="800" b="0" i="0" u="none" strike="noStrike" kern="1200" cap="none" spc="0" normalizeH="0" baseline="0" noProof="0" dirty="0" err="1">
+                <a:ln>
+                  <a:noFill/>
+                </a:ln>
+                <a:solidFill>
+                  <a:srgbClr val="A5A5A5">
+                    <a:lumMod val="75000"/>
+                  </a:srgbClr>
+                </a:solidFill>
+                <a:effectLst/>
+                <a:uLnTx/>
+                <a:uFillTx/>
+                <a:latin typeface="Segoe UI" panose="020B0502040204020203" pitchFamily="34" charset="0"/>
+                <a:ea typeface="+mn-ea"/>
+                <a:cs typeface="Segoe UI" panose="020B0502040204020203" pitchFamily="34" charset="0"/>
+              </a:rPr>
+              <a:t>chdir</a:t>
+            </a:r>
+            <a:r>
+              <a:rPr kumimoji="0" lang="en-US" sz="800" b="0" i="0" u="none" strike="noStrike" kern="1200" cap="none" spc="0" normalizeH="0" baseline="0" noProof="0" dirty="0">
+                <a:ln>
+                  <a:noFill/>
+                </a:ln>
+                <a:solidFill>
+                  <a:srgbClr val="A5A5A5">
+                    <a:lumMod val="75000"/>
+                  </a:srgbClr>
+                </a:solidFill>
+                <a:effectLst/>
+                <a:uLnTx/>
+                <a:uFillTx/>
+                <a:latin typeface="Segoe UI" panose="020B0502040204020203" pitchFamily="34" charset="0"/>
+                <a:ea typeface="+mn-ea"/>
+                <a:cs typeface="Segoe UI" panose="020B0502040204020203" pitchFamily="34" charset="0"/>
+              </a:rPr>
+              <a:t>=Terraform </a:t>
+            </a:r>
+            <a:r>
+              <a:rPr kumimoji="0" lang="en-US" sz="800" b="0" i="0" u="none" strike="noStrike" kern="1200" cap="none" spc="0" normalizeH="0" baseline="0" noProof="0" dirty="0" err="1">
+                <a:ln>
+                  <a:noFill/>
+                </a:ln>
+                <a:solidFill>
+                  <a:srgbClr val="A5A5A5">
+                    <a:lumMod val="75000"/>
+                  </a:srgbClr>
+                </a:solidFill>
+                <a:effectLst/>
+                <a:uLnTx/>
+                <a:uFillTx/>
+                <a:latin typeface="Segoe UI" panose="020B0502040204020203" pitchFamily="34" charset="0"/>
+                <a:ea typeface="+mn-ea"/>
+                <a:cs typeface="Segoe UI" panose="020B0502040204020203" pitchFamily="34" charset="0"/>
+              </a:rPr>
+              <a:t>init</a:t>
+            </a:r>
+            <a:endParaRPr kumimoji="0" lang="en-US" sz="800" b="0" i="0" u="none" strike="noStrike" kern="1200" cap="none" spc="0" normalizeH="0" baseline="0" noProof="0" dirty="0">
+              <a:ln>
+                <a:noFill/>
+              </a:ln>
+              <a:solidFill>
+                <a:srgbClr val="A5A5A5">
+                  <a:lumMod val="75000"/>
+                </a:srgbClr>
+              </a:solidFill>
+              <a:effectLst/>
+              <a:uLnTx/>
+              <a:uFillTx/>
+              <a:latin typeface="Segoe UI" panose="020B0502040204020203" pitchFamily="34" charset="0"/>
+              <a:ea typeface="+mn-ea"/>
+              <a:cs typeface="Segoe UI" panose="020B0502040204020203" pitchFamily="34" charset="0"/>
+            </a:endParaRPr>
+          </a:p>
+          <a:p>
+            <a:pPr marL="628650" marR="0" lvl="1" indent="-171450" algn="l" defTabSz="914400" rtl="0" eaLnBrk="1" fontAlgn="auto" latinLnBrk="0" hangingPunct="1">
+              <a:lnSpc>
+                <a:spcPct val="100000"/>
+              </a:lnSpc>
+              <a:spcBef>
+                <a:spcPts val="0"/>
+              </a:spcBef>
+              <a:spcAft>
+                <a:spcPts val="0"/>
+              </a:spcAft>
+              <a:buClrTx/>
+              <a:buSzTx/>
+              <a:buFont typeface="Arial" panose="020B0604020202020204" pitchFamily="34" charset="0"/>
+              <a:buChar char="•"/>
+              <a:tabLst/>
+              <a:defRPr/>
+            </a:pPr>
+            <a:r>
+              <a:rPr kumimoji="0" lang="en-US" sz="800" b="1" i="0" u="none" strike="noStrike" kern="1200" cap="none" spc="0" normalizeH="0" baseline="0" noProof="0" dirty="0">
+                <a:ln>
+                  <a:noFill/>
+                </a:ln>
+                <a:solidFill>
+                  <a:srgbClr val="A5A5A5">
+                    <a:lumMod val="75000"/>
+                  </a:srgbClr>
+                </a:solidFill>
+                <a:effectLst/>
+                <a:uLnTx/>
+                <a:uFillTx/>
+                <a:latin typeface="Segoe UI" panose="020B0502040204020203" pitchFamily="34" charset="0"/>
+                <a:ea typeface="+mn-ea"/>
+                <a:cs typeface="Segoe UI" panose="020B0502040204020203" pitchFamily="34" charset="0"/>
+              </a:rPr>
+              <a:t>@Azure:~$ </a:t>
+            </a:r>
+            <a:r>
+              <a:rPr kumimoji="0" lang="en-US" sz="800" b="0" i="0" u="none" strike="noStrike" kern="1200" cap="none" spc="0" normalizeH="0" baseline="0" noProof="0" dirty="0">
+                <a:ln>
+                  <a:noFill/>
+                </a:ln>
+                <a:solidFill>
+                  <a:srgbClr val="A5A5A5">
+                    <a:lumMod val="75000"/>
+                  </a:srgbClr>
+                </a:solidFill>
+                <a:effectLst/>
+                <a:uLnTx/>
+                <a:uFillTx/>
+                <a:latin typeface="Segoe UI" panose="020B0502040204020203" pitchFamily="34" charset="0"/>
+                <a:ea typeface="+mn-ea"/>
+                <a:cs typeface="Segoe UI" panose="020B0502040204020203" pitchFamily="34" charset="0"/>
+              </a:rPr>
+              <a:t>terraform -</a:t>
+            </a:r>
+            <a:r>
+              <a:rPr kumimoji="0" lang="en-US" sz="800" b="0" i="0" u="none" strike="noStrike" kern="1200" cap="none" spc="0" normalizeH="0" baseline="0" noProof="0" dirty="0" err="1">
+                <a:ln>
+                  <a:noFill/>
+                </a:ln>
+                <a:solidFill>
+                  <a:srgbClr val="A5A5A5">
+                    <a:lumMod val="75000"/>
+                  </a:srgbClr>
+                </a:solidFill>
+                <a:effectLst/>
+                <a:uLnTx/>
+                <a:uFillTx/>
+                <a:latin typeface="Segoe UI" panose="020B0502040204020203" pitchFamily="34" charset="0"/>
+                <a:ea typeface="+mn-ea"/>
+                <a:cs typeface="Segoe UI" panose="020B0502040204020203" pitchFamily="34" charset="0"/>
+              </a:rPr>
+              <a:t>chdir</a:t>
+            </a:r>
+            <a:r>
+              <a:rPr kumimoji="0" lang="en-US" sz="800" b="0" i="0" u="none" strike="noStrike" kern="1200" cap="none" spc="0" normalizeH="0" baseline="0" noProof="0" dirty="0">
+                <a:ln>
+                  <a:noFill/>
+                </a:ln>
+                <a:solidFill>
+                  <a:srgbClr val="A5A5A5">
+                    <a:lumMod val="75000"/>
+                  </a:srgbClr>
+                </a:solidFill>
+                <a:effectLst/>
+                <a:uLnTx/>
+                <a:uFillTx/>
+                <a:latin typeface="Segoe UI" panose="020B0502040204020203" pitchFamily="34" charset="0"/>
+                <a:ea typeface="+mn-ea"/>
+                <a:cs typeface="Segoe UI" panose="020B0502040204020203" pitchFamily="34" charset="0"/>
+              </a:rPr>
+              <a:t>=Terraform plan</a:t>
+            </a:r>
+          </a:p>
+          <a:p>
+            <a:pPr marL="628650" marR="0" lvl="1" indent="-171450" algn="l" defTabSz="914400" rtl="0" eaLnBrk="1" fontAlgn="auto" latinLnBrk="0" hangingPunct="1">
+              <a:lnSpc>
+                <a:spcPct val="100000"/>
+              </a:lnSpc>
+              <a:spcBef>
+                <a:spcPts val="0"/>
+              </a:spcBef>
+              <a:spcAft>
+                <a:spcPts val="0"/>
+              </a:spcAft>
+              <a:buClrTx/>
+              <a:buSzTx/>
+              <a:buFont typeface="Arial" panose="020B0604020202020204" pitchFamily="34" charset="0"/>
+              <a:buChar char="•"/>
+              <a:tabLst/>
+              <a:defRPr/>
+            </a:pPr>
+            <a:r>
+              <a:rPr kumimoji="0" lang="en-US" sz="800" b="1" i="0" u="none" strike="noStrike" kern="1200" cap="none" spc="0" normalizeH="0" baseline="0" noProof="0" dirty="0">
+                <a:ln>
+                  <a:noFill/>
+                </a:ln>
+                <a:solidFill>
+                  <a:srgbClr val="A5A5A5">
+                    <a:lumMod val="75000"/>
+                  </a:srgbClr>
+                </a:solidFill>
+                <a:effectLst/>
+                <a:uLnTx/>
+                <a:uFillTx/>
+                <a:latin typeface="Segoe UI" panose="020B0502040204020203" pitchFamily="34" charset="0"/>
+                <a:ea typeface="+mn-ea"/>
+                <a:cs typeface="Segoe UI" panose="020B0502040204020203" pitchFamily="34" charset="0"/>
+              </a:rPr>
+              <a:t>@Azure:~$ </a:t>
+            </a:r>
+            <a:r>
+              <a:rPr kumimoji="0" lang="en-US" sz="800" b="0" i="0" u="none" strike="noStrike" kern="1200" cap="none" spc="0" normalizeH="0" baseline="0" noProof="0" dirty="0">
+                <a:ln>
+                  <a:noFill/>
+                </a:ln>
+                <a:solidFill>
+                  <a:srgbClr val="A5A5A5">
+                    <a:lumMod val="75000"/>
+                  </a:srgbClr>
+                </a:solidFill>
+                <a:effectLst/>
+                <a:uLnTx/>
+                <a:uFillTx/>
+                <a:latin typeface="Segoe UI" panose="020B0502040204020203" pitchFamily="34" charset="0"/>
+                <a:ea typeface="+mn-ea"/>
+                <a:cs typeface="Segoe UI" panose="020B0502040204020203" pitchFamily="34" charset="0"/>
+              </a:rPr>
+              <a:t>terraform -</a:t>
+            </a:r>
+            <a:r>
+              <a:rPr kumimoji="0" lang="en-US" sz="800" b="0" i="0" u="none" strike="noStrike" kern="1200" cap="none" spc="0" normalizeH="0" baseline="0" noProof="0" dirty="0" err="1">
+                <a:ln>
+                  <a:noFill/>
+                </a:ln>
+                <a:solidFill>
+                  <a:srgbClr val="A5A5A5">
+                    <a:lumMod val="75000"/>
+                  </a:srgbClr>
+                </a:solidFill>
+                <a:effectLst/>
+                <a:uLnTx/>
+                <a:uFillTx/>
+                <a:latin typeface="Segoe UI" panose="020B0502040204020203" pitchFamily="34" charset="0"/>
+                <a:ea typeface="+mn-ea"/>
+                <a:cs typeface="Segoe UI" panose="020B0502040204020203" pitchFamily="34" charset="0"/>
+              </a:rPr>
+              <a:t>chdir</a:t>
+            </a:r>
+            <a:r>
+              <a:rPr kumimoji="0" lang="en-US" sz="800" b="0" i="0" u="none" strike="noStrike" kern="1200" cap="none" spc="0" normalizeH="0" baseline="0" noProof="0" dirty="0">
+                <a:ln>
+                  <a:noFill/>
+                </a:ln>
+                <a:solidFill>
+                  <a:srgbClr val="A5A5A5">
+                    <a:lumMod val="75000"/>
+                  </a:srgbClr>
+                </a:solidFill>
+                <a:effectLst/>
+                <a:uLnTx/>
+                <a:uFillTx/>
+                <a:latin typeface="Segoe UI" panose="020B0502040204020203" pitchFamily="34" charset="0"/>
+                <a:ea typeface="+mn-ea"/>
+                <a:cs typeface="Segoe UI" panose="020B0502040204020203" pitchFamily="34" charset="0"/>
+              </a:rPr>
+              <a:t>=Terraform deploy</a:t>
+            </a:r>
+            <a:endParaRPr lang="en-US" sz="800" dirty="0">
+              <a:solidFill>
+                <a:srgbClr val="A5A5A5">
+                  <a:lumMod val="75000"/>
+                </a:srgbClr>
+              </a:solidFill>
+              <a:latin typeface="Segoe UI" panose="020B0502040204020203" pitchFamily="34" charset="0"/>
+              <a:cs typeface="Segoe UI" panose="020B0502040204020203" pitchFamily="34" charset="0"/>
+            </a:endParaRPr>
+          </a:p>
+          <a:p>
+            <a:pPr marL="628650" marR="0" lvl="1" indent="-171450" algn="l" defTabSz="914400" rtl="0" eaLnBrk="1" fontAlgn="auto" latinLnBrk="0" hangingPunct="1">
+              <a:lnSpc>
+                <a:spcPct val="100000"/>
+              </a:lnSpc>
+              <a:spcBef>
+                <a:spcPts val="0"/>
+              </a:spcBef>
+              <a:spcAft>
+                <a:spcPts val="0"/>
+              </a:spcAft>
+              <a:buClrTx/>
+              <a:buSzTx/>
+              <a:buFont typeface="Arial" panose="020B0604020202020204" pitchFamily="34" charset="0"/>
+              <a:buChar char="•"/>
+              <a:tabLst/>
+              <a:defRPr/>
+            </a:pPr>
+            <a:r>
+              <a:rPr kumimoji="0" lang="en-US" sz="800" b="1" i="0" u="none" strike="noStrike" kern="1200" cap="none" spc="0" normalizeH="0" baseline="0" noProof="0" dirty="0">
+                <a:ln>
+                  <a:noFill/>
+                </a:ln>
+                <a:solidFill>
+                  <a:srgbClr val="A5A5A5">
+                    <a:lumMod val="75000"/>
+                  </a:srgbClr>
+                </a:solidFill>
+                <a:effectLst/>
+                <a:uLnTx/>
+                <a:uFillTx/>
+                <a:latin typeface="Segoe UI" panose="020B0502040204020203" pitchFamily="34" charset="0"/>
+                <a:ea typeface="+mn-ea"/>
+                <a:cs typeface="Segoe UI" panose="020B0502040204020203" pitchFamily="34" charset="0"/>
+              </a:rPr>
+              <a:t>@Azure:~$ </a:t>
+            </a:r>
+            <a:r>
+              <a:rPr kumimoji="0" lang="en-US" sz="800" b="0" i="0" u="none" strike="noStrike" kern="1200" cap="none" spc="0" normalizeH="0" baseline="0" noProof="0" dirty="0">
+                <a:ln>
+                  <a:noFill/>
+                </a:ln>
+                <a:solidFill>
+                  <a:srgbClr val="A5A5A5">
+                    <a:lumMod val="75000"/>
+                  </a:srgbClr>
+                </a:solidFill>
+                <a:effectLst/>
+                <a:uLnTx/>
+                <a:uFillTx/>
+                <a:latin typeface="Segoe UI" panose="020B0502040204020203" pitchFamily="34" charset="0"/>
+                <a:ea typeface="+mn-ea"/>
+                <a:cs typeface="Segoe UI" panose="020B0502040204020203" pitchFamily="34" charset="0"/>
+              </a:rPr>
+              <a:t>bash deploySynapse.sh</a:t>
+            </a:r>
+          </a:p>
+          <a:p>
+            <a:pPr marL="628650" marR="0" lvl="1" indent="-171450" algn="l" defTabSz="914400" rtl="0" eaLnBrk="1" fontAlgn="auto" latinLnBrk="0" hangingPunct="1">
+              <a:lnSpc>
+                <a:spcPct val="100000"/>
+              </a:lnSpc>
+              <a:spcBef>
+                <a:spcPts val="0"/>
+              </a:spcBef>
+              <a:spcAft>
+                <a:spcPts val="0"/>
+              </a:spcAft>
+              <a:buClrTx/>
+              <a:buSzTx/>
+              <a:buFont typeface="Arial" panose="020B0604020202020204" pitchFamily="34" charset="0"/>
+              <a:buChar char="•"/>
+              <a:tabLst/>
+              <a:defRPr/>
+            </a:pPr>
+            <a:endParaRPr kumimoji="0" lang="en-US" sz="1400" b="0" i="0" u="sng" strike="noStrike" kern="1200" cap="none" spc="0" normalizeH="0" baseline="0" noProof="0" dirty="0">
+              <a:ln>
+                <a:noFill/>
+              </a:ln>
+              <a:solidFill>
+                <a:prstClr val="white">
+                  <a:lumMod val="65000"/>
+                </a:prstClr>
+              </a:solidFill>
+              <a:effectLst/>
+              <a:uLnTx/>
+              <a:uFillTx/>
+              <a:latin typeface="Calibri" panose="020F0502020204030204"/>
+              <a:ea typeface="+mn-ea"/>
+              <a:cs typeface="+mn-cs"/>
+            </a:endParaRPr>
+          </a:p>
+          <a:p>
+            <a:pPr marL="0" marR="0" lvl="0" indent="0" algn="l" defTabSz="914400" rtl="0" eaLnBrk="1" fontAlgn="auto" latinLnBrk="0" hangingPunct="1">
+              <a:lnSpc>
+                <a:spcPct val="100000"/>
+              </a:lnSpc>
+              <a:spcBef>
+                <a:spcPts val="0"/>
+              </a:spcBef>
+              <a:spcAft>
+                <a:spcPts val="0"/>
+              </a:spcAft>
+              <a:buClrTx/>
+              <a:buSzTx/>
+              <a:buFontTx/>
+              <a:buNone/>
+              <a:tabLst/>
+              <a:defRPr/>
+            </a:pPr>
+            <a:r>
+              <a:rPr kumimoji="0" lang="en-US" sz="1400" b="0" i="0" u="none" strike="noStrike" kern="1200" cap="none" spc="0" normalizeH="0" baseline="0" noProof="0" dirty="0">
+                <a:ln>
+                  <a:noFill/>
+                </a:ln>
+                <a:solidFill>
+                  <a:prstClr val="white">
+                    <a:lumMod val="65000"/>
+                  </a:prstClr>
+                </a:solidFill>
+                <a:effectLst/>
+                <a:uLnTx/>
+                <a:uFillTx/>
+                <a:latin typeface="Calibri" panose="020F0502020204030204"/>
+                <a:ea typeface="+mn-ea"/>
+                <a:cs typeface="+mn-cs"/>
+              </a:rPr>
+              <a:t>Editing </a:t>
+            </a:r>
+            <a:r>
+              <a:rPr kumimoji="0" lang="en-US" sz="1400" b="0" i="0" u="none" strike="noStrike" kern="1200" cap="none" spc="0" normalizeH="0" baseline="0" noProof="0" dirty="0" err="1">
+                <a:ln>
+                  <a:noFill/>
+                </a:ln>
+                <a:solidFill>
+                  <a:prstClr val="white">
+                    <a:lumMod val="65000"/>
+                  </a:prstClr>
+                </a:solidFill>
+                <a:effectLst/>
+                <a:uLnTx/>
+                <a:uFillTx/>
+                <a:latin typeface="Calibri" panose="020F0502020204030204"/>
+                <a:ea typeface="+mn-ea"/>
+                <a:cs typeface="+mn-cs"/>
+              </a:rPr>
+              <a:t>terraform.tfvars</a:t>
+            </a:r>
+            <a:endParaRPr kumimoji="0" lang="en-US" sz="1400" b="0" i="0" u="none" strike="noStrike" kern="1200" cap="none" spc="0" normalizeH="0" baseline="0" noProof="0" dirty="0">
+              <a:ln>
+                <a:noFill/>
+              </a:ln>
+              <a:solidFill>
+                <a:prstClr val="white">
+                  <a:lumMod val="65000"/>
+                </a:prstClr>
+              </a:solidFill>
+              <a:effectLst/>
+              <a:uLnTx/>
+              <a:uFillTx/>
+              <a:latin typeface="Calibri" panose="020F0502020204030204"/>
+              <a:ea typeface="+mn-ea"/>
+              <a:cs typeface="+mn-cs"/>
+            </a:endParaRPr>
+          </a:p>
+          <a:p>
+            <a:pPr marR="0" lvl="1" algn="l" defTabSz="914400" rtl="0" eaLnBrk="1" fontAlgn="auto" latinLnBrk="0" hangingPunct="1">
+              <a:lnSpc>
+                <a:spcPct val="100000"/>
+              </a:lnSpc>
+              <a:spcBef>
+                <a:spcPts val="0"/>
+              </a:spcBef>
+              <a:spcAft>
+                <a:spcPts val="0"/>
+              </a:spcAft>
+              <a:buClrTx/>
+              <a:buSzTx/>
+              <a:tabLst/>
+              <a:defRPr/>
+            </a:pPr>
+            <a:endParaRPr kumimoji="0" lang="en-US" sz="800" b="0" i="0" u="none" strike="noStrike" kern="1200" cap="none" spc="0" normalizeH="0" baseline="0" noProof="0" dirty="0">
+              <a:ln>
+                <a:noFill/>
+              </a:ln>
+              <a:solidFill>
+                <a:srgbClr val="A5A5A5">
+                  <a:lumMod val="75000"/>
+                </a:srgbClr>
+              </a:solidFill>
+              <a:effectLst/>
+              <a:uLnTx/>
+              <a:uFillTx/>
+              <a:latin typeface="Segoe UI" panose="020B0502040204020203" pitchFamily="34" charset="0"/>
+              <a:ea typeface="+mn-ea"/>
+              <a:cs typeface="Segoe UI" panose="020B0502040204020203" pitchFamily="34" charset="0"/>
+            </a:endParaRPr>
+          </a:p>
+          <a:p>
+            <a:pPr marL="628650" marR="0" lvl="1" indent="-171450" algn="l" defTabSz="914400" rtl="0" eaLnBrk="1" fontAlgn="auto" latinLnBrk="0" hangingPunct="1">
+              <a:lnSpc>
+                <a:spcPct val="100000"/>
+              </a:lnSpc>
+              <a:spcBef>
+                <a:spcPts val="0"/>
+              </a:spcBef>
+              <a:spcAft>
+                <a:spcPts val="0"/>
+              </a:spcAft>
+              <a:buClrTx/>
+              <a:buSzTx/>
+              <a:buFont typeface="Arial" panose="020B0604020202020204" pitchFamily="34" charset="0"/>
+              <a:buChar char="•"/>
+              <a:tabLst/>
+              <a:defRPr/>
+            </a:pPr>
+            <a:r>
+              <a:rPr lang="en-US" sz="800" b="1" dirty="0">
+                <a:solidFill>
+                  <a:srgbClr val="A5A5A5">
+                    <a:lumMod val="75000"/>
+                  </a:srgbClr>
+                </a:solidFill>
+                <a:latin typeface="Segoe UI" panose="020B0502040204020203" pitchFamily="34" charset="0"/>
+                <a:cs typeface="Segoe UI" panose="020B0502040204020203" pitchFamily="34" charset="0"/>
+              </a:rPr>
+              <a:t>a</a:t>
+            </a:r>
+            <a:r>
+              <a:rPr kumimoji="0" lang="en-US" sz="800" b="1" i="0" u="none" strike="noStrike" kern="1200" cap="none" spc="0" normalizeH="0" baseline="0" noProof="0" dirty="0" err="1">
+                <a:ln>
+                  <a:noFill/>
+                </a:ln>
+                <a:solidFill>
+                  <a:srgbClr val="A5A5A5">
+                    <a:lumMod val="75000"/>
+                  </a:srgbClr>
+                </a:solidFill>
+                <a:effectLst/>
+                <a:uLnTx/>
+                <a:uFillTx/>
+                <a:latin typeface="Segoe UI" panose="020B0502040204020203" pitchFamily="34" charset="0"/>
+                <a:ea typeface="+mn-ea"/>
+                <a:cs typeface="Segoe UI" panose="020B0502040204020203" pitchFamily="34" charset="0"/>
+              </a:rPr>
+              <a:t>zure_region</a:t>
+            </a:r>
+            <a:r>
+              <a:rPr kumimoji="0" lang="en-US" sz="800" b="1" i="0" u="none" strike="noStrike" kern="1200" cap="none" spc="0" normalizeH="0" baseline="0" noProof="0" dirty="0">
+                <a:ln>
+                  <a:noFill/>
+                </a:ln>
+                <a:solidFill>
+                  <a:srgbClr val="A5A5A5">
+                    <a:lumMod val="75000"/>
+                  </a:srgbClr>
+                </a:solidFill>
+                <a:effectLst/>
+                <a:uLnTx/>
+                <a:uFillTx/>
+                <a:latin typeface="Segoe UI" panose="020B0502040204020203" pitchFamily="34" charset="0"/>
+                <a:ea typeface="+mn-ea"/>
+                <a:cs typeface="Segoe UI" panose="020B0502040204020203" pitchFamily="34" charset="0"/>
+              </a:rPr>
+              <a:t> </a:t>
+            </a:r>
+            <a:r>
+              <a:rPr kumimoji="0" lang="en-US" sz="800" b="0" i="0" u="none" strike="noStrike" kern="1200" cap="none" spc="0" normalizeH="0" baseline="0" noProof="0" dirty="0">
+                <a:ln>
+                  <a:noFill/>
+                </a:ln>
+                <a:solidFill>
+                  <a:srgbClr val="A5A5A5">
+                    <a:lumMod val="75000"/>
+                  </a:srgbClr>
+                </a:solidFill>
+                <a:effectLst/>
+                <a:uLnTx/>
+                <a:uFillTx/>
+                <a:latin typeface="Segoe UI" panose="020B0502040204020203" pitchFamily="34" charset="0"/>
+                <a:ea typeface="+mn-ea"/>
+                <a:cs typeface="Segoe UI" panose="020B0502040204020203" pitchFamily="34" charset="0"/>
+              </a:rPr>
+              <a:t>The Azure region that Synapse and all the supporting services should be deploy.</a:t>
+            </a:r>
+          </a:p>
+          <a:p>
+            <a:pPr marL="628650" marR="0" lvl="1" indent="-171450" algn="l" defTabSz="914400" rtl="0" eaLnBrk="1" fontAlgn="auto" latinLnBrk="0" hangingPunct="1">
+              <a:lnSpc>
+                <a:spcPct val="100000"/>
+              </a:lnSpc>
+              <a:spcBef>
+                <a:spcPts val="0"/>
+              </a:spcBef>
+              <a:spcAft>
+                <a:spcPts val="0"/>
+              </a:spcAft>
+              <a:buClrTx/>
+              <a:buSzTx/>
+              <a:buFont typeface="Arial" panose="020B0604020202020204" pitchFamily="34" charset="0"/>
+              <a:buChar char="•"/>
+              <a:tabLst/>
+              <a:defRPr/>
+            </a:pPr>
+            <a:r>
+              <a:rPr lang="en-US" sz="800" b="1" dirty="0">
+                <a:solidFill>
+                  <a:srgbClr val="A5A5A5">
+                    <a:lumMod val="75000"/>
+                  </a:srgbClr>
+                </a:solidFill>
+                <a:latin typeface="Segoe UI" panose="020B0502040204020203" pitchFamily="34" charset="0"/>
+                <a:cs typeface="Segoe UI" panose="020B0502040204020203" pitchFamily="34" charset="0"/>
+              </a:rPr>
+              <a:t>r</a:t>
+            </a:r>
+            <a:r>
+              <a:rPr kumimoji="0" lang="en-US" sz="800" b="1" i="0" u="none" strike="noStrike" kern="1200" cap="none" spc="0" normalizeH="0" baseline="0" noProof="0" dirty="0" err="1">
+                <a:ln>
+                  <a:noFill/>
+                </a:ln>
+                <a:solidFill>
+                  <a:srgbClr val="A5A5A5">
+                    <a:lumMod val="75000"/>
+                  </a:srgbClr>
+                </a:solidFill>
+                <a:effectLst/>
+                <a:uLnTx/>
+                <a:uFillTx/>
+                <a:latin typeface="Segoe UI" panose="020B0502040204020203" pitchFamily="34" charset="0"/>
+                <a:ea typeface="+mn-ea"/>
+                <a:cs typeface="Segoe UI" panose="020B0502040204020203" pitchFamily="34" charset="0"/>
+              </a:rPr>
+              <a:t>esource_group_name</a:t>
+            </a:r>
+            <a:r>
+              <a:rPr kumimoji="0" lang="en-US" sz="800" b="1" i="0" u="none" strike="noStrike" kern="1200" cap="none" spc="0" normalizeH="0" baseline="0" noProof="0" dirty="0">
+                <a:ln>
+                  <a:noFill/>
+                </a:ln>
+                <a:solidFill>
+                  <a:srgbClr val="A5A5A5">
+                    <a:lumMod val="75000"/>
+                  </a:srgbClr>
+                </a:solidFill>
+                <a:effectLst/>
+                <a:uLnTx/>
+                <a:uFillTx/>
+                <a:latin typeface="Segoe UI" panose="020B0502040204020203" pitchFamily="34" charset="0"/>
+                <a:ea typeface="+mn-ea"/>
+                <a:cs typeface="Segoe UI" panose="020B0502040204020203" pitchFamily="34" charset="0"/>
+              </a:rPr>
+              <a:t> </a:t>
+            </a:r>
+            <a:r>
+              <a:rPr kumimoji="0" lang="en-US" sz="800" b="0" i="0" u="none" strike="noStrike" kern="1200" cap="none" spc="0" normalizeH="0" baseline="0" noProof="0" dirty="0">
+                <a:ln>
+                  <a:noFill/>
+                </a:ln>
+                <a:solidFill>
+                  <a:srgbClr val="A5A5A5">
+                    <a:lumMod val="75000"/>
+                  </a:srgbClr>
+                </a:solidFill>
+                <a:effectLst/>
+                <a:uLnTx/>
+                <a:uFillTx/>
+                <a:latin typeface="Segoe UI" panose="020B0502040204020203" pitchFamily="34" charset="0"/>
+                <a:ea typeface="+mn-ea"/>
+                <a:cs typeface="Segoe UI" panose="020B0502040204020203" pitchFamily="34" charset="0"/>
+              </a:rPr>
+              <a:t>The resource group that Synapse and all the supporting services will be deployed into.</a:t>
+            </a:r>
+          </a:p>
+          <a:p>
+            <a:pPr marL="628650" marR="0" lvl="1" indent="-171450" algn="l" defTabSz="914400" rtl="0" eaLnBrk="1" fontAlgn="auto" latinLnBrk="0" hangingPunct="1">
+              <a:lnSpc>
+                <a:spcPct val="100000"/>
+              </a:lnSpc>
+              <a:spcBef>
+                <a:spcPts val="0"/>
+              </a:spcBef>
+              <a:spcAft>
+                <a:spcPts val="0"/>
+              </a:spcAft>
+              <a:buClrTx/>
+              <a:buSzTx/>
+              <a:buFont typeface="Arial" panose="020B0604020202020204" pitchFamily="34" charset="0"/>
+              <a:buChar char="•"/>
+              <a:tabLst/>
+              <a:defRPr/>
+            </a:pPr>
+            <a:r>
+              <a:rPr lang="en-US" sz="800" b="1" dirty="0" err="1">
+                <a:solidFill>
+                  <a:srgbClr val="A5A5A5">
+                    <a:lumMod val="75000"/>
+                  </a:srgbClr>
+                </a:solidFill>
+                <a:latin typeface="Segoe UI" panose="020B0502040204020203" pitchFamily="34" charset="0"/>
+                <a:cs typeface="Segoe UI" panose="020B0502040204020203" pitchFamily="34" charset="0"/>
+              </a:rPr>
+              <a:t>synapse_sql_pool_name</a:t>
+            </a:r>
+            <a:r>
+              <a:rPr lang="en-US" sz="800" b="1" dirty="0">
+                <a:solidFill>
+                  <a:srgbClr val="A5A5A5">
+                    <a:lumMod val="75000"/>
+                  </a:srgbClr>
+                </a:solidFill>
+                <a:latin typeface="Segoe UI" panose="020B0502040204020203" pitchFamily="34" charset="0"/>
+                <a:cs typeface="Segoe UI" panose="020B0502040204020203" pitchFamily="34" charset="0"/>
+              </a:rPr>
+              <a:t> </a:t>
+            </a:r>
+            <a:r>
+              <a:rPr lang="en-US" sz="800" dirty="0">
+                <a:solidFill>
+                  <a:srgbClr val="A5A5A5">
+                    <a:lumMod val="75000"/>
+                  </a:srgbClr>
+                </a:solidFill>
+                <a:latin typeface="Segoe UI" panose="020B0502040204020203" pitchFamily="34" charset="0"/>
+                <a:cs typeface="Segoe UI" panose="020B0502040204020203" pitchFamily="34" charset="0"/>
+              </a:rPr>
+              <a:t>Name of the Dedicated SQL Pool database.</a:t>
+            </a:r>
+          </a:p>
+          <a:p>
+            <a:pPr marL="628650" marR="0" lvl="1" indent="-171450" algn="l" defTabSz="914400" rtl="0" eaLnBrk="1" fontAlgn="auto" latinLnBrk="0" hangingPunct="1">
+              <a:lnSpc>
+                <a:spcPct val="100000"/>
+              </a:lnSpc>
+              <a:spcBef>
+                <a:spcPts val="0"/>
+              </a:spcBef>
+              <a:spcAft>
+                <a:spcPts val="0"/>
+              </a:spcAft>
+              <a:buClrTx/>
+              <a:buSzTx/>
+              <a:buFont typeface="Arial" panose="020B0604020202020204" pitchFamily="34" charset="0"/>
+              <a:buChar char="•"/>
+              <a:tabLst/>
+              <a:defRPr/>
+            </a:pPr>
+            <a:r>
+              <a:rPr lang="en-US" sz="800" b="1" dirty="0" err="1">
+                <a:solidFill>
+                  <a:srgbClr val="A5A5A5">
+                    <a:lumMod val="75000"/>
+                  </a:srgbClr>
+                </a:solidFill>
+                <a:latin typeface="Segoe UI" panose="020B0502040204020203" pitchFamily="34" charset="0"/>
+                <a:cs typeface="Segoe UI" panose="020B0502040204020203" pitchFamily="34" charset="0"/>
+              </a:rPr>
+              <a:t>synapse_sql_administrator_login</a:t>
+            </a:r>
+            <a:r>
+              <a:rPr lang="en-US" sz="800" b="1" dirty="0">
+                <a:solidFill>
+                  <a:srgbClr val="A5A5A5">
+                    <a:lumMod val="75000"/>
+                  </a:srgbClr>
+                </a:solidFill>
+                <a:latin typeface="Segoe UI" panose="020B0502040204020203" pitchFamily="34" charset="0"/>
+                <a:cs typeface="Segoe UI" panose="020B0502040204020203" pitchFamily="34" charset="0"/>
+              </a:rPr>
+              <a:t> </a:t>
+            </a:r>
+            <a:r>
+              <a:rPr lang="en-US" sz="800" dirty="0">
+                <a:solidFill>
+                  <a:srgbClr val="A5A5A5">
+                    <a:lumMod val="75000"/>
+                  </a:srgbClr>
+                </a:solidFill>
+                <a:latin typeface="Segoe UI" panose="020B0502040204020203" pitchFamily="34" charset="0"/>
+                <a:cs typeface="Segoe UI" panose="020B0502040204020203" pitchFamily="34" charset="0"/>
+              </a:rPr>
+              <a:t>Native SQL account for administration.</a:t>
+            </a:r>
+          </a:p>
+          <a:p>
+            <a:pPr marL="628650" marR="0" lvl="1" indent="-171450" algn="l" defTabSz="914400" rtl="0" eaLnBrk="1" fontAlgn="auto" latinLnBrk="0" hangingPunct="1">
+              <a:lnSpc>
+                <a:spcPct val="100000"/>
+              </a:lnSpc>
+              <a:spcBef>
+                <a:spcPts val="0"/>
+              </a:spcBef>
+              <a:spcAft>
+                <a:spcPts val="0"/>
+              </a:spcAft>
+              <a:buClrTx/>
+              <a:buSzTx/>
+              <a:buFont typeface="Arial" panose="020B0604020202020204" pitchFamily="34" charset="0"/>
+              <a:buChar char="•"/>
+              <a:tabLst/>
+              <a:defRPr/>
+            </a:pPr>
+            <a:r>
+              <a:rPr lang="en-US" sz="800" b="1" dirty="0">
+                <a:solidFill>
+                  <a:srgbClr val="A5A5A5">
+                    <a:lumMod val="75000"/>
+                  </a:srgbClr>
+                </a:solidFill>
+                <a:latin typeface="Segoe UI" panose="020B0502040204020203" pitchFamily="34" charset="0"/>
+                <a:cs typeface="Segoe UI" panose="020B0502040204020203" pitchFamily="34" charset="0"/>
+              </a:rPr>
+              <a:t>s</a:t>
+            </a:r>
+            <a:r>
+              <a:rPr kumimoji="0" lang="en-US" sz="800" b="1" i="0" u="none" strike="noStrike" kern="1200" cap="none" spc="0" normalizeH="0" baseline="0" noProof="0" dirty="0" err="1">
+                <a:ln>
+                  <a:noFill/>
+                </a:ln>
+                <a:solidFill>
+                  <a:srgbClr val="A5A5A5">
+                    <a:lumMod val="75000"/>
+                  </a:srgbClr>
+                </a:solidFill>
+                <a:effectLst/>
+                <a:uLnTx/>
+                <a:uFillTx/>
+                <a:latin typeface="Segoe UI" panose="020B0502040204020203" pitchFamily="34" charset="0"/>
+                <a:ea typeface="+mn-ea"/>
+                <a:cs typeface="Segoe UI" panose="020B0502040204020203" pitchFamily="34" charset="0"/>
+              </a:rPr>
+              <a:t>ynapse_sql_administrator_password</a:t>
+            </a:r>
+            <a:r>
+              <a:rPr kumimoji="0" lang="en-US" sz="800" b="1" i="0" u="none" strike="noStrike" kern="1200" cap="none" spc="0" normalizeH="0" baseline="0" noProof="0" dirty="0">
+                <a:ln>
+                  <a:noFill/>
+                </a:ln>
+                <a:solidFill>
+                  <a:srgbClr val="A5A5A5">
+                    <a:lumMod val="75000"/>
+                  </a:srgbClr>
+                </a:solidFill>
+                <a:effectLst/>
+                <a:uLnTx/>
+                <a:uFillTx/>
+                <a:latin typeface="Segoe UI" panose="020B0502040204020203" pitchFamily="34" charset="0"/>
+                <a:ea typeface="+mn-ea"/>
+                <a:cs typeface="Segoe UI" panose="020B0502040204020203" pitchFamily="34" charset="0"/>
+              </a:rPr>
+              <a:t> </a:t>
+            </a:r>
+            <a:r>
+              <a:rPr lang="en-US" sz="800" dirty="0">
+                <a:solidFill>
+                  <a:srgbClr val="A5A5A5">
+                    <a:lumMod val="75000"/>
+                  </a:srgbClr>
+                </a:solidFill>
+                <a:latin typeface="Segoe UI" panose="020B0502040204020203" pitchFamily="34" charset="0"/>
+                <a:cs typeface="Segoe UI" panose="020B0502040204020203" pitchFamily="34" charset="0"/>
+              </a:rPr>
+              <a:t>Password for the native SQL account for administration. This password is also used for the Resource Class Logins.</a:t>
+            </a:r>
+          </a:p>
+          <a:p>
+            <a:pPr marL="628650" lvl="1" indent="-171450">
+              <a:buFont typeface="Arial" panose="020B0604020202020204" pitchFamily="34" charset="0"/>
+              <a:buChar char="•"/>
+              <a:defRPr/>
+            </a:pPr>
+            <a:r>
+              <a:rPr lang="en-US" sz="800" b="1" dirty="0">
+                <a:solidFill>
+                  <a:srgbClr val="A5A5A5">
+                    <a:lumMod val="75000"/>
+                  </a:srgbClr>
+                </a:solidFill>
+                <a:latin typeface="Segoe UI" panose="020B0502040204020203" pitchFamily="34" charset="0"/>
+                <a:cs typeface="Segoe UI" panose="020B0502040204020203" pitchFamily="34" charset="0"/>
+              </a:rPr>
+              <a:t>s</a:t>
+            </a:r>
+            <a:r>
+              <a:rPr kumimoji="0" lang="en-US" sz="800" b="1" i="0" u="none" strike="noStrike" kern="1200" cap="none" spc="0" normalizeH="0" baseline="0" noProof="0" dirty="0" err="1">
+                <a:ln>
+                  <a:noFill/>
+                </a:ln>
+                <a:solidFill>
+                  <a:srgbClr val="A5A5A5">
+                    <a:lumMod val="75000"/>
+                  </a:srgbClr>
+                </a:solidFill>
+                <a:effectLst/>
+                <a:uLnTx/>
+                <a:uFillTx/>
+                <a:latin typeface="Segoe UI" panose="020B0502040204020203" pitchFamily="34" charset="0"/>
+                <a:ea typeface="+mn-ea"/>
+                <a:cs typeface="Segoe UI" panose="020B0502040204020203" pitchFamily="34" charset="0"/>
+              </a:rPr>
+              <a:t>ynapse</a:t>
+            </a:r>
+            <a:r>
+              <a:rPr lang="en-US" sz="800" b="1" dirty="0">
+                <a:solidFill>
+                  <a:srgbClr val="A5A5A5">
+                    <a:lumMod val="75000"/>
+                  </a:srgbClr>
+                </a:solidFill>
+                <a:latin typeface="Segoe UI" panose="020B0502040204020203" pitchFamily="34" charset="0"/>
+                <a:cs typeface="Segoe UI" panose="020B0502040204020203" pitchFamily="34" charset="0"/>
+              </a:rPr>
+              <a:t>_</a:t>
+            </a:r>
+            <a:r>
+              <a:rPr lang="en-US" sz="800" b="1" dirty="0" err="1">
+                <a:solidFill>
+                  <a:srgbClr val="A5A5A5">
+                    <a:lumMod val="75000"/>
+                  </a:srgbClr>
+                </a:solidFill>
+                <a:latin typeface="Segoe UI" panose="020B0502040204020203" pitchFamily="34" charset="0"/>
+                <a:cs typeface="Segoe UI" panose="020B0502040204020203" pitchFamily="34" charset="0"/>
+              </a:rPr>
+              <a:t>azure_ad_admin_upn</a:t>
+            </a:r>
+            <a:r>
+              <a:rPr lang="en-US" sz="800" b="1" dirty="0">
+                <a:solidFill>
+                  <a:srgbClr val="A5A5A5">
+                    <a:lumMod val="75000"/>
+                  </a:srgbClr>
+                </a:solidFill>
+                <a:latin typeface="Segoe UI" panose="020B0502040204020203" pitchFamily="34" charset="0"/>
+                <a:cs typeface="Segoe UI" panose="020B0502040204020203" pitchFamily="34" charset="0"/>
+              </a:rPr>
+              <a:t> </a:t>
+            </a:r>
+            <a:r>
+              <a:rPr lang="en-US" sz="800" dirty="0" err="1">
+                <a:solidFill>
+                  <a:srgbClr val="A5A5A5">
+                    <a:lumMod val="75000"/>
+                  </a:srgbClr>
+                </a:solidFill>
+                <a:latin typeface="Segoe UI" panose="020B0502040204020203" pitchFamily="34" charset="0"/>
+                <a:cs typeface="Segoe UI" panose="020B0502040204020203" pitchFamily="34" charset="0"/>
+              </a:rPr>
+              <a:t>UserPrincipcalName</a:t>
+            </a:r>
+            <a:r>
+              <a:rPr lang="en-US" sz="800" dirty="0">
+                <a:solidFill>
+                  <a:srgbClr val="A5A5A5">
+                    <a:lumMod val="75000"/>
+                  </a:srgbClr>
+                </a:solidFill>
+                <a:latin typeface="Segoe UI" panose="020B0502040204020203" pitchFamily="34" charset="0"/>
+                <a:cs typeface="Segoe UI" panose="020B0502040204020203" pitchFamily="34" charset="0"/>
+              </a:rPr>
+              <a:t> (UPN) for the Azure AD administrator of Synapse. This can also be a group, but only one value can be specified. (i.e. shane@microsoft.com)</a:t>
+            </a:r>
+          </a:p>
+          <a:p>
+            <a:pPr marL="628650" lvl="1" indent="-171450">
+              <a:buFont typeface="Arial" panose="020B0604020202020204" pitchFamily="34" charset="0"/>
+              <a:buChar char="•"/>
+              <a:defRPr/>
+            </a:pPr>
+            <a:r>
+              <a:rPr lang="en-US" sz="800" b="1" dirty="0">
+                <a:solidFill>
+                  <a:srgbClr val="A5A5A5">
+                    <a:lumMod val="75000"/>
+                  </a:srgbClr>
+                </a:solidFill>
+                <a:latin typeface="Segoe UI" panose="020B0502040204020203" pitchFamily="34" charset="0"/>
+                <a:cs typeface="Segoe UI" panose="020B0502040204020203" pitchFamily="34" charset="0"/>
+              </a:rPr>
+              <a:t>e</a:t>
+            </a:r>
+            <a:r>
+              <a:rPr kumimoji="0" lang="en-US" sz="800" b="1" i="0" u="none" strike="noStrike" kern="1200" cap="none" spc="0" normalizeH="0" baseline="0" noProof="0" dirty="0" err="1">
+                <a:ln>
+                  <a:noFill/>
+                </a:ln>
+                <a:solidFill>
+                  <a:srgbClr val="A5A5A5">
+                    <a:lumMod val="75000"/>
+                  </a:srgbClr>
+                </a:solidFill>
+                <a:effectLst/>
+                <a:uLnTx/>
+                <a:uFillTx/>
+                <a:latin typeface="Segoe UI" panose="020B0502040204020203" pitchFamily="34" charset="0"/>
+                <a:ea typeface="+mn-ea"/>
+                <a:cs typeface="Segoe UI" panose="020B0502040204020203" pitchFamily="34" charset="0"/>
+              </a:rPr>
+              <a:t>nable_private_endpoints</a:t>
+            </a:r>
+            <a:r>
+              <a:rPr kumimoji="0" lang="en-US" sz="800" i="0" u="none" strike="noStrike" kern="1200" cap="none" spc="0" normalizeH="0" baseline="0" noProof="0" dirty="0">
+                <a:ln>
+                  <a:noFill/>
+                </a:ln>
+                <a:solidFill>
+                  <a:srgbClr val="A5A5A5">
+                    <a:lumMod val="75000"/>
+                  </a:srgbClr>
+                </a:solidFill>
+                <a:effectLst/>
+                <a:uLnTx/>
+                <a:uFillTx/>
+                <a:latin typeface="Segoe UI" panose="020B0502040204020203" pitchFamily="34" charset="0"/>
+                <a:ea typeface="+mn-ea"/>
+                <a:cs typeface="Segoe UI" panose="020B0502040204020203" pitchFamily="34" charset="0"/>
+              </a:rPr>
+              <a:t> </a:t>
+            </a:r>
+            <a:r>
+              <a:rPr lang="en-US" sz="800" dirty="0">
+                <a:solidFill>
+                  <a:srgbClr val="A5A5A5">
+                    <a:lumMod val="75000"/>
+                  </a:srgbClr>
+                </a:solidFill>
+                <a:latin typeface="Segoe UI" panose="020B0502040204020203" pitchFamily="34" charset="0"/>
+                <a:cs typeface="Segoe UI" panose="020B0502040204020203" pitchFamily="34" charset="0"/>
+              </a:rPr>
+              <a:t>If true, create Private Endpoints for Synapse Analytics. This assumes you have other Private Endpoint requirements configured and in place such as virtual networks, VPN/Express Route, and private DNS forwarding.</a:t>
+            </a:r>
+          </a:p>
+          <a:p>
+            <a:pPr marL="628650" lvl="1" indent="-171450">
+              <a:buFont typeface="Arial" panose="020B0604020202020204" pitchFamily="34" charset="0"/>
+              <a:buChar char="•"/>
+              <a:defRPr/>
+            </a:pPr>
+            <a:r>
+              <a:rPr lang="en-US" sz="800" b="1" dirty="0" err="1">
+                <a:solidFill>
+                  <a:srgbClr val="A5A5A5">
+                    <a:lumMod val="75000"/>
+                  </a:srgbClr>
+                </a:solidFill>
+                <a:latin typeface="Segoe UI" panose="020B0502040204020203" pitchFamily="34" charset="0"/>
+                <a:cs typeface="Segoe UI" panose="020B0502040204020203" pitchFamily="34" charset="0"/>
+              </a:rPr>
+              <a:t>private_endpoint_virtual_network</a:t>
+            </a:r>
+            <a:r>
+              <a:rPr lang="en-US" sz="800" b="1" dirty="0">
+                <a:solidFill>
+                  <a:srgbClr val="A5A5A5">
+                    <a:lumMod val="75000"/>
+                  </a:srgbClr>
+                </a:solidFill>
+                <a:latin typeface="Segoe UI" panose="020B0502040204020203" pitchFamily="34" charset="0"/>
+                <a:cs typeface="Segoe UI" panose="020B0502040204020203" pitchFamily="34" charset="0"/>
+              </a:rPr>
+              <a:t> </a:t>
+            </a:r>
+            <a:r>
+              <a:rPr lang="en-US" sz="800" dirty="0">
+                <a:solidFill>
+                  <a:srgbClr val="A5A5A5">
+                    <a:lumMod val="75000"/>
+                  </a:srgbClr>
+                </a:solidFill>
+                <a:latin typeface="Segoe UI" panose="020B0502040204020203" pitchFamily="34" charset="0"/>
+                <a:cs typeface="Segoe UI" panose="020B0502040204020203" pitchFamily="34" charset="0"/>
+              </a:rPr>
+              <a:t>Name of the Virtual Network where you want to create the Private Endpoints. (i.e. </a:t>
+            </a:r>
+            <a:r>
+              <a:rPr lang="en-US" sz="800" dirty="0" err="1">
+                <a:solidFill>
+                  <a:srgbClr val="A5A5A5">
+                    <a:lumMod val="75000"/>
+                  </a:srgbClr>
+                </a:solidFill>
+                <a:latin typeface="Segoe UI" panose="020B0502040204020203" pitchFamily="34" charset="0"/>
+                <a:cs typeface="Segoe UI" panose="020B0502040204020203" pitchFamily="34" charset="0"/>
+              </a:rPr>
+              <a:t>vnet</a:t>
+            </a:r>
+            <a:r>
+              <a:rPr lang="en-US" sz="800" dirty="0">
+                <a:solidFill>
+                  <a:srgbClr val="A5A5A5">
+                    <a:lumMod val="75000"/>
+                  </a:srgbClr>
+                </a:solidFill>
+                <a:latin typeface="Segoe UI" panose="020B0502040204020203" pitchFamily="34" charset="0"/>
+                <a:cs typeface="Segoe UI" panose="020B0502040204020203" pitchFamily="34" charset="0"/>
+              </a:rPr>
+              <a:t>-data-platform)</a:t>
+            </a:r>
+          </a:p>
+          <a:p>
+            <a:pPr marL="628650" lvl="1" indent="-171450">
+              <a:buFont typeface="Arial" panose="020B0604020202020204" pitchFamily="34" charset="0"/>
+              <a:buChar char="•"/>
+              <a:defRPr/>
+            </a:pPr>
+            <a:r>
+              <a:rPr lang="en-US" sz="800" b="1" dirty="0" err="1">
+                <a:solidFill>
+                  <a:srgbClr val="A5A5A5">
+                    <a:lumMod val="75000"/>
+                  </a:srgbClr>
+                </a:solidFill>
+                <a:latin typeface="Segoe UI" panose="020B0502040204020203" pitchFamily="34" charset="0"/>
+                <a:cs typeface="Segoe UI" panose="020B0502040204020203" pitchFamily="34" charset="0"/>
+              </a:rPr>
+              <a:t>private_endpoint_virtual_network_subnet</a:t>
+            </a:r>
+            <a:r>
+              <a:rPr lang="en-US" sz="800" b="1" dirty="0">
+                <a:solidFill>
+                  <a:srgbClr val="A5A5A5">
+                    <a:lumMod val="75000"/>
+                  </a:srgbClr>
+                </a:solidFill>
+                <a:latin typeface="Segoe UI" panose="020B0502040204020203" pitchFamily="34" charset="0"/>
+                <a:cs typeface="Segoe UI" panose="020B0502040204020203" pitchFamily="34" charset="0"/>
+              </a:rPr>
+              <a:t> </a:t>
+            </a:r>
+            <a:r>
+              <a:rPr lang="en-US" sz="800" dirty="0">
+                <a:solidFill>
+                  <a:srgbClr val="A5A5A5">
+                    <a:lumMod val="75000"/>
+                  </a:srgbClr>
+                </a:solidFill>
+                <a:latin typeface="Segoe UI" panose="020B0502040204020203" pitchFamily="34" charset="0"/>
+                <a:cs typeface="Segoe UI" panose="020B0502040204020203" pitchFamily="34" charset="0"/>
+              </a:rPr>
+              <a:t>Name of the Subnet within the Virtual Network where you want to create the Private Endpoints. (i.e. private-endpoint-subnet)</a:t>
+            </a:r>
+          </a:p>
+        </p:txBody>
+      </p:sp>
+      <p:pic>
+        <p:nvPicPr>
+          <p:cNvPr id="6" name="Picture 5" descr="cut-shadow.png">
+            <a:extLst>
+              <a:ext uri="{FF2B5EF4-FFF2-40B4-BE49-F238E27FC236}">
+                <a16:creationId xmlns:a16="http://schemas.microsoft.com/office/drawing/2014/main" id="{F09D7B0D-EEC5-4CFB-97BE-6E563E5A11B1}"/>
+              </a:ext>
+            </a:extLst>
+          </p:cNvPr>
+          <p:cNvPicPr>
+            <a:picLocks noChangeAspect="1"/>
+          </p:cNvPicPr>
+          <p:nvPr/>
+        </p:nvPicPr>
+        <p:blipFill rotWithShape="1">
+          <a:blip r:embed="rId9" cstate="email">
+            <a:extLst>
+              <a:ext uri="{28A0092B-C50C-407E-A947-70E740481C1C}">
+                <a14:useLocalDpi xmlns:a14="http://schemas.microsoft.com/office/drawing/2010/main"/>
+              </a:ext>
+            </a:extLst>
+          </a:blip>
+          <a:srcRect/>
+          <a:stretch/>
+        </p:blipFill>
+        <p:spPr>
+          <a:xfrm rot="10800000">
+            <a:off x="5405825" y="578855"/>
+            <a:ext cx="426826" cy="6279145"/>
+          </a:xfrm>
+          <a:prstGeom prst="rect">
+            <a:avLst/>
+          </a:prstGeom>
+        </p:spPr>
+      </p:pic>
+    </p:spTree>
+    <p:extLst>
+      <p:ext uri="{BB962C8B-B14F-4D97-AF65-F5344CB8AC3E}">
+        <p14:creationId xmlns:p14="http://schemas.microsoft.com/office/powerpoint/2010/main" val="582635917"/>
+      </p:ext>
+    </p:extLst>
+  </p:cSld>
+  <p:clrMapOvr>
+    <a:masterClrMapping/>
+  </p:clrMapOvr>
+  <mc:AlternateContent xmlns:mc="http://schemas.openxmlformats.org/markup-compatibility/2006" xmlns:p159="http://schemas.microsoft.com/office/powerpoint/2015/09/main">
+    <mc:Choice Requires="p159">
+      <p:transition xmlns:p14="http://schemas.microsoft.com/office/powerpoint/2010/main" spd="slow" p14:dur="2000">
+        <p159:morph option="byObject"/>
+      </p:transition>
+    </mc:Choice>
+    <mc:Fallback xmlns="">
+      <p:transition spd="slow">
+        <p:fade/>
+      </p:transition>
+    </mc:Fallback>
+  </mc:AlternateContent>
+</p:sld>
+</file>
+
+<file path=ppt/slides/slide5.xml><?xml version="1.0" encoding="utf-8"?>
+<p:sld xmlns:a="http://schemas.openxmlformats.org/drawingml/2006/main" xmlns:r="http://schemas.openxmlformats.org/officeDocument/2006/relationships" xmlns:p="http://schemas.openxmlformats.org/presentationml/2006/main">
+  <p:cSld>
+    <p:spTree>
+      <p:nvGrpSpPr>
+        <p:cNvPr id="1" name=""/>
+        <p:cNvGrpSpPr/>
+        <p:nvPr/>
+      </p:nvGrpSpPr>
+      <p:grpSpPr>
+        <a:xfrm>
+          <a:off x="0" y="0"/>
+          <a:ext cx="0" cy="0"/>
+          <a:chOff x="0" y="0"/>
+          <a:chExt cx="0" cy="0"/>
+        </a:xfrm>
+      </p:grpSpPr>
+      <p:grpSp>
+        <p:nvGrpSpPr>
+          <p:cNvPr id="203" name="Group 202">
+            <a:extLst>
+              <a:ext uri="{FF2B5EF4-FFF2-40B4-BE49-F238E27FC236}">
+                <a16:creationId xmlns:a16="http://schemas.microsoft.com/office/drawing/2014/main" id="{11C81F7D-9BC0-47BB-BA6C-1C310E37AEEC}"/>
+              </a:ext>
+            </a:extLst>
+          </p:cNvPr>
+          <p:cNvGrpSpPr/>
+          <p:nvPr/>
+        </p:nvGrpSpPr>
+        <p:grpSpPr>
+          <a:xfrm>
+            <a:off x="0" y="9581"/>
+            <a:ext cx="12192000" cy="569275"/>
+            <a:chOff x="243216" y="1170441"/>
+            <a:chExt cx="11690086" cy="569275"/>
+          </a:xfrm>
+        </p:grpSpPr>
+        <p:sp>
+          <p:nvSpPr>
+            <p:cNvPr id="207" name="Rectangle 206">
+              <a:extLst>
+                <a:ext uri="{FF2B5EF4-FFF2-40B4-BE49-F238E27FC236}">
+                  <a16:creationId xmlns:a16="http://schemas.microsoft.com/office/drawing/2014/main" id="{102E8933-C65F-41AF-A34C-1070540102FB}"/>
+                </a:ext>
+              </a:extLst>
+            </p:cNvPr>
+            <p:cNvSpPr/>
+            <p:nvPr/>
+          </p:nvSpPr>
+          <p:spPr>
+            <a:xfrm>
+              <a:off x="245887" y="1170441"/>
+              <a:ext cx="11687415" cy="569275"/>
+            </a:xfrm>
+            <a:prstGeom prst="rect">
+              <a:avLst/>
+            </a:prstGeom>
+            <a:solidFill>
+              <a:srgbClr val="A5A5A5">
+                <a:lumMod val="20000"/>
+                <a:lumOff val="80000"/>
+              </a:srgbClr>
+            </a:solidFill>
+            <a:ln w="12700" cap="flat" cmpd="sng" algn="ctr">
+              <a:noFill/>
+              <a:prstDash val="solid"/>
+              <a:miter lim="800000"/>
+            </a:ln>
+            <a:effectLst/>
+          </p:spPr>
+          <p:txBody>
+            <a:bodyPr rtlCol="0" anchor="ctr"/>
+            <a:lstStyle/>
+            <a:p>
+              <a:pPr marL="0" marR="0" lvl="0" indent="0" algn="ctr" defTabSz="457200" rtl="0" eaLnBrk="1" fontAlgn="auto" latinLnBrk="0" hangingPunct="1">
+                <a:lnSpc>
+                  <a:spcPct val="100000"/>
+                </a:lnSpc>
+                <a:spcBef>
+                  <a:spcPts val="0"/>
+                </a:spcBef>
+                <a:spcAft>
+                  <a:spcPts val="0"/>
+                </a:spcAft>
+                <a:buClrTx/>
+                <a:buSzTx/>
+                <a:buFontTx/>
+                <a:buNone/>
+                <a:tabLst/>
+                <a:defRPr/>
+              </a:pPr>
+              <a:endParaRPr kumimoji="0" lang="en-US" sz="1800" b="0" i="0" u="none" strike="noStrike" kern="0" cap="none" spc="0" normalizeH="0" baseline="0" noProof="0">
+                <a:ln>
+                  <a:noFill/>
+                </a:ln>
+                <a:solidFill>
+                  <a:prstClr val="white"/>
+                </a:solidFill>
+                <a:effectLst/>
+                <a:uLnTx/>
+                <a:uFillTx/>
+                <a:latin typeface="Corbel" panose="020B0503020204020204"/>
+                <a:ea typeface="+mn-ea"/>
+                <a:cs typeface="+mn-cs"/>
+              </a:endParaRPr>
+            </a:p>
+          </p:txBody>
+        </p:sp>
+        <p:cxnSp>
+          <p:nvCxnSpPr>
+            <p:cNvPr id="210" name="Straight Connector 209">
+              <a:extLst>
+                <a:ext uri="{FF2B5EF4-FFF2-40B4-BE49-F238E27FC236}">
+                  <a16:creationId xmlns:a16="http://schemas.microsoft.com/office/drawing/2014/main" id="{53500837-5B19-439B-B2E4-FBD42527FE0C}"/>
+                </a:ext>
+              </a:extLst>
+            </p:cNvPr>
+            <p:cNvCxnSpPr>
+              <a:cxnSpLocks/>
+            </p:cNvCxnSpPr>
+            <p:nvPr/>
+          </p:nvCxnSpPr>
+          <p:spPr>
+            <a:xfrm>
+              <a:off x="243216" y="1713553"/>
+              <a:ext cx="11690085" cy="0"/>
+            </a:xfrm>
+            <a:prstGeom prst="line">
+              <a:avLst/>
+            </a:prstGeom>
+            <a:noFill/>
+            <a:ln w="38100" cap="flat" cmpd="sng" algn="ctr">
+              <a:solidFill>
+                <a:srgbClr val="A5A5A5">
+                  <a:lumMod val="75000"/>
+                </a:srgbClr>
+              </a:solidFill>
+              <a:prstDash val="solid"/>
+              <a:miter lim="800000"/>
+            </a:ln>
+            <a:effectLst/>
+          </p:spPr>
+        </p:cxnSp>
+      </p:grpSp>
+      <p:sp>
+        <p:nvSpPr>
+          <p:cNvPr id="214" name="Title 1">
+            <a:extLst>
+              <a:ext uri="{FF2B5EF4-FFF2-40B4-BE49-F238E27FC236}">
+                <a16:creationId xmlns:a16="http://schemas.microsoft.com/office/drawing/2014/main" id="{9D7C1305-37EC-47CD-A6FA-5508170A9BE8}"/>
+              </a:ext>
+            </a:extLst>
+          </p:cNvPr>
+          <p:cNvSpPr txBox="1">
+            <a:spLocks/>
+          </p:cNvSpPr>
+          <p:nvPr/>
+        </p:nvSpPr>
+        <p:spPr>
+          <a:xfrm>
+            <a:off x="126717" y="78654"/>
+            <a:ext cx="10515600" cy="431128"/>
+          </a:xfrm>
+          <a:prstGeom prst="rect">
+            <a:avLst/>
+          </a:prstGeom>
+        </p:spPr>
+        <p:txBody>
+          <a:bodyPr vert="horz" lIns="91440" tIns="45720" rIns="91440" bIns="45720" rtlCol="0" anchor="b">
+            <a:normAutofit fontScale="92500" lnSpcReduction="10000"/>
+          </a:bodyPr>
+          <a:lstStyle>
+            <a:lvl1pPr algn="ctr" defTabSz="914400" rtl="0" eaLnBrk="1" latinLnBrk="0" hangingPunct="1">
+              <a:lnSpc>
+                <a:spcPct val="90000"/>
+              </a:lnSpc>
+              <a:spcBef>
+                <a:spcPct val="0"/>
+              </a:spcBef>
+              <a:buNone/>
+              <a:defRPr kumimoji="0" lang="en-US" sz="2800" b="0" i="0" u="none" strike="noStrike" kern="1200" cap="none" spc="0" normalizeH="0" baseline="0" smtClean="0">
+                <a:ln>
+                  <a:noFill/>
+                </a:ln>
+                <a:solidFill>
+                  <a:srgbClr val="2D9ED8"/>
+                </a:solidFill>
+                <a:effectLst/>
+                <a:uLnTx/>
+                <a:uFillTx/>
+                <a:latin typeface="Segoe UI Light" panose="020B0502040204020203" pitchFamily="34" charset="0"/>
+                <a:ea typeface="+mn-ea"/>
+                <a:cs typeface="Segoe UI Light" panose="020B0502040204020203" pitchFamily="34" charset="0"/>
+              </a:defRPr>
+            </a:lvl1pPr>
+          </a:lstStyle>
+          <a:p>
+            <a:pPr marL="0" marR="0" lvl="0" indent="0" algn="l" defTabSz="914400" rtl="0" eaLnBrk="1" fontAlgn="auto" latinLnBrk="0" hangingPunct="1">
+              <a:lnSpc>
+                <a:spcPct val="90000"/>
+              </a:lnSpc>
+              <a:spcBef>
+                <a:spcPct val="0"/>
+              </a:spcBef>
+              <a:spcAft>
+                <a:spcPts val="0"/>
+              </a:spcAft>
+              <a:buClrTx/>
+              <a:buSzTx/>
+              <a:buFontTx/>
+              <a:buNone/>
+              <a:tabLst/>
+              <a:defRPr/>
+            </a:pPr>
+            <a:r>
+              <a:rPr kumimoji="0" lang="en-US" sz="2800" b="1" i="0" u="none" strike="noStrike" kern="1200" cap="none" spc="0" normalizeH="0" baseline="0" noProof="0" dirty="0">
+                <a:ln>
+                  <a:noFill/>
+                </a:ln>
+                <a:solidFill>
+                  <a:srgbClr val="A5A5A5">
+                    <a:lumMod val="75000"/>
+                  </a:srgbClr>
+                </a:solidFill>
+                <a:effectLst/>
+                <a:uLnTx/>
+                <a:uFillTx/>
+                <a:latin typeface="Segoe UI Light" panose="020B0502040204020203" pitchFamily="34" charset="0"/>
+                <a:ea typeface="+mn-ea"/>
+                <a:cs typeface="Segoe UI Light" panose="020B0502040204020203" pitchFamily="34" charset="0"/>
+              </a:rPr>
               <a:t>Networking &amp; Connectivity (Public)</a:t>
             </a:r>
             <a:endParaRPr kumimoji="0" lang="en-US" sz="2800" b="0" i="0" u="none" strike="noStrike" kern="1200" cap="none" spc="0" normalizeH="0" baseline="0" noProof="0" dirty="0">
@@ -10990,7 +19379,7 @@
 </p:sld>
 </file>
 
-<file path=ppt/slides/slide4.xml><?xml version="1.0" encoding="utf-8"?>
+<file path=ppt/slides/slide6.xml><?xml version="1.0" encoding="utf-8"?>
 <p:sld xmlns:a="http://schemas.openxmlformats.org/drawingml/2006/main" xmlns:r="http://schemas.openxmlformats.org/officeDocument/2006/relationships" xmlns:p="http://schemas.openxmlformats.org/presentationml/2006/main">
   <p:cSld>
     <p:spTree>
@@ -15091,7 +23480,7 @@
 </p:sld>
 </file>
 
-<file path=ppt/slides/slide5.xml><?xml version="1.0" encoding="utf-8"?>
+<file path=ppt/slides/slide7.xml><?xml version="1.0" encoding="utf-8"?>
 <p:sld xmlns:a="http://schemas.openxmlformats.org/drawingml/2006/main" xmlns:r="http://schemas.openxmlformats.org/officeDocument/2006/relationships" xmlns:p="http://schemas.openxmlformats.org/presentationml/2006/main">
   <p:cSld>
     <p:spTree>
@@ -18866,7 +27255,7 @@
 </p:sld>
 </file>
 
-<file path=ppt/slides/slide6.xml><?xml version="1.0" encoding="utf-8"?>
+<file path=ppt/slides/slide8.xml><?xml version="1.0" encoding="utf-8"?>
 <p:sld xmlns:a="http://schemas.openxmlformats.org/drawingml/2006/main" xmlns:r="http://schemas.openxmlformats.org/officeDocument/2006/relationships" xmlns:p="http://schemas.openxmlformats.org/presentationml/2006/main">
   <p:cSld>
     <p:spTree>

--- a/Azure Synapse Analytics PoC Environment.pptx
+++ b/Azure Synapse Analytics PoC Environment.pptx
@@ -266,7 +266,7 @@
           <a:p>
             <a:fld id="{440A345A-3D28-4D0B-AD34-7B8B4219FF1D}" type="datetimeFigureOut">
               <a:rPr lang="en-US" smtClean="0"/>
-              <a:t>11/22/2021</a:t>
+              <a:t>11/23/2021</a:t>
             </a:fld>
             <a:endParaRPr lang="en-US"/>
           </a:p>
@@ -464,7 +464,7 @@
           <a:p>
             <a:fld id="{440A345A-3D28-4D0B-AD34-7B8B4219FF1D}" type="datetimeFigureOut">
               <a:rPr lang="en-US" smtClean="0"/>
-              <a:t>11/22/2021</a:t>
+              <a:t>11/23/2021</a:t>
             </a:fld>
             <a:endParaRPr lang="en-US"/>
           </a:p>
@@ -672,7 +672,7 @@
           <a:p>
             <a:fld id="{440A345A-3D28-4D0B-AD34-7B8B4219FF1D}" type="datetimeFigureOut">
               <a:rPr lang="en-US" smtClean="0"/>
-              <a:t>11/22/2021</a:t>
+              <a:t>11/23/2021</a:t>
             </a:fld>
             <a:endParaRPr lang="en-US"/>
           </a:p>
@@ -870,7 +870,7 @@
           <a:p>
             <a:fld id="{440A345A-3D28-4D0B-AD34-7B8B4219FF1D}" type="datetimeFigureOut">
               <a:rPr lang="en-US" smtClean="0"/>
-              <a:t>11/22/2021</a:t>
+              <a:t>11/23/2021</a:t>
             </a:fld>
             <a:endParaRPr lang="en-US"/>
           </a:p>
@@ -1145,7 +1145,7 @@
           <a:p>
             <a:fld id="{440A345A-3D28-4D0B-AD34-7B8B4219FF1D}" type="datetimeFigureOut">
               <a:rPr lang="en-US" smtClean="0"/>
-              <a:t>11/22/2021</a:t>
+              <a:t>11/23/2021</a:t>
             </a:fld>
             <a:endParaRPr lang="en-US"/>
           </a:p>
@@ -1410,7 +1410,7 @@
           <a:p>
             <a:fld id="{440A345A-3D28-4D0B-AD34-7B8B4219FF1D}" type="datetimeFigureOut">
               <a:rPr lang="en-US" smtClean="0"/>
-              <a:t>11/22/2021</a:t>
+              <a:t>11/23/2021</a:t>
             </a:fld>
             <a:endParaRPr lang="en-US"/>
           </a:p>
@@ -1822,7 +1822,7 @@
           <a:p>
             <a:fld id="{440A345A-3D28-4D0B-AD34-7B8B4219FF1D}" type="datetimeFigureOut">
               <a:rPr lang="en-US" smtClean="0"/>
-              <a:t>11/22/2021</a:t>
+              <a:t>11/23/2021</a:t>
             </a:fld>
             <a:endParaRPr lang="en-US"/>
           </a:p>
@@ -1963,7 +1963,7 @@
           <a:p>
             <a:fld id="{440A345A-3D28-4D0B-AD34-7B8B4219FF1D}" type="datetimeFigureOut">
               <a:rPr lang="en-US" smtClean="0"/>
-              <a:t>11/22/2021</a:t>
+              <a:t>11/23/2021</a:t>
             </a:fld>
             <a:endParaRPr lang="en-US"/>
           </a:p>
@@ -2076,7 +2076,7 @@
           <a:p>
             <a:fld id="{440A345A-3D28-4D0B-AD34-7B8B4219FF1D}" type="datetimeFigureOut">
               <a:rPr lang="en-US" smtClean="0"/>
-              <a:t>11/22/2021</a:t>
+              <a:t>11/23/2021</a:t>
             </a:fld>
             <a:endParaRPr lang="en-US"/>
           </a:p>
@@ -2387,7 +2387,7 @@
           <a:p>
             <a:fld id="{440A345A-3D28-4D0B-AD34-7B8B4219FF1D}" type="datetimeFigureOut">
               <a:rPr lang="en-US" smtClean="0"/>
-              <a:t>11/22/2021</a:t>
+              <a:t>11/23/2021</a:t>
             </a:fld>
             <a:endParaRPr lang="en-US"/>
           </a:p>
@@ -2675,7 +2675,7 @@
           <a:p>
             <a:fld id="{440A345A-3D28-4D0B-AD34-7B8B4219FF1D}" type="datetimeFigureOut">
               <a:rPr lang="en-US" smtClean="0"/>
-              <a:t>11/22/2021</a:t>
+              <a:t>11/23/2021</a:t>
             </a:fld>
             <a:endParaRPr lang="en-US"/>
           </a:p>
@@ -2916,7 +2916,7 @@
           <a:p>
             <a:fld id="{440A345A-3D28-4D0B-AD34-7B8B4219FF1D}" type="datetimeFigureOut">
               <a:rPr lang="en-US" smtClean="0"/>
-              <a:t>11/22/2021</a:t>
+              <a:t>11/23/2021</a:t>
             </a:fld>
             <a:endParaRPr lang="en-US"/>
           </a:p>
@@ -15649,7 +15649,26 @@
                 <a:ea typeface="+mn-ea"/>
                 <a:cs typeface="Segoe UI" panose="020B0502040204020203" pitchFamily="34" charset="0"/>
               </a:rPr>
-              <a:t>=Terraform deploy</a:t>
+              <a:t>=</a:t>
+            </a:r>
+            <a:r>
+              <a:rPr kumimoji="0" lang="en-US" sz="800" b="0" i="0" u="none" strike="noStrike" kern="1200" cap="none" spc="0" normalizeH="0" baseline="0" noProof="0">
+                <a:ln>
+                  <a:noFill/>
+                </a:ln>
+                <a:solidFill>
+                  <a:srgbClr val="A5A5A5">
+                    <a:lumMod val="75000"/>
+                  </a:srgbClr>
+                </a:solidFill>
+                <a:effectLst/>
+                <a:uLnTx/>
+                <a:uFillTx/>
+                <a:latin typeface="Segoe UI" panose="020B0502040204020203" pitchFamily="34" charset="0"/>
+                <a:ea typeface="+mn-ea"/>
+                <a:cs typeface="Segoe UI" panose="020B0502040204020203" pitchFamily="34" charset="0"/>
+              </a:rPr>
+              <a:t>Terraform apply</a:t>
             </a:r>
             <a:endParaRPr lang="en-US" sz="800" dirty="0">
               <a:solidFill>
